--- a/Assets/Resources/アイコン作成.pptx
+++ b/Assets/Resources/アイコン作成.pptx
@@ -7092,6 +7092,58 @@
           </a:p>
         </p:txBody>
       </p:sp>
+      <p:sp>
+        <p:nvSpPr>
+          <p:cNvPr id="23" name="四角形: 角を丸くする 22">
+            <a:extLst>
+              <a:ext uri="{FF2B5EF4-FFF2-40B4-BE49-F238E27FC236}">
+                <a16:creationId xmlns:a16="http://schemas.microsoft.com/office/drawing/2014/main" id="{BFA1928E-01CA-73C7-5C64-D75559EBBE76}"/>
+              </a:ext>
+            </a:extLst>
+          </p:cNvPr>
+          <p:cNvSpPr/>
+          <p:nvPr/>
+        </p:nvSpPr>
+        <p:spPr>
+          <a:xfrm>
+            <a:off x="9377680" y="1391920"/>
+            <a:ext cx="1381760" cy="477520"/>
+          </a:xfrm>
+          <a:prstGeom prst="roundRect">
+            <a:avLst/>
+          </a:prstGeom>
+          <a:solidFill>
+            <a:srgbClr val="DDE0FF"/>
+          </a:solidFill>
+          <a:ln>
+            <a:noFill/>
+          </a:ln>
+        </p:spPr>
+        <p:style>
+          <a:lnRef idx="2">
+            <a:schemeClr val="accent1">
+              <a:shade val="15000"/>
+            </a:schemeClr>
+          </a:lnRef>
+          <a:fillRef idx="1">
+            <a:schemeClr val="accent1"/>
+          </a:fillRef>
+          <a:effectRef idx="0">
+            <a:schemeClr val="accent1"/>
+          </a:effectRef>
+          <a:fontRef idx="minor">
+            <a:schemeClr val="lt1"/>
+          </a:fontRef>
+        </p:style>
+        <p:txBody>
+          <a:bodyPr rtlCol="0" anchor="ctr"/>
+          <a:lstStyle/>
+          <a:p>
+            <a:pPr algn="ctr"/>
+            <a:endParaRPr kumimoji="1" lang="ja-JP" altLang="en-US"/>
+          </a:p>
+        </p:txBody>
+      </p:sp>
     </p:spTree>
     <p:extLst>
       <p:ext uri="{BB962C8B-B14F-4D97-AF65-F5344CB8AC3E}">

--- a/Assets/Resources/アイコン作成.pptx
+++ b/Assets/Resources/アイコン作成.pptx
@@ -13,6 +13,8 @@
     <p:sldId id="262" r:id="rId7"/>
     <p:sldId id="263" r:id="rId8"/>
     <p:sldId id="264" r:id="rId9"/>
+    <p:sldId id="265" r:id="rId10"/>
+    <p:sldId id="266" r:id="rId11"/>
   </p:sldIdLst>
   <p:sldSz cx="12192000" cy="6858000"/>
   <p:notesSz cx="6858000" cy="9144000"/>
@@ -111,6 +113,11 @@
       </a:defRPr>
     </a:lvl9pPr>
   </p:defaultTextStyle>
+  <p:extLst>
+    <p:ext uri="{EFAFB233-063F-42B5-8137-9DF3F51BA10A}">
+      <p15:sldGuideLst xmlns:p15="http://schemas.microsoft.com/office/powerpoint/2012/main"/>
+    </p:ext>
+  </p:extLst>
 </p:presentation>
 </file>
 
@@ -261,7 +268,7 @@
           <a:p>
             <a:fld id="{C86328C3-D5F4-4C2C-ACFC-4B0C4F5663EC}" type="datetimeFigureOut">
               <a:rPr kumimoji="1" lang="ja-JP" altLang="en-US" smtClean="0"/>
-              <a:t>2025/7/15</a:t>
+              <a:t>2025/7/17</a:t>
             </a:fld>
             <a:endParaRPr kumimoji="1" lang="ja-JP" altLang="en-US"/>
           </a:p>
@@ -491,7 +498,7 @@
           <a:p>
             <a:fld id="{C86328C3-D5F4-4C2C-ACFC-4B0C4F5663EC}" type="datetimeFigureOut">
               <a:rPr kumimoji="1" lang="ja-JP" altLang="en-US" smtClean="0"/>
-              <a:t>2025/7/15</a:t>
+              <a:t>2025/7/17</a:t>
             </a:fld>
             <a:endParaRPr kumimoji="1" lang="ja-JP" altLang="en-US"/>
           </a:p>
@@ -731,7 +738,7 @@
           <a:p>
             <a:fld id="{C86328C3-D5F4-4C2C-ACFC-4B0C4F5663EC}" type="datetimeFigureOut">
               <a:rPr kumimoji="1" lang="ja-JP" altLang="en-US" smtClean="0"/>
-              <a:t>2025/7/15</a:t>
+              <a:t>2025/7/17</a:t>
             </a:fld>
             <a:endParaRPr kumimoji="1" lang="ja-JP" altLang="en-US"/>
           </a:p>
@@ -961,7 +968,7 @@
           <a:p>
             <a:fld id="{C86328C3-D5F4-4C2C-ACFC-4B0C4F5663EC}" type="datetimeFigureOut">
               <a:rPr kumimoji="1" lang="ja-JP" altLang="en-US" smtClean="0"/>
-              <a:t>2025/7/15</a:t>
+              <a:t>2025/7/17</a:t>
             </a:fld>
             <a:endParaRPr kumimoji="1" lang="ja-JP" altLang="en-US"/>
           </a:p>
@@ -1236,7 +1243,7 @@
           <a:p>
             <a:fld id="{C86328C3-D5F4-4C2C-ACFC-4B0C4F5663EC}" type="datetimeFigureOut">
               <a:rPr kumimoji="1" lang="ja-JP" altLang="en-US" smtClean="0"/>
-              <a:t>2025/7/15</a:t>
+              <a:t>2025/7/17</a:t>
             </a:fld>
             <a:endParaRPr kumimoji="1" lang="ja-JP" altLang="en-US"/>
           </a:p>
@@ -1565,7 +1572,7 @@
           <a:p>
             <a:fld id="{C86328C3-D5F4-4C2C-ACFC-4B0C4F5663EC}" type="datetimeFigureOut">
               <a:rPr kumimoji="1" lang="ja-JP" altLang="en-US" smtClean="0"/>
-              <a:t>2025/7/15</a:t>
+              <a:t>2025/7/17</a:t>
             </a:fld>
             <a:endParaRPr kumimoji="1" lang="ja-JP" altLang="en-US"/>
           </a:p>
@@ -2041,7 +2048,7 @@
           <a:p>
             <a:fld id="{C86328C3-D5F4-4C2C-ACFC-4B0C4F5663EC}" type="datetimeFigureOut">
               <a:rPr kumimoji="1" lang="ja-JP" altLang="en-US" smtClean="0"/>
-              <a:t>2025/7/15</a:t>
+              <a:t>2025/7/17</a:t>
             </a:fld>
             <a:endParaRPr kumimoji="1" lang="ja-JP" altLang="en-US"/>
           </a:p>
@@ -2182,7 +2189,7 @@
           <a:p>
             <a:fld id="{C86328C3-D5F4-4C2C-ACFC-4B0C4F5663EC}" type="datetimeFigureOut">
               <a:rPr kumimoji="1" lang="ja-JP" altLang="en-US" smtClean="0"/>
-              <a:t>2025/7/15</a:t>
+              <a:t>2025/7/17</a:t>
             </a:fld>
             <a:endParaRPr kumimoji="1" lang="ja-JP" altLang="en-US"/>
           </a:p>
@@ -2295,7 +2302,7 @@
           <a:p>
             <a:fld id="{C86328C3-D5F4-4C2C-ACFC-4B0C4F5663EC}" type="datetimeFigureOut">
               <a:rPr kumimoji="1" lang="ja-JP" altLang="en-US" smtClean="0"/>
-              <a:t>2025/7/15</a:t>
+              <a:t>2025/7/17</a:t>
             </a:fld>
             <a:endParaRPr kumimoji="1" lang="ja-JP" altLang="en-US"/>
           </a:p>
@@ -2638,7 +2645,7 @@
           <a:p>
             <a:fld id="{C86328C3-D5F4-4C2C-ACFC-4B0C4F5663EC}" type="datetimeFigureOut">
               <a:rPr kumimoji="1" lang="ja-JP" altLang="en-US" smtClean="0"/>
-              <a:t>2025/7/15</a:t>
+              <a:t>2025/7/17</a:t>
             </a:fld>
             <a:endParaRPr kumimoji="1" lang="ja-JP" altLang="en-US"/>
           </a:p>
@@ -2926,7 +2933,7 @@
           <a:p>
             <a:fld id="{C86328C3-D5F4-4C2C-ACFC-4B0C4F5663EC}" type="datetimeFigureOut">
               <a:rPr kumimoji="1" lang="ja-JP" altLang="en-US" smtClean="0"/>
-              <a:t>2025/7/15</a:t>
+              <a:t>2025/7/17</a:t>
             </a:fld>
             <a:endParaRPr kumimoji="1" lang="ja-JP" altLang="en-US"/>
           </a:p>
@@ -3199,7 +3206,7 @@
           <a:p>
             <a:fld id="{C86328C3-D5F4-4C2C-ACFC-4B0C4F5663EC}" type="datetimeFigureOut">
               <a:rPr kumimoji="1" lang="ja-JP" altLang="en-US" smtClean="0"/>
-              <a:t>2025/7/15</a:t>
+              <a:t>2025/7/17</a:t>
             </a:fld>
             <a:endParaRPr kumimoji="1" lang="ja-JP" altLang="en-US"/>
           </a:p>
@@ -3676,6 +3683,1333 @@
 </p:sld>
 </file>
 
+<file path=ppt/slides/slide10.xml><?xml version="1.0" encoding="utf-8"?>
+<p:sld xmlns:a="http://schemas.openxmlformats.org/drawingml/2006/main" xmlns:r="http://schemas.openxmlformats.org/officeDocument/2006/relationships" xmlns:p="http://schemas.openxmlformats.org/presentationml/2006/main">
+  <p:cSld>
+    <p:spTree>
+      <p:nvGrpSpPr>
+        <p:cNvPr id="1" name="">
+          <a:extLst>
+            <a:ext uri="{FF2B5EF4-FFF2-40B4-BE49-F238E27FC236}">
+              <a16:creationId xmlns:a16="http://schemas.microsoft.com/office/drawing/2014/main" id="{DCA4F40F-D376-48D6-0B0C-8802F0E03C52}"/>
+            </a:ext>
+          </a:extLst>
+        </p:cNvPr>
+        <p:cNvGrpSpPr/>
+        <p:nvPr/>
+      </p:nvGrpSpPr>
+      <p:grpSpPr>
+        <a:xfrm>
+          <a:off x="0" y="0"/>
+          <a:ext cx="0" cy="0"/>
+          <a:chOff x="0" y="0"/>
+          <a:chExt cx="0" cy="0"/>
+        </a:xfrm>
+      </p:grpSpPr>
+      <p:pic>
+        <p:nvPicPr>
+          <p:cNvPr id="3" name="グラフィックス 2" descr="拡大鏡 単色塗りつぶし">
+            <a:extLst>
+              <a:ext uri="{FF2B5EF4-FFF2-40B4-BE49-F238E27FC236}">
+                <a16:creationId xmlns:a16="http://schemas.microsoft.com/office/drawing/2014/main" id="{430053FE-33CE-3691-E4EA-94A73E3701D7}"/>
+              </a:ext>
+            </a:extLst>
+          </p:cNvPr>
+          <p:cNvPicPr>
+            <a:picLocks noChangeAspect="1"/>
+          </p:cNvPicPr>
+          <p:nvPr/>
+        </p:nvPicPr>
+        <p:blipFill>
+          <a:blip r:embed="rId2">
+            <a:extLst>
+              <a:ext uri="{96DAC541-7B7A-43D3-8B79-37D633B846F1}">
+                <asvg:svgBlip xmlns:asvg="http://schemas.microsoft.com/office/drawing/2016/SVG/main" r:embed="rId3"/>
+              </a:ext>
+            </a:extLst>
+          </a:blip>
+          <a:stretch>
+            <a:fillRect/>
+          </a:stretch>
+        </p:blipFill>
+        <p:spPr>
+          <a:xfrm>
+            <a:off x="11277600" y="4662949"/>
+            <a:ext cx="914400" cy="914400"/>
+          </a:xfrm>
+          <a:prstGeom prst="rect">
+            <a:avLst/>
+          </a:prstGeom>
+        </p:spPr>
+      </p:pic>
+      <p:sp>
+        <p:nvSpPr>
+          <p:cNvPr id="8" name="フローチャート: 端子 7">
+            <a:extLst>
+              <a:ext uri="{FF2B5EF4-FFF2-40B4-BE49-F238E27FC236}">
+                <a16:creationId xmlns:a16="http://schemas.microsoft.com/office/drawing/2014/main" id="{B85A663F-E839-1B3C-416A-70C5B0FF4362}"/>
+              </a:ext>
+            </a:extLst>
+          </p:cNvPr>
+          <p:cNvSpPr/>
+          <p:nvPr/>
+        </p:nvSpPr>
+        <p:spPr>
+          <a:xfrm>
+            <a:off x="516191" y="317091"/>
+            <a:ext cx="1260000" cy="720000"/>
+          </a:xfrm>
+          <a:prstGeom prst="flowChartTerminator">
+            <a:avLst/>
+          </a:prstGeom>
+          <a:solidFill>
+            <a:schemeClr val="tx1">
+              <a:lumMod val="50000"/>
+              <a:lumOff val="50000"/>
+            </a:schemeClr>
+          </a:solidFill>
+          <a:ln>
+            <a:noFill/>
+          </a:ln>
+        </p:spPr>
+        <p:style>
+          <a:lnRef idx="2">
+            <a:schemeClr val="accent1">
+              <a:shade val="15000"/>
+            </a:schemeClr>
+          </a:lnRef>
+          <a:fillRef idx="1">
+            <a:schemeClr val="accent1"/>
+          </a:fillRef>
+          <a:effectRef idx="0">
+            <a:schemeClr val="accent1"/>
+          </a:effectRef>
+          <a:fontRef idx="minor">
+            <a:schemeClr val="lt1"/>
+          </a:fontRef>
+        </p:style>
+        <p:txBody>
+          <a:bodyPr rtlCol="0" anchor="ctr"/>
+          <a:lstStyle/>
+          <a:p>
+            <a:pPr algn="ctr"/>
+            <a:r>
+              <a:rPr kumimoji="1" lang="ja-JP" altLang="en-US" sz="2000" b="1" dirty="0"/>
+              <a:t>護衛</a:t>
+            </a:r>
+            <a:endParaRPr kumimoji="1" lang="en-US" altLang="ja-JP" sz="2000" b="1" dirty="0"/>
+          </a:p>
+        </p:txBody>
+      </p:sp>
+      <p:sp>
+        <p:nvSpPr>
+          <p:cNvPr id="9" name="フローチャート: 端子 8">
+            <a:extLst>
+              <a:ext uri="{FF2B5EF4-FFF2-40B4-BE49-F238E27FC236}">
+                <a16:creationId xmlns:a16="http://schemas.microsoft.com/office/drawing/2014/main" id="{AD2C05B9-2B95-496D-1609-D9F0D91434FD}"/>
+              </a:ext>
+            </a:extLst>
+          </p:cNvPr>
+          <p:cNvSpPr/>
+          <p:nvPr/>
+        </p:nvSpPr>
+        <p:spPr>
+          <a:xfrm>
+            <a:off x="516191" y="1079091"/>
+            <a:ext cx="1260000" cy="720000"/>
+          </a:xfrm>
+          <a:prstGeom prst="flowChartTerminator">
+            <a:avLst/>
+          </a:prstGeom>
+          <a:solidFill>
+            <a:schemeClr val="tx1">
+              <a:lumMod val="50000"/>
+              <a:lumOff val="50000"/>
+            </a:schemeClr>
+          </a:solidFill>
+          <a:ln>
+            <a:noFill/>
+          </a:ln>
+        </p:spPr>
+        <p:style>
+          <a:lnRef idx="2">
+            <a:schemeClr val="accent1">
+              <a:shade val="15000"/>
+            </a:schemeClr>
+          </a:lnRef>
+          <a:fillRef idx="1">
+            <a:schemeClr val="accent1"/>
+          </a:fillRef>
+          <a:effectRef idx="0">
+            <a:schemeClr val="accent1"/>
+          </a:effectRef>
+          <a:fontRef idx="minor">
+            <a:schemeClr val="lt1"/>
+          </a:fontRef>
+        </p:style>
+        <p:txBody>
+          <a:bodyPr rtlCol="0" anchor="ctr"/>
+          <a:lstStyle/>
+          <a:p>
+            <a:pPr algn="ctr"/>
+            <a:r>
+              <a:rPr kumimoji="1" lang="ja-JP" altLang="en-US" sz="2000" b="1" dirty="0"/>
+              <a:t>果敢</a:t>
+            </a:r>
+          </a:p>
+        </p:txBody>
+      </p:sp>
+      <p:sp>
+        <p:nvSpPr>
+          <p:cNvPr id="10" name="フローチャート: 端子 9">
+            <a:extLst>
+              <a:ext uri="{FF2B5EF4-FFF2-40B4-BE49-F238E27FC236}">
+                <a16:creationId xmlns:a16="http://schemas.microsoft.com/office/drawing/2014/main" id="{D245331C-A135-F411-74ED-F2769D2A8DD9}"/>
+              </a:ext>
+            </a:extLst>
+          </p:cNvPr>
+          <p:cNvSpPr/>
+          <p:nvPr/>
+        </p:nvSpPr>
+        <p:spPr>
+          <a:xfrm>
+            <a:off x="594849" y="2151020"/>
+            <a:ext cx="1260000" cy="720000"/>
+          </a:xfrm>
+          <a:prstGeom prst="flowChartTerminator">
+            <a:avLst/>
+          </a:prstGeom>
+          <a:solidFill>
+            <a:schemeClr val="tx1">
+              <a:lumMod val="50000"/>
+              <a:lumOff val="50000"/>
+            </a:schemeClr>
+          </a:solidFill>
+          <a:ln>
+            <a:noFill/>
+          </a:ln>
+        </p:spPr>
+        <p:style>
+          <a:lnRef idx="2">
+            <a:schemeClr val="accent1">
+              <a:shade val="15000"/>
+            </a:schemeClr>
+          </a:lnRef>
+          <a:fillRef idx="1">
+            <a:schemeClr val="accent1"/>
+          </a:fillRef>
+          <a:effectRef idx="0">
+            <a:schemeClr val="accent1"/>
+          </a:effectRef>
+          <a:fontRef idx="minor">
+            <a:schemeClr val="lt1"/>
+          </a:fontRef>
+        </p:style>
+        <p:txBody>
+          <a:bodyPr rtlCol="0" anchor="ctr"/>
+          <a:lstStyle/>
+          <a:p>
+            <a:pPr algn="ctr"/>
+            <a:r>
+              <a:rPr kumimoji="1" lang="ja-JP" altLang="en-US" sz="2000" b="1" dirty="0"/>
+              <a:t>回避</a:t>
+            </a:r>
+          </a:p>
+        </p:txBody>
+      </p:sp>
+      <p:sp>
+        <p:nvSpPr>
+          <p:cNvPr id="11" name="フローチャート: 端子 10">
+            <a:extLst>
+              <a:ext uri="{FF2B5EF4-FFF2-40B4-BE49-F238E27FC236}">
+                <a16:creationId xmlns:a16="http://schemas.microsoft.com/office/drawing/2014/main" id="{61178906-C544-5167-DE0C-9A582364F4E7}"/>
+              </a:ext>
+            </a:extLst>
+          </p:cNvPr>
+          <p:cNvSpPr/>
+          <p:nvPr/>
+        </p:nvSpPr>
+        <p:spPr>
+          <a:xfrm>
+            <a:off x="594849" y="3110401"/>
+            <a:ext cx="1260000" cy="720000"/>
+          </a:xfrm>
+          <a:prstGeom prst="flowChartTerminator">
+            <a:avLst/>
+          </a:prstGeom>
+          <a:solidFill>
+            <a:schemeClr val="tx1">
+              <a:lumMod val="50000"/>
+              <a:lumOff val="50000"/>
+            </a:schemeClr>
+          </a:solidFill>
+          <a:ln>
+            <a:noFill/>
+          </a:ln>
+        </p:spPr>
+        <p:style>
+          <a:lnRef idx="2">
+            <a:schemeClr val="accent1">
+              <a:shade val="15000"/>
+            </a:schemeClr>
+          </a:lnRef>
+          <a:fillRef idx="1">
+            <a:schemeClr val="accent1"/>
+          </a:fillRef>
+          <a:effectRef idx="0">
+            <a:schemeClr val="accent1"/>
+          </a:effectRef>
+          <a:fontRef idx="minor">
+            <a:schemeClr val="lt1"/>
+          </a:fontRef>
+        </p:style>
+        <p:txBody>
+          <a:bodyPr rtlCol="0" anchor="ctr"/>
+          <a:lstStyle/>
+          <a:p>
+            <a:pPr algn="ctr"/>
+            <a:r>
+              <a:rPr lang="ja-JP" altLang="en-US" sz="2000" b="1" dirty="0"/>
+              <a:t>暴勇</a:t>
+            </a:r>
+            <a:endParaRPr lang="en-US" altLang="ja-JP" sz="2000" b="1" dirty="0"/>
+          </a:p>
+        </p:txBody>
+      </p:sp>
+      <p:sp>
+        <p:nvSpPr>
+          <p:cNvPr id="12" name="フローチャート: 端子 11">
+            <a:extLst>
+              <a:ext uri="{FF2B5EF4-FFF2-40B4-BE49-F238E27FC236}">
+                <a16:creationId xmlns:a16="http://schemas.microsoft.com/office/drawing/2014/main" id="{49EDD101-7E13-462C-FFC2-51907B1FCADF}"/>
+              </a:ext>
+            </a:extLst>
+          </p:cNvPr>
+          <p:cNvSpPr/>
+          <p:nvPr/>
+        </p:nvSpPr>
+        <p:spPr>
+          <a:xfrm>
+            <a:off x="516191" y="3942949"/>
+            <a:ext cx="1260000" cy="720000"/>
+          </a:xfrm>
+          <a:prstGeom prst="flowChartTerminator">
+            <a:avLst/>
+          </a:prstGeom>
+          <a:solidFill>
+            <a:schemeClr val="tx1">
+              <a:lumMod val="50000"/>
+              <a:lumOff val="50000"/>
+            </a:schemeClr>
+          </a:solidFill>
+          <a:ln>
+            <a:noFill/>
+          </a:ln>
+        </p:spPr>
+        <p:style>
+          <a:lnRef idx="2">
+            <a:schemeClr val="accent1">
+              <a:shade val="15000"/>
+            </a:schemeClr>
+          </a:lnRef>
+          <a:fillRef idx="1">
+            <a:schemeClr val="accent1"/>
+          </a:fillRef>
+          <a:effectRef idx="0">
+            <a:schemeClr val="accent1"/>
+          </a:effectRef>
+          <a:fontRef idx="minor">
+            <a:schemeClr val="lt1"/>
+          </a:fontRef>
+        </p:style>
+        <p:txBody>
+          <a:bodyPr rtlCol="0" anchor="ctr"/>
+          <a:lstStyle/>
+          <a:p>
+            <a:pPr algn="ctr"/>
+            <a:r>
+              <a:rPr kumimoji="1" lang="ja-JP" altLang="en-US" sz="2000" b="1" dirty="0"/>
+              <a:t>耐久</a:t>
+            </a:r>
+          </a:p>
+        </p:txBody>
+      </p:sp>
+      <p:sp>
+        <p:nvSpPr>
+          <p:cNvPr id="13" name="フローチャート: 端子 12">
+            <a:extLst>
+              <a:ext uri="{FF2B5EF4-FFF2-40B4-BE49-F238E27FC236}">
+                <a16:creationId xmlns:a16="http://schemas.microsoft.com/office/drawing/2014/main" id="{06F06B1A-11D0-A8A7-A225-AA120A6D3417}"/>
+              </a:ext>
+            </a:extLst>
+          </p:cNvPr>
+          <p:cNvSpPr/>
+          <p:nvPr/>
+        </p:nvSpPr>
+        <p:spPr>
+          <a:xfrm>
+            <a:off x="2467894" y="317091"/>
+            <a:ext cx="1260000" cy="720000"/>
+          </a:xfrm>
+          <a:prstGeom prst="flowChartTerminator">
+            <a:avLst/>
+          </a:prstGeom>
+          <a:solidFill>
+            <a:schemeClr val="tx1">
+              <a:lumMod val="50000"/>
+              <a:lumOff val="50000"/>
+            </a:schemeClr>
+          </a:solidFill>
+          <a:ln>
+            <a:noFill/>
+          </a:ln>
+        </p:spPr>
+        <p:style>
+          <a:lnRef idx="2">
+            <a:schemeClr val="accent1">
+              <a:shade val="15000"/>
+            </a:schemeClr>
+          </a:lnRef>
+          <a:fillRef idx="1">
+            <a:schemeClr val="accent1"/>
+          </a:fillRef>
+          <a:effectRef idx="0">
+            <a:schemeClr val="accent1"/>
+          </a:effectRef>
+          <a:fontRef idx="minor">
+            <a:schemeClr val="lt1"/>
+          </a:fontRef>
+        </p:style>
+        <p:txBody>
+          <a:bodyPr rtlCol="0" anchor="ctr"/>
+          <a:lstStyle/>
+          <a:p>
+            <a:pPr algn="ctr"/>
+            <a:r>
+              <a:rPr kumimoji="1" lang="ja-JP" altLang="en-US" sz="2000" b="1" dirty="0"/>
+              <a:t>突進</a:t>
+            </a:r>
+            <a:endParaRPr kumimoji="1" lang="en-US" altLang="ja-JP" sz="2000" b="1" dirty="0"/>
+          </a:p>
+        </p:txBody>
+      </p:sp>
+      <p:sp>
+        <p:nvSpPr>
+          <p:cNvPr id="14" name="フローチャート: 端子 13">
+            <a:extLst>
+              <a:ext uri="{FF2B5EF4-FFF2-40B4-BE49-F238E27FC236}">
+                <a16:creationId xmlns:a16="http://schemas.microsoft.com/office/drawing/2014/main" id="{F64809BA-DD0A-C10F-C5A3-C68ED2932440}"/>
+              </a:ext>
+            </a:extLst>
+          </p:cNvPr>
+          <p:cNvSpPr/>
+          <p:nvPr/>
+        </p:nvSpPr>
+        <p:spPr>
+          <a:xfrm>
+            <a:off x="2467894" y="1079091"/>
+            <a:ext cx="1260000" cy="720000"/>
+          </a:xfrm>
+          <a:prstGeom prst="flowChartTerminator">
+            <a:avLst/>
+          </a:prstGeom>
+          <a:solidFill>
+            <a:schemeClr val="tx1">
+              <a:lumMod val="50000"/>
+              <a:lumOff val="50000"/>
+            </a:schemeClr>
+          </a:solidFill>
+          <a:ln>
+            <a:noFill/>
+          </a:ln>
+        </p:spPr>
+        <p:style>
+          <a:lnRef idx="2">
+            <a:schemeClr val="accent1">
+              <a:shade val="15000"/>
+            </a:schemeClr>
+          </a:lnRef>
+          <a:fillRef idx="1">
+            <a:schemeClr val="accent1"/>
+          </a:fillRef>
+          <a:effectRef idx="0">
+            <a:schemeClr val="accent1"/>
+          </a:effectRef>
+          <a:fontRef idx="minor">
+            <a:schemeClr val="lt1"/>
+          </a:fontRef>
+        </p:style>
+        <p:txBody>
+          <a:bodyPr rtlCol="0" anchor="ctr"/>
+          <a:lstStyle/>
+          <a:p>
+            <a:pPr algn="ctr"/>
+            <a:r>
+              <a:rPr lang="ja-JP" altLang="en-US" sz="2000" b="1" dirty="0"/>
+              <a:t>変身</a:t>
+            </a:r>
+            <a:endParaRPr kumimoji="1" lang="ja-JP" altLang="en-US" sz="2000" b="1" dirty="0"/>
+          </a:p>
+        </p:txBody>
+      </p:sp>
+      <p:sp>
+        <p:nvSpPr>
+          <p:cNvPr id="15" name="フローチャート: 端子 14">
+            <a:extLst>
+              <a:ext uri="{FF2B5EF4-FFF2-40B4-BE49-F238E27FC236}">
+                <a16:creationId xmlns:a16="http://schemas.microsoft.com/office/drawing/2014/main" id="{A3589FF4-A50F-FF74-A96B-144990AF3372}"/>
+              </a:ext>
+            </a:extLst>
+          </p:cNvPr>
+          <p:cNvSpPr/>
+          <p:nvPr/>
+        </p:nvSpPr>
+        <p:spPr>
+          <a:xfrm>
+            <a:off x="2546552" y="2151020"/>
+            <a:ext cx="1260000" cy="720000"/>
+          </a:xfrm>
+          <a:prstGeom prst="flowChartTerminator">
+            <a:avLst/>
+          </a:prstGeom>
+          <a:solidFill>
+            <a:schemeClr val="tx1">
+              <a:lumMod val="50000"/>
+              <a:lumOff val="50000"/>
+            </a:schemeClr>
+          </a:solidFill>
+          <a:ln>
+            <a:noFill/>
+          </a:ln>
+        </p:spPr>
+        <p:style>
+          <a:lnRef idx="2">
+            <a:schemeClr val="accent1">
+              <a:shade val="15000"/>
+            </a:schemeClr>
+          </a:lnRef>
+          <a:fillRef idx="1">
+            <a:schemeClr val="accent1"/>
+          </a:fillRef>
+          <a:effectRef idx="0">
+            <a:schemeClr val="accent1"/>
+          </a:effectRef>
+          <a:fontRef idx="minor">
+            <a:schemeClr val="lt1"/>
+          </a:fontRef>
+        </p:style>
+        <p:txBody>
+          <a:bodyPr rtlCol="0" anchor="ctr"/>
+          <a:lstStyle/>
+          <a:p>
+            <a:pPr algn="ctr"/>
+            <a:r>
+              <a:rPr kumimoji="1" lang="ja-JP" altLang="en-US" sz="2000" b="1" dirty="0"/>
+              <a:t>歌声</a:t>
+            </a:r>
+          </a:p>
+        </p:txBody>
+      </p:sp>
+      <p:sp>
+        <p:nvSpPr>
+          <p:cNvPr id="16" name="フローチャート: 端子 15">
+            <a:extLst>
+              <a:ext uri="{FF2B5EF4-FFF2-40B4-BE49-F238E27FC236}">
+                <a16:creationId xmlns:a16="http://schemas.microsoft.com/office/drawing/2014/main" id="{EBF35371-1DDD-FD95-5578-D5A918D0A3EE}"/>
+              </a:ext>
+            </a:extLst>
+          </p:cNvPr>
+          <p:cNvSpPr/>
+          <p:nvPr/>
+        </p:nvSpPr>
+        <p:spPr>
+          <a:xfrm>
+            <a:off x="2546552" y="3110401"/>
+            <a:ext cx="1260000" cy="720000"/>
+          </a:xfrm>
+          <a:prstGeom prst="flowChartTerminator">
+            <a:avLst/>
+          </a:prstGeom>
+          <a:solidFill>
+            <a:schemeClr val="tx1">
+              <a:lumMod val="50000"/>
+              <a:lumOff val="50000"/>
+            </a:schemeClr>
+          </a:solidFill>
+          <a:ln>
+            <a:noFill/>
+          </a:ln>
+        </p:spPr>
+        <p:style>
+          <a:lnRef idx="2">
+            <a:schemeClr val="accent1">
+              <a:shade val="15000"/>
+            </a:schemeClr>
+          </a:lnRef>
+          <a:fillRef idx="1">
+            <a:schemeClr val="accent1"/>
+          </a:fillRef>
+          <a:effectRef idx="0">
+            <a:schemeClr val="accent1"/>
+          </a:effectRef>
+          <a:fontRef idx="minor">
+            <a:schemeClr val="lt1"/>
+          </a:fontRef>
+        </p:style>
+        <p:txBody>
+          <a:bodyPr rtlCol="0" anchor="ctr"/>
+          <a:lstStyle/>
+          <a:p>
+            <a:pPr algn="ctr"/>
+            <a:r>
+              <a:rPr lang="ja-JP" altLang="en-US" sz="2000" b="1" dirty="0"/>
+              <a:t>合唱</a:t>
+            </a:r>
+            <a:endParaRPr lang="en-US" altLang="ja-JP" sz="2000" b="1" dirty="0"/>
+          </a:p>
+        </p:txBody>
+      </p:sp>
+      <p:sp>
+        <p:nvSpPr>
+          <p:cNvPr id="17" name="フローチャート: 端子 16">
+            <a:extLst>
+              <a:ext uri="{FF2B5EF4-FFF2-40B4-BE49-F238E27FC236}">
+                <a16:creationId xmlns:a16="http://schemas.microsoft.com/office/drawing/2014/main" id="{7AC9A391-AF30-2DFA-3E82-054B164114EF}"/>
+              </a:ext>
+            </a:extLst>
+          </p:cNvPr>
+          <p:cNvSpPr/>
+          <p:nvPr/>
+        </p:nvSpPr>
+        <p:spPr>
+          <a:xfrm>
+            <a:off x="2467894" y="3942949"/>
+            <a:ext cx="1260000" cy="720000"/>
+          </a:xfrm>
+          <a:prstGeom prst="flowChartTerminator">
+            <a:avLst/>
+          </a:prstGeom>
+          <a:solidFill>
+            <a:schemeClr val="tx1">
+              <a:lumMod val="50000"/>
+              <a:lumOff val="50000"/>
+            </a:schemeClr>
+          </a:solidFill>
+          <a:ln>
+            <a:noFill/>
+          </a:ln>
+        </p:spPr>
+        <p:style>
+          <a:lnRef idx="2">
+            <a:schemeClr val="accent1">
+              <a:shade val="15000"/>
+            </a:schemeClr>
+          </a:lnRef>
+          <a:fillRef idx="1">
+            <a:schemeClr val="accent1"/>
+          </a:fillRef>
+          <a:effectRef idx="0">
+            <a:schemeClr val="accent1"/>
+          </a:effectRef>
+          <a:fontRef idx="minor">
+            <a:schemeClr val="lt1"/>
+          </a:fontRef>
+        </p:style>
+        <p:txBody>
+          <a:bodyPr rtlCol="0" anchor="ctr"/>
+          <a:lstStyle/>
+          <a:p>
+            <a:pPr algn="ctr"/>
+            <a:r>
+              <a:rPr kumimoji="1" lang="ja-JP" altLang="en-US" sz="2000" b="1" dirty="0"/>
+              <a:t>支援</a:t>
+            </a:r>
+          </a:p>
+        </p:txBody>
+      </p:sp>
+      <p:sp>
+        <p:nvSpPr>
+          <p:cNvPr id="18" name="フローチャート: 端子 17">
+            <a:extLst>
+              <a:ext uri="{FF2B5EF4-FFF2-40B4-BE49-F238E27FC236}">
+                <a16:creationId xmlns:a16="http://schemas.microsoft.com/office/drawing/2014/main" id="{7543553F-674D-C22F-879C-54D95C559B30}"/>
+              </a:ext>
+            </a:extLst>
+          </p:cNvPr>
+          <p:cNvSpPr/>
+          <p:nvPr/>
+        </p:nvSpPr>
+        <p:spPr>
+          <a:xfrm>
+            <a:off x="4419597" y="359091"/>
+            <a:ext cx="1260000" cy="720000"/>
+          </a:xfrm>
+          <a:prstGeom prst="flowChartTerminator">
+            <a:avLst/>
+          </a:prstGeom>
+          <a:solidFill>
+            <a:schemeClr val="tx1">
+              <a:lumMod val="50000"/>
+              <a:lumOff val="50000"/>
+            </a:schemeClr>
+          </a:solidFill>
+          <a:ln>
+            <a:noFill/>
+          </a:ln>
+        </p:spPr>
+        <p:style>
+          <a:lnRef idx="2">
+            <a:schemeClr val="accent1">
+              <a:shade val="15000"/>
+            </a:schemeClr>
+          </a:lnRef>
+          <a:fillRef idx="1">
+            <a:schemeClr val="accent1"/>
+          </a:fillRef>
+          <a:effectRef idx="0">
+            <a:schemeClr val="accent1"/>
+          </a:effectRef>
+          <a:fontRef idx="minor">
+            <a:schemeClr val="lt1"/>
+          </a:fontRef>
+        </p:style>
+        <p:txBody>
+          <a:bodyPr rtlCol="0" anchor="ctr"/>
+          <a:lstStyle/>
+          <a:p>
+            <a:pPr algn="ctr"/>
+            <a:r>
+              <a:rPr lang="ja-JP" altLang="en-US" sz="2000" b="1" dirty="0"/>
+              <a:t>魔除</a:t>
+            </a:r>
+            <a:endParaRPr lang="en-US" altLang="ja-JP" sz="2000" b="1" dirty="0"/>
+          </a:p>
+        </p:txBody>
+      </p:sp>
+      <p:sp>
+        <p:nvSpPr>
+          <p:cNvPr id="30" name="フローチャート: 端子 29">
+            <a:extLst>
+              <a:ext uri="{FF2B5EF4-FFF2-40B4-BE49-F238E27FC236}">
+                <a16:creationId xmlns:a16="http://schemas.microsoft.com/office/drawing/2014/main" id="{46766F6E-1F1D-C01A-BA17-2F08C92024EA}"/>
+              </a:ext>
+            </a:extLst>
+          </p:cNvPr>
+          <p:cNvSpPr/>
+          <p:nvPr/>
+        </p:nvSpPr>
+        <p:spPr>
+          <a:xfrm>
+            <a:off x="6096000" y="359091"/>
+            <a:ext cx="1260000" cy="720000"/>
+          </a:xfrm>
+          <a:prstGeom prst="flowChartTerminator">
+            <a:avLst/>
+          </a:prstGeom>
+          <a:solidFill>
+            <a:srgbClr val="0066FF"/>
+          </a:solidFill>
+          <a:ln>
+            <a:noFill/>
+          </a:ln>
+        </p:spPr>
+        <p:style>
+          <a:lnRef idx="2">
+            <a:schemeClr val="accent1">
+              <a:shade val="15000"/>
+            </a:schemeClr>
+          </a:lnRef>
+          <a:fillRef idx="1">
+            <a:schemeClr val="accent1"/>
+          </a:fillRef>
+          <a:effectRef idx="0">
+            <a:schemeClr val="accent1"/>
+          </a:effectRef>
+          <a:fontRef idx="minor">
+            <a:schemeClr val="lt1"/>
+          </a:fontRef>
+        </p:style>
+        <p:txBody>
+          <a:bodyPr rtlCol="0" anchor="ctr"/>
+          <a:lstStyle/>
+          <a:p>
+            <a:pPr algn="ctr"/>
+            <a:r>
+              <a:rPr kumimoji="1" lang="ja-JP" altLang="en-US" sz="2000" b="1" dirty="0"/>
+              <a:t>護衛</a:t>
+            </a:r>
+            <a:endParaRPr kumimoji="1" lang="en-US" altLang="ja-JP" sz="2000" b="1" dirty="0"/>
+          </a:p>
+        </p:txBody>
+      </p:sp>
+      <p:sp>
+        <p:nvSpPr>
+          <p:cNvPr id="31" name="フローチャート: 端子 30">
+            <a:extLst>
+              <a:ext uri="{FF2B5EF4-FFF2-40B4-BE49-F238E27FC236}">
+                <a16:creationId xmlns:a16="http://schemas.microsoft.com/office/drawing/2014/main" id="{406D32D1-8416-063C-94A1-E9E2A235F88E}"/>
+              </a:ext>
+            </a:extLst>
+          </p:cNvPr>
+          <p:cNvSpPr/>
+          <p:nvPr/>
+        </p:nvSpPr>
+        <p:spPr>
+          <a:xfrm>
+            <a:off x="6096000" y="1121091"/>
+            <a:ext cx="1260000" cy="720000"/>
+          </a:xfrm>
+          <a:prstGeom prst="flowChartTerminator">
+            <a:avLst/>
+          </a:prstGeom>
+          <a:solidFill>
+            <a:srgbClr val="0066FF"/>
+          </a:solidFill>
+          <a:ln>
+            <a:noFill/>
+          </a:ln>
+        </p:spPr>
+        <p:style>
+          <a:lnRef idx="2">
+            <a:schemeClr val="accent1">
+              <a:shade val="15000"/>
+            </a:schemeClr>
+          </a:lnRef>
+          <a:fillRef idx="1">
+            <a:schemeClr val="accent1"/>
+          </a:fillRef>
+          <a:effectRef idx="0">
+            <a:schemeClr val="accent1"/>
+          </a:effectRef>
+          <a:fontRef idx="minor">
+            <a:schemeClr val="lt1"/>
+          </a:fontRef>
+        </p:style>
+        <p:txBody>
+          <a:bodyPr rtlCol="0" anchor="ctr"/>
+          <a:lstStyle/>
+          <a:p>
+            <a:pPr algn="ctr"/>
+            <a:r>
+              <a:rPr kumimoji="1" lang="ja-JP" altLang="en-US" sz="2000" b="1" dirty="0"/>
+              <a:t>果敢</a:t>
+            </a:r>
+          </a:p>
+        </p:txBody>
+      </p:sp>
+      <p:sp>
+        <p:nvSpPr>
+          <p:cNvPr id="32" name="フローチャート: 端子 31">
+            <a:extLst>
+              <a:ext uri="{FF2B5EF4-FFF2-40B4-BE49-F238E27FC236}">
+                <a16:creationId xmlns:a16="http://schemas.microsoft.com/office/drawing/2014/main" id="{F1840935-723F-4F27-3064-33274BE14DA0}"/>
+              </a:ext>
+            </a:extLst>
+          </p:cNvPr>
+          <p:cNvSpPr/>
+          <p:nvPr/>
+        </p:nvSpPr>
+        <p:spPr>
+          <a:xfrm>
+            <a:off x="6174658" y="2193020"/>
+            <a:ext cx="1260000" cy="720000"/>
+          </a:xfrm>
+          <a:prstGeom prst="flowChartTerminator">
+            <a:avLst/>
+          </a:prstGeom>
+          <a:solidFill>
+            <a:srgbClr val="0066FF"/>
+          </a:solidFill>
+          <a:ln>
+            <a:noFill/>
+          </a:ln>
+        </p:spPr>
+        <p:style>
+          <a:lnRef idx="2">
+            <a:schemeClr val="accent1">
+              <a:shade val="15000"/>
+            </a:schemeClr>
+          </a:lnRef>
+          <a:fillRef idx="1">
+            <a:schemeClr val="accent1"/>
+          </a:fillRef>
+          <a:effectRef idx="0">
+            <a:schemeClr val="accent1"/>
+          </a:effectRef>
+          <a:fontRef idx="minor">
+            <a:schemeClr val="lt1"/>
+          </a:fontRef>
+        </p:style>
+        <p:txBody>
+          <a:bodyPr rtlCol="0" anchor="ctr"/>
+          <a:lstStyle/>
+          <a:p>
+            <a:pPr algn="ctr"/>
+            <a:r>
+              <a:rPr kumimoji="1" lang="ja-JP" altLang="en-US" sz="2000" b="1" dirty="0"/>
+              <a:t>回避</a:t>
+            </a:r>
+          </a:p>
+        </p:txBody>
+      </p:sp>
+      <p:sp>
+        <p:nvSpPr>
+          <p:cNvPr id="33" name="フローチャート: 端子 32">
+            <a:extLst>
+              <a:ext uri="{FF2B5EF4-FFF2-40B4-BE49-F238E27FC236}">
+                <a16:creationId xmlns:a16="http://schemas.microsoft.com/office/drawing/2014/main" id="{0967C6FA-C6A0-E9A5-8643-353FF82578E6}"/>
+              </a:ext>
+            </a:extLst>
+          </p:cNvPr>
+          <p:cNvSpPr/>
+          <p:nvPr/>
+        </p:nvSpPr>
+        <p:spPr>
+          <a:xfrm>
+            <a:off x="6174658" y="3152401"/>
+            <a:ext cx="1260000" cy="720000"/>
+          </a:xfrm>
+          <a:prstGeom prst="flowChartTerminator">
+            <a:avLst/>
+          </a:prstGeom>
+          <a:solidFill>
+            <a:srgbClr val="0066FF"/>
+          </a:solidFill>
+          <a:ln>
+            <a:noFill/>
+          </a:ln>
+        </p:spPr>
+        <p:style>
+          <a:lnRef idx="2">
+            <a:schemeClr val="accent1">
+              <a:shade val="15000"/>
+            </a:schemeClr>
+          </a:lnRef>
+          <a:fillRef idx="1">
+            <a:schemeClr val="accent1"/>
+          </a:fillRef>
+          <a:effectRef idx="0">
+            <a:schemeClr val="accent1"/>
+          </a:effectRef>
+          <a:fontRef idx="minor">
+            <a:schemeClr val="lt1"/>
+          </a:fontRef>
+        </p:style>
+        <p:txBody>
+          <a:bodyPr rtlCol="0" anchor="ctr"/>
+          <a:lstStyle/>
+          <a:p>
+            <a:pPr algn="ctr"/>
+            <a:r>
+              <a:rPr lang="ja-JP" altLang="en-US" sz="2000" b="1" dirty="0"/>
+              <a:t>暴勇</a:t>
+            </a:r>
+            <a:endParaRPr lang="en-US" altLang="ja-JP" sz="2000" b="1" dirty="0"/>
+          </a:p>
+        </p:txBody>
+      </p:sp>
+      <p:sp>
+        <p:nvSpPr>
+          <p:cNvPr id="34" name="フローチャート: 端子 33">
+            <a:extLst>
+              <a:ext uri="{FF2B5EF4-FFF2-40B4-BE49-F238E27FC236}">
+                <a16:creationId xmlns:a16="http://schemas.microsoft.com/office/drawing/2014/main" id="{C0863534-1AC6-8644-FA8B-8C1002E61201}"/>
+              </a:ext>
+            </a:extLst>
+          </p:cNvPr>
+          <p:cNvSpPr/>
+          <p:nvPr/>
+        </p:nvSpPr>
+        <p:spPr>
+          <a:xfrm>
+            <a:off x="6096000" y="3984949"/>
+            <a:ext cx="1260000" cy="720000"/>
+          </a:xfrm>
+          <a:prstGeom prst="flowChartTerminator">
+            <a:avLst/>
+          </a:prstGeom>
+          <a:solidFill>
+            <a:srgbClr val="0066FF"/>
+          </a:solidFill>
+          <a:ln>
+            <a:noFill/>
+          </a:ln>
+        </p:spPr>
+        <p:style>
+          <a:lnRef idx="2">
+            <a:schemeClr val="accent1">
+              <a:shade val="15000"/>
+            </a:schemeClr>
+          </a:lnRef>
+          <a:fillRef idx="1">
+            <a:schemeClr val="accent1"/>
+          </a:fillRef>
+          <a:effectRef idx="0">
+            <a:schemeClr val="accent1"/>
+          </a:effectRef>
+          <a:fontRef idx="minor">
+            <a:schemeClr val="lt1"/>
+          </a:fontRef>
+        </p:style>
+        <p:txBody>
+          <a:bodyPr rtlCol="0" anchor="ctr"/>
+          <a:lstStyle/>
+          <a:p>
+            <a:pPr algn="ctr"/>
+            <a:r>
+              <a:rPr kumimoji="1" lang="ja-JP" altLang="en-US" sz="2000" b="1" dirty="0"/>
+              <a:t>耐久</a:t>
+            </a:r>
+          </a:p>
+        </p:txBody>
+      </p:sp>
+      <p:sp>
+        <p:nvSpPr>
+          <p:cNvPr id="35" name="フローチャート: 端子 34">
+            <a:extLst>
+              <a:ext uri="{FF2B5EF4-FFF2-40B4-BE49-F238E27FC236}">
+                <a16:creationId xmlns:a16="http://schemas.microsoft.com/office/drawing/2014/main" id="{7499E21A-17C4-5C85-543C-E076F53F0DD8}"/>
+              </a:ext>
+            </a:extLst>
+          </p:cNvPr>
+          <p:cNvSpPr/>
+          <p:nvPr/>
+        </p:nvSpPr>
+        <p:spPr>
+          <a:xfrm>
+            <a:off x="8047703" y="359091"/>
+            <a:ext cx="1260000" cy="720000"/>
+          </a:xfrm>
+          <a:prstGeom prst="flowChartTerminator">
+            <a:avLst/>
+          </a:prstGeom>
+          <a:solidFill>
+            <a:srgbClr val="0066FF"/>
+          </a:solidFill>
+          <a:ln>
+            <a:noFill/>
+          </a:ln>
+        </p:spPr>
+        <p:style>
+          <a:lnRef idx="2">
+            <a:schemeClr val="accent1">
+              <a:shade val="15000"/>
+            </a:schemeClr>
+          </a:lnRef>
+          <a:fillRef idx="1">
+            <a:schemeClr val="accent1"/>
+          </a:fillRef>
+          <a:effectRef idx="0">
+            <a:schemeClr val="accent1"/>
+          </a:effectRef>
+          <a:fontRef idx="minor">
+            <a:schemeClr val="lt1"/>
+          </a:fontRef>
+        </p:style>
+        <p:txBody>
+          <a:bodyPr rtlCol="0" anchor="ctr"/>
+          <a:lstStyle/>
+          <a:p>
+            <a:pPr algn="ctr"/>
+            <a:r>
+              <a:rPr kumimoji="1" lang="ja-JP" altLang="en-US" sz="2000" b="1" dirty="0"/>
+              <a:t>突進</a:t>
+            </a:r>
+            <a:endParaRPr kumimoji="1" lang="en-US" altLang="ja-JP" sz="2000" b="1" dirty="0"/>
+          </a:p>
+        </p:txBody>
+      </p:sp>
+      <p:sp>
+        <p:nvSpPr>
+          <p:cNvPr id="36" name="フローチャート: 端子 35">
+            <a:extLst>
+              <a:ext uri="{FF2B5EF4-FFF2-40B4-BE49-F238E27FC236}">
+                <a16:creationId xmlns:a16="http://schemas.microsoft.com/office/drawing/2014/main" id="{B3B961F3-D12F-D421-70F9-3D995B009824}"/>
+              </a:ext>
+            </a:extLst>
+          </p:cNvPr>
+          <p:cNvSpPr/>
+          <p:nvPr/>
+        </p:nvSpPr>
+        <p:spPr>
+          <a:xfrm>
+            <a:off x="8047703" y="1121091"/>
+            <a:ext cx="1260000" cy="720000"/>
+          </a:xfrm>
+          <a:prstGeom prst="flowChartTerminator">
+            <a:avLst/>
+          </a:prstGeom>
+          <a:solidFill>
+            <a:srgbClr val="0066FF"/>
+          </a:solidFill>
+          <a:ln>
+            <a:noFill/>
+          </a:ln>
+        </p:spPr>
+        <p:style>
+          <a:lnRef idx="2">
+            <a:schemeClr val="accent1">
+              <a:shade val="15000"/>
+            </a:schemeClr>
+          </a:lnRef>
+          <a:fillRef idx="1">
+            <a:schemeClr val="accent1"/>
+          </a:fillRef>
+          <a:effectRef idx="0">
+            <a:schemeClr val="accent1"/>
+          </a:effectRef>
+          <a:fontRef idx="minor">
+            <a:schemeClr val="lt1"/>
+          </a:fontRef>
+        </p:style>
+        <p:txBody>
+          <a:bodyPr rtlCol="0" anchor="ctr"/>
+          <a:lstStyle/>
+          <a:p>
+            <a:pPr algn="ctr"/>
+            <a:r>
+              <a:rPr lang="ja-JP" altLang="en-US" sz="2000" b="1" dirty="0"/>
+              <a:t>変身</a:t>
+            </a:r>
+            <a:endParaRPr kumimoji="1" lang="ja-JP" altLang="en-US" sz="2000" b="1" dirty="0"/>
+          </a:p>
+        </p:txBody>
+      </p:sp>
+      <p:sp>
+        <p:nvSpPr>
+          <p:cNvPr id="37" name="フローチャート: 端子 36">
+            <a:extLst>
+              <a:ext uri="{FF2B5EF4-FFF2-40B4-BE49-F238E27FC236}">
+                <a16:creationId xmlns:a16="http://schemas.microsoft.com/office/drawing/2014/main" id="{2B6CC08D-20E4-035A-683F-B53D3B709C6B}"/>
+              </a:ext>
+            </a:extLst>
+          </p:cNvPr>
+          <p:cNvSpPr/>
+          <p:nvPr/>
+        </p:nvSpPr>
+        <p:spPr>
+          <a:xfrm>
+            <a:off x="8126361" y="2193020"/>
+            <a:ext cx="1260000" cy="720000"/>
+          </a:xfrm>
+          <a:prstGeom prst="flowChartTerminator">
+            <a:avLst/>
+          </a:prstGeom>
+          <a:solidFill>
+            <a:srgbClr val="0066FF"/>
+          </a:solidFill>
+          <a:ln>
+            <a:noFill/>
+          </a:ln>
+        </p:spPr>
+        <p:style>
+          <a:lnRef idx="2">
+            <a:schemeClr val="accent1">
+              <a:shade val="15000"/>
+            </a:schemeClr>
+          </a:lnRef>
+          <a:fillRef idx="1">
+            <a:schemeClr val="accent1"/>
+          </a:fillRef>
+          <a:effectRef idx="0">
+            <a:schemeClr val="accent1"/>
+          </a:effectRef>
+          <a:fontRef idx="minor">
+            <a:schemeClr val="lt1"/>
+          </a:fontRef>
+        </p:style>
+        <p:txBody>
+          <a:bodyPr rtlCol="0" anchor="ctr"/>
+          <a:lstStyle/>
+          <a:p>
+            <a:pPr algn="ctr"/>
+            <a:r>
+              <a:rPr kumimoji="1" lang="ja-JP" altLang="en-US" sz="2000" b="1" dirty="0"/>
+              <a:t>歌声</a:t>
+            </a:r>
+          </a:p>
+        </p:txBody>
+      </p:sp>
+      <p:sp>
+        <p:nvSpPr>
+          <p:cNvPr id="38" name="フローチャート: 端子 37">
+            <a:extLst>
+              <a:ext uri="{FF2B5EF4-FFF2-40B4-BE49-F238E27FC236}">
+                <a16:creationId xmlns:a16="http://schemas.microsoft.com/office/drawing/2014/main" id="{3CDE8F2F-5433-C761-35D0-9FE3ECA0564F}"/>
+              </a:ext>
+            </a:extLst>
+          </p:cNvPr>
+          <p:cNvSpPr/>
+          <p:nvPr/>
+        </p:nvSpPr>
+        <p:spPr>
+          <a:xfrm>
+            <a:off x="8126361" y="3152401"/>
+            <a:ext cx="1260000" cy="720000"/>
+          </a:xfrm>
+          <a:prstGeom prst="flowChartTerminator">
+            <a:avLst/>
+          </a:prstGeom>
+          <a:solidFill>
+            <a:srgbClr val="0066FF"/>
+          </a:solidFill>
+          <a:ln>
+            <a:noFill/>
+          </a:ln>
+        </p:spPr>
+        <p:style>
+          <a:lnRef idx="2">
+            <a:schemeClr val="accent1">
+              <a:shade val="15000"/>
+            </a:schemeClr>
+          </a:lnRef>
+          <a:fillRef idx="1">
+            <a:schemeClr val="accent1"/>
+          </a:fillRef>
+          <a:effectRef idx="0">
+            <a:schemeClr val="accent1"/>
+          </a:effectRef>
+          <a:fontRef idx="minor">
+            <a:schemeClr val="lt1"/>
+          </a:fontRef>
+        </p:style>
+        <p:txBody>
+          <a:bodyPr rtlCol="0" anchor="ctr"/>
+          <a:lstStyle/>
+          <a:p>
+            <a:pPr algn="ctr"/>
+            <a:r>
+              <a:rPr lang="ja-JP" altLang="en-US" sz="2000" b="1" dirty="0"/>
+              <a:t>合唱</a:t>
+            </a:r>
+            <a:endParaRPr lang="en-US" altLang="ja-JP" sz="2000" b="1" dirty="0"/>
+          </a:p>
+        </p:txBody>
+      </p:sp>
+      <p:sp>
+        <p:nvSpPr>
+          <p:cNvPr id="39" name="フローチャート: 端子 38">
+            <a:extLst>
+              <a:ext uri="{FF2B5EF4-FFF2-40B4-BE49-F238E27FC236}">
+                <a16:creationId xmlns:a16="http://schemas.microsoft.com/office/drawing/2014/main" id="{EC1FD1C3-CF43-16A4-ED49-E8BA5E0AE7F2}"/>
+              </a:ext>
+            </a:extLst>
+          </p:cNvPr>
+          <p:cNvSpPr/>
+          <p:nvPr/>
+        </p:nvSpPr>
+        <p:spPr>
+          <a:xfrm>
+            <a:off x="8047703" y="3984949"/>
+            <a:ext cx="1260000" cy="720000"/>
+          </a:xfrm>
+          <a:prstGeom prst="flowChartTerminator">
+            <a:avLst/>
+          </a:prstGeom>
+          <a:solidFill>
+            <a:srgbClr val="0066FF"/>
+          </a:solidFill>
+          <a:ln>
+            <a:noFill/>
+          </a:ln>
+        </p:spPr>
+        <p:style>
+          <a:lnRef idx="2">
+            <a:schemeClr val="accent1">
+              <a:shade val="15000"/>
+            </a:schemeClr>
+          </a:lnRef>
+          <a:fillRef idx="1">
+            <a:schemeClr val="accent1"/>
+          </a:fillRef>
+          <a:effectRef idx="0">
+            <a:schemeClr val="accent1"/>
+          </a:effectRef>
+          <a:fontRef idx="minor">
+            <a:schemeClr val="lt1"/>
+          </a:fontRef>
+        </p:style>
+        <p:txBody>
+          <a:bodyPr rtlCol="0" anchor="ctr"/>
+          <a:lstStyle/>
+          <a:p>
+            <a:pPr algn="ctr"/>
+            <a:r>
+              <a:rPr kumimoji="1" lang="ja-JP" altLang="en-US" sz="2000" b="1" dirty="0"/>
+              <a:t>支援</a:t>
+            </a:r>
+          </a:p>
+        </p:txBody>
+      </p:sp>
+      <p:sp>
+        <p:nvSpPr>
+          <p:cNvPr id="40" name="フローチャート: 端子 39">
+            <a:extLst>
+              <a:ext uri="{FF2B5EF4-FFF2-40B4-BE49-F238E27FC236}">
+                <a16:creationId xmlns:a16="http://schemas.microsoft.com/office/drawing/2014/main" id="{D97630C1-98FE-B990-1998-6D5315BDB6F5}"/>
+              </a:ext>
+            </a:extLst>
+          </p:cNvPr>
+          <p:cNvSpPr/>
+          <p:nvPr/>
+        </p:nvSpPr>
+        <p:spPr>
+          <a:xfrm>
+            <a:off x="9999406" y="401091"/>
+            <a:ext cx="1260000" cy="720000"/>
+          </a:xfrm>
+          <a:prstGeom prst="flowChartTerminator">
+            <a:avLst/>
+          </a:prstGeom>
+          <a:solidFill>
+            <a:srgbClr val="0066FF"/>
+          </a:solidFill>
+          <a:ln>
+            <a:noFill/>
+          </a:ln>
+        </p:spPr>
+        <p:style>
+          <a:lnRef idx="2">
+            <a:schemeClr val="accent1">
+              <a:shade val="15000"/>
+            </a:schemeClr>
+          </a:lnRef>
+          <a:fillRef idx="1">
+            <a:schemeClr val="accent1"/>
+          </a:fillRef>
+          <a:effectRef idx="0">
+            <a:schemeClr val="accent1"/>
+          </a:effectRef>
+          <a:fontRef idx="minor">
+            <a:schemeClr val="lt1"/>
+          </a:fontRef>
+        </p:style>
+        <p:txBody>
+          <a:bodyPr rtlCol="0" anchor="ctr"/>
+          <a:lstStyle/>
+          <a:p>
+            <a:pPr algn="ctr"/>
+            <a:r>
+              <a:rPr lang="ja-JP" altLang="en-US" sz="2000" b="1" dirty="0"/>
+              <a:t>魔除</a:t>
+            </a:r>
+            <a:endParaRPr lang="en-US" altLang="ja-JP" sz="2000" b="1" dirty="0"/>
+          </a:p>
+        </p:txBody>
+      </p:sp>
+    </p:spTree>
+    <p:extLst>
+      <p:ext uri="{BB962C8B-B14F-4D97-AF65-F5344CB8AC3E}">
+        <p14:creationId xmlns:p14="http://schemas.microsoft.com/office/powerpoint/2010/main" val="2583786836"/>
+      </p:ext>
+    </p:extLst>
+  </p:cSld>
+  <p:clrMapOvr>
+    <a:masterClrMapping/>
+  </p:clrMapOvr>
+</p:sld>
+</file>
+
 <file path=ppt/slides/slide2.xml><?xml version="1.0" encoding="utf-8"?>
 <p:sld xmlns:a="http://schemas.openxmlformats.org/drawingml/2006/main" xmlns:r="http://schemas.openxmlformats.org/officeDocument/2006/relationships" xmlns:p="http://schemas.openxmlformats.org/presentationml/2006/main">
   <p:cSld>
@@ -7094,7 +8428,7 @@
       </p:sp>
       <p:sp>
         <p:nvSpPr>
-          <p:cNvPr id="23" name="四角形: 角を丸くする 22">
+          <p:cNvPr id="23" name="フローチャート: 端子 22">
             <a:extLst>
               <a:ext uri="{FF2B5EF4-FFF2-40B4-BE49-F238E27FC236}">
                 <a16:creationId xmlns:a16="http://schemas.microsoft.com/office/drawing/2014/main" id="{BFA1928E-01CA-73C7-5C64-D75559EBBE76}"/>
@@ -7109,7 +8443,7 @@
             <a:off x="9377680" y="1391920"/>
             <a:ext cx="1381760" cy="477520"/>
           </a:xfrm>
-          <a:prstGeom prst="roundRect">
+          <a:prstGeom prst="flowChartTerminator">
             <a:avLst/>
           </a:prstGeom>
           <a:solidFill>
@@ -7148,6 +8482,643 @@
     <p:extLst>
       <p:ext uri="{BB962C8B-B14F-4D97-AF65-F5344CB8AC3E}">
         <p14:creationId xmlns:p14="http://schemas.microsoft.com/office/powerpoint/2010/main" val="554056823"/>
+      </p:ext>
+    </p:extLst>
+  </p:cSld>
+  <p:clrMapOvr>
+    <a:masterClrMapping/>
+  </p:clrMapOvr>
+</p:sld>
+</file>
+
+<file path=ppt/slides/slide9.xml><?xml version="1.0" encoding="utf-8"?>
+<p:sld xmlns:a="http://schemas.openxmlformats.org/drawingml/2006/main" xmlns:r="http://schemas.openxmlformats.org/officeDocument/2006/relationships" xmlns:p="http://schemas.openxmlformats.org/presentationml/2006/main">
+  <p:cSld>
+    <p:spTree>
+      <p:nvGrpSpPr>
+        <p:cNvPr id="1" name=""/>
+        <p:cNvGrpSpPr/>
+        <p:nvPr/>
+      </p:nvGrpSpPr>
+      <p:grpSpPr>
+        <a:xfrm>
+          <a:off x="0" y="0"/>
+          <a:ext cx="0" cy="0"/>
+          <a:chOff x="0" y="0"/>
+          <a:chExt cx="0" cy="0"/>
+        </a:xfrm>
+      </p:grpSpPr>
+      <p:pic>
+        <p:nvPicPr>
+          <p:cNvPr id="3" name="グラフィックス 2" descr="拡大鏡 単色塗りつぶし">
+            <a:extLst>
+              <a:ext uri="{FF2B5EF4-FFF2-40B4-BE49-F238E27FC236}">
+                <a16:creationId xmlns:a16="http://schemas.microsoft.com/office/drawing/2014/main" id="{4109AC8D-7E79-1BED-A730-799AF0B45D74}"/>
+              </a:ext>
+            </a:extLst>
+          </p:cNvPr>
+          <p:cNvPicPr>
+            <a:picLocks noChangeAspect="1"/>
+          </p:cNvPicPr>
+          <p:nvPr/>
+        </p:nvPicPr>
+        <p:blipFill>
+          <a:blip r:embed="rId2">
+            <a:extLst>
+              <a:ext uri="{96DAC541-7B7A-43D3-8B79-37D633B846F1}">
+                <asvg:svgBlip xmlns:asvg="http://schemas.microsoft.com/office/drawing/2016/SVG/main" r:embed="rId3"/>
+              </a:ext>
+            </a:extLst>
+          </a:blip>
+          <a:stretch>
+            <a:fillRect/>
+          </a:stretch>
+        </p:blipFill>
+        <p:spPr>
+          <a:xfrm>
+            <a:off x="11277600" y="4662949"/>
+            <a:ext cx="914400" cy="914400"/>
+          </a:xfrm>
+          <a:prstGeom prst="rect">
+            <a:avLst/>
+          </a:prstGeom>
+        </p:spPr>
+      </p:pic>
+      <p:sp>
+        <p:nvSpPr>
+          <p:cNvPr id="2" name="フローチャート: 端子 1">
+            <a:extLst>
+              <a:ext uri="{FF2B5EF4-FFF2-40B4-BE49-F238E27FC236}">
+                <a16:creationId xmlns:a16="http://schemas.microsoft.com/office/drawing/2014/main" id="{0FB489F5-1A5A-8D56-EDA2-671E058E3F60}"/>
+              </a:ext>
+            </a:extLst>
+          </p:cNvPr>
+          <p:cNvSpPr/>
+          <p:nvPr/>
+        </p:nvSpPr>
+        <p:spPr>
+          <a:xfrm>
+            <a:off x="4699818" y="875071"/>
+            <a:ext cx="1800000" cy="720000"/>
+          </a:xfrm>
+          <a:prstGeom prst="flowChartTerminator">
+            <a:avLst/>
+          </a:prstGeom>
+          <a:solidFill>
+            <a:srgbClr val="0066FF"/>
+          </a:solidFill>
+          <a:ln>
+            <a:noFill/>
+          </a:ln>
+        </p:spPr>
+        <p:style>
+          <a:lnRef idx="2">
+            <a:schemeClr val="accent1">
+              <a:shade val="15000"/>
+            </a:schemeClr>
+          </a:lnRef>
+          <a:fillRef idx="1">
+            <a:schemeClr val="accent1"/>
+          </a:fillRef>
+          <a:effectRef idx="0">
+            <a:schemeClr val="accent1"/>
+          </a:effectRef>
+          <a:fontRef idx="minor">
+            <a:schemeClr val="lt1"/>
+          </a:fontRef>
+        </p:style>
+        <p:txBody>
+          <a:bodyPr rtlCol="0" anchor="ctr"/>
+          <a:lstStyle/>
+          <a:p>
+            <a:pPr algn="ctr"/>
+            <a:r>
+              <a:rPr kumimoji="1" lang="ja-JP" altLang="en-US" b="1" dirty="0"/>
+              <a:t>キャラクター</a:t>
+            </a:r>
+            <a:endParaRPr kumimoji="1" lang="en-US" altLang="ja-JP" b="1" dirty="0"/>
+          </a:p>
+        </p:txBody>
+      </p:sp>
+      <p:sp>
+        <p:nvSpPr>
+          <p:cNvPr id="4" name="フローチャート: 端子 3">
+            <a:extLst>
+              <a:ext uri="{FF2B5EF4-FFF2-40B4-BE49-F238E27FC236}">
+                <a16:creationId xmlns:a16="http://schemas.microsoft.com/office/drawing/2014/main" id="{B55EFD96-37FC-3E10-1A95-73853E0B693F}"/>
+              </a:ext>
+            </a:extLst>
+          </p:cNvPr>
+          <p:cNvSpPr/>
+          <p:nvPr/>
+        </p:nvSpPr>
+        <p:spPr>
+          <a:xfrm>
+            <a:off x="4699818" y="1637071"/>
+            <a:ext cx="1800000" cy="720000"/>
+          </a:xfrm>
+          <a:prstGeom prst="flowChartTerminator">
+            <a:avLst/>
+          </a:prstGeom>
+          <a:solidFill>
+            <a:srgbClr val="0066FF"/>
+          </a:solidFill>
+          <a:ln>
+            <a:noFill/>
+          </a:ln>
+        </p:spPr>
+        <p:style>
+          <a:lnRef idx="2">
+            <a:schemeClr val="accent1">
+              <a:shade val="15000"/>
+            </a:schemeClr>
+          </a:lnRef>
+          <a:fillRef idx="1">
+            <a:schemeClr val="accent1"/>
+          </a:fillRef>
+          <a:effectRef idx="0">
+            <a:schemeClr val="accent1"/>
+          </a:effectRef>
+          <a:fontRef idx="minor">
+            <a:schemeClr val="lt1"/>
+          </a:fontRef>
+        </p:style>
+        <p:txBody>
+          <a:bodyPr rtlCol="0" anchor="ctr"/>
+          <a:lstStyle/>
+          <a:p>
+            <a:pPr algn="ctr"/>
+            <a:r>
+              <a:rPr kumimoji="1" lang="ja-JP" altLang="en-US" b="1" dirty="0"/>
+              <a:t>アイテム</a:t>
+            </a:r>
+          </a:p>
+        </p:txBody>
+      </p:sp>
+      <p:sp>
+        <p:nvSpPr>
+          <p:cNvPr id="5" name="フローチャート: 端子 4">
+            <a:extLst>
+              <a:ext uri="{FF2B5EF4-FFF2-40B4-BE49-F238E27FC236}">
+                <a16:creationId xmlns:a16="http://schemas.microsoft.com/office/drawing/2014/main" id="{6C4428F1-CA24-A4B2-1A6D-919AD604C7C8}"/>
+              </a:ext>
+            </a:extLst>
+          </p:cNvPr>
+          <p:cNvSpPr/>
+          <p:nvPr/>
+        </p:nvSpPr>
+        <p:spPr>
+          <a:xfrm>
+            <a:off x="4862050" y="2293375"/>
+            <a:ext cx="1800000" cy="720000"/>
+          </a:xfrm>
+          <a:prstGeom prst="flowChartTerminator">
+            <a:avLst/>
+          </a:prstGeom>
+          <a:solidFill>
+            <a:srgbClr val="0066FF"/>
+          </a:solidFill>
+          <a:ln>
+            <a:noFill/>
+          </a:ln>
+        </p:spPr>
+        <p:style>
+          <a:lnRef idx="2">
+            <a:schemeClr val="accent1">
+              <a:shade val="15000"/>
+            </a:schemeClr>
+          </a:lnRef>
+          <a:fillRef idx="1">
+            <a:schemeClr val="accent1"/>
+          </a:fillRef>
+          <a:effectRef idx="0">
+            <a:schemeClr val="accent1"/>
+          </a:effectRef>
+          <a:fontRef idx="minor">
+            <a:schemeClr val="lt1"/>
+          </a:fontRef>
+        </p:style>
+        <p:txBody>
+          <a:bodyPr rtlCol="0" anchor="ctr"/>
+          <a:lstStyle/>
+          <a:p>
+            <a:pPr algn="ctr"/>
+            <a:r>
+              <a:rPr lang="ja-JP" altLang="en-US" b="1" dirty="0"/>
+              <a:t>アクション</a:t>
+            </a:r>
+            <a:endParaRPr kumimoji="1" lang="ja-JP" altLang="en-US" b="1" dirty="0"/>
+          </a:p>
+        </p:txBody>
+      </p:sp>
+      <p:sp>
+        <p:nvSpPr>
+          <p:cNvPr id="6" name="フローチャート: 端子 5">
+            <a:extLst>
+              <a:ext uri="{FF2B5EF4-FFF2-40B4-BE49-F238E27FC236}">
+                <a16:creationId xmlns:a16="http://schemas.microsoft.com/office/drawing/2014/main" id="{563519B0-30BC-A6D6-21B3-5F427B849CD9}"/>
+              </a:ext>
+            </a:extLst>
+          </p:cNvPr>
+          <p:cNvSpPr/>
+          <p:nvPr/>
+        </p:nvSpPr>
+        <p:spPr>
+          <a:xfrm>
+            <a:off x="4970205" y="2949679"/>
+            <a:ext cx="1800000" cy="720000"/>
+          </a:xfrm>
+          <a:prstGeom prst="flowChartTerminator">
+            <a:avLst/>
+          </a:prstGeom>
+          <a:solidFill>
+            <a:srgbClr val="0066FF"/>
+          </a:solidFill>
+          <a:ln>
+            <a:noFill/>
+          </a:ln>
+        </p:spPr>
+        <p:style>
+          <a:lnRef idx="2">
+            <a:schemeClr val="accent1">
+              <a:shade val="15000"/>
+            </a:schemeClr>
+          </a:lnRef>
+          <a:fillRef idx="1">
+            <a:schemeClr val="accent1"/>
+          </a:fillRef>
+          <a:effectRef idx="0">
+            <a:schemeClr val="accent1"/>
+          </a:effectRef>
+          <a:fontRef idx="minor">
+            <a:schemeClr val="lt1"/>
+          </a:fontRef>
+        </p:style>
+        <p:txBody>
+          <a:bodyPr rtlCol="0" anchor="ctr"/>
+          <a:lstStyle/>
+          <a:p>
+            <a:pPr algn="ctr"/>
+            <a:r>
+              <a:rPr lang="ja-JP" altLang="en-US" b="1" dirty="0"/>
+              <a:t>歌</a:t>
+            </a:r>
+            <a:endParaRPr kumimoji="1" lang="ja-JP" altLang="en-US" b="1" dirty="0"/>
+          </a:p>
+        </p:txBody>
+      </p:sp>
+      <p:sp>
+        <p:nvSpPr>
+          <p:cNvPr id="7" name="フローチャート: 端子 6">
+            <a:extLst>
+              <a:ext uri="{FF2B5EF4-FFF2-40B4-BE49-F238E27FC236}">
+                <a16:creationId xmlns:a16="http://schemas.microsoft.com/office/drawing/2014/main" id="{97916CC3-AEFF-5F81-F4D3-AFB05F0BCC54}"/>
+              </a:ext>
+            </a:extLst>
+          </p:cNvPr>
+          <p:cNvSpPr/>
+          <p:nvPr/>
+        </p:nvSpPr>
+        <p:spPr>
+          <a:xfrm>
+            <a:off x="4862050" y="3758381"/>
+            <a:ext cx="1800000" cy="720000"/>
+          </a:xfrm>
+          <a:prstGeom prst="flowChartTerminator">
+            <a:avLst/>
+          </a:prstGeom>
+          <a:solidFill>
+            <a:srgbClr val="0066FF"/>
+          </a:solidFill>
+          <a:ln>
+            <a:noFill/>
+          </a:ln>
+        </p:spPr>
+        <p:style>
+          <a:lnRef idx="2">
+            <a:schemeClr val="accent1">
+              <a:shade val="15000"/>
+            </a:schemeClr>
+          </a:lnRef>
+          <a:fillRef idx="1">
+            <a:schemeClr val="accent1"/>
+          </a:fillRef>
+          <a:effectRef idx="0">
+            <a:schemeClr val="accent1"/>
+          </a:effectRef>
+          <a:fontRef idx="minor">
+            <a:schemeClr val="lt1"/>
+          </a:fontRef>
+        </p:style>
+        <p:txBody>
+          <a:bodyPr rtlCol="0" anchor="ctr"/>
+          <a:lstStyle/>
+          <a:p>
+            <a:pPr algn="ctr"/>
+            <a:r>
+              <a:rPr kumimoji="1" lang="ja-JP" altLang="en-US" b="1" dirty="0"/>
+              <a:t>ロケーション</a:t>
+            </a:r>
+          </a:p>
+        </p:txBody>
+      </p:sp>
+      <p:sp>
+        <p:nvSpPr>
+          <p:cNvPr id="8" name="フローチャート: 端子 7">
+            <a:extLst>
+              <a:ext uri="{FF2B5EF4-FFF2-40B4-BE49-F238E27FC236}">
+                <a16:creationId xmlns:a16="http://schemas.microsoft.com/office/drawing/2014/main" id="{1D17791E-9F8B-917A-1447-091EEE23C053}"/>
+              </a:ext>
+            </a:extLst>
+          </p:cNvPr>
+          <p:cNvSpPr/>
+          <p:nvPr/>
+        </p:nvSpPr>
+        <p:spPr>
+          <a:xfrm>
+            <a:off x="1922204" y="875071"/>
+            <a:ext cx="1800000" cy="720000"/>
+          </a:xfrm>
+          <a:prstGeom prst="flowChartTerminator">
+            <a:avLst/>
+          </a:prstGeom>
+          <a:solidFill>
+            <a:schemeClr val="tx1">
+              <a:lumMod val="50000"/>
+              <a:lumOff val="50000"/>
+            </a:schemeClr>
+          </a:solidFill>
+          <a:ln>
+            <a:noFill/>
+          </a:ln>
+        </p:spPr>
+        <p:style>
+          <a:lnRef idx="2">
+            <a:schemeClr val="accent1">
+              <a:shade val="15000"/>
+            </a:schemeClr>
+          </a:lnRef>
+          <a:fillRef idx="1">
+            <a:schemeClr val="accent1"/>
+          </a:fillRef>
+          <a:effectRef idx="0">
+            <a:schemeClr val="accent1"/>
+          </a:effectRef>
+          <a:fontRef idx="minor">
+            <a:schemeClr val="lt1"/>
+          </a:fontRef>
+        </p:style>
+        <p:txBody>
+          <a:bodyPr rtlCol="0" anchor="ctr"/>
+          <a:lstStyle/>
+          <a:p>
+            <a:pPr algn="ctr"/>
+            <a:r>
+              <a:rPr kumimoji="1" lang="ja-JP" altLang="en-US" b="1" dirty="0"/>
+              <a:t>キャラクター</a:t>
+            </a:r>
+            <a:endParaRPr kumimoji="1" lang="en-US" altLang="ja-JP" b="1" dirty="0"/>
+          </a:p>
+        </p:txBody>
+      </p:sp>
+      <p:sp>
+        <p:nvSpPr>
+          <p:cNvPr id="9" name="フローチャート: 端子 8">
+            <a:extLst>
+              <a:ext uri="{FF2B5EF4-FFF2-40B4-BE49-F238E27FC236}">
+                <a16:creationId xmlns:a16="http://schemas.microsoft.com/office/drawing/2014/main" id="{D3034FDB-D8AA-42D8-D20D-ADE4A5BD865D}"/>
+              </a:ext>
+            </a:extLst>
+          </p:cNvPr>
+          <p:cNvSpPr/>
+          <p:nvPr/>
+        </p:nvSpPr>
+        <p:spPr>
+          <a:xfrm>
+            <a:off x="1922204" y="1637071"/>
+            <a:ext cx="1800000" cy="720000"/>
+          </a:xfrm>
+          <a:prstGeom prst="flowChartTerminator">
+            <a:avLst/>
+          </a:prstGeom>
+          <a:solidFill>
+            <a:schemeClr val="tx1">
+              <a:lumMod val="50000"/>
+              <a:lumOff val="50000"/>
+            </a:schemeClr>
+          </a:solidFill>
+          <a:ln>
+            <a:noFill/>
+          </a:ln>
+        </p:spPr>
+        <p:style>
+          <a:lnRef idx="2">
+            <a:schemeClr val="accent1">
+              <a:shade val="15000"/>
+            </a:schemeClr>
+          </a:lnRef>
+          <a:fillRef idx="1">
+            <a:schemeClr val="accent1"/>
+          </a:fillRef>
+          <a:effectRef idx="0">
+            <a:schemeClr val="accent1"/>
+          </a:effectRef>
+          <a:fontRef idx="minor">
+            <a:schemeClr val="lt1"/>
+          </a:fontRef>
+        </p:style>
+        <p:txBody>
+          <a:bodyPr rtlCol="0" anchor="ctr"/>
+          <a:lstStyle/>
+          <a:p>
+            <a:pPr algn="ctr"/>
+            <a:r>
+              <a:rPr kumimoji="1" lang="ja-JP" altLang="en-US" b="1" dirty="0"/>
+              <a:t>アイテム</a:t>
+            </a:r>
+          </a:p>
+        </p:txBody>
+      </p:sp>
+      <p:sp>
+        <p:nvSpPr>
+          <p:cNvPr id="10" name="フローチャート: 端子 9">
+            <a:extLst>
+              <a:ext uri="{FF2B5EF4-FFF2-40B4-BE49-F238E27FC236}">
+                <a16:creationId xmlns:a16="http://schemas.microsoft.com/office/drawing/2014/main" id="{D8177B03-26A2-4971-A2E3-E4B88438B2BA}"/>
+              </a:ext>
+            </a:extLst>
+          </p:cNvPr>
+          <p:cNvSpPr/>
+          <p:nvPr/>
+        </p:nvSpPr>
+        <p:spPr>
+          <a:xfrm>
+            <a:off x="2000862" y="2709000"/>
+            <a:ext cx="1800000" cy="720000"/>
+          </a:xfrm>
+          <a:prstGeom prst="flowChartTerminator">
+            <a:avLst/>
+          </a:prstGeom>
+          <a:solidFill>
+            <a:schemeClr val="tx1">
+              <a:lumMod val="50000"/>
+              <a:lumOff val="50000"/>
+            </a:schemeClr>
+          </a:solidFill>
+          <a:ln>
+            <a:noFill/>
+          </a:ln>
+        </p:spPr>
+        <p:style>
+          <a:lnRef idx="2">
+            <a:schemeClr val="accent1">
+              <a:shade val="15000"/>
+            </a:schemeClr>
+          </a:lnRef>
+          <a:fillRef idx="1">
+            <a:schemeClr val="accent1"/>
+          </a:fillRef>
+          <a:effectRef idx="0">
+            <a:schemeClr val="accent1"/>
+          </a:effectRef>
+          <a:fontRef idx="minor">
+            <a:schemeClr val="lt1"/>
+          </a:fontRef>
+        </p:style>
+        <p:txBody>
+          <a:bodyPr rtlCol="0" anchor="ctr"/>
+          <a:lstStyle/>
+          <a:p>
+            <a:pPr algn="ctr"/>
+            <a:r>
+              <a:rPr lang="ja-JP" altLang="en-US" b="1" dirty="0"/>
+              <a:t>アクション</a:t>
+            </a:r>
+            <a:endParaRPr kumimoji="1" lang="ja-JP" altLang="en-US" b="1" dirty="0"/>
+          </a:p>
+        </p:txBody>
+      </p:sp>
+      <p:sp>
+        <p:nvSpPr>
+          <p:cNvPr id="11" name="フローチャート: 端子 10">
+            <a:extLst>
+              <a:ext uri="{FF2B5EF4-FFF2-40B4-BE49-F238E27FC236}">
+                <a16:creationId xmlns:a16="http://schemas.microsoft.com/office/drawing/2014/main" id="{8D87D1C8-1212-F90B-6C43-8DF3EBAC3A26}"/>
+              </a:ext>
+            </a:extLst>
+          </p:cNvPr>
+          <p:cNvSpPr/>
+          <p:nvPr/>
+        </p:nvSpPr>
+        <p:spPr>
+          <a:xfrm>
+            <a:off x="2000862" y="3668381"/>
+            <a:ext cx="1800000" cy="720000"/>
+          </a:xfrm>
+          <a:prstGeom prst="flowChartTerminator">
+            <a:avLst/>
+          </a:prstGeom>
+          <a:solidFill>
+            <a:schemeClr val="tx1">
+              <a:lumMod val="50000"/>
+              <a:lumOff val="50000"/>
+            </a:schemeClr>
+          </a:solidFill>
+          <a:ln>
+            <a:noFill/>
+          </a:ln>
+        </p:spPr>
+        <p:style>
+          <a:lnRef idx="2">
+            <a:schemeClr val="accent1">
+              <a:shade val="15000"/>
+            </a:schemeClr>
+          </a:lnRef>
+          <a:fillRef idx="1">
+            <a:schemeClr val="accent1"/>
+          </a:fillRef>
+          <a:effectRef idx="0">
+            <a:schemeClr val="accent1"/>
+          </a:effectRef>
+          <a:fontRef idx="minor">
+            <a:schemeClr val="lt1"/>
+          </a:fontRef>
+        </p:style>
+        <p:txBody>
+          <a:bodyPr rtlCol="0" anchor="ctr"/>
+          <a:lstStyle/>
+          <a:p>
+            <a:pPr algn="ctr"/>
+            <a:r>
+              <a:rPr lang="ja-JP" altLang="en-US" b="1" dirty="0"/>
+              <a:t>歌</a:t>
+            </a:r>
+            <a:endParaRPr kumimoji="1" lang="ja-JP" altLang="en-US" b="1" dirty="0"/>
+          </a:p>
+        </p:txBody>
+      </p:sp>
+      <p:sp>
+        <p:nvSpPr>
+          <p:cNvPr id="12" name="フローチャート: 端子 11">
+            <a:extLst>
+              <a:ext uri="{FF2B5EF4-FFF2-40B4-BE49-F238E27FC236}">
+                <a16:creationId xmlns:a16="http://schemas.microsoft.com/office/drawing/2014/main" id="{463938CC-57BE-27A3-4251-83AD7EB19F24}"/>
+              </a:ext>
+            </a:extLst>
+          </p:cNvPr>
+          <p:cNvSpPr/>
+          <p:nvPr/>
+        </p:nvSpPr>
+        <p:spPr>
+          <a:xfrm>
+            <a:off x="1922204" y="4500929"/>
+            <a:ext cx="1800000" cy="720000"/>
+          </a:xfrm>
+          <a:prstGeom prst="flowChartTerminator">
+            <a:avLst/>
+          </a:prstGeom>
+          <a:solidFill>
+            <a:schemeClr val="tx1">
+              <a:lumMod val="50000"/>
+              <a:lumOff val="50000"/>
+            </a:schemeClr>
+          </a:solidFill>
+          <a:ln>
+            <a:noFill/>
+          </a:ln>
+        </p:spPr>
+        <p:style>
+          <a:lnRef idx="2">
+            <a:schemeClr val="accent1">
+              <a:shade val="15000"/>
+            </a:schemeClr>
+          </a:lnRef>
+          <a:fillRef idx="1">
+            <a:schemeClr val="accent1"/>
+          </a:fillRef>
+          <a:effectRef idx="0">
+            <a:schemeClr val="accent1"/>
+          </a:effectRef>
+          <a:fontRef idx="minor">
+            <a:schemeClr val="lt1"/>
+          </a:fontRef>
+        </p:style>
+        <p:txBody>
+          <a:bodyPr rtlCol="0" anchor="ctr"/>
+          <a:lstStyle/>
+          <a:p>
+            <a:pPr algn="ctr"/>
+            <a:r>
+              <a:rPr kumimoji="1" lang="ja-JP" altLang="en-US" b="1" dirty="0"/>
+              <a:t>ロケーション</a:t>
+            </a:r>
+          </a:p>
+        </p:txBody>
+      </p:sp>
+    </p:spTree>
+    <p:extLst>
+      <p:ext uri="{BB962C8B-B14F-4D97-AF65-F5344CB8AC3E}">
+        <p14:creationId xmlns:p14="http://schemas.microsoft.com/office/powerpoint/2010/main" val="3038571090"/>
       </p:ext>
     </p:extLst>
   </p:cSld>

--- a/Assets/Resources/アイコン作成.pptx
+++ b/Assets/Resources/アイコン作成.pptx
@@ -15,6 +15,15 @@
     <p:sldId id="264" r:id="rId9"/>
     <p:sldId id="265" r:id="rId10"/>
     <p:sldId id="266" r:id="rId11"/>
+    <p:sldId id="272" r:id="rId12"/>
+    <p:sldId id="273" r:id="rId13"/>
+    <p:sldId id="274" r:id="rId14"/>
+    <p:sldId id="275" r:id="rId15"/>
+    <p:sldId id="276" r:id="rId16"/>
+    <p:sldId id="277" r:id="rId17"/>
+    <p:sldId id="268" r:id="rId18"/>
+    <p:sldId id="269" r:id="rId19"/>
+    <p:sldId id="270" r:id="rId20"/>
   </p:sldIdLst>
   <p:sldSz cx="12192000" cy="6858000"/>
   <p:notesSz cx="6858000" cy="9144000"/>
@@ -268,7 +277,7 @@
           <a:p>
             <a:fld id="{C86328C3-D5F4-4C2C-ACFC-4B0C4F5663EC}" type="datetimeFigureOut">
               <a:rPr kumimoji="1" lang="ja-JP" altLang="en-US" smtClean="0"/>
-              <a:t>2025/7/17</a:t>
+              <a:t>2025/7/18</a:t>
             </a:fld>
             <a:endParaRPr kumimoji="1" lang="ja-JP" altLang="en-US"/>
           </a:p>
@@ -498,7 +507,7 @@
           <a:p>
             <a:fld id="{C86328C3-D5F4-4C2C-ACFC-4B0C4F5663EC}" type="datetimeFigureOut">
               <a:rPr kumimoji="1" lang="ja-JP" altLang="en-US" smtClean="0"/>
-              <a:t>2025/7/17</a:t>
+              <a:t>2025/7/18</a:t>
             </a:fld>
             <a:endParaRPr kumimoji="1" lang="ja-JP" altLang="en-US"/>
           </a:p>
@@ -738,7 +747,7 @@
           <a:p>
             <a:fld id="{C86328C3-D5F4-4C2C-ACFC-4B0C4F5663EC}" type="datetimeFigureOut">
               <a:rPr kumimoji="1" lang="ja-JP" altLang="en-US" smtClean="0"/>
-              <a:t>2025/7/17</a:t>
+              <a:t>2025/7/18</a:t>
             </a:fld>
             <a:endParaRPr kumimoji="1" lang="ja-JP" altLang="en-US"/>
           </a:p>
@@ -968,7 +977,7 @@
           <a:p>
             <a:fld id="{C86328C3-D5F4-4C2C-ACFC-4B0C4F5663EC}" type="datetimeFigureOut">
               <a:rPr kumimoji="1" lang="ja-JP" altLang="en-US" smtClean="0"/>
-              <a:t>2025/7/17</a:t>
+              <a:t>2025/7/18</a:t>
             </a:fld>
             <a:endParaRPr kumimoji="1" lang="ja-JP" altLang="en-US"/>
           </a:p>
@@ -1243,7 +1252,7 @@
           <a:p>
             <a:fld id="{C86328C3-D5F4-4C2C-ACFC-4B0C4F5663EC}" type="datetimeFigureOut">
               <a:rPr kumimoji="1" lang="ja-JP" altLang="en-US" smtClean="0"/>
-              <a:t>2025/7/17</a:t>
+              <a:t>2025/7/18</a:t>
             </a:fld>
             <a:endParaRPr kumimoji="1" lang="ja-JP" altLang="en-US"/>
           </a:p>
@@ -1572,7 +1581,7 @@
           <a:p>
             <a:fld id="{C86328C3-D5F4-4C2C-ACFC-4B0C4F5663EC}" type="datetimeFigureOut">
               <a:rPr kumimoji="1" lang="ja-JP" altLang="en-US" smtClean="0"/>
-              <a:t>2025/7/17</a:t>
+              <a:t>2025/7/18</a:t>
             </a:fld>
             <a:endParaRPr kumimoji="1" lang="ja-JP" altLang="en-US"/>
           </a:p>
@@ -2048,7 +2057,7 @@
           <a:p>
             <a:fld id="{C86328C3-D5F4-4C2C-ACFC-4B0C4F5663EC}" type="datetimeFigureOut">
               <a:rPr kumimoji="1" lang="ja-JP" altLang="en-US" smtClean="0"/>
-              <a:t>2025/7/17</a:t>
+              <a:t>2025/7/18</a:t>
             </a:fld>
             <a:endParaRPr kumimoji="1" lang="ja-JP" altLang="en-US"/>
           </a:p>
@@ -2189,7 +2198,7 @@
           <a:p>
             <a:fld id="{C86328C3-D5F4-4C2C-ACFC-4B0C4F5663EC}" type="datetimeFigureOut">
               <a:rPr kumimoji="1" lang="ja-JP" altLang="en-US" smtClean="0"/>
-              <a:t>2025/7/17</a:t>
+              <a:t>2025/7/18</a:t>
             </a:fld>
             <a:endParaRPr kumimoji="1" lang="ja-JP" altLang="en-US"/>
           </a:p>
@@ -2302,7 +2311,7 @@
           <a:p>
             <a:fld id="{C86328C3-D5F4-4C2C-ACFC-4B0C4F5663EC}" type="datetimeFigureOut">
               <a:rPr kumimoji="1" lang="ja-JP" altLang="en-US" smtClean="0"/>
-              <a:t>2025/7/17</a:t>
+              <a:t>2025/7/18</a:t>
             </a:fld>
             <a:endParaRPr kumimoji="1" lang="ja-JP" altLang="en-US"/>
           </a:p>
@@ -2645,7 +2654,7 @@
           <a:p>
             <a:fld id="{C86328C3-D5F4-4C2C-ACFC-4B0C4F5663EC}" type="datetimeFigureOut">
               <a:rPr kumimoji="1" lang="ja-JP" altLang="en-US" smtClean="0"/>
-              <a:t>2025/7/17</a:t>
+              <a:t>2025/7/18</a:t>
             </a:fld>
             <a:endParaRPr kumimoji="1" lang="ja-JP" altLang="en-US"/>
           </a:p>
@@ -2933,7 +2942,7 @@
           <a:p>
             <a:fld id="{C86328C3-D5F4-4C2C-ACFC-4B0C4F5663EC}" type="datetimeFigureOut">
               <a:rPr kumimoji="1" lang="ja-JP" altLang="en-US" smtClean="0"/>
-              <a:t>2025/7/17</a:t>
+              <a:t>2025/7/18</a:t>
             </a:fld>
             <a:endParaRPr kumimoji="1" lang="ja-JP" altLang="en-US"/>
           </a:p>
@@ -3206,7 +3215,7 @@
           <a:p>
             <a:fld id="{C86328C3-D5F4-4C2C-ACFC-4B0C4F5663EC}" type="datetimeFigureOut">
               <a:rPr kumimoji="1" lang="ja-JP" altLang="en-US" smtClean="0"/>
-              <a:t>2025/7/17</a:t>
+              <a:t>2025/7/18</a:t>
             </a:fld>
             <a:endParaRPr kumimoji="1" lang="ja-JP" altLang="en-US"/>
           </a:p>
@@ -4997,10 +5006,2923 @@
           </a:p>
         </p:txBody>
       </p:sp>
+      <p:sp>
+        <p:nvSpPr>
+          <p:cNvPr id="2" name="フローチャート: 端子 1">
+            <a:extLst>
+              <a:ext uri="{FF2B5EF4-FFF2-40B4-BE49-F238E27FC236}">
+                <a16:creationId xmlns:a16="http://schemas.microsoft.com/office/drawing/2014/main" id="{BF7209A6-C413-9DBA-62F0-926A09D29FC4}"/>
+              </a:ext>
+            </a:extLst>
+          </p:cNvPr>
+          <p:cNvSpPr/>
+          <p:nvPr/>
+        </p:nvSpPr>
+        <p:spPr>
+          <a:xfrm>
+            <a:off x="4321276" y="2193020"/>
+            <a:ext cx="1260000" cy="720000"/>
+          </a:xfrm>
+          <a:prstGeom prst="flowChartTerminator">
+            <a:avLst/>
+          </a:prstGeom>
+          <a:solidFill>
+            <a:schemeClr val="tx1">
+              <a:lumMod val="50000"/>
+              <a:lumOff val="50000"/>
+            </a:schemeClr>
+          </a:solidFill>
+          <a:ln>
+            <a:noFill/>
+          </a:ln>
+        </p:spPr>
+        <p:style>
+          <a:lnRef idx="2">
+            <a:schemeClr val="accent1">
+              <a:shade val="15000"/>
+            </a:schemeClr>
+          </a:lnRef>
+          <a:fillRef idx="1">
+            <a:schemeClr val="accent1"/>
+          </a:fillRef>
+          <a:effectRef idx="0">
+            <a:schemeClr val="accent1"/>
+          </a:effectRef>
+          <a:fontRef idx="minor">
+            <a:schemeClr val="lt1"/>
+          </a:fontRef>
+        </p:style>
+        <p:txBody>
+          <a:bodyPr rtlCol="0" anchor="ctr"/>
+          <a:lstStyle/>
+          <a:p>
+            <a:pPr algn="ctr"/>
+            <a:r>
+              <a:rPr lang="ja-JP" altLang="en-US" sz="2000" b="1" dirty="0"/>
+              <a:t>インク</a:t>
+            </a:r>
+            <a:endParaRPr kumimoji="1" lang="ja-JP" altLang="en-US" sz="2000" b="1" dirty="0"/>
+          </a:p>
+        </p:txBody>
+      </p:sp>
+      <p:sp>
+        <p:nvSpPr>
+          <p:cNvPr id="4" name="フローチャート: 端子 3">
+            <a:extLst>
+              <a:ext uri="{FF2B5EF4-FFF2-40B4-BE49-F238E27FC236}">
+                <a16:creationId xmlns:a16="http://schemas.microsoft.com/office/drawing/2014/main" id="{8DA428BB-AA04-DD52-C21A-AF3B9DCB55BC}"/>
+              </a:ext>
+            </a:extLst>
+          </p:cNvPr>
+          <p:cNvSpPr/>
+          <p:nvPr/>
+        </p:nvSpPr>
+        <p:spPr>
+          <a:xfrm>
+            <a:off x="4321276" y="3152401"/>
+            <a:ext cx="1260000" cy="720000"/>
+          </a:xfrm>
+          <a:prstGeom prst="flowChartTerminator">
+            <a:avLst/>
+          </a:prstGeom>
+          <a:solidFill>
+            <a:schemeClr val="tx1">
+              <a:lumMod val="50000"/>
+              <a:lumOff val="50000"/>
+            </a:schemeClr>
+          </a:solidFill>
+          <a:ln>
+            <a:noFill/>
+          </a:ln>
+        </p:spPr>
+        <p:style>
+          <a:lnRef idx="2">
+            <a:schemeClr val="accent1">
+              <a:shade val="15000"/>
+            </a:schemeClr>
+          </a:lnRef>
+          <a:fillRef idx="1">
+            <a:schemeClr val="accent1"/>
+          </a:fillRef>
+          <a:effectRef idx="0">
+            <a:schemeClr val="accent1"/>
+          </a:effectRef>
+          <a:fontRef idx="minor">
+            <a:schemeClr val="lt1"/>
+          </a:fontRef>
+        </p:style>
+        <p:txBody>
+          <a:bodyPr rtlCol="0" anchor="ctr"/>
+          <a:lstStyle/>
+          <a:p>
+            <a:pPr algn="ctr"/>
+            <a:r>
+              <a:rPr lang="ja-JP" altLang="en-US" sz="1400" b="1" dirty="0"/>
+              <a:t>インクレス</a:t>
+            </a:r>
+            <a:endParaRPr lang="en-US" altLang="ja-JP" sz="1400" b="1" dirty="0"/>
+          </a:p>
+        </p:txBody>
+      </p:sp>
+      <p:sp>
+        <p:nvSpPr>
+          <p:cNvPr id="5" name="フローチャート: 端子 4">
+            <a:extLst>
+              <a:ext uri="{FF2B5EF4-FFF2-40B4-BE49-F238E27FC236}">
+                <a16:creationId xmlns:a16="http://schemas.microsoft.com/office/drawing/2014/main" id="{3C02ECD7-C828-F007-B579-D8418B032809}"/>
+              </a:ext>
+            </a:extLst>
+          </p:cNvPr>
+          <p:cNvSpPr/>
+          <p:nvPr/>
+        </p:nvSpPr>
+        <p:spPr>
+          <a:xfrm>
+            <a:off x="4242618" y="3984949"/>
+            <a:ext cx="1260000" cy="720000"/>
+          </a:xfrm>
+          <a:prstGeom prst="flowChartTerminator">
+            <a:avLst/>
+          </a:prstGeom>
+          <a:solidFill>
+            <a:schemeClr val="tx1">
+              <a:lumMod val="50000"/>
+              <a:lumOff val="50000"/>
+            </a:schemeClr>
+          </a:solidFill>
+          <a:ln>
+            <a:noFill/>
+          </a:ln>
+        </p:spPr>
+        <p:style>
+          <a:lnRef idx="2">
+            <a:schemeClr val="accent1">
+              <a:shade val="15000"/>
+            </a:schemeClr>
+          </a:lnRef>
+          <a:fillRef idx="1">
+            <a:schemeClr val="accent1"/>
+          </a:fillRef>
+          <a:effectRef idx="0">
+            <a:schemeClr val="accent1"/>
+          </a:effectRef>
+          <a:fontRef idx="minor">
+            <a:schemeClr val="lt1"/>
+          </a:fontRef>
+        </p:style>
+        <p:txBody>
+          <a:bodyPr rtlCol="0" anchor="ctr"/>
+          <a:lstStyle/>
+          <a:p>
+            <a:pPr algn="ctr"/>
+            <a:r>
+              <a:rPr lang="ja-JP" altLang="en-US" sz="2000" b="1" dirty="0"/>
+              <a:t>バニラ</a:t>
+            </a:r>
+            <a:endParaRPr kumimoji="1" lang="ja-JP" altLang="en-US" sz="2000" b="1" dirty="0"/>
+          </a:p>
+        </p:txBody>
+      </p:sp>
+      <p:sp>
+        <p:nvSpPr>
+          <p:cNvPr id="6" name="フローチャート: 端子 5">
+            <a:extLst>
+              <a:ext uri="{FF2B5EF4-FFF2-40B4-BE49-F238E27FC236}">
+                <a16:creationId xmlns:a16="http://schemas.microsoft.com/office/drawing/2014/main" id="{D6863643-C93E-79D7-C962-C3A0FF5BE93C}"/>
+              </a:ext>
+            </a:extLst>
+          </p:cNvPr>
+          <p:cNvSpPr/>
+          <p:nvPr/>
+        </p:nvSpPr>
+        <p:spPr>
+          <a:xfrm>
+            <a:off x="9930579" y="2193020"/>
+            <a:ext cx="1260000" cy="720000"/>
+          </a:xfrm>
+          <a:prstGeom prst="flowChartTerminator">
+            <a:avLst/>
+          </a:prstGeom>
+          <a:solidFill>
+            <a:srgbClr val="0066FF"/>
+          </a:solidFill>
+          <a:ln>
+            <a:noFill/>
+          </a:ln>
+        </p:spPr>
+        <p:style>
+          <a:lnRef idx="2">
+            <a:schemeClr val="accent1">
+              <a:shade val="15000"/>
+            </a:schemeClr>
+          </a:lnRef>
+          <a:fillRef idx="1">
+            <a:schemeClr val="accent1"/>
+          </a:fillRef>
+          <a:effectRef idx="0">
+            <a:schemeClr val="accent1"/>
+          </a:effectRef>
+          <a:fontRef idx="minor">
+            <a:schemeClr val="lt1"/>
+          </a:fontRef>
+        </p:style>
+        <p:txBody>
+          <a:bodyPr rtlCol="0" anchor="ctr"/>
+          <a:lstStyle/>
+          <a:p>
+            <a:pPr algn="ctr"/>
+            <a:r>
+              <a:rPr lang="ja-JP" altLang="en-US" sz="2000" b="1" dirty="0"/>
+              <a:t>インク</a:t>
+            </a:r>
+            <a:endParaRPr kumimoji="1" lang="ja-JP" altLang="en-US" sz="2000" b="1" dirty="0"/>
+          </a:p>
+        </p:txBody>
+      </p:sp>
+      <p:sp>
+        <p:nvSpPr>
+          <p:cNvPr id="7" name="フローチャート: 端子 6">
+            <a:extLst>
+              <a:ext uri="{FF2B5EF4-FFF2-40B4-BE49-F238E27FC236}">
+                <a16:creationId xmlns:a16="http://schemas.microsoft.com/office/drawing/2014/main" id="{BFC346E3-334F-8C1C-2FBD-2E542AA2F8B3}"/>
+              </a:ext>
+            </a:extLst>
+          </p:cNvPr>
+          <p:cNvSpPr/>
+          <p:nvPr/>
+        </p:nvSpPr>
+        <p:spPr>
+          <a:xfrm>
+            <a:off x="9930579" y="3152401"/>
+            <a:ext cx="1260000" cy="720000"/>
+          </a:xfrm>
+          <a:prstGeom prst="flowChartTerminator">
+            <a:avLst/>
+          </a:prstGeom>
+          <a:solidFill>
+            <a:srgbClr val="0066FF"/>
+          </a:solidFill>
+          <a:ln>
+            <a:noFill/>
+          </a:ln>
+        </p:spPr>
+        <p:style>
+          <a:lnRef idx="2">
+            <a:schemeClr val="accent1">
+              <a:shade val="15000"/>
+            </a:schemeClr>
+          </a:lnRef>
+          <a:fillRef idx="1">
+            <a:schemeClr val="accent1"/>
+          </a:fillRef>
+          <a:effectRef idx="0">
+            <a:schemeClr val="accent1"/>
+          </a:effectRef>
+          <a:fontRef idx="minor">
+            <a:schemeClr val="lt1"/>
+          </a:fontRef>
+        </p:style>
+        <p:txBody>
+          <a:bodyPr rtlCol="0" anchor="ctr"/>
+          <a:lstStyle/>
+          <a:p>
+            <a:pPr algn="ctr"/>
+            <a:r>
+              <a:rPr lang="ja-JP" altLang="en-US" sz="1400" b="1" dirty="0"/>
+              <a:t>インクレス</a:t>
+            </a:r>
+            <a:endParaRPr lang="en-US" altLang="ja-JP" sz="1400" b="1" dirty="0"/>
+          </a:p>
+        </p:txBody>
+      </p:sp>
+      <p:sp>
+        <p:nvSpPr>
+          <p:cNvPr id="19" name="フローチャート: 端子 18">
+            <a:extLst>
+              <a:ext uri="{FF2B5EF4-FFF2-40B4-BE49-F238E27FC236}">
+                <a16:creationId xmlns:a16="http://schemas.microsoft.com/office/drawing/2014/main" id="{64AF1EC8-A8FA-0969-180D-840039211765}"/>
+              </a:ext>
+            </a:extLst>
+          </p:cNvPr>
+          <p:cNvSpPr/>
+          <p:nvPr/>
+        </p:nvSpPr>
+        <p:spPr>
+          <a:xfrm>
+            <a:off x="9851921" y="3984949"/>
+            <a:ext cx="1260000" cy="720000"/>
+          </a:xfrm>
+          <a:prstGeom prst="flowChartTerminator">
+            <a:avLst/>
+          </a:prstGeom>
+          <a:solidFill>
+            <a:srgbClr val="0066FF"/>
+          </a:solidFill>
+          <a:ln>
+            <a:noFill/>
+          </a:ln>
+        </p:spPr>
+        <p:style>
+          <a:lnRef idx="2">
+            <a:schemeClr val="accent1">
+              <a:shade val="15000"/>
+            </a:schemeClr>
+          </a:lnRef>
+          <a:fillRef idx="1">
+            <a:schemeClr val="accent1"/>
+          </a:fillRef>
+          <a:effectRef idx="0">
+            <a:schemeClr val="accent1"/>
+          </a:effectRef>
+          <a:fontRef idx="minor">
+            <a:schemeClr val="lt1"/>
+          </a:fontRef>
+        </p:style>
+        <p:txBody>
+          <a:bodyPr rtlCol="0" anchor="ctr"/>
+          <a:lstStyle/>
+          <a:p>
+            <a:pPr algn="ctr"/>
+            <a:r>
+              <a:rPr lang="ja-JP" altLang="en-US" sz="2000" b="1" dirty="0"/>
+              <a:t>バニラ</a:t>
+            </a:r>
+            <a:endParaRPr kumimoji="1" lang="ja-JP" altLang="en-US" sz="2000" b="1" dirty="0"/>
+          </a:p>
+        </p:txBody>
+      </p:sp>
     </p:spTree>
     <p:extLst>
       <p:ext uri="{BB962C8B-B14F-4D97-AF65-F5344CB8AC3E}">
         <p14:creationId xmlns:p14="http://schemas.microsoft.com/office/powerpoint/2010/main" val="2583786836"/>
+      </p:ext>
+    </p:extLst>
+  </p:cSld>
+  <p:clrMapOvr>
+    <a:masterClrMapping/>
+  </p:clrMapOvr>
+</p:sld>
+</file>
+
+<file path=ppt/slides/slide11.xml><?xml version="1.0" encoding="utf-8"?>
+<p:sld xmlns:a="http://schemas.openxmlformats.org/drawingml/2006/main" xmlns:r="http://schemas.openxmlformats.org/officeDocument/2006/relationships" xmlns:p="http://schemas.openxmlformats.org/presentationml/2006/main">
+  <p:cSld>
+    <p:spTree>
+      <p:nvGrpSpPr>
+        <p:cNvPr id="1" name="">
+          <a:extLst>
+            <a:ext uri="{FF2B5EF4-FFF2-40B4-BE49-F238E27FC236}">
+              <a16:creationId xmlns:a16="http://schemas.microsoft.com/office/drawing/2014/main" id="{E31A5A91-EFB1-7BFE-3D83-5FABD9F688AE}"/>
+            </a:ext>
+          </a:extLst>
+        </p:cNvPr>
+        <p:cNvGrpSpPr/>
+        <p:nvPr/>
+      </p:nvGrpSpPr>
+      <p:grpSpPr>
+        <a:xfrm>
+          <a:off x="0" y="0"/>
+          <a:ext cx="0" cy="0"/>
+          <a:chOff x="0" y="0"/>
+          <a:chExt cx="0" cy="0"/>
+        </a:xfrm>
+      </p:grpSpPr>
+      <p:pic>
+        <p:nvPicPr>
+          <p:cNvPr id="3" name="図 2">
+            <a:extLst>
+              <a:ext uri="{FF2B5EF4-FFF2-40B4-BE49-F238E27FC236}">
+                <a16:creationId xmlns:a16="http://schemas.microsoft.com/office/drawing/2014/main" id="{11DF6A1A-794C-96BB-28A1-732CC07478CC}"/>
+              </a:ext>
+            </a:extLst>
+          </p:cNvPr>
+          <p:cNvPicPr>
+            <a:picLocks noChangeAspect="1"/>
+          </p:cNvPicPr>
+          <p:nvPr/>
+        </p:nvPicPr>
+        <p:blipFill>
+          <a:blip r:embed="rId2">
+            <a:extLst>
+              <a:ext uri="{28A0092B-C50C-407E-A947-70E740481C1C}">
+                <a14:useLocalDpi xmlns:a14="http://schemas.microsoft.com/office/drawing/2010/main" val="0"/>
+              </a:ext>
+            </a:extLst>
+          </a:blip>
+          <a:stretch>
+            <a:fillRect/>
+          </a:stretch>
+        </p:blipFill>
+        <p:spPr>
+          <a:xfrm>
+            <a:off x="666137" y="115990"/>
+            <a:ext cx="11430000" cy="6429375"/>
+          </a:xfrm>
+          <a:prstGeom prst="rect">
+            <a:avLst/>
+          </a:prstGeom>
+        </p:spPr>
+      </p:pic>
+      <p:sp>
+        <p:nvSpPr>
+          <p:cNvPr id="2" name="楕円 1">
+            <a:extLst>
+              <a:ext uri="{FF2B5EF4-FFF2-40B4-BE49-F238E27FC236}">
+                <a16:creationId xmlns:a16="http://schemas.microsoft.com/office/drawing/2014/main" id="{E394A59B-8D42-6626-1580-1CC5600C56A2}"/>
+              </a:ext>
+            </a:extLst>
+          </p:cNvPr>
+          <p:cNvSpPr/>
+          <p:nvPr/>
+        </p:nvSpPr>
+        <p:spPr>
+          <a:xfrm>
+            <a:off x="1818966" y="796413"/>
+            <a:ext cx="1224000" cy="1224000"/>
+          </a:xfrm>
+          <a:prstGeom prst="ellipse">
+            <a:avLst/>
+          </a:prstGeom>
+          <a:noFill/>
+          <a:ln>
+            <a:solidFill>
+              <a:schemeClr val="tx1"/>
+            </a:solidFill>
+          </a:ln>
+        </p:spPr>
+        <p:style>
+          <a:lnRef idx="2">
+            <a:schemeClr val="accent1">
+              <a:shade val="15000"/>
+            </a:schemeClr>
+          </a:lnRef>
+          <a:fillRef idx="1">
+            <a:schemeClr val="accent1"/>
+          </a:fillRef>
+          <a:effectRef idx="0">
+            <a:schemeClr val="accent1"/>
+          </a:effectRef>
+          <a:fontRef idx="minor">
+            <a:schemeClr val="lt1"/>
+          </a:fontRef>
+        </p:style>
+        <p:txBody>
+          <a:bodyPr rtlCol="0" anchor="ctr"/>
+          <a:lstStyle/>
+          <a:p>
+            <a:pPr algn="ctr"/>
+            <a:endParaRPr kumimoji="1" lang="ja-JP" altLang="en-US"/>
+          </a:p>
+        </p:txBody>
+      </p:sp>
+    </p:spTree>
+    <p:extLst>
+      <p:ext uri="{BB962C8B-B14F-4D97-AF65-F5344CB8AC3E}">
+        <p14:creationId xmlns:p14="http://schemas.microsoft.com/office/powerpoint/2010/main" val="2263205194"/>
+      </p:ext>
+    </p:extLst>
+  </p:cSld>
+  <p:clrMapOvr>
+    <a:masterClrMapping/>
+  </p:clrMapOvr>
+</p:sld>
+</file>
+
+<file path=ppt/slides/slide12.xml><?xml version="1.0" encoding="utf-8"?>
+<p:sld xmlns:a="http://schemas.openxmlformats.org/drawingml/2006/main" xmlns:r="http://schemas.openxmlformats.org/officeDocument/2006/relationships" xmlns:p="http://schemas.openxmlformats.org/presentationml/2006/main">
+  <p:cSld>
+    <p:spTree>
+      <p:nvGrpSpPr>
+        <p:cNvPr id="1" name="">
+          <a:extLst>
+            <a:ext uri="{FF2B5EF4-FFF2-40B4-BE49-F238E27FC236}">
+              <a16:creationId xmlns:a16="http://schemas.microsoft.com/office/drawing/2014/main" id="{C19D4137-0BBF-4EEE-3F62-6B801AA34221}"/>
+            </a:ext>
+          </a:extLst>
+        </p:cNvPr>
+        <p:cNvGrpSpPr/>
+        <p:nvPr/>
+      </p:nvGrpSpPr>
+      <p:grpSpPr>
+        <a:xfrm>
+          <a:off x="0" y="0"/>
+          <a:ext cx="0" cy="0"/>
+          <a:chOff x="0" y="0"/>
+          <a:chExt cx="0" cy="0"/>
+        </a:xfrm>
+      </p:grpSpPr>
+      <p:pic>
+        <p:nvPicPr>
+          <p:cNvPr id="5" name="図 4">
+            <a:extLst>
+              <a:ext uri="{FF2B5EF4-FFF2-40B4-BE49-F238E27FC236}">
+                <a16:creationId xmlns:a16="http://schemas.microsoft.com/office/drawing/2014/main" id="{02C000DC-CDBF-7156-E8C5-DB596FEFDD9C}"/>
+              </a:ext>
+            </a:extLst>
+          </p:cNvPr>
+          <p:cNvPicPr>
+            <a:picLocks noChangeAspect="1"/>
+          </p:cNvPicPr>
+          <p:nvPr/>
+        </p:nvPicPr>
+        <p:blipFill>
+          <a:blip r:embed="rId2">
+            <a:extLst>
+              <a:ext uri="{28A0092B-C50C-407E-A947-70E740481C1C}">
+                <a14:useLocalDpi xmlns:a14="http://schemas.microsoft.com/office/drawing/2010/main" val="0"/>
+              </a:ext>
+            </a:extLst>
+          </a:blip>
+          <a:srcRect l="25226" t="13030" r="64066" b="67933"/>
+          <a:stretch>
+            <a:fillRect/>
+          </a:stretch>
+        </p:blipFill>
+        <p:spPr>
+          <a:xfrm>
+            <a:off x="324464" y="511277"/>
+            <a:ext cx="1224000" cy="1224000"/>
+          </a:xfrm>
+          <a:custGeom>
+            <a:avLst/>
+            <a:gdLst>
+              <a:gd name="connsiteX0" fmla="*/ 612000 w 1224000"/>
+              <a:gd name="connsiteY0" fmla="*/ 0 h 1224000"/>
+              <a:gd name="connsiteX1" fmla="*/ 1224000 w 1224000"/>
+              <a:gd name="connsiteY1" fmla="*/ 612000 h 1224000"/>
+              <a:gd name="connsiteX2" fmla="*/ 612000 w 1224000"/>
+              <a:gd name="connsiteY2" fmla="*/ 1224000 h 1224000"/>
+              <a:gd name="connsiteX3" fmla="*/ 0 w 1224000"/>
+              <a:gd name="connsiteY3" fmla="*/ 612000 h 1224000"/>
+              <a:gd name="connsiteX4" fmla="*/ 612000 w 1224000"/>
+              <a:gd name="connsiteY4" fmla="*/ 0 h 1224000"/>
+            </a:gdLst>
+            <a:ahLst/>
+            <a:cxnLst>
+              <a:cxn ang="0">
+                <a:pos x="connsiteX0" y="connsiteY0"/>
+              </a:cxn>
+              <a:cxn ang="0">
+                <a:pos x="connsiteX1" y="connsiteY1"/>
+              </a:cxn>
+              <a:cxn ang="0">
+                <a:pos x="connsiteX2" y="connsiteY2"/>
+              </a:cxn>
+              <a:cxn ang="0">
+                <a:pos x="connsiteX3" y="connsiteY3"/>
+              </a:cxn>
+              <a:cxn ang="0">
+                <a:pos x="connsiteX4" y="connsiteY4"/>
+              </a:cxn>
+            </a:cxnLst>
+            <a:rect l="l" t="t" r="r" b="b"/>
+            <a:pathLst>
+              <a:path w="1224000" h="1224000">
+                <a:moveTo>
+                  <a:pt x="612000" y="0"/>
+                </a:moveTo>
+                <a:cubicBezTo>
+                  <a:pt x="949998" y="0"/>
+                  <a:pt x="1224000" y="274002"/>
+                  <a:pt x="1224000" y="612000"/>
+                </a:cubicBezTo>
+                <a:cubicBezTo>
+                  <a:pt x="1224000" y="949998"/>
+                  <a:pt x="949998" y="1224000"/>
+                  <a:pt x="612000" y="1224000"/>
+                </a:cubicBezTo>
+                <a:cubicBezTo>
+                  <a:pt x="274002" y="1224000"/>
+                  <a:pt x="0" y="949998"/>
+                  <a:pt x="0" y="612000"/>
+                </a:cubicBezTo>
+                <a:cubicBezTo>
+                  <a:pt x="0" y="274002"/>
+                  <a:pt x="274002" y="0"/>
+                  <a:pt x="612000" y="0"/>
+                </a:cubicBezTo>
+                <a:close/>
+              </a:path>
+            </a:pathLst>
+          </a:custGeom>
+        </p:spPr>
+      </p:pic>
+      <p:grpSp>
+        <p:nvGrpSpPr>
+          <p:cNvPr id="19" name="グループ化 18">
+            <a:extLst>
+              <a:ext uri="{FF2B5EF4-FFF2-40B4-BE49-F238E27FC236}">
+                <a16:creationId xmlns:a16="http://schemas.microsoft.com/office/drawing/2014/main" id="{C7FB6D10-E341-3A9C-A574-950ECF03CB0C}"/>
+              </a:ext>
+            </a:extLst>
+          </p:cNvPr>
+          <p:cNvGrpSpPr/>
+          <p:nvPr/>
+        </p:nvGrpSpPr>
+        <p:grpSpPr>
+          <a:xfrm>
+            <a:off x="4476000" y="615762"/>
+            <a:ext cx="1620000" cy="1620000"/>
+            <a:chOff x="4476000" y="615762"/>
+            <a:chExt cx="1620000" cy="1620000"/>
+          </a:xfrm>
+        </p:grpSpPr>
+        <p:pic>
+          <p:nvPicPr>
+            <p:cNvPr id="15" name="図 14">
+              <a:extLst>
+                <a:ext uri="{FF2B5EF4-FFF2-40B4-BE49-F238E27FC236}">
+                  <a16:creationId xmlns:a16="http://schemas.microsoft.com/office/drawing/2014/main" id="{CBA56BEC-9A8D-F419-65BC-7103A11556FE}"/>
+                </a:ext>
+              </a:extLst>
+            </p:cNvPr>
+            <p:cNvPicPr>
+              <a:picLocks noChangeAspect="1"/>
+            </p:cNvPicPr>
+            <p:nvPr/>
+          </p:nvPicPr>
+          <p:blipFill>
+            <a:blip r:embed="rId3">
+              <a:extLst>
+                <a:ext uri="{28A0092B-C50C-407E-A947-70E740481C1C}">
+                  <a14:useLocalDpi xmlns:a14="http://schemas.microsoft.com/office/drawing/2010/main" val="0"/>
+                </a:ext>
+              </a:extLst>
+            </a:blip>
+            <a:srcRect l="12396" t="8569" r="11596" b="11303"/>
+            <a:stretch>
+              <a:fillRect/>
+            </a:stretch>
+          </p:blipFill>
+          <p:spPr>
+            <a:xfrm>
+              <a:off x="4683725" y="795762"/>
+              <a:ext cx="1204550" cy="1260000"/>
+            </a:xfrm>
+            <a:prstGeom prst="rect">
+              <a:avLst/>
+            </a:prstGeom>
+          </p:spPr>
+        </p:pic>
+        <p:sp>
+          <p:nvSpPr>
+            <p:cNvPr id="16" name="楕円 15">
+              <a:extLst>
+                <a:ext uri="{FF2B5EF4-FFF2-40B4-BE49-F238E27FC236}">
+                  <a16:creationId xmlns:a16="http://schemas.microsoft.com/office/drawing/2014/main" id="{E61CCADB-2B9B-2514-58C5-111EC8229868}"/>
+                </a:ext>
+              </a:extLst>
+            </p:cNvPr>
+            <p:cNvSpPr/>
+            <p:nvPr/>
+          </p:nvSpPr>
+          <p:spPr>
+            <a:xfrm>
+              <a:off x="4476000" y="615762"/>
+              <a:ext cx="1620000" cy="1620000"/>
+            </a:xfrm>
+            <a:prstGeom prst="ellipse">
+              <a:avLst/>
+            </a:prstGeom>
+            <a:noFill/>
+            <a:ln w="38100">
+              <a:solidFill>
+                <a:srgbClr val="1E173C"/>
+              </a:solidFill>
+            </a:ln>
+          </p:spPr>
+          <p:style>
+            <a:lnRef idx="2">
+              <a:schemeClr val="accent1">
+                <a:shade val="15000"/>
+              </a:schemeClr>
+            </a:lnRef>
+            <a:fillRef idx="1">
+              <a:schemeClr val="accent1"/>
+            </a:fillRef>
+            <a:effectRef idx="0">
+              <a:schemeClr val="accent1"/>
+            </a:effectRef>
+            <a:fontRef idx="minor">
+              <a:schemeClr val="lt1"/>
+            </a:fontRef>
+          </p:style>
+          <p:txBody>
+            <a:bodyPr rtlCol="0" anchor="ctr"/>
+            <a:lstStyle/>
+            <a:p>
+              <a:pPr algn="ctr"/>
+              <a:endParaRPr kumimoji="1" lang="ja-JP" altLang="en-US"/>
+            </a:p>
+          </p:txBody>
+        </p:sp>
+      </p:grpSp>
+      <p:grpSp>
+        <p:nvGrpSpPr>
+          <p:cNvPr id="20" name="グループ化 19">
+            <a:extLst>
+              <a:ext uri="{FF2B5EF4-FFF2-40B4-BE49-F238E27FC236}">
+                <a16:creationId xmlns:a16="http://schemas.microsoft.com/office/drawing/2014/main" id="{2D344711-F808-4531-0E15-1992F8E4C4F2}"/>
+              </a:ext>
+            </a:extLst>
+          </p:cNvPr>
+          <p:cNvGrpSpPr/>
+          <p:nvPr/>
+        </p:nvGrpSpPr>
+        <p:grpSpPr>
+          <a:xfrm>
+            <a:off x="8213536" y="3249000"/>
+            <a:ext cx="1620000" cy="1620000"/>
+            <a:chOff x="8213536" y="3249000"/>
+            <a:chExt cx="1620000" cy="1620000"/>
+          </a:xfrm>
+        </p:grpSpPr>
+        <p:sp>
+          <p:nvSpPr>
+            <p:cNvPr id="18" name="楕円 17">
+              <a:extLst>
+                <a:ext uri="{FF2B5EF4-FFF2-40B4-BE49-F238E27FC236}">
+                  <a16:creationId xmlns:a16="http://schemas.microsoft.com/office/drawing/2014/main" id="{94F895F3-C92E-9C01-AB87-6275772DE167}"/>
+                </a:ext>
+              </a:extLst>
+            </p:cNvPr>
+            <p:cNvSpPr/>
+            <p:nvPr/>
+          </p:nvSpPr>
+          <p:spPr>
+            <a:xfrm>
+              <a:off x="8213536" y="3249000"/>
+              <a:ext cx="1620000" cy="1620000"/>
+            </a:xfrm>
+            <a:prstGeom prst="ellipse">
+              <a:avLst/>
+            </a:prstGeom>
+            <a:solidFill>
+              <a:srgbClr val="1E173C"/>
+            </a:solidFill>
+            <a:ln w="38100">
+              <a:solidFill>
+                <a:srgbClr val="1E173C"/>
+              </a:solidFill>
+            </a:ln>
+          </p:spPr>
+          <p:style>
+            <a:lnRef idx="2">
+              <a:schemeClr val="accent1">
+                <a:shade val="15000"/>
+              </a:schemeClr>
+            </a:lnRef>
+            <a:fillRef idx="1">
+              <a:schemeClr val="accent1"/>
+            </a:fillRef>
+            <a:effectRef idx="0">
+              <a:schemeClr val="accent1"/>
+            </a:effectRef>
+            <a:fontRef idx="minor">
+              <a:schemeClr val="lt1"/>
+            </a:fontRef>
+          </p:style>
+          <p:txBody>
+            <a:bodyPr rtlCol="0" anchor="ctr"/>
+            <a:lstStyle/>
+            <a:p>
+              <a:pPr algn="ctr"/>
+              <a:endParaRPr kumimoji="1" lang="ja-JP" altLang="en-US"/>
+            </a:p>
+          </p:txBody>
+        </p:sp>
+        <p:pic>
+          <p:nvPicPr>
+            <p:cNvPr id="17" name="図 16">
+              <a:extLst>
+                <a:ext uri="{FF2B5EF4-FFF2-40B4-BE49-F238E27FC236}">
+                  <a16:creationId xmlns:a16="http://schemas.microsoft.com/office/drawing/2014/main" id="{1BAED252-8E8C-6B3C-D3AE-90CB950AA9F1}"/>
+                </a:ext>
+              </a:extLst>
+            </p:cNvPr>
+            <p:cNvPicPr>
+              <a:picLocks noChangeAspect="1"/>
+            </p:cNvPicPr>
+            <p:nvPr/>
+          </p:nvPicPr>
+          <p:blipFill>
+            <a:blip r:embed="rId4">
+              <a:lum bright="70000" contrast="-70000"/>
+              <a:extLst>
+                <a:ext uri="{BEBA8EAE-BF5A-486C-A8C5-ECC9F3942E4B}">
+                  <a14:imgProps xmlns:a14="http://schemas.microsoft.com/office/drawing/2010/main">
+                    <a14:imgLayer r:embed="rId5">
+                      <a14:imgEffect>
+                        <a14:backgroundRemoval t="10000" b="90000" l="10000" r="90000">
+                          <a14:backgroundMark x1="38760" y1="28906" x2="33333" y2="37500"/>
+                          <a14:backgroundMark x1="63566" y1="42188" x2="68992" y2="50781"/>
+                          <a14:backgroundMark x1="58915" y1="42188" x2="62791" y2="55469"/>
+                          <a14:backgroundMark x1="34109" y1="74219" x2="39535" y2="70313"/>
+                        </a14:backgroundRemoval>
+                      </a14:imgEffect>
+                    </a14:imgLayer>
+                  </a14:imgProps>
+                </a:ext>
+                <a:ext uri="{28A0092B-C50C-407E-A947-70E740481C1C}">
+                  <a14:useLocalDpi xmlns:a14="http://schemas.microsoft.com/office/drawing/2010/main" val="0"/>
+                </a:ext>
+              </a:extLst>
+            </a:blip>
+            <a:srcRect l="12396" t="8569" r="11596" b="11303"/>
+            <a:stretch>
+              <a:fillRect/>
+            </a:stretch>
+          </p:blipFill>
+          <p:spPr>
+            <a:xfrm>
+              <a:off x="8421261" y="3429000"/>
+              <a:ext cx="1204550" cy="1260000"/>
+            </a:xfrm>
+            <a:prstGeom prst="rect">
+              <a:avLst/>
+            </a:prstGeom>
+          </p:spPr>
+        </p:pic>
+      </p:grpSp>
+      <p:grpSp>
+        <p:nvGrpSpPr>
+          <p:cNvPr id="23" name="グループ化 22">
+            <a:extLst>
+              <a:ext uri="{FF2B5EF4-FFF2-40B4-BE49-F238E27FC236}">
+                <a16:creationId xmlns:a16="http://schemas.microsoft.com/office/drawing/2014/main" id="{69C83B5B-0871-EB1D-C3FF-C77E023505D8}"/>
+              </a:ext>
+            </a:extLst>
+          </p:cNvPr>
+          <p:cNvGrpSpPr/>
+          <p:nvPr/>
+        </p:nvGrpSpPr>
+        <p:grpSpPr>
+          <a:xfrm>
+            <a:off x="4098736" y="3812239"/>
+            <a:ext cx="1620000" cy="1620000"/>
+            <a:chOff x="4098736" y="3812239"/>
+            <a:chExt cx="1620000" cy="1620000"/>
+          </a:xfrm>
+        </p:grpSpPr>
+        <p:sp>
+          <p:nvSpPr>
+            <p:cNvPr id="21" name="楕円 20">
+              <a:extLst>
+                <a:ext uri="{FF2B5EF4-FFF2-40B4-BE49-F238E27FC236}">
+                  <a16:creationId xmlns:a16="http://schemas.microsoft.com/office/drawing/2014/main" id="{218F3C20-AB7A-CC00-3F9E-BA0AF04D8A3E}"/>
+                </a:ext>
+              </a:extLst>
+            </p:cNvPr>
+            <p:cNvSpPr/>
+            <p:nvPr/>
+          </p:nvSpPr>
+          <p:spPr>
+            <a:xfrm>
+              <a:off x="4098736" y="3812239"/>
+              <a:ext cx="1620000" cy="1620000"/>
+            </a:xfrm>
+            <a:prstGeom prst="ellipse">
+              <a:avLst/>
+            </a:prstGeom>
+            <a:solidFill>
+              <a:srgbClr val="1E173C"/>
+            </a:solidFill>
+            <a:ln w="38100">
+              <a:solidFill>
+                <a:srgbClr val="1E173C"/>
+              </a:solidFill>
+            </a:ln>
+          </p:spPr>
+          <p:style>
+            <a:lnRef idx="2">
+              <a:schemeClr val="accent1">
+                <a:shade val="15000"/>
+              </a:schemeClr>
+            </a:lnRef>
+            <a:fillRef idx="1">
+              <a:schemeClr val="accent1"/>
+            </a:fillRef>
+            <a:effectRef idx="0">
+              <a:schemeClr val="accent1"/>
+            </a:effectRef>
+            <a:fontRef idx="minor">
+              <a:schemeClr val="lt1"/>
+            </a:fontRef>
+          </p:style>
+          <p:txBody>
+            <a:bodyPr rtlCol="0" anchor="ctr"/>
+            <a:lstStyle/>
+            <a:p>
+              <a:pPr algn="ctr"/>
+              <a:endParaRPr kumimoji="1" lang="ja-JP" altLang="en-US"/>
+            </a:p>
+          </p:txBody>
+        </p:sp>
+        <p:pic>
+          <p:nvPicPr>
+            <p:cNvPr id="22" name="図 21">
+              <a:extLst>
+                <a:ext uri="{FF2B5EF4-FFF2-40B4-BE49-F238E27FC236}">
+                  <a16:creationId xmlns:a16="http://schemas.microsoft.com/office/drawing/2014/main" id="{9825797F-9734-F8BE-AEFF-467E35502538}"/>
+                </a:ext>
+              </a:extLst>
+            </p:cNvPr>
+            <p:cNvPicPr>
+              <a:picLocks noChangeAspect="1"/>
+            </p:cNvPicPr>
+            <p:nvPr/>
+          </p:nvPicPr>
+          <p:blipFill>
+            <a:blip r:embed="rId3">
+              <a:extLst>
+                <a:ext uri="{28A0092B-C50C-407E-A947-70E740481C1C}">
+                  <a14:useLocalDpi xmlns:a14="http://schemas.microsoft.com/office/drawing/2010/main" val="0"/>
+                </a:ext>
+              </a:extLst>
+            </a:blip>
+            <a:srcRect l="12396" t="8569" r="11596" b="11303"/>
+            <a:stretch>
+              <a:fillRect/>
+            </a:stretch>
+          </p:blipFill>
+          <p:spPr>
+            <a:xfrm>
+              <a:off x="4306461" y="3992239"/>
+              <a:ext cx="1204550" cy="1260000"/>
+            </a:xfrm>
+            <a:prstGeom prst="rect">
+              <a:avLst/>
+            </a:prstGeom>
+          </p:spPr>
+        </p:pic>
+      </p:grpSp>
+    </p:spTree>
+    <p:extLst>
+      <p:ext uri="{BB962C8B-B14F-4D97-AF65-F5344CB8AC3E}">
+        <p14:creationId xmlns:p14="http://schemas.microsoft.com/office/powerpoint/2010/main" val="103481308"/>
+      </p:ext>
+    </p:extLst>
+  </p:cSld>
+  <p:clrMapOvr>
+    <a:masterClrMapping/>
+  </p:clrMapOvr>
+</p:sld>
+</file>
+
+<file path=ppt/slides/slide13.xml><?xml version="1.0" encoding="utf-8"?>
+<p:sld xmlns:a="http://schemas.openxmlformats.org/drawingml/2006/main" xmlns:r="http://schemas.openxmlformats.org/officeDocument/2006/relationships" xmlns:p="http://schemas.openxmlformats.org/presentationml/2006/main">
+  <p:cSld>
+    <p:spTree>
+      <p:nvGrpSpPr>
+        <p:cNvPr id="1" name="">
+          <a:extLst>
+            <a:ext uri="{FF2B5EF4-FFF2-40B4-BE49-F238E27FC236}">
+              <a16:creationId xmlns:a16="http://schemas.microsoft.com/office/drawing/2014/main" id="{D2640431-4A40-17E6-6358-2690925A870E}"/>
+            </a:ext>
+          </a:extLst>
+        </p:cNvPr>
+        <p:cNvGrpSpPr/>
+        <p:nvPr/>
+      </p:nvGrpSpPr>
+      <p:grpSpPr>
+        <a:xfrm>
+          <a:off x="0" y="0"/>
+          <a:ext cx="0" cy="0"/>
+          <a:chOff x="0" y="0"/>
+          <a:chExt cx="0" cy="0"/>
+        </a:xfrm>
+      </p:grpSpPr>
+      <p:pic>
+        <p:nvPicPr>
+          <p:cNvPr id="4" name="図 3">
+            <a:extLst>
+              <a:ext uri="{FF2B5EF4-FFF2-40B4-BE49-F238E27FC236}">
+                <a16:creationId xmlns:a16="http://schemas.microsoft.com/office/drawing/2014/main" id="{E265F861-F5E1-CABB-FE22-3977822B9711}"/>
+              </a:ext>
+            </a:extLst>
+          </p:cNvPr>
+          <p:cNvPicPr>
+            <a:picLocks noChangeAspect="1"/>
+          </p:cNvPicPr>
+          <p:nvPr/>
+        </p:nvPicPr>
+        <p:blipFill>
+          <a:blip r:embed="rId2">
+            <a:extLst>
+              <a:ext uri="{28A0092B-C50C-407E-A947-70E740481C1C}">
+                <a14:useLocalDpi xmlns:a14="http://schemas.microsoft.com/office/drawing/2010/main" val="0"/>
+              </a:ext>
+            </a:extLst>
+          </a:blip>
+          <a:srcRect l="38301" t="12418" r="50990" b="68544"/>
+          <a:stretch>
+            <a:fillRect/>
+          </a:stretch>
+        </p:blipFill>
+        <p:spPr>
+          <a:xfrm>
+            <a:off x="383457" y="442452"/>
+            <a:ext cx="1224000" cy="1224000"/>
+          </a:xfrm>
+          <a:custGeom>
+            <a:avLst/>
+            <a:gdLst>
+              <a:gd name="connsiteX0" fmla="*/ 612000 w 1224000"/>
+              <a:gd name="connsiteY0" fmla="*/ 0 h 1224000"/>
+              <a:gd name="connsiteX1" fmla="*/ 1224000 w 1224000"/>
+              <a:gd name="connsiteY1" fmla="*/ 612000 h 1224000"/>
+              <a:gd name="connsiteX2" fmla="*/ 612000 w 1224000"/>
+              <a:gd name="connsiteY2" fmla="*/ 1224000 h 1224000"/>
+              <a:gd name="connsiteX3" fmla="*/ 0 w 1224000"/>
+              <a:gd name="connsiteY3" fmla="*/ 612000 h 1224000"/>
+              <a:gd name="connsiteX4" fmla="*/ 612000 w 1224000"/>
+              <a:gd name="connsiteY4" fmla="*/ 0 h 1224000"/>
+            </a:gdLst>
+            <a:ahLst/>
+            <a:cxnLst>
+              <a:cxn ang="0">
+                <a:pos x="connsiteX0" y="connsiteY0"/>
+              </a:cxn>
+              <a:cxn ang="0">
+                <a:pos x="connsiteX1" y="connsiteY1"/>
+              </a:cxn>
+              <a:cxn ang="0">
+                <a:pos x="connsiteX2" y="connsiteY2"/>
+              </a:cxn>
+              <a:cxn ang="0">
+                <a:pos x="connsiteX3" y="connsiteY3"/>
+              </a:cxn>
+              <a:cxn ang="0">
+                <a:pos x="connsiteX4" y="connsiteY4"/>
+              </a:cxn>
+            </a:cxnLst>
+            <a:rect l="l" t="t" r="r" b="b"/>
+            <a:pathLst>
+              <a:path w="1224000" h="1224000">
+                <a:moveTo>
+                  <a:pt x="612000" y="0"/>
+                </a:moveTo>
+                <a:cubicBezTo>
+                  <a:pt x="949998" y="0"/>
+                  <a:pt x="1224000" y="274002"/>
+                  <a:pt x="1224000" y="612000"/>
+                </a:cubicBezTo>
+                <a:cubicBezTo>
+                  <a:pt x="1224000" y="949998"/>
+                  <a:pt x="949998" y="1224000"/>
+                  <a:pt x="612000" y="1224000"/>
+                </a:cubicBezTo>
+                <a:cubicBezTo>
+                  <a:pt x="274002" y="1224000"/>
+                  <a:pt x="0" y="949998"/>
+                  <a:pt x="0" y="612000"/>
+                </a:cubicBezTo>
+                <a:cubicBezTo>
+                  <a:pt x="0" y="274002"/>
+                  <a:pt x="274002" y="0"/>
+                  <a:pt x="612000" y="0"/>
+                </a:cubicBezTo>
+                <a:close/>
+              </a:path>
+            </a:pathLst>
+          </a:custGeom>
+        </p:spPr>
+      </p:pic>
+      <p:pic>
+        <p:nvPicPr>
+          <p:cNvPr id="5" name="図 4">
+            <a:extLst>
+              <a:ext uri="{FF2B5EF4-FFF2-40B4-BE49-F238E27FC236}">
+                <a16:creationId xmlns:a16="http://schemas.microsoft.com/office/drawing/2014/main" id="{6D53093B-91EC-9554-31F4-6F8C342684F1}"/>
+              </a:ext>
+            </a:extLst>
+          </p:cNvPr>
+          <p:cNvPicPr>
+            <a:picLocks noChangeAspect="1"/>
+          </p:cNvPicPr>
+          <p:nvPr/>
+        </p:nvPicPr>
+        <p:blipFill>
+          <a:blip r:embed="rId3">
+            <a:extLst>
+              <a:ext uri="{BEBA8EAE-BF5A-486C-A8C5-ECC9F3942E4B}">
+                <a14:imgProps xmlns:a14="http://schemas.microsoft.com/office/drawing/2010/main">
+                  <a14:imgLayer r:embed="rId4">
+                    <a14:imgEffect>
+                      <a14:backgroundRemoval t="14322" b="29552" l="39372" r="47939"/>
+                    </a14:imgEffect>
+                  </a14:imgLayer>
+                </a14:imgProps>
+              </a:ext>
+              <a:ext uri="{28A0092B-C50C-407E-A947-70E740481C1C}">
+                <a14:useLocalDpi xmlns:a14="http://schemas.microsoft.com/office/drawing/2010/main" val="0"/>
+              </a:ext>
+            </a:extLst>
+          </a:blip>
+          <a:srcRect l="38301" t="12418" r="50990" b="68544"/>
+          <a:stretch>
+            <a:fillRect/>
+          </a:stretch>
+        </p:blipFill>
+        <p:spPr>
+          <a:xfrm>
+            <a:off x="2335160" y="442452"/>
+            <a:ext cx="1224000" cy="1224000"/>
+          </a:xfrm>
+          <a:custGeom>
+            <a:avLst/>
+            <a:gdLst>
+              <a:gd name="connsiteX0" fmla="*/ 612000 w 1224000"/>
+              <a:gd name="connsiteY0" fmla="*/ 0 h 1224000"/>
+              <a:gd name="connsiteX1" fmla="*/ 1224000 w 1224000"/>
+              <a:gd name="connsiteY1" fmla="*/ 612000 h 1224000"/>
+              <a:gd name="connsiteX2" fmla="*/ 612000 w 1224000"/>
+              <a:gd name="connsiteY2" fmla="*/ 1224000 h 1224000"/>
+              <a:gd name="connsiteX3" fmla="*/ 0 w 1224000"/>
+              <a:gd name="connsiteY3" fmla="*/ 612000 h 1224000"/>
+              <a:gd name="connsiteX4" fmla="*/ 612000 w 1224000"/>
+              <a:gd name="connsiteY4" fmla="*/ 0 h 1224000"/>
+            </a:gdLst>
+            <a:ahLst/>
+            <a:cxnLst>
+              <a:cxn ang="0">
+                <a:pos x="connsiteX0" y="connsiteY0"/>
+              </a:cxn>
+              <a:cxn ang="0">
+                <a:pos x="connsiteX1" y="connsiteY1"/>
+              </a:cxn>
+              <a:cxn ang="0">
+                <a:pos x="connsiteX2" y="connsiteY2"/>
+              </a:cxn>
+              <a:cxn ang="0">
+                <a:pos x="connsiteX3" y="connsiteY3"/>
+              </a:cxn>
+              <a:cxn ang="0">
+                <a:pos x="connsiteX4" y="connsiteY4"/>
+              </a:cxn>
+            </a:cxnLst>
+            <a:rect l="l" t="t" r="r" b="b"/>
+            <a:pathLst>
+              <a:path w="1224000" h="1224000">
+                <a:moveTo>
+                  <a:pt x="612000" y="0"/>
+                </a:moveTo>
+                <a:cubicBezTo>
+                  <a:pt x="949998" y="0"/>
+                  <a:pt x="1224000" y="274002"/>
+                  <a:pt x="1224000" y="612000"/>
+                </a:cubicBezTo>
+                <a:cubicBezTo>
+                  <a:pt x="1224000" y="949998"/>
+                  <a:pt x="949998" y="1224000"/>
+                  <a:pt x="612000" y="1224000"/>
+                </a:cubicBezTo>
+                <a:cubicBezTo>
+                  <a:pt x="274002" y="1224000"/>
+                  <a:pt x="0" y="949998"/>
+                  <a:pt x="0" y="612000"/>
+                </a:cubicBezTo>
+                <a:cubicBezTo>
+                  <a:pt x="0" y="274002"/>
+                  <a:pt x="274002" y="0"/>
+                  <a:pt x="612000" y="0"/>
+                </a:cubicBezTo>
+                <a:close/>
+              </a:path>
+            </a:pathLst>
+          </a:custGeom>
+        </p:spPr>
+      </p:pic>
+      <p:grpSp>
+        <p:nvGrpSpPr>
+          <p:cNvPr id="17" name="グループ化 16">
+            <a:extLst>
+              <a:ext uri="{FF2B5EF4-FFF2-40B4-BE49-F238E27FC236}">
+                <a16:creationId xmlns:a16="http://schemas.microsoft.com/office/drawing/2014/main" id="{6A6C76B3-13E6-13EB-BABF-0A7CF244D3E0}"/>
+              </a:ext>
+            </a:extLst>
+          </p:cNvPr>
+          <p:cNvGrpSpPr/>
+          <p:nvPr/>
+        </p:nvGrpSpPr>
+        <p:grpSpPr>
+          <a:xfrm>
+            <a:off x="7075863" y="856452"/>
+            <a:ext cx="1620000" cy="1620000"/>
+            <a:chOff x="6694063" y="671254"/>
+            <a:chExt cx="1620000" cy="1620000"/>
+          </a:xfrm>
+        </p:grpSpPr>
+        <p:pic>
+          <p:nvPicPr>
+            <p:cNvPr id="13" name="図 12">
+              <a:extLst>
+                <a:ext uri="{FF2B5EF4-FFF2-40B4-BE49-F238E27FC236}">
+                  <a16:creationId xmlns:a16="http://schemas.microsoft.com/office/drawing/2014/main" id="{8697B011-F326-6275-2E0E-6FB5857F16B8}"/>
+                </a:ext>
+              </a:extLst>
+            </p:cNvPr>
+            <p:cNvPicPr>
+              <a:picLocks noChangeAspect="1"/>
+            </p:cNvPicPr>
+            <p:nvPr/>
+          </p:nvPicPr>
+          <p:blipFill>
+            <a:blip r:embed="rId5">
+              <a:extLst>
+                <a:ext uri="{28A0092B-C50C-407E-A947-70E740481C1C}">
+                  <a14:useLocalDpi xmlns:a14="http://schemas.microsoft.com/office/drawing/2010/main" val="0"/>
+                </a:ext>
+              </a:extLst>
+            </a:blip>
+            <a:srcRect l="13196" t="14196" r="13997" b="10596"/>
+            <a:stretch>
+              <a:fillRect/>
+            </a:stretch>
+          </p:blipFill>
+          <p:spPr>
+            <a:xfrm>
+              <a:off x="6957212" y="916374"/>
+              <a:ext cx="1093702" cy="1129760"/>
+            </a:xfrm>
+            <a:prstGeom prst="rect">
+              <a:avLst/>
+            </a:prstGeom>
+          </p:spPr>
+        </p:pic>
+        <p:sp>
+          <p:nvSpPr>
+            <p:cNvPr id="14" name="楕円 13">
+              <a:extLst>
+                <a:ext uri="{FF2B5EF4-FFF2-40B4-BE49-F238E27FC236}">
+                  <a16:creationId xmlns:a16="http://schemas.microsoft.com/office/drawing/2014/main" id="{51CA691C-E58A-E630-0820-7A69D8CB8A71}"/>
+                </a:ext>
+              </a:extLst>
+            </p:cNvPr>
+            <p:cNvSpPr/>
+            <p:nvPr/>
+          </p:nvSpPr>
+          <p:spPr>
+            <a:xfrm>
+              <a:off x="6694063" y="671254"/>
+              <a:ext cx="1620000" cy="1620000"/>
+            </a:xfrm>
+            <a:prstGeom prst="ellipse">
+              <a:avLst/>
+            </a:prstGeom>
+            <a:noFill/>
+            <a:ln w="38100">
+              <a:solidFill>
+                <a:srgbClr val="1E173C"/>
+              </a:solidFill>
+            </a:ln>
+          </p:spPr>
+          <p:style>
+            <a:lnRef idx="2">
+              <a:schemeClr val="accent1">
+                <a:shade val="15000"/>
+              </a:schemeClr>
+            </a:lnRef>
+            <a:fillRef idx="1">
+              <a:schemeClr val="accent1"/>
+            </a:fillRef>
+            <a:effectRef idx="0">
+              <a:schemeClr val="accent1"/>
+            </a:effectRef>
+            <a:fontRef idx="minor">
+              <a:schemeClr val="lt1"/>
+            </a:fontRef>
+          </p:style>
+          <p:txBody>
+            <a:bodyPr rtlCol="0" anchor="ctr"/>
+            <a:lstStyle/>
+            <a:p>
+              <a:pPr algn="ctr"/>
+              <a:endParaRPr kumimoji="1" lang="ja-JP" altLang="en-US"/>
+            </a:p>
+          </p:txBody>
+        </p:sp>
+      </p:grpSp>
+      <p:grpSp>
+        <p:nvGrpSpPr>
+          <p:cNvPr id="19" name="グループ化 18">
+            <a:extLst>
+              <a:ext uri="{FF2B5EF4-FFF2-40B4-BE49-F238E27FC236}">
+                <a16:creationId xmlns:a16="http://schemas.microsoft.com/office/drawing/2014/main" id="{1CCC21B5-D550-F88A-E492-62366A65F65D}"/>
+              </a:ext>
+            </a:extLst>
+          </p:cNvPr>
+          <p:cNvGrpSpPr/>
+          <p:nvPr/>
+        </p:nvGrpSpPr>
+        <p:grpSpPr>
+          <a:xfrm>
+            <a:off x="7339012" y="3152284"/>
+            <a:ext cx="1620000" cy="1620000"/>
+            <a:chOff x="6694063" y="671254"/>
+            <a:chExt cx="1620000" cy="1620000"/>
+          </a:xfrm>
+        </p:grpSpPr>
+        <p:sp>
+          <p:nvSpPr>
+            <p:cNvPr id="21" name="楕円 20">
+              <a:extLst>
+                <a:ext uri="{FF2B5EF4-FFF2-40B4-BE49-F238E27FC236}">
+                  <a16:creationId xmlns:a16="http://schemas.microsoft.com/office/drawing/2014/main" id="{A85286EC-165B-CBDB-F769-99D7557EC03F}"/>
+                </a:ext>
+              </a:extLst>
+            </p:cNvPr>
+            <p:cNvSpPr/>
+            <p:nvPr/>
+          </p:nvSpPr>
+          <p:spPr>
+            <a:xfrm>
+              <a:off x="6694063" y="671254"/>
+              <a:ext cx="1620000" cy="1620000"/>
+            </a:xfrm>
+            <a:prstGeom prst="ellipse">
+              <a:avLst/>
+            </a:prstGeom>
+            <a:solidFill>
+              <a:srgbClr val="1E173C"/>
+            </a:solidFill>
+            <a:ln w="38100">
+              <a:solidFill>
+                <a:srgbClr val="1E173C"/>
+              </a:solidFill>
+            </a:ln>
+          </p:spPr>
+          <p:style>
+            <a:lnRef idx="2">
+              <a:schemeClr val="accent1">
+                <a:shade val="15000"/>
+              </a:schemeClr>
+            </a:lnRef>
+            <a:fillRef idx="1">
+              <a:schemeClr val="accent1"/>
+            </a:fillRef>
+            <a:effectRef idx="0">
+              <a:schemeClr val="accent1"/>
+            </a:effectRef>
+            <a:fontRef idx="minor">
+              <a:schemeClr val="lt1"/>
+            </a:fontRef>
+          </p:style>
+          <p:txBody>
+            <a:bodyPr rtlCol="0" anchor="ctr"/>
+            <a:lstStyle/>
+            <a:p>
+              <a:pPr algn="ctr"/>
+              <a:endParaRPr kumimoji="1" lang="ja-JP" altLang="en-US"/>
+            </a:p>
+          </p:txBody>
+        </p:sp>
+        <p:pic>
+          <p:nvPicPr>
+            <p:cNvPr id="20" name="図 19">
+              <a:extLst>
+                <a:ext uri="{FF2B5EF4-FFF2-40B4-BE49-F238E27FC236}">
+                  <a16:creationId xmlns:a16="http://schemas.microsoft.com/office/drawing/2014/main" id="{62ADFFD5-2340-009C-65CB-05869CFA098B}"/>
+                </a:ext>
+              </a:extLst>
+            </p:cNvPr>
+            <p:cNvPicPr>
+              <a:picLocks noChangeAspect="1"/>
+            </p:cNvPicPr>
+            <p:nvPr/>
+          </p:nvPicPr>
+          <p:blipFill>
+            <a:blip r:embed="rId5">
+              <a:extLst>
+                <a:ext uri="{28A0092B-C50C-407E-A947-70E740481C1C}">
+                  <a14:useLocalDpi xmlns:a14="http://schemas.microsoft.com/office/drawing/2010/main" val="0"/>
+                </a:ext>
+              </a:extLst>
+            </a:blip>
+            <a:srcRect l="13196" t="14196" r="13997" b="10596"/>
+            <a:stretch>
+              <a:fillRect/>
+            </a:stretch>
+          </p:blipFill>
+          <p:spPr>
+            <a:xfrm>
+              <a:off x="6957212" y="916374"/>
+              <a:ext cx="1093702" cy="1129760"/>
+            </a:xfrm>
+            <a:prstGeom prst="rect">
+              <a:avLst/>
+            </a:prstGeom>
+          </p:spPr>
+        </p:pic>
+      </p:grpSp>
+    </p:spTree>
+    <p:extLst>
+      <p:ext uri="{BB962C8B-B14F-4D97-AF65-F5344CB8AC3E}">
+        <p14:creationId xmlns:p14="http://schemas.microsoft.com/office/powerpoint/2010/main" val="1175424089"/>
+      </p:ext>
+    </p:extLst>
+  </p:cSld>
+  <p:clrMapOvr>
+    <a:masterClrMapping/>
+  </p:clrMapOvr>
+</p:sld>
+</file>
+
+<file path=ppt/slides/slide14.xml><?xml version="1.0" encoding="utf-8"?>
+<p:sld xmlns:a="http://schemas.openxmlformats.org/drawingml/2006/main" xmlns:r="http://schemas.openxmlformats.org/officeDocument/2006/relationships" xmlns:p="http://schemas.openxmlformats.org/presentationml/2006/main">
+  <p:cSld>
+    <p:spTree>
+      <p:nvGrpSpPr>
+        <p:cNvPr id="1" name="">
+          <a:extLst>
+            <a:ext uri="{FF2B5EF4-FFF2-40B4-BE49-F238E27FC236}">
+              <a16:creationId xmlns:a16="http://schemas.microsoft.com/office/drawing/2014/main" id="{1232874B-92CB-C1C9-D495-06AB1541E9D6}"/>
+            </a:ext>
+          </a:extLst>
+        </p:cNvPr>
+        <p:cNvGrpSpPr/>
+        <p:nvPr/>
+      </p:nvGrpSpPr>
+      <p:grpSpPr>
+        <a:xfrm>
+          <a:off x="0" y="0"/>
+          <a:ext cx="0" cy="0"/>
+          <a:chOff x="0" y="0"/>
+          <a:chExt cx="0" cy="0"/>
+        </a:xfrm>
+      </p:grpSpPr>
+      <p:pic>
+        <p:nvPicPr>
+          <p:cNvPr id="4" name="図 3">
+            <a:extLst>
+              <a:ext uri="{FF2B5EF4-FFF2-40B4-BE49-F238E27FC236}">
+                <a16:creationId xmlns:a16="http://schemas.microsoft.com/office/drawing/2014/main" id="{D94F184C-EBC0-AC19-EECE-2451767C3713}"/>
+              </a:ext>
+            </a:extLst>
+          </p:cNvPr>
+          <p:cNvPicPr>
+            <a:picLocks noChangeAspect="1"/>
+          </p:cNvPicPr>
+          <p:nvPr/>
+        </p:nvPicPr>
+        <p:blipFill>
+          <a:blip r:embed="rId2">
+            <a:extLst>
+              <a:ext uri="{28A0092B-C50C-407E-A947-70E740481C1C}">
+                <a14:useLocalDpi xmlns:a14="http://schemas.microsoft.com/office/drawing/2010/main" val="0"/>
+              </a:ext>
+            </a:extLst>
+          </a:blip>
+          <a:srcRect l="51032" t="14100" r="38259" b="66862"/>
+          <a:stretch>
+            <a:fillRect/>
+          </a:stretch>
+        </p:blipFill>
+        <p:spPr>
+          <a:xfrm>
+            <a:off x="137650" y="186813"/>
+            <a:ext cx="1224000" cy="1224000"/>
+          </a:xfrm>
+          <a:custGeom>
+            <a:avLst/>
+            <a:gdLst>
+              <a:gd name="connsiteX0" fmla="*/ 612000 w 1224000"/>
+              <a:gd name="connsiteY0" fmla="*/ 0 h 1224000"/>
+              <a:gd name="connsiteX1" fmla="*/ 1224000 w 1224000"/>
+              <a:gd name="connsiteY1" fmla="*/ 612000 h 1224000"/>
+              <a:gd name="connsiteX2" fmla="*/ 612000 w 1224000"/>
+              <a:gd name="connsiteY2" fmla="*/ 1224000 h 1224000"/>
+              <a:gd name="connsiteX3" fmla="*/ 0 w 1224000"/>
+              <a:gd name="connsiteY3" fmla="*/ 612000 h 1224000"/>
+              <a:gd name="connsiteX4" fmla="*/ 612000 w 1224000"/>
+              <a:gd name="connsiteY4" fmla="*/ 0 h 1224000"/>
+            </a:gdLst>
+            <a:ahLst/>
+            <a:cxnLst>
+              <a:cxn ang="0">
+                <a:pos x="connsiteX0" y="connsiteY0"/>
+              </a:cxn>
+              <a:cxn ang="0">
+                <a:pos x="connsiteX1" y="connsiteY1"/>
+              </a:cxn>
+              <a:cxn ang="0">
+                <a:pos x="connsiteX2" y="connsiteY2"/>
+              </a:cxn>
+              <a:cxn ang="0">
+                <a:pos x="connsiteX3" y="connsiteY3"/>
+              </a:cxn>
+              <a:cxn ang="0">
+                <a:pos x="connsiteX4" y="connsiteY4"/>
+              </a:cxn>
+            </a:cxnLst>
+            <a:rect l="l" t="t" r="r" b="b"/>
+            <a:pathLst>
+              <a:path w="1224000" h="1224000">
+                <a:moveTo>
+                  <a:pt x="612000" y="0"/>
+                </a:moveTo>
+                <a:cubicBezTo>
+                  <a:pt x="949998" y="0"/>
+                  <a:pt x="1224000" y="274002"/>
+                  <a:pt x="1224000" y="612000"/>
+                </a:cubicBezTo>
+                <a:cubicBezTo>
+                  <a:pt x="1224000" y="949998"/>
+                  <a:pt x="949998" y="1224000"/>
+                  <a:pt x="612000" y="1224000"/>
+                </a:cubicBezTo>
+                <a:cubicBezTo>
+                  <a:pt x="274002" y="1224000"/>
+                  <a:pt x="0" y="949998"/>
+                  <a:pt x="0" y="612000"/>
+                </a:cubicBezTo>
+                <a:cubicBezTo>
+                  <a:pt x="0" y="274002"/>
+                  <a:pt x="274002" y="0"/>
+                  <a:pt x="612000" y="0"/>
+                </a:cubicBezTo>
+                <a:close/>
+              </a:path>
+            </a:pathLst>
+          </a:custGeom>
+        </p:spPr>
+      </p:pic>
+      <p:pic>
+        <p:nvPicPr>
+          <p:cNvPr id="5" name="図 4">
+            <a:extLst>
+              <a:ext uri="{FF2B5EF4-FFF2-40B4-BE49-F238E27FC236}">
+                <a16:creationId xmlns:a16="http://schemas.microsoft.com/office/drawing/2014/main" id="{78833440-BDCC-C47B-995C-C9D29F5AEB95}"/>
+              </a:ext>
+            </a:extLst>
+          </p:cNvPr>
+          <p:cNvPicPr>
+            <a:picLocks noChangeAspect="1"/>
+          </p:cNvPicPr>
+          <p:nvPr/>
+        </p:nvPicPr>
+        <p:blipFill>
+          <a:blip r:embed="rId3">
+            <a:extLst>
+              <a:ext uri="{BEBA8EAE-BF5A-486C-A8C5-ECC9F3942E4B}">
+                <a14:imgProps xmlns:a14="http://schemas.microsoft.com/office/drawing/2010/main">
+                  <a14:imgLayer r:embed="rId4">
+                    <a14:imgEffect>
+                      <a14:backgroundRemoval t="16004" b="31234" l="52103" r="60670"/>
+                    </a14:imgEffect>
+                  </a14:imgLayer>
+                </a14:imgProps>
+              </a:ext>
+              <a:ext uri="{28A0092B-C50C-407E-A947-70E740481C1C}">
+                <a14:useLocalDpi xmlns:a14="http://schemas.microsoft.com/office/drawing/2010/main" val="0"/>
+              </a:ext>
+            </a:extLst>
+          </a:blip>
+          <a:srcRect l="51032" t="14100" r="38259" b="66862"/>
+          <a:stretch>
+            <a:fillRect/>
+          </a:stretch>
+        </p:blipFill>
+        <p:spPr>
+          <a:xfrm>
+            <a:off x="1578075" y="186813"/>
+            <a:ext cx="1224000" cy="1224000"/>
+          </a:xfrm>
+          <a:custGeom>
+            <a:avLst/>
+            <a:gdLst>
+              <a:gd name="connsiteX0" fmla="*/ 612000 w 1224000"/>
+              <a:gd name="connsiteY0" fmla="*/ 0 h 1224000"/>
+              <a:gd name="connsiteX1" fmla="*/ 1224000 w 1224000"/>
+              <a:gd name="connsiteY1" fmla="*/ 612000 h 1224000"/>
+              <a:gd name="connsiteX2" fmla="*/ 612000 w 1224000"/>
+              <a:gd name="connsiteY2" fmla="*/ 1224000 h 1224000"/>
+              <a:gd name="connsiteX3" fmla="*/ 0 w 1224000"/>
+              <a:gd name="connsiteY3" fmla="*/ 612000 h 1224000"/>
+              <a:gd name="connsiteX4" fmla="*/ 612000 w 1224000"/>
+              <a:gd name="connsiteY4" fmla="*/ 0 h 1224000"/>
+            </a:gdLst>
+            <a:ahLst/>
+            <a:cxnLst>
+              <a:cxn ang="0">
+                <a:pos x="connsiteX0" y="connsiteY0"/>
+              </a:cxn>
+              <a:cxn ang="0">
+                <a:pos x="connsiteX1" y="connsiteY1"/>
+              </a:cxn>
+              <a:cxn ang="0">
+                <a:pos x="connsiteX2" y="connsiteY2"/>
+              </a:cxn>
+              <a:cxn ang="0">
+                <a:pos x="connsiteX3" y="connsiteY3"/>
+              </a:cxn>
+              <a:cxn ang="0">
+                <a:pos x="connsiteX4" y="connsiteY4"/>
+              </a:cxn>
+            </a:cxnLst>
+            <a:rect l="l" t="t" r="r" b="b"/>
+            <a:pathLst>
+              <a:path w="1224000" h="1224000">
+                <a:moveTo>
+                  <a:pt x="612000" y="0"/>
+                </a:moveTo>
+                <a:cubicBezTo>
+                  <a:pt x="949998" y="0"/>
+                  <a:pt x="1224000" y="274002"/>
+                  <a:pt x="1224000" y="612000"/>
+                </a:cubicBezTo>
+                <a:cubicBezTo>
+                  <a:pt x="1224000" y="949998"/>
+                  <a:pt x="949998" y="1224000"/>
+                  <a:pt x="612000" y="1224000"/>
+                </a:cubicBezTo>
+                <a:cubicBezTo>
+                  <a:pt x="274002" y="1224000"/>
+                  <a:pt x="0" y="949998"/>
+                  <a:pt x="0" y="612000"/>
+                </a:cubicBezTo>
+                <a:cubicBezTo>
+                  <a:pt x="0" y="274002"/>
+                  <a:pt x="274002" y="0"/>
+                  <a:pt x="612000" y="0"/>
+                </a:cubicBezTo>
+                <a:close/>
+              </a:path>
+            </a:pathLst>
+          </a:custGeom>
+        </p:spPr>
+      </p:pic>
+      <p:grpSp>
+        <p:nvGrpSpPr>
+          <p:cNvPr id="11" name="グループ化 10">
+            <a:extLst>
+              <a:ext uri="{FF2B5EF4-FFF2-40B4-BE49-F238E27FC236}">
+                <a16:creationId xmlns:a16="http://schemas.microsoft.com/office/drawing/2014/main" id="{BEB83670-D8C2-95BB-A4BA-9CA575C6E450}"/>
+              </a:ext>
+            </a:extLst>
+          </p:cNvPr>
+          <p:cNvGrpSpPr/>
+          <p:nvPr/>
+        </p:nvGrpSpPr>
+        <p:grpSpPr>
+          <a:xfrm>
+            <a:off x="6694063" y="671254"/>
+            <a:ext cx="1620000" cy="1620000"/>
+            <a:chOff x="6694063" y="671254"/>
+            <a:chExt cx="1620000" cy="1620000"/>
+          </a:xfrm>
+        </p:grpSpPr>
+        <p:pic>
+          <p:nvPicPr>
+            <p:cNvPr id="7" name="図 6">
+              <a:extLst>
+                <a:ext uri="{FF2B5EF4-FFF2-40B4-BE49-F238E27FC236}">
+                  <a16:creationId xmlns:a16="http://schemas.microsoft.com/office/drawing/2014/main" id="{3DC089DA-30E9-958B-475D-B75DA4F1DD58}"/>
+                </a:ext>
+              </a:extLst>
+            </p:cNvPr>
+            <p:cNvPicPr>
+              <a:picLocks noChangeAspect="1"/>
+            </p:cNvPicPr>
+            <p:nvPr/>
+          </p:nvPicPr>
+          <p:blipFill>
+            <a:blip r:embed="rId5">
+              <a:extLst>
+                <a:ext uri="{28A0092B-C50C-407E-A947-70E740481C1C}">
+                  <a14:useLocalDpi xmlns:a14="http://schemas.microsoft.com/office/drawing/2010/main" val="0"/>
+                </a:ext>
+              </a:extLst>
+            </a:blip>
+            <a:srcRect l="12102" t="11097" r="11296" b="22783"/>
+            <a:stretch>
+              <a:fillRect/>
+            </a:stretch>
+          </p:blipFill>
+          <p:spPr>
+            <a:xfrm>
+              <a:off x="6883269" y="870813"/>
+              <a:ext cx="1251219" cy="1080000"/>
+            </a:xfrm>
+            <a:prstGeom prst="rect">
+              <a:avLst/>
+            </a:prstGeom>
+          </p:spPr>
+        </p:pic>
+        <p:sp>
+          <p:nvSpPr>
+            <p:cNvPr id="8" name="楕円 7">
+              <a:extLst>
+                <a:ext uri="{FF2B5EF4-FFF2-40B4-BE49-F238E27FC236}">
+                  <a16:creationId xmlns:a16="http://schemas.microsoft.com/office/drawing/2014/main" id="{C79547DA-4468-3F60-66E0-4D0A091F58B1}"/>
+                </a:ext>
+              </a:extLst>
+            </p:cNvPr>
+            <p:cNvSpPr/>
+            <p:nvPr/>
+          </p:nvSpPr>
+          <p:spPr>
+            <a:xfrm>
+              <a:off x="6694063" y="671254"/>
+              <a:ext cx="1620000" cy="1620000"/>
+            </a:xfrm>
+            <a:prstGeom prst="ellipse">
+              <a:avLst/>
+            </a:prstGeom>
+            <a:noFill/>
+            <a:ln w="38100">
+              <a:solidFill>
+                <a:srgbClr val="1E173C"/>
+              </a:solidFill>
+            </a:ln>
+          </p:spPr>
+          <p:style>
+            <a:lnRef idx="2">
+              <a:schemeClr val="accent1">
+                <a:shade val="15000"/>
+              </a:schemeClr>
+            </a:lnRef>
+            <a:fillRef idx="1">
+              <a:schemeClr val="accent1"/>
+            </a:fillRef>
+            <a:effectRef idx="0">
+              <a:schemeClr val="accent1"/>
+            </a:effectRef>
+            <a:fontRef idx="minor">
+              <a:schemeClr val="lt1"/>
+            </a:fontRef>
+          </p:style>
+          <p:txBody>
+            <a:bodyPr rtlCol="0" anchor="ctr"/>
+            <a:lstStyle/>
+            <a:p>
+              <a:pPr algn="ctr"/>
+              <a:endParaRPr kumimoji="1" lang="ja-JP" altLang="en-US"/>
+            </a:p>
+          </p:txBody>
+        </p:sp>
+      </p:grpSp>
+      <p:grpSp>
+        <p:nvGrpSpPr>
+          <p:cNvPr id="12" name="グループ化 11">
+            <a:extLst>
+              <a:ext uri="{FF2B5EF4-FFF2-40B4-BE49-F238E27FC236}">
+                <a16:creationId xmlns:a16="http://schemas.microsoft.com/office/drawing/2014/main" id="{DCD80ECE-C864-3730-102C-2A128401C07A}"/>
+              </a:ext>
+            </a:extLst>
+          </p:cNvPr>
+          <p:cNvGrpSpPr/>
+          <p:nvPr/>
+        </p:nvGrpSpPr>
+        <p:grpSpPr>
+          <a:xfrm>
+            <a:off x="6993947" y="3557022"/>
+            <a:ext cx="1620000" cy="1620000"/>
+            <a:chOff x="6993947" y="3557022"/>
+            <a:chExt cx="1620000" cy="1620000"/>
+          </a:xfrm>
+        </p:grpSpPr>
+        <p:sp>
+          <p:nvSpPr>
+            <p:cNvPr id="10" name="楕円 9">
+              <a:extLst>
+                <a:ext uri="{FF2B5EF4-FFF2-40B4-BE49-F238E27FC236}">
+                  <a16:creationId xmlns:a16="http://schemas.microsoft.com/office/drawing/2014/main" id="{87C18597-9B51-1F20-49CB-2A637F508E53}"/>
+                </a:ext>
+              </a:extLst>
+            </p:cNvPr>
+            <p:cNvSpPr/>
+            <p:nvPr/>
+          </p:nvSpPr>
+          <p:spPr>
+            <a:xfrm>
+              <a:off x="6993947" y="3557022"/>
+              <a:ext cx="1620000" cy="1620000"/>
+            </a:xfrm>
+            <a:prstGeom prst="ellipse">
+              <a:avLst/>
+            </a:prstGeom>
+            <a:solidFill>
+              <a:srgbClr val="1E173C"/>
+            </a:solidFill>
+            <a:ln w="38100">
+              <a:solidFill>
+                <a:srgbClr val="1E173C"/>
+              </a:solidFill>
+            </a:ln>
+          </p:spPr>
+          <p:style>
+            <a:lnRef idx="2">
+              <a:schemeClr val="accent1">
+                <a:shade val="15000"/>
+              </a:schemeClr>
+            </a:lnRef>
+            <a:fillRef idx="1">
+              <a:schemeClr val="accent1"/>
+            </a:fillRef>
+            <a:effectRef idx="0">
+              <a:schemeClr val="accent1"/>
+            </a:effectRef>
+            <a:fontRef idx="minor">
+              <a:schemeClr val="lt1"/>
+            </a:fontRef>
+          </p:style>
+          <p:txBody>
+            <a:bodyPr rtlCol="0" anchor="ctr"/>
+            <a:lstStyle/>
+            <a:p>
+              <a:pPr algn="ctr"/>
+              <a:endParaRPr kumimoji="1" lang="ja-JP" altLang="en-US"/>
+            </a:p>
+          </p:txBody>
+        </p:sp>
+        <p:pic>
+          <p:nvPicPr>
+            <p:cNvPr id="9" name="図 8">
+              <a:extLst>
+                <a:ext uri="{FF2B5EF4-FFF2-40B4-BE49-F238E27FC236}">
+                  <a16:creationId xmlns:a16="http://schemas.microsoft.com/office/drawing/2014/main" id="{746E931A-6627-4D69-F8DE-C02EBA412560}"/>
+                </a:ext>
+              </a:extLst>
+            </p:cNvPr>
+            <p:cNvPicPr>
+              <a:picLocks noChangeAspect="1"/>
+            </p:cNvPicPr>
+            <p:nvPr/>
+          </p:nvPicPr>
+          <p:blipFill>
+            <a:blip r:embed="rId5">
+              <a:extLst>
+                <a:ext uri="{28A0092B-C50C-407E-A947-70E740481C1C}">
+                  <a14:useLocalDpi xmlns:a14="http://schemas.microsoft.com/office/drawing/2010/main" val="0"/>
+                </a:ext>
+              </a:extLst>
+            </a:blip>
+            <a:srcRect l="12102" t="11097" r="11296" b="22783"/>
+            <a:stretch>
+              <a:fillRect/>
+            </a:stretch>
+          </p:blipFill>
+          <p:spPr>
+            <a:xfrm>
+              <a:off x="7183153" y="3756581"/>
+              <a:ext cx="1251219" cy="1080000"/>
+            </a:xfrm>
+            <a:prstGeom prst="rect">
+              <a:avLst/>
+            </a:prstGeom>
+          </p:spPr>
+        </p:pic>
+      </p:grpSp>
+    </p:spTree>
+    <p:extLst>
+      <p:ext uri="{BB962C8B-B14F-4D97-AF65-F5344CB8AC3E}">
+        <p14:creationId xmlns:p14="http://schemas.microsoft.com/office/powerpoint/2010/main" val="1973967305"/>
+      </p:ext>
+    </p:extLst>
+  </p:cSld>
+  <p:clrMapOvr>
+    <a:masterClrMapping/>
+  </p:clrMapOvr>
+</p:sld>
+</file>
+
+<file path=ppt/slides/slide15.xml><?xml version="1.0" encoding="utf-8"?>
+<p:sld xmlns:a="http://schemas.openxmlformats.org/drawingml/2006/main" xmlns:r="http://schemas.openxmlformats.org/officeDocument/2006/relationships" xmlns:p="http://schemas.openxmlformats.org/presentationml/2006/main">
+  <p:cSld>
+    <p:spTree>
+      <p:nvGrpSpPr>
+        <p:cNvPr id="1" name="">
+          <a:extLst>
+            <a:ext uri="{FF2B5EF4-FFF2-40B4-BE49-F238E27FC236}">
+              <a16:creationId xmlns:a16="http://schemas.microsoft.com/office/drawing/2014/main" id="{15CA6836-BBDD-EA59-4A46-C105F8AEB468}"/>
+            </a:ext>
+          </a:extLst>
+        </p:cNvPr>
+        <p:cNvGrpSpPr/>
+        <p:nvPr/>
+      </p:nvGrpSpPr>
+      <p:grpSpPr>
+        <a:xfrm>
+          <a:off x="0" y="0"/>
+          <a:ext cx="0" cy="0"/>
+          <a:chOff x="0" y="0"/>
+          <a:chExt cx="0" cy="0"/>
+        </a:xfrm>
+      </p:grpSpPr>
+      <p:pic>
+        <p:nvPicPr>
+          <p:cNvPr id="4" name="図 3">
+            <a:extLst>
+              <a:ext uri="{FF2B5EF4-FFF2-40B4-BE49-F238E27FC236}">
+                <a16:creationId xmlns:a16="http://schemas.microsoft.com/office/drawing/2014/main" id="{FC21CEE5-C624-CD3D-CBFC-E67C68C95AF6}"/>
+              </a:ext>
+            </a:extLst>
+          </p:cNvPr>
+          <p:cNvPicPr>
+            <a:picLocks noChangeAspect="1"/>
+          </p:cNvPicPr>
+          <p:nvPr/>
+        </p:nvPicPr>
+        <p:blipFill>
+          <a:blip r:embed="rId2">
+            <a:extLst>
+              <a:ext uri="{28A0092B-C50C-407E-A947-70E740481C1C}">
+                <a14:useLocalDpi xmlns:a14="http://schemas.microsoft.com/office/drawing/2010/main" val="0"/>
+              </a:ext>
+            </a:extLst>
+          </a:blip>
+          <a:srcRect l="63591" t="13489" r="25700" b="67474"/>
+          <a:stretch>
+            <a:fillRect/>
+          </a:stretch>
+        </p:blipFill>
+        <p:spPr>
+          <a:xfrm>
+            <a:off x="255636" y="285136"/>
+            <a:ext cx="1224000" cy="1224000"/>
+          </a:xfrm>
+          <a:custGeom>
+            <a:avLst/>
+            <a:gdLst>
+              <a:gd name="connsiteX0" fmla="*/ 612000 w 1224000"/>
+              <a:gd name="connsiteY0" fmla="*/ 0 h 1224000"/>
+              <a:gd name="connsiteX1" fmla="*/ 1224000 w 1224000"/>
+              <a:gd name="connsiteY1" fmla="*/ 612000 h 1224000"/>
+              <a:gd name="connsiteX2" fmla="*/ 612000 w 1224000"/>
+              <a:gd name="connsiteY2" fmla="*/ 1224000 h 1224000"/>
+              <a:gd name="connsiteX3" fmla="*/ 0 w 1224000"/>
+              <a:gd name="connsiteY3" fmla="*/ 612000 h 1224000"/>
+              <a:gd name="connsiteX4" fmla="*/ 612000 w 1224000"/>
+              <a:gd name="connsiteY4" fmla="*/ 0 h 1224000"/>
+            </a:gdLst>
+            <a:ahLst/>
+            <a:cxnLst>
+              <a:cxn ang="0">
+                <a:pos x="connsiteX0" y="connsiteY0"/>
+              </a:cxn>
+              <a:cxn ang="0">
+                <a:pos x="connsiteX1" y="connsiteY1"/>
+              </a:cxn>
+              <a:cxn ang="0">
+                <a:pos x="connsiteX2" y="connsiteY2"/>
+              </a:cxn>
+              <a:cxn ang="0">
+                <a:pos x="connsiteX3" y="connsiteY3"/>
+              </a:cxn>
+              <a:cxn ang="0">
+                <a:pos x="connsiteX4" y="connsiteY4"/>
+              </a:cxn>
+            </a:cxnLst>
+            <a:rect l="l" t="t" r="r" b="b"/>
+            <a:pathLst>
+              <a:path w="1224000" h="1224000">
+                <a:moveTo>
+                  <a:pt x="612000" y="0"/>
+                </a:moveTo>
+                <a:cubicBezTo>
+                  <a:pt x="949998" y="0"/>
+                  <a:pt x="1224000" y="274002"/>
+                  <a:pt x="1224000" y="612000"/>
+                </a:cubicBezTo>
+                <a:cubicBezTo>
+                  <a:pt x="1224000" y="949998"/>
+                  <a:pt x="949998" y="1224000"/>
+                  <a:pt x="612000" y="1224000"/>
+                </a:cubicBezTo>
+                <a:cubicBezTo>
+                  <a:pt x="274002" y="1224000"/>
+                  <a:pt x="0" y="949998"/>
+                  <a:pt x="0" y="612000"/>
+                </a:cubicBezTo>
+                <a:cubicBezTo>
+                  <a:pt x="0" y="274002"/>
+                  <a:pt x="274002" y="0"/>
+                  <a:pt x="612000" y="0"/>
+                </a:cubicBezTo>
+                <a:close/>
+              </a:path>
+            </a:pathLst>
+          </a:custGeom>
+        </p:spPr>
+      </p:pic>
+      <p:pic>
+        <p:nvPicPr>
+          <p:cNvPr id="5" name="図 4">
+            <a:extLst>
+              <a:ext uri="{FF2B5EF4-FFF2-40B4-BE49-F238E27FC236}">
+                <a16:creationId xmlns:a16="http://schemas.microsoft.com/office/drawing/2014/main" id="{AAB82265-A7FA-695E-B60B-0D3B44BBC927}"/>
+              </a:ext>
+            </a:extLst>
+          </p:cNvPr>
+          <p:cNvPicPr>
+            <a:picLocks noChangeAspect="1"/>
+          </p:cNvPicPr>
+          <p:nvPr/>
+        </p:nvPicPr>
+        <p:blipFill>
+          <a:blip r:embed="rId3">
+            <a:extLst>
+              <a:ext uri="{BEBA8EAE-BF5A-486C-A8C5-ECC9F3942E4B}">
+                <a14:imgProps xmlns:a14="http://schemas.microsoft.com/office/drawing/2010/main">
+                  <a14:imgLayer r:embed="rId4">
+                    <a14:imgEffect>
+                      <a14:backgroundRemoval t="15393" b="30622" l="64662" r="73229"/>
+                    </a14:imgEffect>
+                  </a14:imgLayer>
+                </a14:imgProps>
+              </a:ext>
+              <a:ext uri="{28A0092B-C50C-407E-A947-70E740481C1C}">
+                <a14:useLocalDpi xmlns:a14="http://schemas.microsoft.com/office/drawing/2010/main" val="0"/>
+              </a:ext>
+            </a:extLst>
+          </a:blip>
+          <a:srcRect l="63591" t="13489" r="25700" b="67474"/>
+          <a:stretch>
+            <a:fillRect/>
+          </a:stretch>
+        </p:blipFill>
+        <p:spPr>
+          <a:xfrm>
+            <a:off x="2050023" y="285136"/>
+            <a:ext cx="1224000" cy="1224000"/>
+          </a:xfrm>
+          <a:custGeom>
+            <a:avLst/>
+            <a:gdLst>
+              <a:gd name="connsiteX0" fmla="*/ 612000 w 1224000"/>
+              <a:gd name="connsiteY0" fmla="*/ 0 h 1224000"/>
+              <a:gd name="connsiteX1" fmla="*/ 1224000 w 1224000"/>
+              <a:gd name="connsiteY1" fmla="*/ 612000 h 1224000"/>
+              <a:gd name="connsiteX2" fmla="*/ 612000 w 1224000"/>
+              <a:gd name="connsiteY2" fmla="*/ 1224000 h 1224000"/>
+              <a:gd name="connsiteX3" fmla="*/ 0 w 1224000"/>
+              <a:gd name="connsiteY3" fmla="*/ 612000 h 1224000"/>
+              <a:gd name="connsiteX4" fmla="*/ 612000 w 1224000"/>
+              <a:gd name="connsiteY4" fmla="*/ 0 h 1224000"/>
+            </a:gdLst>
+            <a:ahLst/>
+            <a:cxnLst>
+              <a:cxn ang="0">
+                <a:pos x="connsiteX0" y="connsiteY0"/>
+              </a:cxn>
+              <a:cxn ang="0">
+                <a:pos x="connsiteX1" y="connsiteY1"/>
+              </a:cxn>
+              <a:cxn ang="0">
+                <a:pos x="connsiteX2" y="connsiteY2"/>
+              </a:cxn>
+              <a:cxn ang="0">
+                <a:pos x="connsiteX3" y="connsiteY3"/>
+              </a:cxn>
+              <a:cxn ang="0">
+                <a:pos x="connsiteX4" y="connsiteY4"/>
+              </a:cxn>
+            </a:cxnLst>
+            <a:rect l="l" t="t" r="r" b="b"/>
+            <a:pathLst>
+              <a:path w="1224000" h="1224000">
+                <a:moveTo>
+                  <a:pt x="612000" y="0"/>
+                </a:moveTo>
+                <a:cubicBezTo>
+                  <a:pt x="949998" y="0"/>
+                  <a:pt x="1224000" y="274002"/>
+                  <a:pt x="1224000" y="612000"/>
+                </a:cubicBezTo>
+                <a:cubicBezTo>
+                  <a:pt x="1224000" y="949998"/>
+                  <a:pt x="949998" y="1224000"/>
+                  <a:pt x="612000" y="1224000"/>
+                </a:cubicBezTo>
+                <a:cubicBezTo>
+                  <a:pt x="274002" y="1224000"/>
+                  <a:pt x="0" y="949998"/>
+                  <a:pt x="0" y="612000"/>
+                </a:cubicBezTo>
+                <a:cubicBezTo>
+                  <a:pt x="0" y="274002"/>
+                  <a:pt x="274002" y="0"/>
+                  <a:pt x="612000" y="0"/>
+                </a:cubicBezTo>
+                <a:close/>
+              </a:path>
+            </a:pathLst>
+          </a:custGeom>
+        </p:spPr>
+      </p:pic>
+      <p:pic>
+        <p:nvPicPr>
+          <p:cNvPr id="8" name="図 7">
+            <a:extLst>
+              <a:ext uri="{FF2B5EF4-FFF2-40B4-BE49-F238E27FC236}">
+                <a16:creationId xmlns:a16="http://schemas.microsoft.com/office/drawing/2014/main" id="{ECFC338B-9254-C4F6-6923-39125EED6918}"/>
+              </a:ext>
+            </a:extLst>
+          </p:cNvPr>
+          <p:cNvPicPr>
+            <a:picLocks noChangeAspect="1"/>
+          </p:cNvPicPr>
+          <p:nvPr/>
+        </p:nvPicPr>
+        <p:blipFill>
+          <a:blip r:embed="rId5">
+            <a:extLst>
+              <a:ext uri="{28A0092B-C50C-407E-A947-70E740481C1C}">
+                <a14:useLocalDpi xmlns:a14="http://schemas.microsoft.com/office/drawing/2010/main" val="0"/>
+              </a:ext>
+            </a:extLst>
+          </a:blip>
+          <a:srcRect l="15596" t="9884" r="11596" b="15126"/>
+          <a:stretch>
+            <a:fillRect/>
+          </a:stretch>
+        </p:blipFill>
+        <p:spPr>
+          <a:xfrm>
+            <a:off x="2379287" y="2664542"/>
+            <a:ext cx="894736" cy="914400"/>
+          </a:xfrm>
+          <a:prstGeom prst="rect">
+            <a:avLst/>
+          </a:prstGeom>
+        </p:spPr>
+      </p:pic>
+      <p:grpSp>
+        <p:nvGrpSpPr>
+          <p:cNvPr id="12" name="グループ化 11">
+            <a:extLst>
+              <a:ext uri="{FF2B5EF4-FFF2-40B4-BE49-F238E27FC236}">
+                <a16:creationId xmlns:a16="http://schemas.microsoft.com/office/drawing/2014/main" id="{8CC1FFB3-C0BF-4EDA-D5B5-3B0111276B27}"/>
+              </a:ext>
+            </a:extLst>
+          </p:cNvPr>
+          <p:cNvGrpSpPr/>
+          <p:nvPr/>
+        </p:nvGrpSpPr>
+        <p:grpSpPr>
+          <a:xfrm>
+            <a:off x="6694063" y="671254"/>
+            <a:ext cx="1620000" cy="1620000"/>
+            <a:chOff x="6694063" y="671254"/>
+            <a:chExt cx="1620000" cy="1620000"/>
+          </a:xfrm>
+        </p:grpSpPr>
+        <p:sp>
+          <p:nvSpPr>
+            <p:cNvPr id="6" name="楕円 5">
+              <a:extLst>
+                <a:ext uri="{FF2B5EF4-FFF2-40B4-BE49-F238E27FC236}">
+                  <a16:creationId xmlns:a16="http://schemas.microsoft.com/office/drawing/2014/main" id="{FD9A2C6B-6C94-F353-732E-7DBEBA2735B7}"/>
+                </a:ext>
+              </a:extLst>
+            </p:cNvPr>
+            <p:cNvSpPr/>
+            <p:nvPr/>
+          </p:nvSpPr>
+          <p:spPr>
+            <a:xfrm>
+              <a:off x="6694063" y="671254"/>
+              <a:ext cx="1620000" cy="1620000"/>
+            </a:xfrm>
+            <a:prstGeom prst="ellipse">
+              <a:avLst/>
+            </a:prstGeom>
+            <a:noFill/>
+            <a:ln w="38100">
+              <a:solidFill>
+                <a:srgbClr val="1E173C"/>
+              </a:solidFill>
+            </a:ln>
+          </p:spPr>
+          <p:style>
+            <a:lnRef idx="2">
+              <a:schemeClr val="accent1">
+                <a:shade val="15000"/>
+              </a:schemeClr>
+            </a:lnRef>
+            <a:fillRef idx="1">
+              <a:schemeClr val="accent1"/>
+            </a:fillRef>
+            <a:effectRef idx="0">
+              <a:schemeClr val="accent1"/>
+            </a:effectRef>
+            <a:fontRef idx="minor">
+              <a:schemeClr val="lt1"/>
+            </a:fontRef>
+          </p:style>
+          <p:txBody>
+            <a:bodyPr rtlCol="0" anchor="ctr"/>
+            <a:lstStyle/>
+            <a:p>
+              <a:pPr algn="ctr"/>
+              <a:endParaRPr kumimoji="1" lang="ja-JP" altLang="en-US"/>
+            </a:p>
+          </p:txBody>
+        </p:sp>
+        <p:pic>
+          <p:nvPicPr>
+            <p:cNvPr id="9" name="図 8">
+              <a:extLst>
+                <a:ext uri="{FF2B5EF4-FFF2-40B4-BE49-F238E27FC236}">
+                  <a16:creationId xmlns:a16="http://schemas.microsoft.com/office/drawing/2014/main" id="{1F477FA3-B1E2-AA04-7A8D-7D9212001DFD}"/>
+                </a:ext>
+              </a:extLst>
+            </p:cNvPr>
+            <p:cNvPicPr>
+              <a:picLocks noChangeAspect="1"/>
+            </p:cNvPicPr>
+            <p:nvPr/>
+          </p:nvPicPr>
+          <p:blipFill>
+            <a:blip r:embed="rId5">
+              <a:extLst>
+                <a:ext uri="{28A0092B-C50C-407E-A947-70E740481C1C}">
+                  <a14:useLocalDpi xmlns:a14="http://schemas.microsoft.com/office/drawing/2010/main" val="0"/>
+                </a:ext>
+              </a:extLst>
+            </a:blip>
+            <a:srcRect l="15596" t="9884" r="11596" b="15126"/>
+            <a:stretch>
+              <a:fillRect/>
+            </a:stretch>
+          </p:blipFill>
+          <p:spPr>
+            <a:xfrm>
+              <a:off x="6940449" y="933136"/>
+              <a:ext cx="1127227" cy="1152000"/>
+            </a:xfrm>
+            <a:prstGeom prst="rect">
+              <a:avLst/>
+            </a:prstGeom>
+          </p:spPr>
+        </p:pic>
+      </p:grpSp>
+      <p:grpSp>
+        <p:nvGrpSpPr>
+          <p:cNvPr id="13" name="グループ化 12">
+            <a:extLst>
+              <a:ext uri="{FF2B5EF4-FFF2-40B4-BE49-F238E27FC236}">
+                <a16:creationId xmlns:a16="http://schemas.microsoft.com/office/drawing/2014/main" id="{22EC8D06-51AE-5DC6-8731-448415E2EF56}"/>
+              </a:ext>
+            </a:extLst>
+          </p:cNvPr>
+          <p:cNvGrpSpPr/>
+          <p:nvPr/>
+        </p:nvGrpSpPr>
+        <p:grpSpPr>
+          <a:xfrm>
+            <a:off x="7297979" y="3429000"/>
+            <a:ext cx="1620000" cy="1620000"/>
+            <a:chOff x="7297979" y="3429000"/>
+            <a:chExt cx="1620000" cy="1620000"/>
+          </a:xfrm>
+        </p:grpSpPr>
+        <p:sp>
+          <p:nvSpPr>
+            <p:cNvPr id="10" name="楕円 9">
+              <a:extLst>
+                <a:ext uri="{FF2B5EF4-FFF2-40B4-BE49-F238E27FC236}">
+                  <a16:creationId xmlns:a16="http://schemas.microsoft.com/office/drawing/2014/main" id="{21141148-249F-C8A0-08C1-477343D5D09E}"/>
+                </a:ext>
+              </a:extLst>
+            </p:cNvPr>
+            <p:cNvSpPr/>
+            <p:nvPr/>
+          </p:nvSpPr>
+          <p:spPr>
+            <a:xfrm>
+              <a:off x="7297979" y="3429000"/>
+              <a:ext cx="1620000" cy="1620000"/>
+            </a:xfrm>
+            <a:prstGeom prst="ellipse">
+              <a:avLst/>
+            </a:prstGeom>
+            <a:solidFill>
+              <a:srgbClr val="1E173C"/>
+            </a:solidFill>
+            <a:ln w="38100">
+              <a:solidFill>
+                <a:srgbClr val="1E173C"/>
+              </a:solidFill>
+            </a:ln>
+          </p:spPr>
+          <p:style>
+            <a:lnRef idx="2">
+              <a:schemeClr val="accent1">
+                <a:shade val="15000"/>
+              </a:schemeClr>
+            </a:lnRef>
+            <a:fillRef idx="1">
+              <a:schemeClr val="accent1"/>
+            </a:fillRef>
+            <a:effectRef idx="0">
+              <a:schemeClr val="accent1"/>
+            </a:effectRef>
+            <a:fontRef idx="minor">
+              <a:schemeClr val="lt1"/>
+            </a:fontRef>
+          </p:style>
+          <p:txBody>
+            <a:bodyPr rtlCol="0" anchor="ctr"/>
+            <a:lstStyle/>
+            <a:p>
+              <a:pPr algn="ctr"/>
+              <a:endParaRPr kumimoji="1" lang="ja-JP" altLang="en-US"/>
+            </a:p>
+          </p:txBody>
+        </p:sp>
+        <p:pic>
+          <p:nvPicPr>
+            <p:cNvPr id="11" name="図 10">
+              <a:extLst>
+                <a:ext uri="{FF2B5EF4-FFF2-40B4-BE49-F238E27FC236}">
+                  <a16:creationId xmlns:a16="http://schemas.microsoft.com/office/drawing/2014/main" id="{A0145503-2B08-78C9-3BFA-B72EC12EBCA6}"/>
+                </a:ext>
+              </a:extLst>
+            </p:cNvPr>
+            <p:cNvPicPr>
+              <a:picLocks noChangeAspect="1"/>
+            </p:cNvPicPr>
+            <p:nvPr/>
+          </p:nvPicPr>
+          <p:blipFill>
+            <a:blip r:embed="rId5">
+              <a:extLst>
+                <a:ext uri="{28A0092B-C50C-407E-A947-70E740481C1C}">
+                  <a14:useLocalDpi xmlns:a14="http://schemas.microsoft.com/office/drawing/2010/main" val="0"/>
+                </a:ext>
+              </a:extLst>
+            </a:blip>
+            <a:srcRect l="15596" t="9884" r="11596" b="15126"/>
+            <a:stretch>
+              <a:fillRect/>
+            </a:stretch>
+          </p:blipFill>
+          <p:spPr>
+            <a:xfrm>
+              <a:off x="7544365" y="3690882"/>
+              <a:ext cx="1127227" cy="1152000"/>
+            </a:xfrm>
+            <a:prstGeom prst="rect">
+              <a:avLst/>
+            </a:prstGeom>
+          </p:spPr>
+        </p:pic>
+      </p:grpSp>
+    </p:spTree>
+    <p:extLst>
+      <p:ext uri="{BB962C8B-B14F-4D97-AF65-F5344CB8AC3E}">
+        <p14:creationId xmlns:p14="http://schemas.microsoft.com/office/powerpoint/2010/main" val="952732486"/>
+      </p:ext>
+    </p:extLst>
+  </p:cSld>
+  <p:clrMapOvr>
+    <a:masterClrMapping/>
+  </p:clrMapOvr>
+</p:sld>
+</file>
+
+<file path=ppt/slides/slide16.xml><?xml version="1.0" encoding="utf-8"?>
+<p:sld xmlns:a="http://schemas.openxmlformats.org/drawingml/2006/main" xmlns:r="http://schemas.openxmlformats.org/officeDocument/2006/relationships" xmlns:p="http://schemas.openxmlformats.org/presentationml/2006/main">
+  <p:cSld>
+    <p:spTree>
+      <p:nvGrpSpPr>
+        <p:cNvPr id="1" name="">
+          <a:extLst>
+            <a:ext uri="{FF2B5EF4-FFF2-40B4-BE49-F238E27FC236}">
+              <a16:creationId xmlns:a16="http://schemas.microsoft.com/office/drawing/2014/main" id="{0E299D90-77A6-4C9E-8AC1-8E766E61BE06}"/>
+            </a:ext>
+          </a:extLst>
+        </p:cNvPr>
+        <p:cNvGrpSpPr/>
+        <p:nvPr/>
+      </p:nvGrpSpPr>
+      <p:grpSpPr>
+        <a:xfrm>
+          <a:off x="0" y="0"/>
+          <a:ext cx="0" cy="0"/>
+          <a:chOff x="0" y="0"/>
+          <a:chExt cx="0" cy="0"/>
+        </a:xfrm>
+      </p:grpSpPr>
+      <p:pic>
+        <p:nvPicPr>
+          <p:cNvPr id="4" name="図 3">
+            <a:extLst>
+              <a:ext uri="{FF2B5EF4-FFF2-40B4-BE49-F238E27FC236}">
+                <a16:creationId xmlns:a16="http://schemas.microsoft.com/office/drawing/2014/main" id="{BA7F62E7-DFAC-3A9F-E6E4-25189385FA7F}"/>
+              </a:ext>
+            </a:extLst>
+          </p:cNvPr>
+          <p:cNvPicPr>
+            <a:picLocks noChangeAspect="1"/>
+          </p:cNvPicPr>
+          <p:nvPr/>
+        </p:nvPicPr>
+        <p:blipFill>
+          <a:blip r:embed="rId2">
+            <a:extLst>
+              <a:ext uri="{28A0092B-C50C-407E-A947-70E740481C1C}">
+                <a14:useLocalDpi xmlns:a14="http://schemas.microsoft.com/office/drawing/2010/main" val="0"/>
+              </a:ext>
+            </a:extLst>
+          </a:blip>
+          <a:srcRect l="31505" t="36734" r="57786" b="44229"/>
+          <a:stretch>
+            <a:fillRect/>
+          </a:stretch>
+        </p:blipFill>
+        <p:spPr>
+          <a:xfrm>
+            <a:off x="462115" y="353963"/>
+            <a:ext cx="1224000" cy="1224000"/>
+          </a:xfrm>
+          <a:custGeom>
+            <a:avLst/>
+            <a:gdLst>
+              <a:gd name="connsiteX0" fmla="*/ 612000 w 1224000"/>
+              <a:gd name="connsiteY0" fmla="*/ 0 h 1224000"/>
+              <a:gd name="connsiteX1" fmla="*/ 1224000 w 1224000"/>
+              <a:gd name="connsiteY1" fmla="*/ 612000 h 1224000"/>
+              <a:gd name="connsiteX2" fmla="*/ 612000 w 1224000"/>
+              <a:gd name="connsiteY2" fmla="*/ 1224000 h 1224000"/>
+              <a:gd name="connsiteX3" fmla="*/ 0 w 1224000"/>
+              <a:gd name="connsiteY3" fmla="*/ 612000 h 1224000"/>
+              <a:gd name="connsiteX4" fmla="*/ 612000 w 1224000"/>
+              <a:gd name="connsiteY4" fmla="*/ 0 h 1224000"/>
+            </a:gdLst>
+            <a:ahLst/>
+            <a:cxnLst>
+              <a:cxn ang="0">
+                <a:pos x="connsiteX0" y="connsiteY0"/>
+              </a:cxn>
+              <a:cxn ang="0">
+                <a:pos x="connsiteX1" y="connsiteY1"/>
+              </a:cxn>
+              <a:cxn ang="0">
+                <a:pos x="connsiteX2" y="connsiteY2"/>
+              </a:cxn>
+              <a:cxn ang="0">
+                <a:pos x="connsiteX3" y="connsiteY3"/>
+              </a:cxn>
+              <a:cxn ang="0">
+                <a:pos x="connsiteX4" y="connsiteY4"/>
+              </a:cxn>
+            </a:cxnLst>
+            <a:rect l="l" t="t" r="r" b="b"/>
+            <a:pathLst>
+              <a:path w="1224000" h="1224000">
+                <a:moveTo>
+                  <a:pt x="612000" y="0"/>
+                </a:moveTo>
+                <a:cubicBezTo>
+                  <a:pt x="949998" y="0"/>
+                  <a:pt x="1224000" y="274002"/>
+                  <a:pt x="1224000" y="612000"/>
+                </a:cubicBezTo>
+                <a:cubicBezTo>
+                  <a:pt x="1224000" y="949998"/>
+                  <a:pt x="949998" y="1224000"/>
+                  <a:pt x="612000" y="1224000"/>
+                </a:cubicBezTo>
+                <a:cubicBezTo>
+                  <a:pt x="274002" y="1224000"/>
+                  <a:pt x="0" y="949998"/>
+                  <a:pt x="0" y="612000"/>
+                </a:cubicBezTo>
+                <a:cubicBezTo>
+                  <a:pt x="0" y="274002"/>
+                  <a:pt x="274002" y="0"/>
+                  <a:pt x="612000" y="0"/>
+                </a:cubicBezTo>
+                <a:close/>
+              </a:path>
+            </a:pathLst>
+          </a:custGeom>
+        </p:spPr>
+      </p:pic>
+      <p:pic>
+        <p:nvPicPr>
+          <p:cNvPr id="5" name="図 4">
+            <a:extLst>
+              <a:ext uri="{FF2B5EF4-FFF2-40B4-BE49-F238E27FC236}">
+                <a16:creationId xmlns:a16="http://schemas.microsoft.com/office/drawing/2014/main" id="{04A3B847-D74A-A3CC-768B-AE69D2A53B1A}"/>
+              </a:ext>
+            </a:extLst>
+          </p:cNvPr>
+          <p:cNvPicPr>
+            <a:picLocks noChangeAspect="1"/>
+          </p:cNvPicPr>
+          <p:nvPr/>
+        </p:nvPicPr>
+        <p:blipFill>
+          <a:blip r:embed="rId3">
+            <a:extLst>
+              <a:ext uri="{BEBA8EAE-BF5A-486C-A8C5-ECC9F3942E4B}">
+                <a14:imgProps xmlns:a14="http://schemas.microsoft.com/office/drawing/2010/main">
+                  <a14:imgLayer r:embed="rId4">
+                    <a14:imgEffect>
+                      <a14:backgroundRemoval t="38638" b="53867" l="32576" r="41143"/>
+                    </a14:imgEffect>
+                  </a14:imgLayer>
+                </a14:imgProps>
+              </a:ext>
+              <a:ext uri="{28A0092B-C50C-407E-A947-70E740481C1C}">
+                <a14:useLocalDpi xmlns:a14="http://schemas.microsoft.com/office/drawing/2010/main" val="0"/>
+              </a:ext>
+            </a:extLst>
+          </a:blip>
+          <a:srcRect l="31505" t="36734" r="57786" b="44229"/>
+          <a:stretch>
+            <a:fillRect/>
+          </a:stretch>
+        </p:blipFill>
+        <p:spPr>
+          <a:xfrm>
+            <a:off x="1981199" y="353963"/>
+            <a:ext cx="1224000" cy="1224000"/>
+          </a:xfrm>
+          <a:custGeom>
+            <a:avLst/>
+            <a:gdLst>
+              <a:gd name="connsiteX0" fmla="*/ 612000 w 1224000"/>
+              <a:gd name="connsiteY0" fmla="*/ 0 h 1224000"/>
+              <a:gd name="connsiteX1" fmla="*/ 1224000 w 1224000"/>
+              <a:gd name="connsiteY1" fmla="*/ 612000 h 1224000"/>
+              <a:gd name="connsiteX2" fmla="*/ 612000 w 1224000"/>
+              <a:gd name="connsiteY2" fmla="*/ 1224000 h 1224000"/>
+              <a:gd name="connsiteX3" fmla="*/ 0 w 1224000"/>
+              <a:gd name="connsiteY3" fmla="*/ 612000 h 1224000"/>
+              <a:gd name="connsiteX4" fmla="*/ 612000 w 1224000"/>
+              <a:gd name="connsiteY4" fmla="*/ 0 h 1224000"/>
+            </a:gdLst>
+            <a:ahLst/>
+            <a:cxnLst>
+              <a:cxn ang="0">
+                <a:pos x="connsiteX0" y="connsiteY0"/>
+              </a:cxn>
+              <a:cxn ang="0">
+                <a:pos x="connsiteX1" y="connsiteY1"/>
+              </a:cxn>
+              <a:cxn ang="0">
+                <a:pos x="connsiteX2" y="connsiteY2"/>
+              </a:cxn>
+              <a:cxn ang="0">
+                <a:pos x="connsiteX3" y="connsiteY3"/>
+              </a:cxn>
+              <a:cxn ang="0">
+                <a:pos x="connsiteX4" y="connsiteY4"/>
+              </a:cxn>
+            </a:cxnLst>
+            <a:rect l="l" t="t" r="r" b="b"/>
+            <a:pathLst>
+              <a:path w="1224000" h="1224000">
+                <a:moveTo>
+                  <a:pt x="612000" y="0"/>
+                </a:moveTo>
+                <a:cubicBezTo>
+                  <a:pt x="949998" y="0"/>
+                  <a:pt x="1224000" y="274002"/>
+                  <a:pt x="1224000" y="612000"/>
+                </a:cubicBezTo>
+                <a:cubicBezTo>
+                  <a:pt x="1224000" y="949998"/>
+                  <a:pt x="949998" y="1224000"/>
+                  <a:pt x="612000" y="1224000"/>
+                </a:cubicBezTo>
+                <a:cubicBezTo>
+                  <a:pt x="274002" y="1224000"/>
+                  <a:pt x="0" y="949998"/>
+                  <a:pt x="0" y="612000"/>
+                </a:cubicBezTo>
+                <a:cubicBezTo>
+                  <a:pt x="0" y="274002"/>
+                  <a:pt x="274002" y="0"/>
+                  <a:pt x="612000" y="0"/>
+                </a:cubicBezTo>
+                <a:close/>
+              </a:path>
+            </a:pathLst>
+          </a:custGeom>
+        </p:spPr>
+      </p:pic>
+      <p:grpSp>
+        <p:nvGrpSpPr>
+          <p:cNvPr id="11" name="グループ化 10">
+            <a:extLst>
+              <a:ext uri="{FF2B5EF4-FFF2-40B4-BE49-F238E27FC236}">
+                <a16:creationId xmlns:a16="http://schemas.microsoft.com/office/drawing/2014/main" id="{DA288F63-6C01-3636-6521-C15EAFC7D28B}"/>
+              </a:ext>
+            </a:extLst>
+          </p:cNvPr>
+          <p:cNvGrpSpPr/>
+          <p:nvPr/>
+        </p:nvGrpSpPr>
+        <p:grpSpPr>
+          <a:xfrm>
+            <a:off x="6694063" y="671254"/>
+            <a:ext cx="1620000" cy="1620000"/>
+            <a:chOff x="6694063" y="671254"/>
+            <a:chExt cx="1620000" cy="1620000"/>
+          </a:xfrm>
+        </p:grpSpPr>
+        <p:sp>
+          <p:nvSpPr>
+            <p:cNvPr id="6" name="楕円 5">
+              <a:extLst>
+                <a:ext uri="{FF2B5EF4-FFF2-40B4-BE49-F238E27FC236}">
+                  <a16:creationId xmlns:a16="http://schemas.microsoft.com/office/drawing/2014/main" id="{6ACC202D-DC75-B174-DE23-82F1FD2F04FE}"/>
+                </a:ext>
+              </a:extLst>
+            </p:cNvPr>
+            <p:cNvSpPr/>
+            <p:nvPr/>
+          </p:nvSpPr>
+          <p:spPr>
+            <a:xfrm>
+              <a:off x="6694063" y="671254"/>
+              <a:ext cx="1620000" cy="1620000"/>
+            </a:xfrm>
+            <a:prstGeom prst="ellipse">
+              <a:avLst/>
+            </a:prstGeom>
+            <a:noFill/>
+            <a:ln w="38100">
+              <a:solidFill>
+                <a:srgbClr val="1E173C"/>
+              </a:solidFill>
+            </a:ln>
+          </p:spPr>
+          <p:style>
+            <a:lnRef idx="2">
+              <a:schemeClr val="accent1">
+                <a:shade val="15000"/>
+              </a:schemeClr>
+            </a:lnRef>
+            <a:fillRef idx="1">
+              <a:schemeClr val="accent1"/>
+            </a:fillRef>
+            <a:effectRef idx="0">
+              <a:schemeClr val="accent1"/>
+            </a:effectRef>
+            <a:fontRef idx="minor">
+              <a:schemeClr val="lt1"/>
+            </a:fontRef>
+          </p:style>
+          <p:txBody>
+            <a:bodyPr rtlCol="0" anchor="ctr"/>
+            <a:lstStyle/>
+            <a:p>
+              <a:pPr algn="ctr"/>
+              <a:endParaRPr kumimoji="1" lang="ja-JP" altLang="en-US"/>
+            </a:p>
+          </p:txBody>
+        </p:sp>
+        <p:pic>
+          <p:nvPicPr>
+            <p:cNvPr id="8" name="図 7">
+              <a:extLst>
+                <a:ext uri="{FF2B5EF4-FFF2-40B4-BE49-F238E27FC236}">
+                  <a16:creationId xmlns:a16="http://schemas.microsoft.com/office/drawing/2014/main" id="{FB06499C-44E1-CAA5-2F74-1D8123B3E06B}"/>
+                </a:ext>
+              </a:extLst>
+            </p:cNvPr>
+            <p:cNvPicPr>
+              <a:picLocks noChangeAspect="1"/>
+            </p:cNvPicPr>
+            <p:nvPr/>
+          </p:nvPicPr>
+          <p:blipFill>
+            <a:blip r:embed="rId5">
+              <a:extLst>
+                <a:ext uri="{28A0092B-C50C-407E-A947-70E740481C1C}">
+                  <a14:useLocalDpi xmlns:a14="http://schemas.microsoft.com/office/drawing/2010/main" val="0"/>
+                </a:ext>
+              </a:extLst>
+            </a:blip>
+            <a:srcRect l="16396" t="9396" r="10795" b="16196"/>
+            <a:stretch>
+              <a:fillRect/>
+            </a:stretch>
+          </p:blipFill>
+          <p:spPr>
+            <a:xfrm>
+              <a:off x="6958062" y="903590"/>
+              <a:ext cx="1092002" cy="1116000"/>
+            </a:xfrm>
+            <a:prstGeom prst="rect">
+              <a:avLst/>
+            </a:prstGeom>
+          </p:spPr>
+        </p:pic>
+      </p:grpSp>
+      <p:grpSp>
+        <p:nvGrpSpPr>
+          <p:cNvPr id="12" name="グループ化 11">
+            <a:extLst>
+              <a:ext uri="{FF2B5EF4-FFF2-40B4-BE49-F238E27FC236}">
+                <a16:creationId xmlns:a16="http://schemas.microsoft.com/office/drawing/2014/main" id="{B770017F-1081-0461-27C1-E96B8D6DD15B}"/>
+              </a:ext>
+            </a:extLst>
+          </p:cNvPr>
+          <p:cNvGrpSpPr/>
+          <p:nvPr/>
+        </p:nvGrpSpPr>
+        <p:grpSpPr>
+          <a:xfrm>
+            <a:off x="8311508" y="3606183"/>
+            <a:ext cx="1620000" cy="1620000"/>
+            <a:chOff x="8311508" y="3606183"/>
+            <a:chExt cx="1620000" cy="1620000"/>
+          </a:xfrm>
+        </p:grpSpPr>
+        <p:sp>
+          <p:nvSpPr>
+            <p:cNvPr id="9" name="楕円 8">
+              <a:extLst>
+                <a:ext uri="{FF2B5EF4-FFF2-40B4-BE49-F238E27FC236}">
+                  <a16:creationId xmlns:a16="http://schemas.microsoft.com/office/drawing/2014/main" id="{AB341062-E9EC-DDCC-B504-146551064FE2}"/>
+                </a:ext>
+              </a:extLst>
+            </p:cNvPr>
+            <p:cNvSpPr/>
+            <p:nvPr/>
+          </p:nvSpPr>
+          <p:spPr>
+            <a:xfrm>
+              <a:off x="8311508" y="3606183"/>
+              <a:ext cx="1620000" cy="1620000"/>
+            </a:xfrm>
+            <a:prstGeom prst="ellipse">
+              <a:avLst/>
+            </a:prstGeom>
+            <a:solidFill>
+              <a:srgbClr val="1E173C"/>
+            </a:solidFill>
+            <a:ln w="38100">
+              <a:solidFill>
+                <a:srgbClr val="1E173C"/>
+              </a:solidFill>
+            </a:ln>
+          </p:spPr>
+          <p:style>
+            <a:lnRef idx="2">
+              <a:schemeClr val="accent1">
+                <a:shade val="15000"/>
+              </a:schemeClr>
+            </a:lnRef>
+            <a:fillRef idx="1">
+              <a:schemeClr val="accent1"/>
+            </a:fillRef>
+            <a:effectRef idx="0">
+              <a:schemeClr val="accent1"/>
+            </a:effectRef>
+            <a:fontRef idx="minor">
+              <a:schemeClr val="lt1"/>
+            </a:fontRef>
+          </p:style>
+          <p:txBody>
+            <a:bodyPr rtlCol="0" anchor="ctr"/>
+            <a:lstStyle/>
+            <a:p>
+              <a:pPr algn="ctr"/>
+              <a:endParaRPr kumimoji="1" lang="ja-JP" altLang="en-US"/>
+            </a:p>
+          </p:txBody>
+        </p:sp>
+        <p:pic>
+          <p:nvPicPr>
+            <p:cNvPr id="10" name="図 9">
+              <a:extLst>
+                <a:ext uri="{FF2B5EF4-FFF2-40B4-BE49-F238E27FC236}">
+                  <a16:creationId xmlns:a16="http://schemas.microsoft.com/office/drawing/2014/main" id="{F8686DAC-212D-E9ED-B320-711FD57AC004}"/>
+                </a:ext>
+              </a:extLst>
+            </p:cNvPr>
+            <p:cNvPicPr>
+              <a:picLocks noChangeAspect="1"/>
+            </p:cNvPicPr>
+            <p:nvPr/>
+          </p:nvPicPr>
+          <p:blipFill>
+            <a:blip r:embed="rId5">
+              <a:extLst>
+                <a:ext uri="{28A0092B-C50C-407E-A947-70E740481C1C}">
+                  <a14:useLocalDpi xmlns:a14="http://schemas.microsoft.com/office/drawing/2010/main" val="0"/>
+                </a:ext>
+              </a:extLst>
+            </a:blip>
+            <a:srcRect l="16396" t="9396" r="10795" b="16196"/>
+            <a:stretch>
+              <a:fillRect/>
+            </a:stretch>
+          </p:blipFill>
+          <p:spPr>
+            <a:xfrm>
+              <a:off x="8575507" y="3838519"/>
+              <a:ext cx="1092002" cy="1116000"/>
+            </a:xfrm>
+            <a:prstGeom prst="rect">
+              <a:avLst/>
+            </a:prstGeom>
+          </p:spPr>
+        </p:pic>
+      </p:grpSp>
+    </p:spTree>
+    <p:extLst>
+      <p:ext uri="{BB962C8B-B14F-4D97-AF65-F5344CB8AC3E}">
+        <p14:creationId xmlns:p14="http://schemas.microsoft.com/office/powerpoint/2010/main" val="4038534164"/>
+      </p:ext>
+    </p:extLst>
+  </p:cSld>
+  <p:clrMapOvr>
+    <a:masterClrMapping/>
+  </p:clrMapOvr>
+</p:sld>
+</file>
+
+<file path=ppt/slides/slide17.xml><?xml version="1.0" encoding="utf-8"?>
+<p:sld xmlns:a="http://schemas.openxmlformats.org/drawingml/2006/main" xmlns:r="http://schemas.openxmlformats.org/officeDocument/2006/relationships" xmlns:p="http://schemas.openxmlformats.org/presentationml/2006/main">
+  <p:cSld>
+    <p:spTree>
+      <p:nvGrpSpPr>
+        <p:cNvPr id="1" name=""/>
+        <p:cNvGrpSpPr/>
+        <p:nvPr/>
+      </p:nvGrpSpPr>
+      <p:grpSpPr>
+        <a:xfrm>
+          <a:off x="0" y="0"/>
+          <a:ext cx="0" cy="0"/>
+          <a:chOff x="0" y="0"/>
+          <a:chExt cx="0" cy="0"/>
+        </a:xfrm>
+      </p:grpSpPr>
+    </p:spTree>
+    <p:extLst>
+      <p:ext uri="{BB962C8B-B14F-4D97-AF65-F5344CB8AC3E}">
+        <p14:creationId xmlns:p14="http://schemas.microsoft.com/office/powerpoint/2010/main" val="2894393428"/>
+      </p:ext>
+    </p:extLst>
+  </p:cSld>
+  <p:clrMapOvr>
+    <a:masterClrMapping/>
+  </p:clrMapOvr>
+</p:sld>
+</file>
+
+<file path=ppt/slides/slide18.xml><?xml version="1.0" encoding="utf-8"?>
+<p:sld xmlns:a="http://schemas.openxmlformats.org/drawingml/2006/main" xmlns:r="http://schemas.openxmlformats.org/officeDocument/2006/relationships" xmlns:p="http://schemas.openxmlformats.org/presentationml/2006/main">
+  <p:cSld>
+    <p:spTree>
+      <p:nvGrpSpPr>
+        <p:cNvPr id="1" name=""/>
+        <p:cNvGrpSpPr/>
+        <p:nvPr/>
+      </p:nvGrpSpPr>
+      <p:grpSpPr>
+        <a:xfrm>
+          <a:off x="0" y="0"/>
+          <a:ext cx="0" cy="0"/>
+          <a:chOff x="0" y="0"/>
+          <a:chExt cx="0" cy="0"/>
+        </a:xfrm>
+      </p:grpSpPr>
+    </p:spTree>
+    <p:extLst>
+      <p:ext uri="{BB962C8B-B14F-4D97-AF65-F5344CB8AC3E}">
+        <p14:creationId xmlns:p14="http://schemas.microsoft.com/office/powerpoint/2010/main" val="2997483727"/>
+      </p:ext>
+    </p:extLst>
+  </p:cSld>
+  <p:clrMapOvr>
+    <a:masterClrMapping/>
+  </p:clrMapOvr>
+</p:sld>
+</file>
+
+<file path=ppt/slides/slide19.xml><?xml version="1.0" encoding="utf-8"?>
+<p:sld xmlns:a="http://schemas.openxmlformats.org/drawingml/2006/main" xmlns:r="http://schemas.openxmlformats.org/officeDocument/2006/relationships" xmlns:p="http://schemas.openxmlformats.org/presentationml/2006/main">
+  <p:cSld>
+    <p:spTree>
+      <p:nvGrpSpPr>
+        <p:cNvPr id="1" name=""/>
+        <p:cNvGrpSpPr/>
+        <p:nvPr/>
+      </p:nvGrpSpPr>
+      <p:grpSpPr>
+        <a:xfrm>
+          <a:off x="0" y="0"/>
+          <a:ext cx="0" cy="0"/>
+          <a:chOff x="0" y="0"/>
+          <a:chExt cx="0" cy="0"/>
+        </a:xfrm>
+      </p:grpSpPr>
+    </p:spTree>
+    <p:extLst>
+      <p:ext uri="{BB962C8B-B14F-4D97-AF65-F5344CB8AC3E}">
+        <p14:creationId xmlns:p14="http://schemas.microsoft.com/office/powerpoint/2010/main" val="647463729"/>
       </p:ext>
     </p:extLst>
   </p:cSld>
@@ -6171,6 +9093,178 @@
           </p:spPr>
         </p:pic>
       </p:grpSp>
+      <p:pic>
+        <p:nvPicPr>
+          <p:cNvPr id="3" name="図 2">
+            <a:extLst>
+              <a:ext uri="{FF2B5EF4-FFF2-40B4-BE49-F238E27FC236}">
+                <a16:creationId xmlns:a16="http://schemas.microsoft.com/office/drawing/2014/main" id="{7BE180F3-01CF-55F1-6FFD-5689725A739E}"/>
+              </a:ext>
+            </a:extLst>
+          </p:cNvPr>
+          <p:cNvPicPr>
+            <a:picLocks noChangeAspect="1"/>
+          </p:cNvPicPr>
+          <p:nvPr/>
+        </p:nvPicPr>
+        <p:blipFill>
+          <a:blip r:embed="rId8">
+            <a:lum bright="70000" contrast="-70000"/>
+            <a:extLst>
+              <a:ext uri="{BEBA8EAE-BF5A-486C-A8C5-ECC9F3942E4B}">
+                <a14:imgProps xmlns:a14="http://schemas.microsoft.com/office/drawing/2010/main">
+                  <a14:imgLayer r:embed="rId7">
+                    <a14:imgEffect>
+                      <a14:backgroundRemoval t="4412" b="91176" l="10000" r="95000">
+                        <a14:foregroundMark x1="48333" y1="11765" x2="48333" y2="11765"/>
+                        <a14:foregroundMark x1="40000" y1="33824" x2="40000" y2="33824"/>
+                        <a14:foregroundMark x1="49167" y1="5147" x2="49167" y2="5147"/>
+                        <a14:foregroundMark x1="95833" y1="36029" x2="95833" y2="36029"/>
+                        <a14:foregroundMark x1="60000" y1="72059" x2="60000" y2="72059"/>
+                        <a14:foregroundMark x1="66667" y1="91176" x2="66667" y2="91176"/>
+                      </a14:backgroundRemoval>
+                    </a14:imgEffect>
+                    <a14:imgEffect>
+                      <a14:saturation sat="97000"/>
+                    </a14:imgEffect>
+                  </a14:imgLayer>
+                </a14:imgProps>
+              </a:ext>
+              <a:ext uri="{28A0092B-C50C-407E-A947-70E740481C1C}">
+                <a14:useLocalDpi xmlns:a14="http://schemas.microsoft.com/office/drawing/2010/main" val="0"/>
+              </a:ext>
+            </a:extLst>
+          </a:blip>
+          <a:stretch>
+            <a:fillRect/>
+          </a:stretch>
+        </p:blipFill>
+        <p:spPr>
+          <a:xfrm>
+            <a:off x="10613314" y="2942999"/>
+            <a:ext cx="1143160" cy="1295581"/>
+          </a:xfrm>
+          <a:prstGeom prst="rect">
+            <a:avLst/>
+          </a:prstGeom>
+          <a:noFill/>
+          <a:ln>
+            <a:noFill/>
+          </a:ln>
+        </p:spPr>
+      </p:pic>
+      <p:grpSp>
+        <p:nvGrpSpPr>
+          <p:cNvPr id="16" name="グループ化 15">
+            <a:extLst>
+              <a:ext uri="{FF2B5EF4-FFF2-40B4-BE49-F238E27FC236}">
+                <a16:creationId xmlns:a16="http://schemas.microsoft.com/office/drawing/2014/main" id="{50234CD2-08E1-23D9-4FB7-6D5E4528DED3}"/>
+              </a:ext>
+            </a:extLst>
+          </p:cNvPr>
+          <p:cNvGrpSpPr/>
+          <p:nvPr/>
+        </p:nvGrpSpPr>
+        <p:grpSpPr>
+          <a:xfrm>
+            <a:off x="9329319" y="465855"/>
+            <a:ext cx="1620000" cy="1620000"/>
+            <a:chOff x="9329319" y="465855"/>
+            <a:chExt cx="1620000" cy="1620000"/>
+          </a:xfrm>
+        </p:grpSpPr>
+        <p:sp>
+          <p:nvSpPr>
+            <p:cNvPr id="9" name="楕円 8">
+              <a:extLst>
+                <a:ext uri="{FF2B5EF4-FFF2-40B4-BE49-F238E27FC236}">
+                  <a16:creationId xmlns:a16="http://schemas.microsoft.com/office/drawing/2014/main" id="{8435B842-3976-BA8B-8B45-FF51913BABAA}"/>
+                </a:ext>
+              </a:extLst>
+            </p:cNvPr>
+            <p:cNvSpPr/>
+            <p:nvPr/>
+          </p:nvSpPr>
+          <p:spPr>
+            <a:xfrm>
+              <a:off x="9329319" y="465855"/>
+              <a:ext cx="1620000" cy="1620000"/>
+            </a:xfrm>
+            <a:prstGeom prst="ellipse">
+              <a:avLst/>
+            </a:prstGeom>
+            <a:solidFill>
+              <a:srgbClr val="D00730"/>
+            </a:solidFill>
+            <a:ln w="38100">
+              <a:solidFill>
+                <a:srgbClr val="D00730"/>
+              </a:solidFill>
+            </a:ln>
+          </p:spPr>
+          <p:style>
+            <a:lnRef idx="2">
+              <a:schemeClr val="accent1">
+                <a:shade val="15000"/>
+              </a:schemeClr>
+            </a:lnRef>
+            <a:fillRef idx="1">
+              <a:schemeClr val="accent1"/>
+            </a:fillRef>
+            <a:effectRef idx="0">
+              <a:schemeClr val="accent1"/>
+            </a:effectRef>
+            <a:fontRef idx="minor">
+              <a:schemeClr val="lt1"/>
+            </a:fontRef>
+          </p:style>
+          <p:txBody>
+            <a:bodyPr rtlCol="0" anchor="ctr"/>
+            <a:lstStyle/>
+            <a:p>
+              <a:pPr algn="ctr"/>
+              <a:endParaRPr kumimoji="1" lang="ja-JP" altLang="en-US" dirty="0"/>
+            </a:p>
+          </p:txBody>
+        </p:sp>
+        <p:pic>
+          <p:nvPicPr>
+            <p:cNvPr id="15" name="図 14">
+              <a:extLst>
+                <a:ext uri="{FF2B5EF4-FFF2-40B4-BE49-F238E27FC236}">
+                  <a16:creationId xmlns:a16="http://schemas.microsoft.com/office/drawing/2014/main" id="{08327FB0-FDBB-2C1D-A446-EC95B871C4D9}"/>
+                </a:ext>
+              </a:extLst>
+            </p:cNvPr>
+            <p:cNvPicPr>
+              <a:picLocks noChangeAspect="1"/>
+            </p:cNvPicPr>
+            <p:nvPr/>
+          </p:nvPicPr>
+          <p:blipFill>
+            <a:blip r:embed="rId9">
+              <a:biLevel thresh="25000"/>
+              <a:extLst>
+                <a:ext uri="{28A0092B-C50C-407E-A947-70E740481C1C}">
+                  <a14:useLocalDpi xmlns:a14="http://schemas.microsoft.com/office/drawing/2010/main" val="0"/>
+                </a:ext>
+              </a:extLst>
+            </a:blip>
+            <a:stretch>
+              <a:fillRect/>
+            </a:stretch>
+          </p:blipFill>
+          <p:spPr>
+            <a:xfrm>
+              <a:off x="9562976" y="628064"/>
+              <a:ext cx="1152686" cy="1295581"/>
+            </a:xfrm>
+            <a:prstGeom prst="rect">
+              <a:avLst/>
+            </a:prstGeom>
+          </p:spPr>
+        </p:pic>
+      </p:grpSp>
     </p:spTree>
     <p:extLst>
       <p:ext uri="{BB962C8B-B14F-4D97-AF65-F5344CB8AC3E}">
@@ -8475,6 +11569,121 @@
           <a:p>
             <a:pPr algn="ctr"/>
             <a:endParaRPr kumimoji="1" lang="ja-JP" altLang="en-US"/>
+          </a:p>
+        </p:txBody>
+      </p:sp>
+      <p:sp>
+        <p:nvSpPr>
+          <p:cNvPr id="2" name="楕円 1">
+            <a:extLst>
+              <a:ext uri="{FF2B5EF4-FFF2-40B4-BE49-F238E27FC236}">
+                <a16:creationId xmlns:a16="http://schemas.microsoft.com/office/drawing/2014/main" id="{EFF6264F-C9FF-8E44-08AA-5A07913E140A}"/>
+              </a:ext>
+            </a:extLst>
+          </p:cNvPr>
+          <p:cNvSpPr/>
+          <p:nvPr/>
+        </p:nvSpPr>
+        <p:spPr>
+          <a:xfrm>
+            <a:off x="9377680" y="3244973"/>
+            <a:ext cx="914400" cy="914400"/>
+          </a:xfrm>
+          <a:prstGeom prst="ellipse">
+            <a:avLst/>
+          </a:prstGeom>
+          <a:solidFill>
+            <a:srgbClr val="0066FF"/>
+          </a:solidFill>
+          <a:ln>
+            <a:noFill/>
+          </a:ln>
+        </p:spPr>
+        <p:style>
+          <a:lnRef idx="2">
+            <a:schemeClr val="accent1">
+              <a:shade val="15000"/>
+            </a:schemeClr>
+          </a:lnRef>
+          <a:fillRef idx="1">
+            <a:schemeClr val="accent1"/>
+          </a:fillRef>
+          <a:effectRef idx="0">
+            <a:schemeClr val="accent1"/>
+          </a:effectRef>
+          <a:fontRef idx="minor">
+            <a:schemeClr val="lt1"/>
+          </a:fontRef>
+        </p:style>
+        <p:txBody>
+          <a:bodyPr rtlCol="0" anchor="ctr"/>
+          <a:lstStyle/>
+          <a:p>
+            <a:pPr algn="ctr"/>
+            <a:r>
+              <a:rPr lang="en-US" altLang="ja-JP" sz="3200" b="1" dirty="0"/>
+              <a:t>0</a:t>
+            </a:r>
+            <a:endParaRPr kumimoji="1" lang="ja-JP" altLang="en-US" sz="3200" b="1" dirty="0"/>
+          </a:p>
+        </p:txBody>
+      </p:sp>
+      <p:sp>
+        <p:nvSpPr>
+          <p:cNvPr id="24" name="楕円 23">
+            <a:extLst>
+              <a:ext uri="{FF2B5EF4-FFF2-40B4-BE49-F238E27FC236}">
+                <a16:creationId xmlns:a16="http://schemas.microsoft.com/office/drawing/2014/main" id="{802968BB-D675-2AB1-5EBA-D7C62AD0DD09}"/>
+              </a:ext>
+            </a:extLst>
+          </p:cNvPr>
+          <p:cNvSpPr/>
+          <p:nvPr/>
+        </p:nvSpPr>
+        <p:spPr>
+          <a:xfrm>
+            <a:off x="8128000" y="3244973"/>
+            <a:ext cx="914400" cy="914400"/>
+          </a:xfrm>
+          <a:prstGeom prst="ellipse">
+            <a:avLst/>
+          </a:prstGeom>
+          <a:solidFill>
+            <a:schemeClr val="tx1">
+              <a:lumMod val="50000"/>
+              <a:lumOff val="50000"/>
+            </a:schemeClr>
+          </a:solidFill>
+          <a:ln>
+            <a:noFill/>
+          </a:ln>
+        </p:spPr>
+        <p:style>
+          <a:lnRef idx="2">
+            <a:schemeClr val="accent1">
+              <a:shade val="15000"/>
+            </a:schemeClr>
+          </a:lnRef>
+          <a:fillRef idx="1">
+            <a:schemeClr val="accent1"/>
+          </a:fillRef>
+          <a:effectRef idx="0">
+            <a:schemeClr val="accent1"/>
+          </a:effectRef>
+          <a:fontRef idx="minor">
+            <a:schemeClr val="lt1"/>
+          </a:fontRef>
+        </p:style>
+        <p:txBody>
+          <a:bodyPr rtlCol="0" anchor="ctr"/>
+          <a:lstStyle/>
+          <a:p>
+            <a:pPr algn="ctr"/>
+            <a:r>
+              <a:rPr lang="en-US" altLang="ja-JP" sz="3200" b="1" dirty="0"/>
+              <a:t>0</a:t>
+            </a:r>
+            <a:endParaRPr kumimoji="1" lang="ja-JP" altLang="en-US" sz="3200" b="1" dirty="0"/>
           </a:p>
         </p:txBody>
       </p:sp>

--- a/Assets/Resources/アイコン作成.pptx
+++ b/Assets/Resources/アイコン作成.pptx
@@ -24,6 +24,9 @@
     <p:sldId id="268" r:id="rId18"/>
     <p:sldId id="269" r:id="rId19"/>
     <p:sldId id="270" r:id="rId20"/>
+    <p:sldId id="278" r:id="rId21"/>
+    <p:sldId id="279" r:id="rId22"/>
+    <p:sldId id="280" r:id="rId23"/>
   </p:sldIdLst>
   <p:sldSz cx="12192000" cy="6858000"/>
   <p:notesSz cx="6858000" cy="9144000"/>
@@ -277,7 +280,7 @@
           <a:p>
             <a:fld id="{C86328C3-D5F4-4C2C-ACFC-4B0C4F5663EC}" type="datetimeFigureOut">
               <a:rPr kumimoji="1" lang="ja-JP" altLang="en-US" smtClean="0"/>
-              <a:t>2025/7/18</a:t>
+              <a:t>2025/7/27</a:t>
             </a:fld>
             <a:endParaRPr kumimoji="1" lang="ja-JP" altLang="en-US"/>
           </a:p>
@@ -507,7 +510,7 @@
           <a:p>
             <a:fld id="{C86328C3-D5F4-4C2C-ACFC-4B0C4F5663EC}" type="datetimeFigureOut">
               <a:rPr kumimoji="1" lang="ja-JP" altLang="en-US" smtClean="0"/>
-              <a:t>2025/7/18</a:t>
+              <a:t>2025/7/27</a:t>
             </a:fld>
             <a:endParaRPr kumimoji="1" lang="ja-JP" altLang="en-US"/>
           </a:p>
@@ -747,7 +750,7 @@
           <a:p>
             <a:fld id="{C86328C3-D5F4-4C2C-ACFC-4B0C4F5663EC}" type="datetimeFigureOut">
               <a:rPr kumimoji="1" lang="ja-JP" altLang="en-US" smtClean="0"/>
-              <a:t>2025/7/18</a:t>
+              <a:t>2025/7/27</a:t>
             </a:fld>
             <a:endParaRPr kumimoji="1" lang="ja-JP" altLang="en-US"/>
           </a:p>
@@ -977,7 +980,7 @@
           <a:p>
             <a:fld id="{C86328C3-D5F4-4C2C-ACFC-4B0C4F5663EC}" type="datetimeFigureOut">
               <a:rPr kumimoji="1" lang="ja-JP" altLang="en-US" smtClean="0"/>
-              <a:t>2025/7/18</a:t>
+              <a:t>2025/7/27</a:t>
             </a:fld>
             <a:endParaRPr kumimoji="1" lang="ja-JP" altLang="en-US"/>
           </a:p>
@@ -1252,7 +1255,7 @@
           <a:p>
             <a:fld id="{C86328C3-D5F4-4C2C-ACFC-4B0C4F5663EC}" type="datetimeFigureOut">
               <a:rPr kumimoji="1" lang="ja-JP" altLang="en-US" smtClean="0"/>
-              <a:t>2025/7/18</a:t>
+              <a:t>2025/7/27</a:t>
             </a:fld>
             <a:endParaRPr kumimoji="1" lang="ja-JP" altLang="en-US"/>
           </a:p>
@@ -1581,7 +1584,7 @@
           <a:p>
             <a:fld id="{C86328C3-D5F4-4C2C-ACFC-4B0C4F5663EC}" type="datetimeFigureOut">
               <a:rPr kumimoji="1" lang="ja-JP" altLang="en-US" smtClean="0"/>
-              <a:t>2025/7/18</a:t>
+              <a:t>2025/7/27</a:t>
             </a:fld>
             <a:endParaRPr kumimoji="1" lang="ja-JP" altLang="en-US"/>
           </a:p>
@@ -2057,7 +2060,7 @@
           <a:p>
             <a:fld id="{C86328C3-D5F4-4C2C-ACFC-4B0C4F5663EC}" type="datetimeFigureOut">
               <a:rPr kumimoji="1" lang="ja-JP" altLang="en-US" smtClean="0"/>
-              <a:t>2025/7/18</a:t>
+              <a:t>2025/7/27</a:t>
             </a:fld>
             <a:endParaRPr kumimoji="1" lang="ja-JP" altLang="en-US"/>
           </a:p>
@@ -2198,7 +2201,7 @@
           <a:p>
             <a:fld id="{C86328C3-D5F4-4C2C-ACFC-4B0C4F5663EC}" type="datetimeFigureOut">
               <a:rPr kumimoji="1" lang="ja-JP" altLang="en-US" smtClean="0"/>
-              <a:t>2025/7/18</a:t>
+              <a:t>2025/7/27</a:t>
             </a:fld>
             <a:endParaRPr kumimoji="1" lang="ja-JP" altLang="en-US"/>
           </a:p>
@@ -2311,7 +2314,7 @@
           <a:p>
             <a:fld id="{C86328C3-D5F4-4C2C-ACFC-4B0C4F5663EC}" type="datetimeFigureOut">
               <a:rPr kumimoji="1" lang="ja-JP" altLang="en-US" smtClean="0"/>
-              <a:t>2025/7/18</a:t>
+              <a:t>2025/7/27</a:t>
             </a:fld>
             <a:endParaRPr kumimoji="1" lang="ja-JP" altLang="en-US"/>
           </a:p>
@@ -2654,7 +2657,7 @@
           <a:p>
             <a:fld id="{C86328C3-D5F4-4C2C-ACFC-4B0C4F5663EC}" type="datetimeFigureOut">
               <a:rPr kumimoji="1" lang="ja-JP" altLang="en-US" smtClean="0"/>
-              <a:t>2025/7/18</a:t>
+              <a:t>2025/7/27</a:t>
             </a:fld>
             <a:endParaRPr kumimoji="1" lang="ja-JP" altLang="en-US"/>
           </a:p>
@@ -2942,7 +2945,7 @@
           <a:p>
             <a:fld id="{C86328C3-D5F4-4C2C-ACFC-4B0C4F5663EC}" type="datetimeFigureOut">
               <a:rPr kumimoji="1" lang="ja-JP" altLang="en-US" smtClean="0"/>
-              <a:t>2025/7/18</a:t>
+              <a:t>2025/7/27</a:t>
             </a:fld>
             <a:endParaRPr kumimoji="1" lang="ja-JP" altLang="en-US"/>
           </a:p>
@@ -3215,7 +3218,7 @@
           <a:p>
             <a:fld id="{C86328C3-D5F4-4C2C-ACFC-4B0C4F5663EC}" type="datetimeFigureOut">
               <a:rPr kumimoji="1" lang="ja-JP" altLang="en-US" smtClean="0"/>
-              <a:t>2025/7/18</a:t>
+              <a:t>2025/7/27</a:t>
             </a:fld>
             <a:endParaRPr kumimoji="1" lang="ja-JP" altLang="en-US"/>
           </a:p>
@@ -7859,6 +7862,2075 @@
           <a:chExt cx="0" cy="0"/>
         </a:xfrm>
       </p:grpSpPr>
+      <p:grpSp>
+        <p:nvGrpSpPr>
+          <p:cNvPr id="17" name="グループ化 16">
+            <a:extLst>
+              <a:ext uri="{FF2B5EF4-FFF2-40B4-BE49-F238E27FC236}">
+                <a16:creationId xmlns:a16="http://schemas.microsoft.com/office/drawing/2014/main" id="{9A3E3964-0CA2-D748-F800-E123C1A04622}"/>
+              </a:ext>
+            </a:extLst>
+          </p:cNvPr>
+          <p:cNvGrpSpPr/>
+          <p:nvPr/>
+        </p:nvGrpSpPr>
+        <p:grpSpPr>
+          <a:xfrm>
+            <a:off x="9241627" y="2180264"/>
+            <a:ext cx="590550" cy="762000"/>
+            <a:chOff x="4914035" y="1422400"/>
+            <a:chExt cx="590550" cy="762000"/>
+          </a:xfrm>
+        </p:grpSpPr>
+        <p:sp>
+          <p:nvSpPr>
+            <p:cNvPr id="8" name="フリーフォーム: 図形 7">
+              <a:extLst>
+                <a:ext uri="{FF2B5EF4-FFF2-40B4-BE49-F238E27FC236}">
+                  <a16:creationId xmlns:a16="http://schemas.microsoft.com/office/drawing/2014/main" id="{8F214FED-4CC4-9D2B-58E7-343708E96EB0}"/>
+                </a:ext>
+              </a:extLst>
+            </p:cNvPr>
+            <p:cNvSpPr/>
+            <p:nvPr/>
+          </p:nvSpPr>
+          <p:spPr>
+            <a:xfrm>
+              <a:off x="4914035" y="1422400"/>
+              <a:ext cx="590550" cy="762000"/>
+            </a:xfrm>
+            <a:custGeom>
+              <a:avLst/>
+              <a:gdLst>
+                <a:gd name="connsiteX0" fmla="*/ 57150 w 590550"/>
+                <a:gd name="connsiteY0" fmla="*/ 57150 h 762000"/>
+                <a:gd name="connsiteX1" fmla="*/ 533400 w 590550"/>
+                <a:gd name="connsiteY1" fmla="*/ 57150 h 762000"/>
+                <a:gd name="connsiteX2" fmla="*/ 533400 w 590550"/>
+                <a:gd name="connsiteY2" fmla="*/ 704850 h 762000"/>
+                <a:gd name="connsiteX3" fmla="*/ 57150 w 590550"/>
+                <a:gd name="connsiteY3" fmla="*/ 704850 h 762000"/>
+                <a:gd name="connsiteX4" fmla="*/ 57150 w 590550"/>
+                <a:gd name="connsiteY4" fmla="*/ 57150 h 762000"/>
+                <a:gd name="connsiteX5" fmla="*/ 0 w 590550"/>
+                <a:gd name="connsiteY5" fmla="*/ 762000 h 762000"/>
+                <a:gd name="connsiteX6" fmla="*/ 590550 w 590550"/>
+                <a:gd name="connsiteY6" fmla="*/ 762000 h 762000"/>
+                <a:gd name="connsiteX7" fmla="*/ 590550 w 590550"/>
+                <a:gd name="connsiteY7" fmla="*/ 0 h 762000"/>
+                <a:gd name="connsiteX8" fmla="*/ 0 w 590550"/>
+                <a:gd name="connsiteY8" fmla="*/ 0 h 762000"/>
+                <a:gd name="connsiteX9" fmla="*/ 0 w 590550"/>
+                <a:gd name="connsiteY9" fmla="*/ 762000 h 762000"/>
+              </a:gdLst>
+              <a:ahLst/>
+              <a:cxnLst>
+                <a:cxn ang="0">
+                  <a:pos x="connsiteX0" y="connsiteY0"/>
+                </a:cxn>
+                <a:cxn ang="0">
+                  <a:pos x="connsiteX1" y="connsiteY1"/>
+                </a:cxn>
+                <a:cxn ang="0">
+                  <a:pos x="connsiteX2" y="connsiteY2"/>
+                </a:cxn>
+                <a:cxn ang="0">
+                  <a:pos x="connsiteX3" y="connsiteY3"/>
+                </a:cxn>
+                <a:cxn ang="0">
+                  <a:pos x="connsiteX4" y="connsiteY4"/>
+                </a:cxn>
+                <a:cxn ang="0">
+                  <a:pos x="connsiteX5" y="connsiteY5"/>
+                </a:cxn>
+                <a:cxn ang="0">
+                  <a:pos x="connsiteX6" y="connsiteY6"/>
+                </a:cxn>
+                <a:cxn ang="0">
+                  <a:pos x="connsiteX7" y="connsiteY7"/>
+                </a:cxn>
+                <a:cxn ang="0">
+                  <a:pos x="connsiteX8" y="connsiteY8"/>
+                </a:cxn>
+                <a:cxn ang="0">
+                  <a:pos x="connsiteX9" y="connsiteY9"/>
+                </a:cxn>
+              </a:cxnLst>
+              <a:rect l="l" t="t" r="r" b="b"/>
+              <a:pathLst>
+                <a:path w="590550" h="762000">
+                  <a:moveTo>
+                    <a:pt x="57150" y="57150"/>
+                  </a:moveTo>
+                  <a:lnTo>
+                    <a:pt x="533400" y="57150"/>
+                  </a:lnTo>
+                  <a:lnTo>
+                    <a:pt x="533400" y="704850"/>
+                  </a:lnTo>
+                  <a:lnTo>
+                    <a:pt x="57150" y="704850"/>
+                  </a:lnTo>
+                  <a:lnTo>
+                    <a:pt x="57150" y="57150"/>
+                  </a:lnTo>
+                  <a:close/>
+                  <a:moveTo>
+                    <a:pt x="0" y="762000"/>
+                  </a:moveTo>
+                  <a:lnTo>
+                    <a:pt x="590550" y="762000"/>
+                  </a:lnTo>
+                  <a:lnTo>
+                    <a:pt x="590550" y="0"/>
+                  </a:lnTo>
+                  <a:lnTo>
+                    <a:pt x="0" y="0"/>
+                  </a:lnTo>
+                  <a:lnTo>
+                    <a:pt x="0" y="762000"/>
+                  </a:lnTo>
+                  <a:close/>
+                </a:path>
+              </a:pathLst>
+            </a:custGeom>
+            <a:solidFill>
+              <a:srgbClr val="000000"/>
+            </a:solidFill>
+            <a:ln w="9525" cap="flat">
+              <a:noFill/>
+              <a:prstDash val="solid"/>
+              <a:miter/>
+            </a:ln>
+          </p:spPr>
+          <p:txBody>
+            <a:bodyPr rtlCol="0" anchor="ctr"/>
+            <a:lstStyle/>
+            <a:p>
+              <a:endParaRPr lang="ja-JP" altLang="en-US"/>
+            </a:p>
+          </p:txBody>
+        </p:sp>
+        <p:sp>
+          <p:nvSpPr>
+            <p:cNvPr id="9" name="フリーフォーム: 図形 8">
+              <a:extLst>
+                <a:ext uri="{FF2B5EF4-FFF2-40B4-BE49-F238E27FC236}">
+                  <a16:creationId xmlns:a16="http://schemas.microsoft.com/office/drawing/2014/main" id="{8C55E515-04B2-EDAF-3C78-1337C8BE8FBF}"/>
+                </a:ext>
+              </a:extLst>
+            </p:cNvPr>
+            <p:cNvSpPr/>
+            <p:nvPr/>
+          </p:nvSpPr>
+          <p:spPr>
+            <a:xfrm>
+              <a:off x="5037860" y="1536700"/>
+              <a:ext cx="76200" cy="76200"/>
+            </a:xfrm>
+            <a:custGeom>
+              <a:avLst/>
+              <a:gdLst>
+                <a:gd name="connsiteX0" fmla="*/ 0 w 76200"/>
+                <a:gd name="connsiteY0" fmla="*/ 0 h 76200"/>
+                <a:gd name="connsiteX1" fmla="*/ 76200 w 76200"/>
+                <a:gd name="connsiteY1" fmla="*/ 0 h 76200"/>
+                <a:gd name="connsiteX2" fmla="*/ 76200 w 76200"/>
+                <a:gd name="connsiteY2" fmla="*/ 76200 h 76200"/>
+                <a:gd name="connsiteX3" fmla="*/ 0 w 76200"/>
+                <a:gd name="connsiteY3" fmla="*/ 76200 h 76200"/>
+              </a:gdLst>
+              <a:ahLst/>
+              <a:cxnLst>
+                <a:cxn ang="0">
+                  <a:pos x="connsiteX0" y="connsiteY0"/>
+                </a:cxn>
+                <a:cxn ang="0">
+                  <a:pos x="connsiteX1" y="connsiteY1"/>
+                </a:cxn>
+                <a:cxn ang="0">
+                  <a:pos x="connsiteX2" y="connsiteY2"/>
+                </a:cxn>
+                <a:cxn ang="0">
+                  <a:pos x="connsiteX3" y="connsiteY3"/>
+                </a:cxn>
+              </a:cxnLst>
+              <a:rect l="l" t="t" r="r" b="b"/>
+              <a:pathLst>
+                <a:path w="76200" h="76200">
+                  <a:moveTo>
+                    <a:pt x="0" y="0"/>
+                  </a:moveTo>
+                  <a:lnTo>
+                    <a:pt x="76200" y="0"/>
+                  </a:lnTo>
+                  <a:lnTo>
+                    <a:pt x="76200" y="76200"/>
+                  </a:lnTo>
+                  <a:lnTo>
+                    <a:pt x="0" y="76200"/>
+                  </a:lnTo>
+                  <a:close/>
+                </a:path>
+              </a:pathLst>
+            </a:custGeom>
+            <a:solidFill>
+              <a:srgbClr val="000000"/>
+            </a:solidFill>
+            <a:ln w="9525" cap="flat">
+              <a:noFill/>
+              <a:prstDash val="solid"/>
+              <a:miter/>
+            </a:ln>
+          </p:spPr>
+          <p:txBody>
+            <a:bodyPr rtlCol="0" anchor="ctr"/>
+            <a:lstStyle/>
+            <a:p>
+              <a:endParaRPr lang="ja-JP" altLang="en-US"/>
+            </a:p>
+          </p:txBody>
+        </p:sp>
+        <p:sp>
+          <p:nvSpPr>
+            <p:cNvPr id="10" name="フリーフォーム: 図形 9">
+              <a:extLst>
+                <a:ext uri="{FF2B5EF4-FFF2-40B4-BE49-F238E27FC236}">
+                  <a16:creationId xmlns:a16="http://schemas.microsoft.com/office/drawing/2014/main" id="{783297A0-AE4B-B985-31D8-BE61FDFBCE94}"/>
+                </a:ext>
+              </a:extLst>
+            </p:cNvPr>
+            <p:cNvSpPr/>
+            <p:nvPr/>
+          </p:nvSpPr>
+          <p:spPr>
+            <a:xfrm>
+              <a:off x="5190260" y="1555750"/>
+              <a:ext cx="190500" cy="38100"/>
+            </a:xfrm>
+            <a:custGeom>
+              <a:avLst/>
+              <a:gdLst>
+                <a:gd name="connsiteX0" fmla="*/ 0 w 190500"/>
+                <a:gd name="connsiteY0" fmla="*/ 0 h 38100"/>
+                <a:gd name="connsiteX1" fmla="*/ 190500 w 190500"/>
+                <a:gd name="connsiteY1" fmla="*/ 0 h 38100"/>
+                <a:gd name="connsiteX2" fmla="*/ 190500 w 190500"/>
+                <a:gd name="connsiteY2" fmla="*/ 38100 h 38100"/>
+                <a:gd name="connsiteX3" fmla="*/ 0 w 190500"/>
+                <a:gd name="connsiteY3" fmla="*/ 38100 h 38100"/>
+              </a:gdLst>
+              <a:ahLst/>
+              <a:cxnLst>
+                <a:cxn ang="0">
+                  <a:pos x="connsiteX0" y="connsiteY0"/>
+                </a:cxn>
+                <a:cxn ang="0">
+                  <a:pos x="connsiteX1" y="connsiteY1"/>
+                </a:cxn>
+                <a:cxn ang="0">
+                  <a:pos x="connsiteX2" y="connsiteY2"/>
+                </a:cxn>
+                <a:cxn ang="0">
+                  <a:pos x="connsiteX3" y="connsiteY3"/>
+                </a:cxn>
+              </a:cxnLst>
+              <a:rect l="l" t="t" r="r" b="b"/>
+              <a:pathLst>
+                <a:path w="190500" h="38100">
+                  <a:moveTo>
+                    <a:pt x="0" y="0"/>
+                  </a:moveTo>
+                  <a:lnTo>
+                    <a:pt x="190500" y="0"/>
+                  </a:lnTo>
+                  <a:lnTo>
+                    <a:pt x="190500" y="38100"/>
+                  </a:lnTo>
+                  <a:lnTo>
+                    <a:pt x="0" y="38100"/>
+                  </a:lnTo>
+                  <a:close/>
+                </a:path>
+              </a:pathLst>
+            </a:custGeom>
+            <a:solidFill>
+              <a:srgbClr val="000000"/>
+            </a:solidFill>
+            <a:ln w="9525" cap="flat">
+              <a:noFill/>
+              <a:prstDash val="solid"/>
+              <a:miter/>
+            </a:ln>
+          </p:spPr>
+          <p:txBody>
+            <a:bodyPr rtlCol="0" anchor="ctr"/>
+            <a:lstStyle/>
+            <a:p>
+              <a:endParaRPr lang="ja-JP" altLang="en-US"/>
+            </a:p>
+          </p:txBody>
+        </p:sp>
+        <p:sp>
+          <p:nvSpPr>
+            <p:cNvPr id="11" name="フリーフォーム: 図形 10">
+              <a:extLst>
+                <a:ext uri="{FF2B5EF4-FFF2-40B4-BE49-F238E27FC236}">
+                  <a16:creationId xmlns:a16="http://schemas.microsoft.com/office/drawing/2014/main" id="{9B5A4D99-0B04-2D44-C617-73B2C36DE796}"/>
+                </a:ext>
+              </a:extLst>
+            </p:cNvPr>
+            <p:cNvSpPr/>
+            <p:nvPr/>
+          </p:nvSpPr>
+          <p:spPr>
+            <a:xfrm>
+              <a:off x="5037860" y="1689100"/>
+              <a:ext cx="76200" cy="76200"/>
+            </a:xfrm>
+            <a:custGeom>
+              <a:avLst/>
+              <a:gdLst>
+                <a:gd name="connsiteX0" fmla="*/ 0 w 76200"/>
+                <a:gd name="connsiteY0" fmla="*/ 0 h 76200"/>
+                <a:gd name="connsiteX1" fmla="*/ 76200 w 76200"/>
+                <a:gd name="connsiteY1" fmla="*/ 0 h 76200"/>
+                <a:gd name="connsiteX2" fmla="*/ 76200 w 76200"/>
+                <a:gd name="connsiteY2" fmla="*/ 76200 h 76200"/>
+                <a:gd name="connsiteX3" fmla="*/ 0 w 76200"/>
+                <a:gd name="connsiteY3" fmla="*/ 76200 h 76200"/>
+              </a:gdLst>
+              <a:ahLst/>
+              <a:cxnLst>
+                <a:cxn ang="0">
+                  <a:pos x="connsiteX0" y="connsiteY0"/>
+                </a:cxn>
+                <a:cxn ang="0">
+                  <a:pos x="connsiteX1" y="connsiteY1"/>
+                </a:cxn>
+                <a:cxn ang="0">
+                  <a:pos x="connsiteX2" y="connsiteY2"/>
+                </a:cxn>
+                <a:cxn ang="0">
+                  <a:pos x="connsiteX3" y="connsiteY3"/>
+                </a:cxn>
+              </a:cxnLst>
+              <a:rect l="l" t="t" r="r" b="b"/>
+              <a:pathLst>
+                <a:path w="76200" h="76200">
+                  <a:moveTo>
+                    <a:pt x="0" y="0"/>
+                  </a:moveTo>
+                  <a:lnTo>
+                    <a:pt x="76200" y="0"/>
+                  </a:lnTo>
+                  <a:lnTo>
+                    <a:pt x="76200" y="76200"/>
+                  </a:lnTo>
+                  <a:lnTo>
+                    <a:pt x="0" y="76200"/>
+                  </a:lnTo>
+                  <a:close/>
+                </a:path>
+              </a:pathLst>
+            </a:custGeom>
+            <a:solidFill>
+              <a:srgbClr val="000000"/>
+            </a:solidFill>
+            <a:ln w="9525" cap="flat">
+              <a:noFill/>
+              <a:prstDash val="solid"/>
+              <a:miter/>
+            </a:ln>
+          </p:spPr>
+          <p:txBody>
+            <a:bodyPr rtlCol="0" anchor="ctr"/>
+            <a:lstStyle/>
+            <a:p>
+              <a:endParaRPr lang="ja-JP" altLang="en-US"/>
+            </a:p>
+          </p:txBody>
+        </p:sp>
+        <p:sp>
+          <p:nvSpPr>
+            <p:cNvPr id="12" name="フリーフォーム: 図形 11">
+              <a:extLst>
+                <a:ext uri="{FF2B5EF4-FFF2-40B4-BE49-F238E27FC236}">
+                  <a16:creationId xmlns:a16="http://schemas.microsoft.com/office/drawing/2014/main" id="{AFEBF4D7-4D0F-8463-6E80-1F71F6F94561}"/>
+                </a:ext>
+              </a:extLst>
+            </p:cNvPr>
+            <p:cNvSpPr/>
+            <p:nvPr/>
+          </p:nvSpPr>
+          <p:spPr>
+            <a:xfrm>
+              <a:off x="5190260" y="1708150"/>
+              <a:ext cx="190500" cy="38100"/>
+            </a:xfrm>
+            <a:custGeom>
+              <a:avLst/>
+              <a:gdLst>
+                <a:gd name="connsiteX0" fmla="*/ 0 w 190500"/>
+                <a:gd name="connsiteY0" fmla="*/ 0 h 38100"/>
+                <a:gd name="connsiteX1" fmla="*/ 190500 w 190500"/>
+                <a:gd name="connsiteY1" fmla="*/ 0 h 38100"/>
+                <a:gd name="connsiteX2" fmla="*/ 190500 w 190500"/>
+                <a:gd name="connsiteY2" fmla="*/ 38100 h 38100"/>
+                <a:gd name="connsiteX3" fmla="*/ 0 w 190500"/>
+                <a:gd name="connsiteY3" fmla="*/ 38100 h 38100"/>
+              </a:gdLst>
+              <a:ahLst/>
+              <a:cxnLst>
+                <a:cxn ang="0">
+                  <a:pos x="connsiteX0" y="connsiteY0"/>
+                </a:cxn>
+                <a:cxn ang="0">
+                  <a:pos x="connsiteX1" y="connsiteY1"/>
+                </a:cxn>
+                <a:cxn ang="0">
+                  <a:pos x="connsiteX2" y="connsiteY2"/>
+                </a:cxn>
+                <a:cxn ang="0">
+                  <a:pos x="connsiteX3" y="connsiteY3"/>
+                </a:cxn>
+              </a:cxnLst>
+              <a:rect l="l" t="t" r="r" b="b"/>
+              <a:pathLst>
+                <a:path w="190500" h="38100">
+                  <a:moveTo>
+                    <a:pt x="0" y="0"/>
+                  </a:moveTo>
+                  <a:lnTo>
+                    <a:pt x="190500" y="0"/>
+                  </a:lnTo>
+                  <a:lnTo>
+                    <a:pt x="190500" y="38100"/>
+                  </a:lnTo>
+                  <a:lnTo>
+                    <a:pt x="0" y="38100"/>
+                  </a:lnTo>
+                  <a:close/>
+                </a:path>
+              </a:pathLst>
+            </a:custGeom>
+            <a:solidFill>
+              <a:srgbClr val="000000"/>
+            </a:solidFill>
+            <a:ln w="9525" cap="flat">
+              <a:noFill/>
+              <a:prstDash val="solid"/>
+              <a:miter/>
+            </a:ln>
+          </p:spPr>
+          <p:txBody>
+            <a:bodyPr rtlCol="0" anchor="ctr"/>
+            <a:lstStyle/>
+            <a:p>
+              <a:endParaRPr lang="ja-JP" altLang="en-US"/>
+            </a:p>
+          </p:txBody>
+        </p:sp>
+        <p:sp>
+          <p:nvSpPr>
+            <p:cNvPr id="13" name="フリーフォーム: 図形 12">
+              <a:extLst>
+                <a:ext uri="{FF2B5EF4-FFF2-40B4-BE49-F238E27FC236}">
+                  <a16:creationId xmlns:a16="http://schemas.microsoft.com/office/drawing/2014/main" id="{A09CB9B6-728E-0042-87CD-1332E8C05DED}"/>
+                </a:ext>
+              </a:extLst>
+            </p:cNvPr>
+            <p:cNvSpPr/>
+            <p:nvPr/>
+          </p:nvSpPr>
+          <p:spPr>
+            <a:xfrm>
+              <a:off x="5037860" y="1841500"/>
+              <a:ext cx="76200" cy="76200"/>
+            </a:xfrm>
+            <a:custGeom>
+              <a:avLst/>
+              <a:gdLst>
+                <a:gd name="connsiteX0" fmla="*/ 0 w 76200"/>
+                <a:gd name="connsiteY0" fmla="*/ 0 h 76200"/>
+                <a:gd name="connsiteX1" fmla="*/ 76200 w 76200"/>
+                <a:gd name="connsiteY1" fmla="*/ 0 h 76200"/>
+                <a:gd name="connsiteX2" fmla="*/ 76200 w 76200"/>
+                <a:gd name="connsiteY2" fmla="*/ 76200 h 76200"/>
+                <a:gd name="connsiteX3" fmla="*/ 0 w 76200"/>
+                <a:gd name="connsiteY3" fmla="*/ 76200 h 76200"/>
+              </a:gdLst>
+              <a:ahLst/>
+              <a:cxnLst>
+                <a:cxn ang="0">
+                  <a:pos x="connsiteX0" y="connsiteY0"/>
+                </a:cxn>
+                <a:cxn ang="0">
+                  <a:pos x="connsiteX1" y="connsiteY1"/>
+                </a:cxn>
+                <a:cxn ang="0">
+                  <a:pos x="connsiteX2" y="connsiteY2"/>
+                </a:cxn>
+                <a:cxn ang="0">
+                  <a:pos x="connsiteX3" y="connsiteY3"/>
+                </a:cxn>
+              </a:cxnLst>
+              <a:rect l="l" t="t" r="r" b="b"/>
+              <a:pathLst>
+                <a:path w="76200" h="76200">
+                  <a:moveTo>
+                    <a:pt x="0" y="0"/>
+                  </a:moveTo>
+                  <a:lnTo>
+                    <a:pt x="76200" y="0"/>
+                  </a:lnTo>
+                  <a:lnTo>
+                    <a:pt x="76200" y="76200"/>
+                  </a:lnTo>
+                  <a:lnTo>
+                    <a:pt x="0" y="76200"/>
+                  </a:lnTo>
+                  <a:close/>
+                </a:path>
+              </a:pathLst>
+            </a:custGeom>
+            <a:solidFill>
+              <a:srgbClr val="000000"/>
+            </a:solidFill>
+            <a:ln w="9525" cap="flat">
+              <a:noFill/>
+              <a:prstDash val="solid"/>
+              <a:miter/>
+            </a:ln>
+          </p:spPr>
+          <p:txBody>
+            <a:bodyPr rtlCol="0" anchor="ctr"/>
+            <a:lstStyle/>
+            <a:p>
+              <a:endParaRPr lang="ja-JP" altLang="en-US"/>
+            </a:p>
+          </p:txBody>
+        </p:sp>
+        <p:sp>
+          <p:nvSpPr>
+            <p:cNvPr id="14" name="フリーフォーム: 図形 13">
+              <a:extLst>
+                <a:ext uri="{FF2B5EF4-FFF2-40B4-BE49-F238E27FC236}">
+                  <a16:creationId xmlns:a16="http://schemas.microsoft.com/office/drawing/2014/main" id="{F337ECCD-3E3E-540F-440E-E26628A57633}"/>
+                </a:ext>
+              </a:extLst>
+            </p:cNvPr>
+            <p:cNvSpPr/>
+            <p:nvPr/>
+          </p:nvSpPr>
+          <p:spPr>
+            <a:xfrm>
+              <a:off x="5190260" y="1860550"/>
+              <a:ext cx="190500" cy="38100"/>
+            </a:xfrm>
+            <a:custGeom>
+              <a:avLst/>
+              <a:gdLst>
+                <a:gd name="connsiteX0" fmla="*/ 0 w 190500"/>
+                <a:gd name="connsiteY0" fmla="*/ 0 h 38100"/>
+                <a:gd name="connsiteX1" fmla="*/ 190500 w 190500"/>
+                <a:gd name="connsiteY1" fmla="*/ 0 h 38100"/>
+                <a:gd name="connsiteX2" fmla="*/ 190500 w 190500"/>
+                <a:gd name="connsiteY2" fmla="*/ 38100 h 38100"/>
+                <a:gd name="connsiteX3" fmla="*/ 0 w 190500"/>
+                <a:gd name="connsiteY3" fmla="*/ 38100 h 38100"/>
+              </a:gdLst>
+              <a:ahLst/>
+              <a:cxnLst>
+                <a:cxn ang="0">
+                  <a:pos x="connsiteX0" y="connsiteY0"/>
+                </a:cxn>
+                <a:cxn ang="0">
+                  <a:pos x="connsiteX1" y="connsiteY1"/>
+                </a:cxn>
+                <a:cxn ang="0">
+                  <a:pos x="connsiteX2" y="connsiteY2"/>
+                </a:cxn>
+                <a:cxn ang="0">
+                  <a:pos x="connsiteX3" y="connsiteY3"/>
+                </a:cxn>
+              </a:cxnLst>
+              <a:rect l="l" t="t" r="r" b="b"/>
+              <a:pathLst>
+                <a:path w="190500" h="38100">
+                  <a:moveTo>
+                    <a:pt x="0" y="0"/>
+                  </a:moveTo>
+                  <a:lnTo>
+                    <a:pt x="190500" y="0"/>
+                  </a:lnTo>
+                  <a:lnTo>
+                    <a:pt x="190500" y="38100"/>
+                  </a:lnTo>
+                  <a:lnTo>
+                    <a:pt x="0" y="38100"/>
+                  </a:lnTo>
+                  <a:close/>
+                </a:path>
+              </a:pathLst>
+            </a:custGeom>
+            <a:solidFill>
+              <a:srgbClr val="000000"/>
+            </a:solidFill>
+            <a:ln w="9525" cap="flat">
+              <a:noFill/>
+              <a:prstDash val="solid"/>
+              <a:miter/>
+            </a:ln>
+          </p:spPr>
+          <p:txBody>
+            <a:bodyPr rtlCol="0" anchor="ctr"/>
+            <a:lstStyle/>
+            <a:p>
+              <a:endParaRPr lang="ja-JP" altLang="en-US"/>
+            </a:p>
+          </p:txBody>
+        </p:sp>
+        <p:sp>
+          <p:nvSpPr>
+            <p:cNvPr id="15" name="フリーフォーム: 図形 14">
+              <a:extLst>
+                <a:ext uri="{FF2B5EF4-FFF2-40B4-BE49-F238E27FC236}">
+                  <a16:creationId xmlns:a16="http://schemas.microsoft.com/office/drawing/2014/main" id="{D44060BD-33E9-95CA-23E4-09320DFDE3C3}"/>
+                </a:ext>
+              </a:extLst>
+            </p:cNvPr>
+            <p:cNvSpPr/>
+            <p:nvPr/>
+          </p:nvSpPr>
+          <p:spPr>
+            <a:xfrm>
+              <a:off x="5037860" y="1993900"/>
+              <a:ext cx="76200" cy="76200"/>
+            </a:xfrm>
+            <a:custGeom>
+              <a:avLst/>
+              <a:gdLst>
+                <a:gd name="connsiteX0" fmla="*/ 0 w 76200"/>
+                <a:gd name="connsiteY0" fmla="*/ 0 h 76200"/>
+                <a:gd name="connsiteX1" fmla="*/ 76200 w 76200"/>
+                <a:gd name="connsiteY1" fmla="*/ 0 h 76200"/>
+                <a:gd name="connsiteX2" fmla="*/ 76200 w 76200"/>
+                <a:gd name="connsiteY2" fmla="*/ 76200 h 76200"/>
+                <a:gd name="connsiteX3" fmla="*/ 0 w 76200"/>
+                <a:gd name="connsiteY3" fmla="*/ 76200 h 76200"/>
+              </a:gdLst>
+              <a:ahLst/>
+              <a:cxnLst>
+                <a:cxn ang="0">
+                  <a:pos x="connsiteX0" y="connsiteY0"/>
+                </a:cxn>
+                <a:cxn ang="0">
+                  <a:pos x="connsiteX1" y="connsiteY1"/>
+                </a:cxn>
+                <a:cxn ang="0">
+                  <a:pos x="connsiteX2" y="connsiteY2"/>
+                </a:cxn>
+                <a:cxn ang="0">
+                  <a:pos x="connsiteX3" y="connsiteY3"/>
+                </a:cxn>
+              </a:cxnLst>
+              <a:rect l="l" t="t" r="r" b="b"/>
+              <a:pathLst>
+                <a:path w="76200" h="76200">
+                  <a:moveTo>
+                    <a:pt x="0" y="0"/>
+                  </a:moveTo>
+                  <a:lnTo>
+                    <a:pt x="76200" y="0"/>
+                  </a:lnTo>
+                  <a:lnTo>
+                    <a:pt x="76200" y="76200"/>
+                  </a:lnTo>
+                  <a:lnTo>
+                    <a:pt x="0" y="76200"/>
+                  </a:lnTo>
+                  <a:close/>
+                </a:path>
+              </a:pathLst>
+            </a:custGeom>
+            <a:solidFill>
+              <a:srgbClr val="000000"/>
+            </a:solidFill>
+            <a:ln w="9525" cap="flat">
+              <a:noFill/>
+              <a:prstDash val="solid"/>
+              <a:miter/>
+            </a:ln>
+          </p:spPr>
+          <p:txBody>
+            <a:bodyPr rtlCol="0" anchor="ctr"/>
+            <a:lstStyle/>
+            <a:p>
+              <a:endParaRPr lang="ja-JP" altLang="en-US"/>
+            </a:p>
+          </p:txBody>
+        </p:sp>
+        <p:sp>
+          <p:nvSpPr>
+            <p:cNvPr id="16" name="フリーフォーム: 図形 15">
+              <a:extLst>
+                <a:ext uri="{FF2B5EF4-FFF2-40B4-BE49-F238E27FC236}">
+                  <a16:creationId xmlns:a16="http://schemas.microsoft.com/office/drawing/2014/main" id="{F25013DE-AFCA-2A4D-C70B-A1D9B2DB060A}"/>
+                </a:ext>
+              </a:extLst>
+            </p:cNvPr>
+            <p:cNvSpPr/>
+            <p:nvPr/>
+          </p:nvSpPr>
+          <p:spPr>
+            <a:xfrm>
+              <a:off x="5190260" y="2012950"/>
+              <a:ext cx="190500" cy="38100"/>
+            </a:xfrm>
+            <a:custGeom>
+              <a:avLst/>
+              <a:gdLst>
+                <a:gd name="connsiteX0" fmla="*/ 0 w 190500"/>
+                <a:gd name="connsiteY0" fmla="*/ 0 h 38100"/>
+                <a:gd name="connsiteX1" fmla="*/ 190500 w 190500"/>
+                <a:gd name="connsiteY1" fmla="*/ 0 h 38100"/>
+                <a:gd name="connsiteX2" fmla="*/ 190500 w 190500"/>
+                <a:gd name="connsiteY2" fmla="*/ 38100 h 38100"/>
+                <a:gd name="connsiteX3" fmla="*/ 0 w 190500"/>
+                <a:gd name="connsiteY3" fmla="*/ 38100 h 38100"/>
+              </a:gdLst>
+              <a:ahLst/>
+              <a:cxnLst>
+                <a:cxn ang="0">
+                  <a:pos x="connsiteX0" y="connsiteY0"/>
+                </a:cxn>
+                <a:cxn ang="0">
+                  <a:pos x="connsiteX1" y="connsiteY1"/>
+                </a:cxn>
+                <a:cxn ang="0">
+                  <a:pos x="connsiteX2" y="connsiteY2"/>
+                </a:cxn>
+                <a:cxn ang="0">
+                  <a:pos x="connsiteX3" y="connsiteY3"/>
+                </a:cxn>
+              </a:cxnLst>
+              <a:rect l="l" t="t" r="r" b="b"/>
+              <a:pathLst>
+                <a:path w="190500" h="38100">
+                  <a:moveTo>
+                    <a:pt x="0" y="0"/>
+                  </a:moveTo>
+                  <a:lnTo>
+                    <a:pt x="190500" y="0"/>
+                  </a:lnTo>
+                  <a:lnTo>
+                    <a:pt x="190500" y="38100"/>
+                  </a:lnTo>
+                  <a:lnTo>
+                    <a:pt x="0" y="38100"/>
+                  </a:lnTo>
+                  <a:close/>
+                </a:path>
+              </a:pathLst>
+            </a:custGeom>
+            <a:solidFill>
+              <a:srgbClr val="000000"/>
+            </a:solidFill>
+            <a:ln w="9525" cap="flat">
+              <a:noFill/>
+              <a:prstDash val="solid"/>
+              <a:miter/>
+            </a:ln>
+          </p:spPr>
+          <p:txBody>
+            <a:bodyPr rtlCol="0" anchor="ctr"/>
+            <a:lstStyle/>
+            <a:p>
+              <a:endParaRPr lang="ja-JP" altLang="en-US"/>
+            </a:p>
+          </p:txBody>
+        </p:sp>
+      </p:grpSp>
+      <p:sp>
+        <p:nvSpPr>
+          <p:cNvPr id="18" name="グラフィックス 4" descr="ゲーム コントローラー 単色塗りつぶし">
+            <a:extLst>
+              <a:ext uri="{FF2B5EF4-FFF2-40B4-BE49-F238E27FC236}">
+                <a16:creationId xmlns:a16="http://schemas.microsoft.com/office/drawing/2014/main" id="{86C1E309-88BD-E2FA-ACA3-2B588C95C51B}"/>
+              </a:ext>
+            </a:extLst>
+          </p:cNvPr>
+          <p:cNvSpPr/>
+          <p:nvPr/>
+        </p:nvSpPr>
+        <p:spPr>
+          <a:xfrm>
+            <a:off x="10907539" y="2618846"/>
+            <a:ext cx="928857" cy="617581"/>
+          </a:xfrm>
+          <a:custGeom>
+            <a:avLst/>
+            <a:gdLst>
+              <a:gd name="connsiteX0" fmla="*/ 639249 w 802247"/>
+              <a:gd name="connsiteY0" fmla="*/ 257175 h 533400"/>
+              <a:gd name="connsiteX1" fmla="*/ 610674 w 802247"/>
+              <a:gd name="connsiteY1" fmla="*/ 228600 h 533400"/>
+              <a:gd name="connsiteX2" fmla="*/ 639249 w 802247"/>
+              <a:gd name="connsiteY2" fmla="*/ 200025 h 533400"/>
+              <a:gd name="connsiteX3" fmla="*/ 667824 w 802247"/>
+              <a:gd name="connsiteY3" fmla="*/ 228600 h 533400"/>
+              <a:gd name="connsiteX4" fmla="*/ 639249 w 802247"/>
+              <a:gd name="connsiteY4" fmla="*/ 257175 h 533400"/>
+              <a:gd name="connsiteX5" fmla="*/ 582099 w 802247"/>
+              <a:gd name="connsiteY5" fmla="*/ 314325 h 533400"/>
+              <a:gd name="connsiteX6" fmla="*/ 553524 w 802247"/>
+              <a:gd name="connsiteY6" fmla="*/ 285750 h 533400"/>
+              <a:gd name="connsiteX7" fmla="*/ 582099 w 802247"/>
+              <a:gd name="connsiteY7" fmla="*/ 257175 h 533400"/>
+              <a:gd name="connsiteX8" fmla="*/ 610674 w 802247"/>
+              <a:gd name="connsiteY8" fmla="*/ 285750 h 533400"/>
+              <a:gd name="connsiteX9" fmla="*/ 582099 w 802247"/>
+              <a:gd name="connsiteY9" fmla="*/ 314325 h 533400"/>
+              <a:gd name="connsiteX10" fmla="*/ 524949 w 802247"/>
+              <a:gd name="connsiteY10" fmla="*/ 257175 h 533400"/>
+              <a:gd name="connsiteX11" fmla="*/ 496374 w 802247"/>
+              <a:gd name="connsiteY11" fmla="*/ 228600 h 533400"/>
+              <a:gd name="connsiteX12" fmla="*/ 524949 w 802247"/>
+              <a:gd name="connsiteY12" fmla="*/ 200025 h 533400"/>
+              <a:gd name="connsiteX13" fmla="*/ 553524 w 802247"/>
+              <a:gd name="connsiteY13" fmla="*/ 228600 h 533400"/>
+              <a:gd name="connsiteX14" fmla="*/ 524949 w 802247"/>
+              <a:gd name="connsiteY14" fmla="*/ 257175 h 533400"/>
+              <a:gd name="connsiteX15" fmla="*/ 582099 w 802247"/>
+              <a:gd name="connsiteY15" fmla="*/ 142875 h 533400"/>
+              <a:gd name="connsiteX16" fmla="*/ 610674 w 802247"/>
+              <a:gd name="connsiteY16" fmla="*/ 171450 h 533400"/>
+              <a:gd name="connsiteX17" fmla="*/ 582099 w 802247"/>
+              <a:gd name="connsiteY17" fmla="*/ 200025 h 533400"/>
+              <a:gd name="connsiteX18" fmla="*/ 553524 w 802247"/>
+              <a:gd name="connsiteY18" fmla="*/ 171450 h 533400"/>
+              <a:gd name="connsiteX19" fmla="*/ 582099 w 802247"/>
+              <a:gd name="connsiteY19" fmla="*/ 142875 h 533400"/>
+              <a:gd name="connsiteX20" fmla="*/ 277299 w 802247"/>
+              <a:gd name="connsiteY20" fmla="*/ 247650 h 533400"/>
+              <a:gd name="connsiteX21" fmla="*/ 239199 w 802247"/>
+              <a:gd name="connsiteY21" fmla="*/ 247650 h 533400"/>
+              <a:gd name="connsiteX22" fmla="*/ 239199 w 802247"/>
+              <a:gd name="connsiteY22" fmla="*/ 285750 h 533400"/>
+              <a:gd name="connsiteX23" fmla="*/ 220149 w 802247"/>
+              <a:gd name="connsiteY23" fmla="*/ 304800 h 533400"/>
+              <a:gd name="connsiteX24" fmla="*/ 201099 w 802247"/>
+              <a:gd name="connsiteY24" fmla="*/ 285750 h 533400"/>
+              <a:gd name="connsiteX25" fmla="*/ 201099 w 802247"/>
+              <a:gd name="connsiteY25" fmla="*/ 247650 h 533400"/>
+              <a:gd name="connsiteX26" fmla="*/ 162999 w 802247"/>
+              <a:gd name="connsiteY26" fmla="*/ 247650 h 533400"/>
+              <a:gd name="connsiteX27" fmla="*/ 143949 w 802247"/>
+              <a:gd name="connsiteY27" fmla="*/ 228600 h 533400"/>
+              <a:gd name="connsiteX28" fmla="*/ 162999 w 802247"/>
+              <a:gd name="connsiteY28" fmla="*/ 209550 h 533400"/>
+              <a:gd name="connsiteX29" fmla="*/ 201099 w 802247"/>
+              <a:gd name="connsiteY29" fmla="*/ 209550 h 533400"/>
+              <a:gd name="connsiteX30" fmla="*/ 201099 w 802247"/>
+              <a:gd name="connsiteY30" fmla="*/ 171450 h 533400"/>
+              <a:gd name="connsiteX31" fmla="*/ 220149 w 802247"/>
+              <a:gd name="connsiteY31" fmla="*/ 152400 h 533400"/>
+              <a:gd name="connsiteX32" fmla="*/ 239199 w 802247"/>
+              <a:gd name="connsiteY32" fmla="*/ 171450 h 533400"/>
+              <a:gd name="connsiteX33" fmla="*/ 239199 w 802247"/>
+              <a:gd name="connsiteY33" fmla="*/ 209550 h 533400"/>
+              <a:gd name="connsiteX34" fmla="*/ 277299 w 802247"/>
+              <a:gd name="connsiteY34" fmla="*/ 209550 h 533400"/>
+              <a:gd name="connsiteX35" fmla="*/ 296349 w 802247"/>
+              <a:gd name="connsiteY35" fmla="*/ 228600 h 533400"/>
+              <a:gd name="connsiteX36" fmla="*/ 277299 w 802247"/>
+              <a:gd name="connsiteY36" fmla="*/ 247650 h 533400"/>
+              <a:gd name="connsiteX37" fmla="*/ 620199 w 802247"/>
+              <a:gd name="connsiteY37" fmla="*/ 0 h 533400"/>
+              <a:gd name="connsiteX38" fmla="*/ 401124 w 802247"/>
+              <a:gd name="connsiteY38" fmla="*/ 57150 h 533400"/>
+              <a:gd name="connsiteX39" fmla="*/ 182049 w 802247"/>
+              <a:gd name="connsiteY39" fmla="*/ 0 h 533400"/>
+              <a:gd name="connsiteX40" fmla="*/ 67749 w 802247"/>
+              <a:gd name="connsiteY40" fmla="*/ 533400 h 533400"/>
+              <a:gd name="connsiteX41" fmla="*/ 401124 w 802247"/>
+              <a:gd name="connsiteY41" fmla="*/ 400050 h 533400"/>
+              <a:gd name="connsiteX42" fmla="*/ 734499 w 802247"/>
+              <a:gd name="connsiteY42" fmla="*/ 533400 h 533400"/>
+              <a:gd name="connsiteX43" fmla="*/ 620199 w 802247"/>
+              <a:gd name="connsiteY43" fmla="*/ 0 h 533400"/>
+            </a:gdLst>
+            <a:ahLst/>
+            <a:cxnLst>
+              <a:cxn ang="0">
+                <a:pos x="connsiteX0" y="connsiteY0"/>
+              </a:cxn>
+              <a:cxn ang="0">
+                <a:pos x="connsiteX1" y="connsiteY1"/>
+              </a:cxn>
+              <a:cxn ang="0">
+                <a:pos x="connsiteX2" y="connsiteY2"/>
+              </a:cxn>
+              <a:cxn ang="0">
+                <a:pos x="connsiteX3" y="connsiteY3"/>
+              </a:cxn>
+              <a:cxn ang="0">
+                <a:pos x="connsiteX4" y="connsiteY4"/>
+              </a:cxn>
+              <a:cxn ang="0">
+                <a:pos x="connsiteX5" y="connsiteY5"/>
+              </a:cxn>
+              <a:cxn ang="0">
+                <a:pos x="connsiteX6" y="connsiteY6"/>
+              </a:cxn>
+              <a:cxn ang="0">
+                <a:pos x="connsiteX7" y="connsiteY7"/>
+              </a:cxn>
+              <a:cxn ang="0">
+                <a:pos x="connsiteX8" y="connsiteY8"/>
+              </a:cxn>
+              <a:cxn ang="0">
+                <a:pos x="connsiteX9" y="connsiteY9"/>
+              </a:cxn>
+              <a:cxn ang="0">
+                <a:pos x="connsiteX10" y="connsiteY10"/>
+              </a:cxn>
+              <a:cxn ang="0">
+                <a:pos x="connsiteX11" y="connsiteY11"/>
+              </a:cxn>
+              <a:cxn ang="0">
+                <a:pos x="connsiteX12" y="connsiteY12"/>
+              </a:cxn>
+              <a:cxn ang="0">
+                <a:pos x="connsiteX13" y="connsiteY13"/>
+              </a:cxn>
+              <a:cxn ang="0">
+                <a:pos x="connsiteX14" y="connsiteY14"/>
+              </a:cxn>
+              <a:cxn ang="0">
+                <a:pos x="connsiteX15" y="connsiteY15"/>
+              </a:cxn>
+              <a:cxn ang="0">
+                <a:pos x="connsiteX16" y="connsiteY16"/>
+              </a:cxn>
+              <a:cxn ang="0">
+                <a:pos x="connsiteX17" y="connsiteY17"/>
+              </a:cxn>
+              <a:cxn ang="0">
+                <a:pos x="connsiteX18" y="connsiteY18"/>
+              </a:cxn>
+              <a:cxn ang="0">
+                <a:pos x="connsiteX19" y="connsiteY19"/>
+              </a:cxn>
+              <a:cxn ang="0">
+                <a:pos x="connsiteX20" y="connsiteY20"/>
+              </a:cxn>
+              <a:cxn ang="0">
+                <a:pos x="connsiteX21" y="connsiteY21"/>
+              </a:cxn>
+              <a:cxn ang="0">
+                <a:pos x="connsiteX22" y="connsiteY22"/>
+              </a:cxn>
+              <a:cxn ang="0">
+                <a:pos x="connsiteX23" y="connsiteY23"/>
+              </a:cxn>
+              <a:cxn ang="0">
+                <a:pos x="connsiteX24" y="connsiteY24"/>
+              </a:cxn>
+              <a:cxn ang="0">
+                <a:pos x="connsiteX25" y="connsiteY25"/>
+              </a:cxn>
+              <a:cxn ang="0">
+                <a:pos x="connsiteX26" y="connsiteY26"/>
+              </a:cxn>
+              <a:cxn ang="0">
+                <a:pos x="connsiteX27" y="connsiteY27"/>
+              </a:cxn>
+              <a:cxn ang="0">
+                <a:pos x="connsiteX28" y="connsiteY28"/>
+              </a:cxn>
+              <a:cxn ang="0">
+                <a:pos x="connsiteX29" y="connsiteY29"/>
+              </a:cxn>
+              <a:cxn ang="0">
+                <a:pos x="connsiteX30" y="connsiteY30"/>
+              </a:cxn>
+              <a:cxn ang="0">
+                <a:pos x="connsiteX31" y="connsiteY31"/>
+              </a:cxn>
+              <a:cxn ang="0">
+                <a:pos x="connsiteX32" y="connsiteY32"/>
+              </a:cxn>
+              <a:cxn ang="0">
+                <a:pos x="connsiteX33" y="connsiteY33"/>
+              </a:cxn>
+              <a:cxn ang="0">
+                <a:pos x="connsiteX34" y="connsiteY34"/>
+              </a:cxn>
+              <a:cxn ang="0">
+                <a:pos x="connsiteX35" y="connsiteY35"/>
+              </a:cxn>
+              <a:cxn ang="0">
+                <a:pos x="connsiteX36" y="connsiteY36"/>
+              </a:cxn>
+              <a:cxn ang="0">
+                <a:pos x="connsiteX37" y="connsiteY37"/>
+              </a:cxn>
+              <a:cxn ang="0">
+                <a:pos x="connsiteX38" y="connsiteY38"/>
+              </a:cxn>
+              <a:cxn ang="0">
+                <a:pos x="connsiteX39" y="connsiteY39"/>
+              </a:cxn>
+              <a:cxn ang="0">
+                <a:pos x="connsiteX40" y="connsiteY40"/>
+              </a:cxn>
+              <a:cxn ang="0">
+                <a:pos x="connsiteX41" y="connsiteY41"/>
+              </a:cxn>
+              <a:cxn ang="0">
+                <a:pos x="connsiteX42" y="connsiteY42"/>
+              </a:cxn>
+              <a:cxn ang="0">
+                <a:pos x="connsiteX43" y="connsiteY43"/>
+              </a:cxn>
+            </a:cxnLst>
+            <a:rect l="l" t="t" r="r" b="b"/>
+            <a:pathLst>
+              <a:path w="802247" h="533400">
+                <a:moveTo>
+                  <a:pt x="639249" y="257175"/>
+                </a:moveTo>
+                <a:cubicBezTo>
+                  <a:pt x="623056" y="257175"/>
+                  <a:pt x="610674" y="244793"/>
+                  <a:pt x="610674" y="228600"/>
+                </a:cubicBezTo>
+                <a:cubicBezTo>
+                  <a:pt x="610674" y="212408"/>
+                  <a:pt x="623056" y="200025"/>
+                  <a:pt x="639249" y="200025"/>
+                </a:cubicBezTo>
+                <a:cubicBezTo>
+                  <a:pt x="655441" y="200025"/>
+                  <a:pt x="667824" y="212408"/>
+                  <a:pt x="667824" y="228600"/>
+                </a:cubicBezTo>
+                <a:cubicBezTo>
+                  <a:pt x="667824" y="244793"/>
+                  <a:pt x="655441" y="257175"/>
+                  <a:pt x="639249" y="257175"/>
+                </a:cubicBezTo>
+                <a:close/>
+                <a:moveTo>
+                  <a:pt x="582099" y="314325"/>
+                </a:moveTo>
+                <a:cubicBezTo>
+                  <a:pt x="565906" y="314325"/>
+                  <a:pt x="553524" y="301943"/>
+                  <a:pt x="553524" y="285750"/>
+                </a:cubicBezTo>
+                <a:cubicBezTo>
+                  <a:pt x="553524" y="269558"/>
+                  <a:pt x="565906" y="257175"/>
+                  <a:pt x="582099" y="257175"/>
+                </a:cubicBezTo>
+                <a:cubicBezTo>
+                  <a:pt x="598291" y="257175"/>
+                  <a:pt x="610674" y="269558"/>
+                  <a:pt x="610674" y="285750"/>
+                </a:cubicBezTo>
+                <a:cubicBezTo>
+                  <a:pt x="610674" y="301943"/>
+                  <a:pt x="598291" y="314325"/>
+                  <a:pt x="582099" y="314325"/>
+                </a:cubicBezTo>
+                <a:close/>
+                <a:moveTo>
+                  <a:pt x="524949" y="257175"/>
+                </a:moveTo>
+                <a:cubicBezTo>
+                  <a:pt x="508756" y="257175"/>
+                  <a:pt x="496374" y="244793"/>
+                  <a:pt x="496374" y="228600"/>
+                </a:cubicBezTo>
+                <a:cubicBezTo>
+                  <a:pt x="496374" y="212408"/>
+                  <a:pt x="508756" y="200025"/>
+                  <a:pt x="524949" y="200025"/>
+                </a:cubicBezTo>
+                <a:cubicBezTo>
+                  <a:pt x="541141" y="200025"/>
+                  <a:pt x="553524" y="212408"/>
+                  <a:pt x="553524" y="228600"/>
+                </a:cubicBezTo>
+                <a:cubicBezTo>
+                  <a:pt x="553524" y="244793"/>
+                  <a:pt x="541141" y="257175"/>
+                  <a:pt x="524949" y="257175"/>
+                </a:cubicBezTo>
+                <a:close/>
+                <a:moveTo>
+                  <a:pt x="582099" y="142875"/>
+                </a:moveTo>
+                <a:cubicBezTo>
+                  <a:pt x="598291" y="142875"/>
+                  <a:pt x="610674" y="155258"/>
+                  <a:pt x="610674" y="171450"/>
+                </a:cubicBezTo>
+                <a:cubicBezTo>
+                  <a:pt x="610674" y="187643"/>
+                  <a:pt x="598291" y="200025"/>
+                  <a:pt x="582099" y="200025"/>
+                </a:cubicBezTo>
+                <a:cubicBezTo>
+                  <a:pt x="565906" y="200025"/>
+                  <a:pt x="553524" y="187643"/>
+                  <a:pt x="553524" y="171450"/>
+                </a:cubicBezTo>
+                <a:cubicBezTo>
+                  <a:pt x="553524" y="155258"/>
+                  <a:pt x="565906" y="142875"/>
+                  <a:pt x="582099" y="142875"/>
+                </a:cubicBezTo>
+                <a:close/>
+                <a:moveTo>
+                  <a:pt x="277299" y="247650"/>
+                </a:moveTo>
+                <a:lnTo>
+                  <a:pt x="239199" y="247650"/>
+                </a:lnTo>
+                <a:lnTo>
+                  <a:pt x="239199" y="285750"/>
+                </a:lnTo>
+                <a:cubicBezTo>
+                  <a:pt x="239199" y="296228"/>
+                  <a:pt x="230626" y="304800"/>
+                  <a:pt x="220149" y="304800"/>
+                </a:cubicBezTo>
+                <a:cubicBezTo>
+                  <a:pt x="209671" y="304800"/>
+                  <a:pt x="201099" y="296228"/>
+                  <a:pt x="201099" y="285750"/>
+                </a:cubicBezTo>
+                <a:lnTo>
+                  <a:pt x="201099" y="247650"/>
+                </a:lnTo>
+                <a:lnTo>
+                  <a:pt x="162999" y="247650"/>
+                </a:lnTo>
+                <a:cubicBezTo>
+                  <a:pt x="152521" y="247650"/>
+                  <a:pt x="143949" y="239077"/>
+                  <a:pt x="143949" y="228600"/>
+                </a:cubicBezTo>
+                <a:cubicBezTo>
+                  <a:pt x="143949" y="218123"/>
+                  <a:pt x="152521" y="209550"/>
+                  <a:pt x="162999" y="209550"/>
+                </a:cubicBezTo>
+                <a:lnTo>
+                  <a:pt x="201099" y="209550"/>
+                </a:lnTo>
+                <a:lnTo>
+                  <a:pt x="201099" y="171450"/>
+                </a:lnTo>
+                <a:cubicBezTo>
+                  <a:pt x="201099" y="160973"/>
+                  <a:pt x="209671" y="152400"/>
+                  <a:pt x="220149" y="152400"/>
+                </a:cubicBezTo>
+                <a:cubicBezTo>
+                  <a:pt x="230626" y="152400"/>
+                  <a:pt x="239199" y="160973"/>
+                  <a:pt x="239199" y="171450"/>
+                </a:cubicBezTo>
+                <a:lnTo>
+                  <a:pt x="239199" y="209550"/>
+                </a:lnTo>
+                <a:lnTo>
+                  <a:pt x="277299" y="209550"/>
+                </a:lnTo>
+                <a:cubicBezTo>
+                  <a:pt x="287776" y="209550"/>
+                  <a:pt x="296349" y="218123"/>
+                  <a:pt x="296349" y="228600"/>
+                </a:cubicBezTo>
+                <a:cubicBezTo>
+                  <a:pt x="296349" y="239077"/>
+                  <a:pt x="287776" y="247650"/>
+                  <a:pt x="277299" y="247650"/>
+                </a:cubicBezTo>
+                <a:close/>
+                <a:moveTo>
+                  <a:pt x="620199" y="0"/>
+                </a:moveTo>
+                <a:cubicBezTo>
+                  <a:pt x="507804" y="0"/>
+                  <a:pt x="564954" y="57150"/>
+                  <a:pt x="401124" y="57150"/>
+                </a:cubicBezTo>
+                <a:cubicBezTo>
+                  <a:pt x="237294" y="57150"/>
+                  <a:pt x="294444" y="0"/>
+                  <a:pt x="182049" y="0"/>
+                </a:cubicBezTo>
+                <a:cubicBezTo>
+                  <a:pt x="62034" y="0"/>
+                  <a:pt x="-90366" y="533400"/>
+                  <a:pt x="67749" y="533400"/>
+                </a:cubicBezTo>
+                <a:cubicBezTo>
+                  <a:pt x="213481" y="533400"/>
+                  <a:pt x="158236" y="400050"/>
+                  <a:pt x="401124" y="400050"/>
+                </a:cubicBezTo>
+                <a:cubicBezTo>
+                  <a:pt x="644011" y="400050"/>
+                  <a:pt x="588766" y="533400"/>
+                  <a:pt x="734499" y="533400"/>
+                </a:cubicBezTo>
+                <a:cubicBezTo>
+                  <a:pt x="892614" y="533400"/>
+                  <a:pt x="740214" y="0"/>
+                  <a:pt x="620199" y="0"/>
+                </a:cubicBezTo>
+                <a:close/>
+              </a:path>
+            </a:pathLst>
+          </a:custGeom>
+          <a:solidFill>
+            <a:srgbClr val="000000"/>
+          </a:solidFill>
+          <a:ln w="9525" cap="flat">
+            <a:noFill/>
+            <a:prstDash val="solid"/>
+            <a:miter/>
+          </a:ln>
+        </p:spPr>
+        <p:txBody>
+          <a:bodyPr rtlCol="0" anchor="ctr"/>
+          <a:lstStyle/>
+          <a:p>
+            <a:endParaRPr lang="ja-JP" altLang="en-US"/>
+          </a:p>
+        </p:txBody>
+      </p:sp>
+      <p:pic>
+        <p:nvPicPr>
+          <p:cNvPr id="22" name="図 21">
+            <a:extLst>
+              <a:ext uri="{FF2B5EF4-FFF2-40B4-BE49-F238E27FC236}">
+                <a16:creationId xmlns:a16="http://schemas.microsoft.com/office/drawing/2014/main" id="{919B3CB4-E11A-1F6F-6895-E7064902EB81}"/>
+              </a:ext>
+            </a:extLst>
+          </p:cNvPr>
+          <p:cNvPicPr>
+            <a:picLocks noChangeAspect="1"/>
+          </p:cNvPicPr>
+          <p:nvPr/>
+        </p:nvPicPr>
+        <p:blipFill>
+          <a:blip r:embed="rId2">
+            <a:extLst>
+              <a:ext uri="{28A0092B-C50C-407E-A947-70E740481C1C}">
+                <a14:useLocalDpi xmlns:a14="http://schemas.microsoft.com/office/drawing/2010/main" val="0"/>
+              </a:ext>
+            </a:extLst>
+          </a:blip>
+          <a:stretch>
+            <a:fillRect/>
+          </a:stretch>
+        </p:blipFill>
+        <p:spPr>
+          <a:xfrm>
+            <a:off x="10378713" y="3542318"/>
+            <a:ext cx="800801" cy="532020"/>
+          </a:xfrm>
+          <a:prstGeom prst="rect">
+            <a:avLst/>
+          </a:prstGeom>
+        </p:spPr>
+      </p:pic>
+      <p:pic>
+        <p:nvPicPr>
+          <p:cNvPr id="24" name="図 23">
+            <a:extLst>
+              <a:ext uri="{FF2B5EF4-FFF2-40B4-BE49-F238E27FC236}">
+                <a16:creationId xmlns:a16="http://schemas.microsoft.com/office/drawing/2014/main" id="{D6981CBE-00C5-2E3E-6B1F-B1F64DF04F7D}"/>
+              </a:ext>
+            </a:extLst>
+          </p:cNvPr>
+          <p:cNvPicPr>
+            <a:picLocks noChangeAspect="1"/>
+          </p:cNvPicPr>
+          <p:nvPr/>
+        </p:nvPicPr>
+        <p:blipFill>
+          <a:blip r:embed="rId3">
+            <a:duotone>
+              <a:prstClr val="black"/>
+              <a:prstClr val="black">
+                <a:tint val="45000"/>
+                <a:satMod val="400000"/>
+              </a:prstClr>
+            </a:duotone>
+            <a:extLst>
+              <a:ext uri="{BEBA8EAE-BF5A-486C-A8C5-ECC9F3942E4B}">
+                <a14:imgProps xmlns:a14="http://schemas.microsoft.com/office/drawing/2010/main">
+                  <a14:imgLayer r:embed="rId4">
+                    <a14:imgEffect>
+                      <a14:backgroundRemoval t="5882" b="91765" l="9912" r="89868">
+                        <a14:foregroundMark x1="40088" y1="9412" x2="40088" y2="9412"/>
+                        <a14:foregroundMark x1="51322" y1="10588" x2="51322" y2="10588"/>
+                        <a14:foregroundMark x1="71145" y1="22941" x2="71145" y2="22941"/>
+                        <a14:foregroundMark x1="62996" y1="91765" x2="62996" y2="91765"/>
+                        <a14:foregroundMark x1="41630" y1="5882" x2="41630" y2="5882"/>
+                        <a14:foregroundMark x1="33040" y1="78529" x2="33040" y2="78529"/>
+                      </a14:backgroundRemoval>
+                    </a14:imgEffect>
+                    <a14:imgEffect>
+                      <a14:brightnessContrast bright="-40000" contrast="40000"/>
+                    </a14:imgEffect>
+                  </a14:imgLayer>
+                </a14:imgProps>
+              </a:ext>
+              <a:ext uri="{28A0092B-C50C-407E-A947-70E740481C1C}">
+                <a14:useLocalDpi xmlns:a14="http://schemas.microsoft.com/office/drawing/2010/main" val="0"/>
+              </a:ext>
+            </a:extLst>
+          </a:blip>
+          <a:srcRect l="10580" t="4707" r="14626" b="4609"/>
+          <a:stretch>
+            <a:fillRect/>
+          </a:stretch>
+        </p:blipFill>
+        <p:spPr>
+          <a:xfrm>
+            <a:off x="10792533" y="435467"/>
+            <a:ext cx="1158870" cy="1052249"/>
+          </a:xfrm>
+          <a:prstGeom prst="rect">
+            <a:avLst/>
+          </a:prstGeom>
+        </p:spPr>
+      </p:pic>
+      <p:pic>
+        <p:nvPicPr>
+          <p:cNvPr id="28" name="図 27">
+            <a:extLst>
+              <a:ext uri="{FF2B5EF4-FFF2-40B4-BE49-F238E27FC236}">
+                <a16:creationId xmlns:a16="http://schemas.microsoft.com/office/drawing/2014/main" id="{2A2B943B-7AEC-6D95-299B-2B16FE72FD77}"/>
+              </a:ext>
+            </a:extLst>
+          </p:cNvPr>
+          <p:cNvPicPr>
+            <a:picLocks noChangeAspect="1"/>
+          </p:cNvPicPr>
+          <p:nvPr/>
+        </p:nvPicPr>
+        <p:blipFill>
+          <a:blip r:embed="rId5">
+            <a:extLst>
+              <a:ext uri="{BEBA8EAE-BF5A-486C-A8C5-ECC9F3942E4B}">
+                <a14:imgProps xmlns:a14="http://schemas.microsoft.com/office/drawing/2010/main">
+                  <a14:imgLayer r:embed="rId6">
+                    <a14:imgEffect>
+                      <a14:brightnessContrast bright="-40000" contrast="40000"/>
+                    </a14:imgEffect>
+                  </a14:imgLayer>
+                </a14:imgProps>
+              </a:ext>
+              <a:ext uri="{28A0092B-C50C-407E-A947-70E740481C1C}">
+                <a14:useLocalDpi xmlns:a14="http://schemas.microsoft.com/office/drawing/2010/main" val="0"/>
+              </a:ext>
+            </a:extLst>
+          </a:blip>
+          <a:stretch>
+            <a:fillRect/>
+          </a:stretch>
+        </p:blipFill>
+        <p:spPr>
+          <a:xfrm>
+            <a:off x="9296994" y="4274355"/>
+            <a:ext cx="1768421" cy="1324159"/>
+          </a:xfrm>
+          <a:prstGeom prst="rect">
+            <a:avLst/>
+          </a:prstGeom>
+        </p:spPr>
+      </p:pic>
+      <p:grpSp>
+        <p:nvGrpSpPr>
+          <p:cNvPr id="1029" name="グループ化 1028">
+            <a:extLst>
+              <a:ext uri="{FF2B5EF4-FFF2-40B4-BE49-F238E27FC236}">
+                <a16:creationId xmlns:a16="http://schemas.microsoft.com/office/drawing/2014/main" id="{16AD67F2-0D77-A26B-0CDE-9FCEE8125435}"/>
+              </a:ext>
+            </a:extLst>
+          </p:cNvPr>
+          <p:cNvGrpSpPr/>
+          <p:nvPr/>
+        </p:nvGrpSpPr>
+        <p:grpSpPr>
+          <a:xfrm>
+            <a:off x="240597" y="337556"/>
+            <a:ext cx="1192661" cy="1449332"/>
+            <a:chOff x="240597" y="337556"/>
+            <a:chExt cx="1192661" cy="1449332"/>
+          </a:xfrm>
+        </p:grpSpPr>
+        <p:pic>
+          <p:nvPicPr>
+            <p:cNvPr id="1027" name="図 1026">
+              <a:extLst>
+                <a:ext uri="{FF2B5EF4-FFF2-40B4-BE49-F238E27FC236}">
+                  <a16:creationId xmlns:a16="http://schemas.microsoft.com/office/drawing/2014/main" id="{2F231342-45EA-D483-449A-63E20B32E942}"/>
+                </a:ext>
+              </a:extLst>
+            </p:cNvPr>
+            <p:cNvPicPr>
+              <a:picLocks noChangeAspect="1"/>
+            </p:cNvPicPr>
+            <p:nvPr/>
+          </p:nvPicPr>
+          <p:blipFill>
+            <a:blip r:embed="rId7">
+              <a:extLst>
+                <a:ext uri="{28A0092B-C50C-407E-A947-70E740481C1C}">
+                  <a14:useLocalDpi xmlns:a14="http://schemas.microsoft.com/office/drawing/2010/main" val="0"/>
+                </a:ext>
+              </a:extLst>
+            </a:blip>
+            <a:stretch>
+              <a:fillRect/>
+            </a:stretch>
+          </p:blipFill>
+          <p:spPr>
+            <a:xfrm>
+              <a:off x="240597" y="337556"/>
+              <a:ext cx="1192661" cy="1080000"/>
+            </a:xfrm>
+            <a:prstGeom prst="rect">
+              <a:avLst/>
+            </a:prstGeom>
+          </p:spPr>
+        </p:pic>
+        <p:sp>
+          <p:nvSpPr>
+            <p:cNvPr id="1028" name="テキスト ボックス 1027">
+              <a:extLst>
+                <a:ext uri="{FF2B5EF4-FFF2-40B4-BE49-F238E27FC236}">
+                  <a16:creationId xmlns:a16="http://schemas.microsoft.com/office/drawing/2014/main" id="{EBFB3516-2739-C00E-2143-F218C5193F24}"/>
+                </a:ext>
+              </a:extLst>
+            </p:cNvPr>
+            <p:cNvSpPr txBox="1"/>
+            <p:nvPr/>
+          </p:nvSpPr>
+          <p:spPr>
+            <a:xfrm>
+              <a:off x="296408" y="1417556"/>
+              <a:ext cx="1136850" cy="369332"/>
+            </a:xfrm>
+            <a:prstGeom prst="rect">
+              <a:avLst/>
+            </a:prstGeom>
+            <a:noFill/>
+          </p:spPr>
+          <p:txBody>
+            <a:bodyPr wrap="none" rtlCol="0">
+              <a:spAutoFit/>
+            </a:bodyPr>
+            <a:lstStyle/>
+            <a:p>
+              <a:r>
+                <a:rPr kumimoji="1" lang="en-US" altLang="ja-JP" b="1" dirty="0" err="1">
+                  <a:solidFill>
+                    <a:schemeClr val="bg1">
+                      <a:lumMod val="75000"/>
+                    </a:schemeClr>
+                  </a:solidFill>
+                </a:rPr>
+                <a:t>CardList</a:t>
+              </a:r>
+              <a:endParaRPr kumimoji="1" lang="ja-JP" altLang="en-US" b="1" dirty="0">
+                <a:solidFill>
+                  <a:schemeClr val="bg1">
+                    <a:lumMod val="75000"/>
+                  </a:schemeClr>
+                </a:solidFill>
+              </a:endParaRPr>
+            </a:p>
+          </p:txBody>
+        </p:sp>
+      </p:grpSp>
+      <p:grpSp>
+        <p:nvGrpSpPr>
+          <p:cNvPr id="1033" name="グループ化 1032">
+            <a:extLst>
+              <a:ext uri="{FF2B5EF4-FFF2-40B4-BE49-F238E27FC236}">
+                <a16:creationId xmlns:a16="http://schemas.microsoft.com/office/drawing/2014/main" id="{646D0178-E365-AEA9-35FF-070F62684023}"/>
+              </a:ext>
+            </a:extLst>
+          </p:cNvPr>
+          <p:cNvGrpSpPr/>
+          <p:nvPr/>
+        </p:nvGrpSpPr>
+        <p:grpSpPr>
+          <a:xfrm>
+            <a:off x="1698320" y="337556"/>
+            <a:ext cx="1196685" cy="1449332"/>
+            <a:chOff x="1698320" y="337556"/>
+            <a:chExt cx="1196685" cy="1449332"/>
+          </a:xfrm>
+        </p:grpSpPr>
+        <p:pic>
+          <p:nvPicPr>
+            <p:cNvPr id="1024" name="図 1023">
+              <a:extLst>
+                <a:ext uri="{FF2B5EF4-FFF2-40B4-BE49-F238E27FC236}">
+                  <a16:creationId xmlns:a16="http://schemas.microsoft.com/office/drawing/2014/main" id="{E85F17DC-AB11-9728-11F2-8EB8525AA9DB}"/>
+                </a:ext>
+              </a:extLst>
+            </p:cNvPr>
+            <p:cNvPicPr>
+              <a:picLocks noChangeAspect="1"/>
+            </p:cNvPicPr>
+            <p:nvPr/>
+          </p:nvPicPr>
+          <p:blipFill>
+            <a:blip r:embed="rId8">
+              <a:extLst>
+                <a:ext uri="{BEBA8EAE-BF5A-486C-A8C5-ECC9F3942E4B}">
+                  <a14:imgProps xmlns:a14="http://schemas.microsoft.com/office/drawing/2010/main">
+                    <a14:imgLayer r:embed="rId9">
+                      <a14:imgEffect>
+                        <a14:brightnessContrast bright="-40000" contrast="40000"/>
+                      </a14:imgEffect>
+                    </a14:imgLayer>
+                  </a14:imgProps>
+                </a:ext>
+                <a:ext uri="{28A0092B-C50C-407E-A947-70E740481C1C}">
+                  <a14:useLocalDpi xmlns:a14="http://schemas.microsoft.com/office/drawing/2010/main" val="0"/>
+                </a:ext>
+              </a:extLst>
+            </a:blip>
+            <a:stretch>
+              <a:fillRect/>
+            </a:stretch>
+          </p:blipFill>
+          <p:spPr>
+            <a:xfrm>
+              <a:off x="1698320" y="337556"/>
+              <a:ext cx="1192662" cy="1080000"/>
+            </a:xfrm>
+            <a:prstGeom prst="rect">
+              <a:avLst/>
+            </a:prstGeom>
+          </p:spPr>
+        </p:pic>
+        <p:sp>
+          <p:nvSpPr>
+            <p:cNvPr id="1032" name="テキスト ボックス 1031">
+              <a:extLst>
+                <a:ext uri="{FF2B5EF4-FFF2-40B4-BE49-F238E27FC236}">
+                  <a16:creationId xmlns:a16="http://schemas.microsoft.com/office/drawing/2014/main" id="{2133E396-188A-D404-D285-2636FAE67D84}"/>
+                </a:ext>
+              </a:extLst>
+            </p:cNvPr>
+            <p:cNvSpPr txBox="1"/>
+            <p:nvPr/>
+          </p:nvSpPr>
+          <p:spPr>
+            <a:xfrm>
+              <a:off x="1758155" y="1417556"/>
+              <a:ext cx="1136850" cy="369332"/>
+            </a:xfrm>
+            <a:prstGeom prst="rect">
+              <a:avLst/>
+            </a:prstGeom>
+            <a:noFill/>
+          </p:spPr>
+          <p:txBody>
+            <a:bodyPr wrap="none" rtlCol="0">
+              <a:spAutoFit/>
+            </a:bodyPr>
+            <a:lstStyle/>
+            <a:p>
+              <a:r>
+                <a:rPr kumimoji="1" lang="en-US" altLang="ja-JP" b="1" dirty="0" err="1">
+                  <a:solidFill>
+                    <a:schemeClr val="tx1">
+                      <a:lumMod val="75000"/>
+                      <a:lumOff val="25000"/>
+                    </a:schemeClr>
+                  </a:solidFill>
+                </a:rPr>
+                <a:t>CardList</a:t>
+              </a:r>
+              <a:endParaRPr kumimoji="1" lang="ja-JP" altLang="en-US" b="1" dirty="0">
+                <a:solidFill>
+                  <a:schemeClr val="tx1">
+                    <a:lumMod val="75000"/>
+                    <a:lumOff val="25000"/>
+                  </a:schemeClr>
+                </a:solidFill>
+              </a:endParaRPr>
+            </a:p>
+          </p:txBody>
+        </p:sp>
+      </p:grpSp>
+      <p:grpSp>
+        <p:nvGrpSpPr>
+          <p:cNvPr id="1035" name="グループ化 1034">
+            <a:extLst>
+              <a:ext uri="{FF2B5EF4-FFF2-40B4-BE49-F238E27FC236}">
+                <a16:creationId xmlns:a16="http://schemas.microsoft.com/office/drawing/2014/main" id="{898D1913-BF8E-89BD-27D8-3275E7FD7227}"/>
+              </a:ext>
+            </a:extLst>
+          </p:cNvPr>
+          <p:cNvGrpSpPr/>
+          <p:nvPr/>
+        </p:nvGrpSpPr>
+        <p:grpSpPr>
+          <a:xfrm>
+            <a:off x="3557695" y="410596"/>
+            <a:ext cx="880369" cy="1376292"/>
+            <a:chOff x="3557695" y="410596"/>
+            <a:chExt cx="880369" cy="1376292"/>
+          </a:xfrm>
+        </p:grpSpPr>
+        <p:pic>
+          <p:nvPicPr>
+            <p:cNvPr id="20" name="図 19">
+              <a:extLst>
+                <a:ext uri="{FF2B5EF4-FFF2-40B4-BE49-F238E27FC236}">
+                  <a16:creationId xmlns:a16="http://schemas.microsoft.com/office/drawing/2014/main" id="{9F572AD6-B3D1-9C9C-5419-1A69E1FA220C}"/>
+                </a:ext>
+              </a:extLst>
+            </p:cNvPr>
+            <p:cNvPicPr>
+              <a:picLocks noChangeAspect="1"/>
+            </p:cNvPicPr>
+            <p:nvPr/>
+          </p:nvPicPr>
+          <p:blipFill>
+            <a:blip r:embed="rId10">
+              <a:duotone>
+                <a:schemeClr val="bg2">
+                  <a:shade val="45000"/>
+                  <a:satMod val="135000"/>
+                </a:schemeClr>
+                <a:prstClr val="white"/>
+              </a:duotone>
+              <a:extLst>
+                <a:ext uri="{28A0092B-C50C-407E-A947-70E740481C1C}">
+                  <a14:useLocalDpi xmlns:a14="http://schemas.microsoft.com/office/drawing/2010/main" val="0"/>
+                </a:ext>
+              </a:extLst>
+            </a:blip>
+            <a:stretch>
+              <a:fillRect/>
+            </a:stretch>
+          </p:blipFill>
+          <p:spPr>
+            <a:xfrm>
+              <a:off x="3636199" y="410596"/>
+              <a:ext cx="723363" cy="933919"/>
+            </a:xfrm>
+            <a:prstGeom prst="rect">
+              <a:avLst/>
+            </a:prstGeom>
+          </p:spPr>
+        </p:pic>
+        <p:sp>
+          <p:nvSpPr>
+            <p:cNvPr id="1034" name="テキスト ボックス 1033">
+              <a:extLst>
+                <a:ext uri="{FF2B5EF4-FFF2-40B4-BE49-F238E27FC236}">
+                  <a16:creationId xmlns:a16="http://schemas.microsoft.com/office/drawing/2014/main" id="{933CA2D7-039C-43EB-3FC0-B6662D6F8389}"/>
+                </a:ext>
+              </a:extLst>
+            </p:cNvPr>
+            <p:cNvSpPr txBox="1"/>
+            <p:nvPr/>
+          </p:nvSpPr>
+          <p:spPr>
+            <a:xfrm>
+              <a:off x="3557695" y="1417556"/>
+              <a:ext cx="880369" cy="369332"/>
+            </a:xfrm>
+            <a:prstGeom prst="rect">
+              <a:avLst/>
+            </a:prstGeom>
+            <a:noFill/>
+          </p:spPr>
+          <p:txBody>
+            <a:bodyPr wrap="none" rtlCol="0">
+              <a:spAutoFit/>
+            </a:bodyPr>
+            <a:lstStyle/>
+            <a:p>
+              <a:pPr algn="ctr"/>
+              <a:r>
+                <a:rPr kumimoji="1" lang="en-US" altLang="ja-JP" b="1" dirty="0">
+                  <a:solidFill>
+                    <a:schemeClr val="bg1">
+                      <a:lumMod val="75000"/>
+                    </a:schemeClr>
+                  </a:solidFill>
+                </a:rPr>
+                <a:t>Decks</a:t>
+              </a:r>
+              <a:endParaRPr kumimoji="1" lang="ja-JP" altLang="en-US" b="1" dirty="0">
+                <a:solidFill>
+                  <a:schemeClr val="bg1">
+                    <a:lumMod val="75000"/>
+                  </a:schemeClr>
+                </a:solidFill>
+              </a:endParaRPr>
+            </a:p>
+          </p:txBody>
+        </p:sp>
+      </p:grpSp>
+      <p:grpSp>
+        <p:nvGrpSpPr>
+          <p:cNvPr id="1036" name="グループ化 1035">
+            <a:extLst>
+              <a:ext uri="{FF2B5EF4-FFF2-40B4-BE49-F238E27FC236}">
+                <a16:creationId xmlns:a16="http://schemas.microsoft.com/office/drawing/2014/main" id="{6925B4C7-08DD-3D2E-764B-F4F7796649EE}"/>
+              </a:ext>
+            </a:extLst>
+          </p:cNvPr>
+          <p:cNvGrpSpPr/>
+          <p:nvPr/>
+        </p:nvGrpSpPr>
+        <p:grpSpPr>
+          <a:xfrm>
+            <a:off x="4805385" y="410596"/>
+            <a:ext cx="880369" cy="1376292"/>
+            <a:chOff x="3557695" y="410596"/>
+            <a:chExt cx="880369" cy="1376292"/>
+          </a:xfrm>
+        </p:grpSpPr>
+        <p:pic>
+          <p:nvPicPr>
+            <p:cNvPr id="1037" name="図 1036">
+              <a:extLst>
+                <a:ext uri="{FF2B5EF4-FFF2-40B4-BE49-F238E27FC236}">
+                  <a16:creationId xmlns:a16="http://schemas.microsoft.com/office/drawing/2014/main" id="{D85B7BAF-11C9-DCA9-ADAE-5D5D1AEBB8D1}"/>
+                </a:ext>
+              </a:extLst>
+            </p:cNvPr>
+            <p:cNvPicPr>
+              <a:picLocks noChangeAspect="1"/>
+            </p:cNvPicPr>
+            <p:nvPr/>
+          </p:nvPicPr>
+          <p:blipFill>
+            <a:blip r:embed="rId10">
+              <a:duotone>
+                <a:prstClr val="black"/>
+                <a:srgbClr val="D9C3A5">
+                  <a:tint val="50000"/>
+                  <a:satMod val="180000"/>
+                </a:srgbClr>
+              </a:duotone>
+              <a:extLst>
+                <a:ext uri="{28A0092B-C50C-407E-A947-70E740481C1C}">
+                  <a14:useLocalDpi xmlns:a14="http://schemas.microsoft.com/office/drawing/2010/main" val="0"/>
+                </a:ext>
+              </a:extLst>
+            </a:blip>
+            <a:stretch>
+              <a:fillRect/>
+            </a:stretch>
+          </p:blipFill>
+          <p:spPr>
+            <a:xfrm>
+              <a:off x="3636199" y="410596"/>
+              <a:ext cx="723363" cy="933919"/>
+            </a:xfrm>
+            <a:prstGeom prst="rect">
+              <a:avLst/>
+            </a:prstGeom>
+          </p:spPr>
+        </p:pic>
+        <p:sp>
+          <p:nvSpPr>
+            <p:cNvPr id="1038" name="テキスト ボックス 1037">
+              <a:extLst>
+                <a:ext uri="{FF2B5EF4-FFF2-40B4-BE49-F238E27FC236}">
+                  <a16:creationId xmlns:a16="http://schemas.microsoft.com/office/drawing/2014/main" id="{1B0A5DD5-0F6E-42D1-DAF6-9D4EE832E71B}"/>
+                </a:ext>
+              </a:extLst>
+            </p:cNvPr>
+            <p:cNvSpPr txBox="1"/>
+            <p:nvPr/>
+          </p:nvSpPr>
+          <p:spPr>
+            <a:xfrm>
+              <a:off x="3557695" y="1417556"/>
+              <a:ext cx="880369" cy="369332"/>
+            </a:xfrm>
+            <a:prstGeom prst="rect">
+              <a:avLst/>
+            </a:prstGeom>
+            <a:noFill/>
+          </p:spPr>
+          <p:txBody>
+            <a:bodyPr wrap="none" rtlCol="0">
+              <a:spAutoFit/>
+            </a:bodyPr>
+            <a:lstStyle/>
+            <a:p>
+              <a:pPr algn="ctr"/>
+              <a:r>
+                <a:rPr kumimoji="1" lang="en-US" altLang="ja-JP" b="1" dirty="0">
+                  <a:solidFill>
+                    <a:schemeClr val="tx1">
+                      <a:lumMod val="75000"/>
+                      <a:lumOff val="25000"/>
+                    </a:schemeClr>
+                  </a:solidFill>
+                </a:rPr>
+                <a:t>Decks</a:t>
+              </a:r>
+              <a:endParaRPr kumimoji="1" lang="ja-JP" altLang="en-US" b="1" dirty="0">
+                <a:solidFill>
+                  <a:schemeClr val="tx1">
+                    <a:lumMod val="75000"/>
+                    <a:lumOff val="25000"/>
+                  </a:schemeClr>
+                </a:solidFill>
+              </a:endParaRPr>
+            </a:p>
+          </p:txBody>
+        </p:sp>
+      </p:grpSp>
+      <p:grpSp>
+        <p:nvGrpSpPr>
+          <p:cNvPr id="1042" name="グループ化 1041">
+            <a:extLst>
+              <a:ext uri="{FF2B5EF4-FFF2-40B4-BE49-F238E27FC236}">
+                <a16:creationId xmlns:a16="http://schemas.microsoft.com/office/drawing/2014/main" id="{44099E74-9EE3-E36C-CB20-8E8DEC74FA37}"/>
+              </a:ext>
+            </a:extLst>
+          </p:cNvPr>
+          <p:cNvGrpSpPr/>
+          <p:nvPr/>
+        </p:nvGrpSpPr>
+        <p:grpSpPr>
+          <a:xfrm>
+            <a:off x="6285514" y="598861"/>
+            <a:ext cx="1032655" cy="1188027"/>
+            <a:chOff x="6285514" y="598861"/>
+            <a:chExt cx="1032655" cy="1188027"/>
+          </a:xfrm>
+        </p:grpSpPr>
+        <p:sp>
+          <p:nvSpPr>
+            <p:cNvPr id="1039" name="テキスト ボックス 1038">
+              <a:extLst>
+                <a:ext uri="{FF2B5EF4-FFF2-40B4-BE49-F238E27FC236}">
+                  <a16:creationId xmlns:a16="http://schemas.microsoft.com/office/drawing/2014/main" id="{110E0DBB-3DCA-062B-16D5-B29CE14AECC7}"/>
+                </a:ext>
+              </a:extLst>
+            </p:cNvPr>
+            <p:cNvSpPr txBox="1"/>
+            <p:nvPr/>
+          </p:nvSpPr>
+          <p:spPr>
+            <a:xfrm>
+              <a:off x="6285514" y="1417556"/>
+              <a:ext cx="1032655" cy="369332"/>
+            </a:xfrm>
+            <a:prstGeom prst="rect">
+              <a:avLst/>
+            </a:prstGeom>
+            <a:noFill/>
+          </p:spPr>
+          <p:txBody>
+            <a:bodyPr wrap="none" rtlCol="0">
+              <a:spAutoFit/>
+            </a:bodyPr>
+            <a:lstStyle/>
+            <a:p>
+              <a:pPr algn="ctr"/>
+              <a:r>
+                <a:rPr kumimoji="1" lang="en-US" altLang="ja-JP" b="1" dirty="0" err="1">
+                  <a:solidFill>
+                    <a:schemeClr val="bg1">
+                      <a:lumMod val="75000"/>
+                    </a:schemeClr>
+                  </a:solidFill>
+                </a:rPr>
+                <a:t>SimLab</a:t>
+              </a:r>
+              <a:endParaRPr kumimoji="1" lang="ja-JP" altLang="en-US" b="1" dirty="0">
+                <a:solidFill>
+                  <a:schemeClr val="bg1">
+                    <a:lumMod val="75000"/>
+                  </a:schemeClr>
+                </a:solidFill>
+              </a:endParaRPr>
+            </a:p>
+          </p:txBody>
+        </p:sp>
+        <p:pic>
+          <p:nvPicPr>
+            <p:cNvPr id="1041" name="図 1040">
+              <a:extLst>
+                <a:ext uri="{FF2B5EF4-FFF2-40B4-BE49-F238E27FC236}">
+                  <a16:creationId xmlns:a16="http://schemas.microsoft.com/office/drawing/2014/main" id="{BBB9DFB0-C71A-3A08-A462-7A776DCCEFEF}"/>
+                </a:ext>
+              </a:extLst>
+            </p:cNvPr>
+            <p:cNvPicPr>
+              <a:picLocks noChangeAspect="1"/>
+            </p:cNvPicPr>
+            <p:nvPr/>
+          </p:nvPicPr>
+          <p:blipFill>
+            <a:blip r:embed="rId2">
+              <a:duotone>
+                <a:schemeClr val="bg2">
+                  <a:shade val="45000"/>
+                  <a:satMod val="135000"/>
+                </a:schemeClr>
+                <a:prstClr val="white"/>
+              </a:duotone>
+              <a:extLst>
+                <a:ext uri="{28A0092B-C50C-407E-A947-70E740481C1C}">
+                  <a14:useLocalDpi xmlns:a14="http://schemas.microsoft.com/office/drawing/2010/main" val="0"/>
+                </a:ext>
+              </a:extLst>
+            </a:blip>
+            <a:stretch>
+              <a:fillRect/>
+            </a:stretch>
+          </p:blipFill>
+          <p:spPr>
+            <a:xfrm>
+              <a:off x="6325429" y="598861"/>
+              <a:ext cx="952826" cy="633020"/>
+            </a:xfrm>
+            <a:prstGeom prst="rect">
+              <a:avLst/>
+            </a:prstGeom>
+          </p:spPr>
+        </p:pic>
+      </p:grpSp>
+      <p:grpSp>
+        <p:nvGrpSpPr>
+          <p:cNvPr id="1043" name="グループ化 1042">
+            <a:extLst>
+              <a:ext uri="{FF2B5EF4-FFF2-40B4-BE49-F238E27FC236}">
+                <a16:creationId xmlns:a16="http://schemas.microsoft.com/office/drawing/2014/main" id="{D91B75E2-4439-59D5-E1C6-70FF1B4A9214}"/>
+              </a:ext>
+            </a:extLst>
+          </p:cNvPr>
+          <p:cNvGrpSpPr/>
+          <p:nvPr/>
+        </p:nvGrpSpPr>
+        <p:grpSpPr>
+          <a:xfrm>
+            <a:off x="7722816" y="598861"/>
+            <a:ext cx="1032655" cy="1188027"/>
+            <a:chOff x="6285514" y="598861"/>
+            <a:chExt cx="1032655" cy="1188027"/>
+          </a:xfrm>
+        </p:grpSpPr>
+        <p:sp>
+          <p:nvSpPr>
+            <p:cNvPr id="1044" name="テキスト ボックス 1043">
+              <a:extLst>
+                <a:ext uri="{FF2B5EF4-FFF2-40B4-BE49-F238E27FC236}">
+                  <a16:creationId xmlns:a16="http://schemas.microsoft.com/office/drawing/2014/main" id="{96F38BF8-46F8-82B6-010F-CA97A9026E4E}"/>
+                </a:ext>
+              </a:extLst>
+            </p:cNvPr>
+            <p:cNvSpPr txBox="1"/>
+            <p:nvPr/>
+          </p:nvSpPr>
+          <p:spPr>
+            <a:xfrm>
+              <a:off x="6285514" y="1417556"/>
+              <a:ext cx="1032655" cy="369332"/>
+            </a:xfrm>
+            <a:prstGeom prst="rect">
+              <a:avLst/>
+            </a:prstGeom>
+            <a:noFill/>
+          </p:spPr>
+          <p:txBody>
+            <a:bodyPr wrap="none" rtlCol="0">
+              <a:spAutoFit/>
+            </a:bodyPr>
+            <a:lstStyle/>
+            <a:p>
+              <a:pPr algn="ctr"/>
+              <a:r>
+                <a:rPr kumimoji="1" lang="en-US" altLang="ja-JP" b="1" dirty="0" err="1">
+                  <a:solidFill>
+                    <a:schemeClr val="tx1">
+                      <a:lumMod val="75000"/>
+                      <a:lumOff val="25000"/>
+                    </a:schemeClr>
+                  </a:solidFill>
+                </a:rPr>
+                <a:t>SimLab</a:t>
+              </a:r>
+              <a:endParaRPr kumimoji="1" lang="ja-JP" altLang="en-US" b="1" dirty="0">
+                <a:solidFill>
+                  <a:schemeClr val="tx1">
+                    <a:lumMod val="75000"/>
+                    <a:lumOff val="25000"/>
+                  </a:schemeClr>
+                </a:solidFill>
+              </a:endParaRPr>
+            </a:p>
+          </p:txBody>
+        </p:sp>
+        <p:pic>
+          <p:nvPicPr>
+            <p:cNvPr id="1045" name="図 1044">
+              <a:extLst>
+                <a:ext uri="{FF2B5EF4-FFF2-40B4-BE49-F238E27FC236}">
+                  <a16:creationId xmlns:a16="http://schemas.microsoft.com/office/drawing/2014/main" id="{89612284-F65A-2ED3-E052-52D3FA834593}"/>
+                </a:ext>
+              </a:extLst>
+            </p:cNvPr>
+            <p:cNvPicPr>
+              <a:picLocks noChangeAspect="1"/>
+            </p:cNvPicPr>
+            <p:nvPr/>
+          </p:nvPicPr>
+          <p:blipFill>
+            <a:blip r:embed="rId2">
+              <a:extLst>
+                <a:ext uri="{28A0092B-C50C-407E-A947-70E740481C1C}">
+                  <a14:useLocalDpi xmlns:a14="http://schemas.microsoft.com/office/drawing/2010/main" val="0"/>
+                </a:ext>
+              </a:extLst>
+            </a:blip>
+            <a:stretch>
+              <a:fillRect/>
+            </a:stretch>
+          </p:blipFill>
+          <p:spPr>
+            <a:xfrm>
+              <a:off x="6325429" y="598861"/>
+              <a:ext cx="952826" cy="633020"/>
+            </a:xfrm>
+            <a:prstGeom prst="rect">
+              <a:avLst/>
+            </a:prstGeom>
+          </p:spPr>
+        </p:pic>
+      </p:grpSp>
     </p:spTree>
     <p:extLst>
       <p:ext uri="{BB962C8B-B14F-4D97-AF65-F5344CB8AC3E}">
@@ -7889,6 +9961,269 @@
           <a:chExt cx="0" cy="0"/>
         </a:xfrm>
       </p:grpSpPr>
+      <p:pic>
+        <p:nvPicPr>
+          <p:cNvPr id="3" name="図 2">
+            <a:extLst>
+              <a:ext uri="{FF2B5EF4-FFF2-40B4-BE49-F238E27FC236}">
+                <a16:creationId xmlns:a16="http://schemas.microsoft.com/office/drawing/2014/main" id="{F273FA98-7AEB-999D-F786-54FBB5DFDB60}"/>
+              </a:ext>
+            </a:extLst>
+          </p:cNvPr>
+          <p:cNvPicPr>
+            <a:picLocks noChangeAspect="1"/>
+          </p:cNvPicPr>
+          <p:nvPr/>
+        </p:nvPicPr>
+        <p:blipFill>
+          <a:blip r:embed="rId2">
+            <a:extLst>
+              <a:ext uri="{28A0092B-C50C-407E-A947-70E740481C1C}">
+                <a14:useLocalDpi xmlns:a14="http://schemas.microsoft.com/office/drawing/2010/main" val="0"/>
+              </a:ext>
+            </a:extLst>
+          </a:blip>
+          <a:stretch>
+            <a:fillRect/>
+          </a:stretch>
+        </p:blipFill>
+        <p:spPr>
+          <a:xfrm>
+            <a:off x="7791326" y="1221965"/>
+            <a:ext cx="1116687" cy="1277401"/>
+          </a:xfrm>
+          <a:prstGeom prst="rect">
+            <a:avLst/>
+          </a:prstGeom>
+        </p:spPr>
+      </p:pic>
+      <p:pic>
+        <p:nvPicPr>
+          <p:cNvPr id="5" name="図 4">
+            <a:extLst>
+              <a:ext uri="{FF2B5EF4-FFF2-40B4-BE49-F238E27FC236}">
+                <a16:creationId xmlns:a16="http://schemas.microsoft.com/office/drawing/2014/main" id="{D9CA328D-1751-A69B-E705-43756B24A5E8}"/>
+              </a:ext>
+            </a:extLst>
+          </p:cNvPr>
+          <p:cNvPicPr>
+            <a:picLocks noChangeAspect="1"/>
+          </p:cNvPicPr>
+          <p:nvPr/>
+        </p:nvPicPr>
+        <p:blipFill>
+          <a:blip r:embed="rId3">
+            <a:extLst>
+              <a:ext uri="{28A0092B-C50C-407E-A947-70E740481C1C}">
+                <a14:useLocalDpi xmlns:a14="http://schemas.microsoft.com/office/drawing/2010/main" val="0"/>
+              </a:ext>
+            </a:extLst>
+          </a:blip>
+          <a:stretch>
+            <a:fillRect/>
+          </a:stretch>
+        </p:blipFill>
+        <p:spPr>
+          <a:xfrm>
+            <a:off x="6267328" y="1221965"/>
+            <a:ext cx="1116687" cy="1277401"/>
+          </a:xfrm>
+          <a:prstGeom prst="rect">
+            <a:avLst/>
+          </a:prstGeom>
+        </p:spPr>
+      </p:pic>
+      <p:pic>
+        <p:nvPicPr>
+          <p:cNvPr id="7" name="図 6">
+            <a:extLst>
+              <a:ext uri="{FF2B5EF4-FFF2-40B4-BE49-F238E27FC236}">
+                <a16:creationId xmlns:a16="http://schemas.microsoft.com/office/drawing/2014/main" id="{49D78F0A-47C7-0ED0-650A-A8785DB5F93A}"/>
+              </a:ext>
+            </a:extLst>
+          </p:cNvPr>
+          <p:cNvPicPr>
+            <a:picLocks noChangeAspect="1"/>
+          </p:cNvPicPr>
+          <p:nvPr/>
+        </p:nvPicPr>
+        <p:blipFill>
+          <a:blip r:embed="rId4">
+            <a:extLst>
+              <a:ext uri="{28A0092B-C50C-407E-A947-70E740481C1C}">
+                <a14:useLocalDpi xmlns:a14="http://schemas.microsoft.com/office/drawing/2010/main" val="0"/>
+              </a:ext>
+            </a:extLst>
+          </a:blip>
+          <a:stretch>
+            <a:fillRect/>
+          </a:stretch>
+        </p:blipFill>
+        <p:spPr>
+          <a:xfrm>
+            <a:off x="4632492" y="961497"/>
+            <a:ext cx="1227525" cy="1537869"/>
+          </a:xfrm>
+          <a:prstGeom prst="rect">
+            <a:avLst/>
+          </a:prstGeom>
+        </p:spPr>
+      </p:pic>
+      <p:pic>
+        <p:nvPicPr>
+          <p:cNvPr id="9" name="図 8">
+            <a:extLst>
+              <a:ext uri="{FF2B5EF4-FFF2-40B4-BE49-F238E27FC236}">
+                <a16:creationId xmlns:a16="http://schemas.microsoft.com/office/drawing/2014/main" id="{ECF26D0B-5501-A034-0EEA-5EE226D5C015}"/>
+              </a:ext>
+            </a:extLst>
+          </p:cNvPr>
+          <p:cNvPicPr>
+            <a:picLocks noChangeAspect="1"/>
+          </p:cNvPicPr>
+          <p:nvPr/>
+        </p:nvPicPr>
+        <p:blipFill>
+          <a:blip r:embed="rId5">
+            <a:extLst>
+              <a:ext uri="{28A0092B-C50C-407E-A947-70E740481C1C}">
+                <a14:useLocalDpi xmlns:a14="http://schemas.microsoft.com/office/drawing/2010/main" val="0"/>
+              </a:ext>
+            </a:extLst>
+          </a:blip>
+          <a:stretch>
+            <a:fillRect/>
+          </a:stretch>
+        </p:blipFill>
+        <p:spPr>
+          <a:xfrm>
+            <a:off x="3282145" y="750447"/>
+            <a:ext cx="1233067" cy="1537869"/>
+          </a:xfrm>
+          <a:prstGeom prst="rect">
+            <a:avLst/>
+          </a:prstGeom>
+        </p:spPr>
+      </p:pic>
+      <p:pic>
+        <p:nvPicPr>
+          <p:cNvPr id="11" name="図 10">
+            <a:extLst>
+              <a:ext uri="{FF2B5EF4-FFF2-40B4-BE49-F238E27FC236}">
+                <a16:creationId xmlns:a16="http://schemas.microsoft.com/office/drawing/2014/main" id="{242EAD29-5233-1C60-D5FB-78A4CFFF9566}"/>
+              </a:ext>
+            </a:extLst>
+          </p:cNvPr>
+          <p:cNvPicPr>
+            <a:picLocks noChangeAspect="1"/>
+          </p:cNvPicPr>
+          <p:nvPr/>
+        </p:nvPicPr>
+        <p:blipFill>
+          <a:blip r:embed="rId6">
+            <a:extLst>
+              <a:ext uri="{28A0092B-C50C-407E-A947-70E740481C1C}">
+                <a14:useLocalDpi xmlns:a14="http://schemas.microsoft.com/office/drawing/2010/main" val="0"/>
+              </a:ext>
+            </a:extLst>
+          </a:blip>
+          <a:stretch>
+            <a:fillRect/>
+          </a:stretch>
+        </p:blipFill>
+        <p:spPr>
+          <a:xfrm>
+            <a:off x="2315089" y="1033541"/>
+            <a:ext cx="967057" cy="1465825"/>
+          </a:xfrm>
+          <a:prstGeom prst="rect">
+            <a:avLst/>
+          </a:prstGeom>
+        </p:spPr>
+      </p:pic>
+      <p:pic>
+        <p:nvPicPr>
+          <p:cNvPr id="13" name="図 12">
+            <a:extLst>
+              <a:ext uri="{FF2B5EF4-FFF2-40B4-BE49-F238E27FC236}">
+                <a16:creationId xmlns:a16="http://schemas.microsoft.com/office/drawing/2014/main" id="{42D8B00B-0EE0-04E3-BBB2-30A23F842C1C}"/>
+              </a:ext>
+            </a:extLst>
+          </p:cNvPr>
+          <p:cNvPicPr>
+            <a:picLocks noChangeAspect="1"/>
+          </p:cNvPicPr>
+          <p:nvPr/>
+        </p:nvPicPr>
+        <p:blipFill>
+          <a:blip r:embed="rId7">
+            <a:extLst>
+              <a:ext uri="{28A0092B-C50C-407E-A947-70E740481C1C}">
+                <a14:useLocalDpi xmlns:a14="http://schemas.microsoft.com/office/drawing/2010/main" val="0"/>
+              </a:ext>
+            </a:extLst>
+          </a:blip>
+          <a:stretch>
+            <a:fillRect/>
+          </a:stretch>
+        </p:blipFill>
+        <p:spPr>
+          <a:xfrm>
+            <a:off x="1152693" y="1033542"/>
+            <a:ext cx="964286" cy="1465825"/>
+          </a:xfrm>
+          <a:prstGeom prst="rect">
+            <a:avLst/>
+          </a:prstGeom>
+        </p:spPr>
+      </p:pic>
+      <p:sp>
+        <p:nvSpPr>
+          <p:cNvPr id="14" name="正方形/長方形 13">
+            <a:extLst>
+              <a:ext uri="{FF2B5EF4-FFF2-40B4-BE49-F238E27FC236}">
+                <a16:creationId xmlns:a16="http://schemas.microsoft.com/office/drawing/2014/main" id="{27C13D4E-92FF-A119-068C-2A2C2BBAFDA8}"/>
+              </a:ext>
+            </a:extLst>
+          </p:cNvPr>
+          <p:cNvSpPr/>
+          <p:nvPr/>
+        </p:nvSpPr>
+        <p:spPr>
+          <a:xfrm>
+            <a:off x="1518928" y="4454229"/>
+            <a:ext cx="2115128" cy="1909618"/>
+          </a:xfrm>
+          <a:prstGeom prst="rect">
+            <a:avLst/>
+          </a:prstGeom>
+          <a:noFill/>
+        </p:spPr>
+        <p:style>
+          <a:lnRef idx="2">
+            <a:schemeClr val="accent1">
+              <a:shade val="15000"/>
+            </a:schemeClr>
+          </a:lnRef>
+          <a:fillRef idx="1">
+            <a:schemeClr val="accent1"/>
+          </a:fillRef>
+          <a:effectRef idx="0">
+            <a:schemeClr val="accent1"/>
+          </a:effectRef>
+          <a:fontRef idx="minor">
+            <a:schemeClr val="lt1"/>
+          </a:fontRef>
+        </p:style>
+        <p:txBody>
+          <a:bodyPr rtlCol="0" anchor="ctr"/>
+          <a:lstStyle/>
+          <a:p>
+            <a:pPr algn="ctr"/>
+            <a:endParaRPr kumimoji="1" lang="ja-JP" altLang="en-US"/>
+          </a:p>
+        </p:txBody>
+      </p:sp>
     </p:spTree>
     <p:extLst>
       <p:ext uri="{BB962C8B-B14F-4D97-AF65-F5344CB8AC3E}">
@@ -7919,6 +10254,869 @@
           <a:chExt cx="0" cy="0"/>
         </a:xfrm>
       </p:grpSpPr>
+      <p:pic>
+        <p:nvPicPr>
+          <p:cNvPr id="2050" name="Picture 2" descr="フィルタ - アイコンのベクターアート素材や画像を多数ご用意 - アイコン, ベクター画像, イラストレーション - iStock">
+            <a:extLst>
+              <a:ext uri="{FF2B5EF4-FFF2-40B4-BE49-F238E27FC236}">
+                <a16:creationId xmlns:a16="http://schemas.microsoft.com/office/drawing/2014/main" id="{BCC8A1BE-7128-5ECC-9663-403F07C03D01}"/>
+              </a:ext>
+            </a:extLst>
+          </p:cNvPr>
+          <p:cNvPicPr>
+            <a:picLocks noChangeAspect="1" noChangeArrowheads="1"/>
+          </p:cNvPicPr>
+          <p:nvPr/>
+        </p:nvPicPr>
+        <p:blipFill>
+          <a:blip r:embed="rId2">
+            <a:extLst>
+              <a:ext uri="{BEBA8EAE-BF5A-486C-A8C5-ECC9F3942E4B}">
+                <a14:imgProps xmlns:a14="http://schemas.microsoft.com/office/drawing/2010/main">
+                  <a14:imgLayer r:embed="rId3">
+                    <a14:imgEffect>
+                      <a14:backgroundRemoval t="10000" b="90000" l="10000" r="90000">
+                        <a14:foregroundMark x1="46394" y1="12981" x2="46394" y2="12981"/>
+                        <a14:foregroundMark x1="19471" y1="13702" x2="19471" y2="13702"/>
+                      </a14:backgroundRemoval>
+                    </a14:imgEffect>
+                  </a14:imgLayer>
+                </a14:imgProps>
+              </a:ext>
+              <a:ext uri="{28A0092B-C50C-407E-A947-70E740481C1C}">
+                <a14:useLocalDpi xmlns:a14="http://schemas.microsoft.com/office/drawing/2010/main" val="0"/>
+              </a:ext>
+            </a:extLst>
+          </a:blip>
+          <a:srcRect/>
+          <a:stretch>
+            <a:fillRect/>
+          </a:stretch>
+        </p:blipFill>
+        <p:spPr bwMode="auto">
+          <a:xfrm>
+            <a:off x="586509" y="138544"/>
+            <a:ext cx="886691" cy="886691"/>
+          </a:xfrm>
+          <a:prstGeom prst="rect">
+            <a:avLst/>
+          </a:prstGeom>
+          <a:noFill/>
+          <a:extLst>
+            <a:ext uri="{909E8E84-426E-40DD-AFC4-6F175D3DCCD1}">
+              <a14:hiddenFill xmlns:a14="http://schemas.microsoft.com/office/drawing/2010/main">
+                <a:solidFill>
+                  <a:srgbClr val="FFFFFF"/>
+                </a:solidFill>
+              </a14:hiddenFill>
+            </a:ext>
+          </a:extLst>
+        </p:spPr>
+      </p:pic>
+      <p:grpSp>
+        <p:nvGrpSpPr>
+          <p:cNvPr id="8" name="グループ化 7">
+            <a:extLst>
+              <a:ext uri="{FF2B5EF4-FFF2-40B4-BE49-F238E27FC236}">
+                <a16:creationId xmlns:a16="http://schemas.microsoft.com/office/drawing/2014/main" id="{D4DFD55D-6E81-6A58-E46A-3BAD4600E1C0}"/>
+              </a:ext>
+            </a:extLst>
+          </p:cNvPr>
+          <p:cNvGrpSpPr/>
+          <p:nvPr/>
+        </p:nvGrpSpPr>
+        <p:grpSpPr>
+          <a:xfrm>
+            <a:off x="5426366" y="1228435"/>
+            <a:ext cx="1833417" cy="2529611"/>
+            <a:chOff x="7707747" y="1424707"/>
+            <a:chExt cx="1833417" cy="2529611"/>
+          </a:xfrm>
+        </p:grpSpPr>
+        <p:sp>
+          <p:nvSpPr>
+            <p:cNvPr id="5" name="四角形: 角を丸くする 4">
+              <a:extLst>
+                <a:ext uri="{FF2B5EF4-FFF2-40B4-BE49-F238E27FC236}">
+                  <a16:creationId xmlns:a16="http://schemas.microsoft.com/office/drawing/2014/main" id="{0DCAC91F-C4E7-46DD-D365-93C2A4514EAA}"/>
+                </a:ext>
+              </a:extLst>
+            </p:cNvPr>
+            <p:cNvSpPr/>
+            <p:nvPr/>
+          </p:nvSpPr>
+          <p:spPr>
+            <a:xfrm>
+              <a:off x="7707747" y="1424707"/>
+              <a:ext cx="1597891" cy="2068945"/>
+            </a:xfrm>
+            <a:prstGeom prst="roundRect">
+              <a:avLst>
+                <a:gd name="adj" fmla="val 6440"/>
+              </a:avLst>
+            </a:prstGeom>
+            <a:noFill/>
+            <a:ln w="76200">
+              <a:solidFill>
+                <a:schemeClr val="tx1"/>
+              </a:solidFill>
+            </a:ln>
+          </p:spPr>
+          <p:style>
+            <a:lnRef idx="2">
+              <a:schemeClr val="accent1">
+                <a:shade val="15000"/>
+              </a:schemeClr>
+            </a:lnRef>
+            <a:fillRef idx="1">
+              <a:schemeClr val="accent1"/>
+            </a:fillRef>
+            <a:effectRef idx="0">
+              <a:schemeClr val="accent1"/>
+            </a:effectRef>
+            <a:fontRef idx="minor">
+              <a:schemeClr val="lt1"/>
+            </a:fontRef>
+          </p:style>
+          <p:txBody>
+            <a:bodyPr rtlCol="0" anchor="ctr"/>
+            <a:lstStyle/>
+            <a:p>
+              <a:pPr algn="ctr"/>
+              <a:endParaRPr kumimoji="1" lang="ja-JP" altLang="en-US"/>
+            </a:p>
+          </p:txBody>
+        </p:sp>
+        <p:sp>
+          <p:nvSpPr>
+            <p:cNvPr id="4" name="四角形: 角を丸くする 3">
+              <a:extLst>
+                <a:ext uri="{FF2B5EF4-FFF2-40B4-BE49-F238E27FC236}">
+                  <a16:creationId xmlns:a16="http://schemas.microsoft.com/office/drawing/2014/main" id="{BD59C753-0A7C-CEC8-9184-237E00D4ED59}"/>
+                </a:ext>
+              </a:extLst>
+            </p:cNvPr>
+            <p:cNvSpPr/>
+            <p:nvPr/>
+          </p:nvSpPr>
+          <p:spPr>
+            <a:xfrm>
+              <a:off x="7943273" y="1634837"/>
+              <a:ext cx="1597891" cy="2068945"/>
+            </a:xfrm>
+            <a:prstGeom prst="roundRect">
+              <a:avLst>
+                <a:gd name="adj" fmla="val 6440"/>
+              </a:avLst>
+            </a:prstGeom>
+            <a:solidFill>
+              <a:schemeClr val="bg1"/>
+            </a:solidFill>
+            <a:ln w="76200">
+              <a:solidFill>
+                <a:schemeClr val="tx1"/>
+              </a:solidFill>
+            </a:ln>
+          </p:spPr>
+          <p:style>
+            <a:lnRef idx="2">
+              <a:schemeClr val="accent1">
+                <a:shade val="15000"/>
+              </a:schemeClr>
+            </a:lnRef>
+            <a:fillRef idx="1">
+              <a:schemeClr val="accent1"/>
+            </a:fillRef>
+            <a:effectRef idx="0">
+              <a:schemeClr val="accent1"/>
+            </a:effectRef>
+            <a:fontRef idx="minor">
+              <a:schemeClr val="lt1"/>
+            </a:fontRef>
+          </p:style>
+          <p:txBody>
+            <a:bodyPr rtlCol="0" anchor="ctr"/>
+            <a:lstStyle/>
+            <a:p>
+              <a:pPr algn="ctr"/>
+              <a:endParaRPr kumimoji="1" lang="ja-JP" altLang="en-US"/>
+            </a:p>
+          </p:txBody>
+        </p:sp>
+        <p:sp>
+          <p:nvSpPr>
+            <p:cNvPr id="6" name="正方形/長方形 5">
+              <a:extLst>
+                <a:ext uri="{FF2B5EF4-FFF2-40B4-BE49-F238E27FC236}">
+                  <a16:creationId xmlns:a16="http://schemas.microsoft.com/office/drawing/2014/main" id="{AA962C87-2FCB-15AD-4D83-AE9B6D1EFEC1}"/>
+                </a:ext>
+              </a:extLst>
+            </p:cNvPr>
+            <p:cNvSpPr/>
+            <p:nvPr/>
+          </p:nvSpPr>
+          <p:spPr>
+            <a:xfrm>
+              <a:off x="9081655" y="1459345"/>
+              <a:ext cx="341745" cy="130465"/>
+            </a:xfrm>
+            <a:prstGeom prst="rect">
+              <a:avLst/>
+            </a:prstGeom>
+            <a:solidFill>
+              <a:schemeClr val="bg1"/>
+            </a:solidFill>
+            <a:ln>
+              <a:solidFill>
+                <a:schemeClr val="bg1"/>
+              </a:solidFill>
+            </a:ln>
+          </p:spPr>
+          <p:style>
+            <a:lnRef idx="2">
+              <a:schemeClr val="accent1">
+                <a:shade val="15000"/>
+              </a:schemeClr>
+            </a:lnRef>
+            <a:fillRef idx="1">
+              <a:schemeClr val="accent1"/>
+            </a:fillRef>
+            <a:effectRef idx="0">
+              <a:schemeClr val="accent1"/>
+            </a:effectRef>
+            <a:fontRef idx="minor">
+              <a:schemeClr val="lt1"/>
+            </a:fontRef>
+          </p:style>
+          <p:txBody>
+            <a:bodyPr rtlCol="0" anchor="ctr"/>
+            <a:lstStyle/>
+            <a:p>
+              <a:pPr algn="ctr"/>
+              <a:endParaRPr kumimoji="1" lang="ja-JP" altLang="en-US"/>
+            </a:p>
+          </p:txBody>
+        </p:sp>
+        <p:sp>
+          <p:nvSpPr>
+            <p:cNvPr id="7" name="正方形/長方形 6">
+              <a:extLst>
+                <a:ext uri="{FF2B5EF4-FFF2-40B4-BE49-F238E27FC236}">
+                  <a16:creationId xmlns:a16="http://schemas.microsoft.com/office/drawing/2014/main" id="{CF6781A7-77B4-B0C7-18C6-6513A51900B3}"/>
+                </a:ext>
+              </a:extLst>
+            </p:cNvPr>
+            <p:cNvSpPr/>
+            <p:nvPr/>
+          </p:nvSpPr>
+          <p:spPr>
+            <a:xfrm>
+              <a:off x="7744691" y="3178464"/>
+              <a:ext cx="154709" cy="775854"/>
+            </a:xfrm>
+            <a:prstGeom prst="rect">
+              <a:avLst/>
+            </a:prstGeom>
+            <a:solidFill>
+              <a:schemeClr val="bg1"/>
+            </a:solidFill>
+            <a:ln>
+              <a:solidFill>
+                <a:schemeClr val="bg1"/>
+              </a:solidFill>
+            </a:ln>
+          </p:spPr>
+          <p:style>
+            <a:lnRef idx="2">
+              <a:schemeClr val="accent1">
+                <a:shade val="15000"/>
+              </a:schemeClr>
+            </a:lnRef>
+            <a:fillRef idx="1">
+              <a:schemeClr val="accent1"/>
+            </a:fillRef>
+            <a:effectRef idx="0">
+              <a:schemeClr val="accent1"/>
+            </a:effectRef>
+            <a:fontRef idx="minor">
+              <a:schemeClr val="lt1"/>
+            </a:fontRef>
+          </p:style>
+          <p:txBody>
+            <a:bodyPr rtlCol="0" anchor="ctr"/>
+            <a:lstStyle/>
+            <a:p>
+              <a:pPr algn="ctr"/>
+              <a:endParaRPr kumimoji="1" lang="ja-JP" altLang="en-US"/>
+            </a:p>
+          </p:txBody>
+        </p:sp>
+      </p:grpSp>
+      <p:sp>
+        <p:nvSpPr>
+          <p:cNvPr id="2048" name="フリーフォーム: 図形 2047">
+            <a:extLst>
+              <a:ext uri="{FF2B5EF4-FFF2-40B4-BE49-F238E27FC236}">
+                <a16:creationId xmlns:a16="http://schemas.microsoft.com/office/drawing/2014/main" id="{DDB965D2-229B-789A-EE49-E10AEDAD6A07}"/>
+              </a:ext>
+            </a:extLst>
+          </p:cNvPr>
+          <p:cNvSpPr/>
+          <p:nvPr/>
+        </p:nvSpPr>
+        <p:spPr>
+          <a:xfrm>
+            <a:off x="535711" y="1540162"/>
+            <a:ext cx="1597891" cy="2068945"/>
+          </a:xfrm>
+          <a:custGeom>
+            <a:avLst/>
+            <a:gdLst>
+              <a:gd name="connsiteX0" fmla="*/ 102904 w 1597891"/>
+              <a:gd name="connsiteY0" fmla="*/ 0 h 2068945"/>
+              <a:gd name="connsiteX1" fmla="*/ 1494987 w 1597891"/>
+              <a:gd name="connsiteY1" fmla="*/ 0 h 2068945"/>
+              <a:gd name="connsiteX2" fmla="*/ 1597891 w 1597891"/>
+              <a:gd name="connsiteY2" fmla="*/ 102904 h 2068945"/>
+              <a:gd name="connsiteX3" fmla="*/ 1597891 w 1597891"/>
+              <a:gd name="connsiteY3" fmla="*/ 131620 h 2068945"/>
+              <a:gd name="connsiteX4" fmla="*/ 166253 w 1597891"/>
+              <a:gd name="connsiteY4" fmla="*/ 131620 h 2068945"/>
+              <a:gd name="connsiteX5" fmla="*/ 166253 w 1597891"/>
+              <a:gd name="connsiteY5" fmla="*/ 2068945 h 2068945"/>
+              <a:gd name="connsiteX6" fmla="*/ 102904 w 1597891"/>
+              <a:gd name="connsiteY6" fmla="*/ 2068945 h 2068945"/>
+              <a:gd name="connsiteX7" fmla="*/ 0 w 1597891"/>
+              <a:gd name="connsiteY7" fmla="*/ 1966041 h 2068945"/>
+              <a:gd name="connsiteX8" fmla="*/ 0 w 1597891"/>
+              <a:gd name="connsiteY8" fmla="*/ 102904 h 2068945"/>
+              <a:gd name="connsiteX9" fmla="*/ 102904 w 1597891"/>
+              <a:gd name="connsiteY9" fmla="*/ 0 h 2068945"/>
+            </a:gdLst>
+            <a:ahLst/>
+            <a:cxnLst>
+              <a:cxn ang="0">
+                <a:pos x="connsiteX0" y="connsiteY0"/>
+              </a:cxn>
+              <a:cxn ang="0">
+                <a:pos x="connsiteX1" y="connsiteY1"/>
+              </a:cxn>
+              <a:cxn ang="0">
+                <a:pos x="connsiteX2" y="connsiteY2"/>
+              </a:cxn>
+              <a:cxn ang="0">
+                <a:pos x="connsiteX3" y="connsiteY3"/>
+              </a:cxn>
+              <a:cxn ang="0">
+                <a:pos x="connsiteX4" y="connsiteY4"/>
+              </a:cxn>
+              <a:cxn ang="0">
+                <a:pos x="connsiteX5" y="connsiteY5"/>
+              </a:cxn>
+              <a:cxn ang="0">
+                <a:pos x="connsiteX6" y="connsiteY6"/>
+              </a:cxn>
+              <a:cxn ang="0">
+                <a:pos x="connsiteX7" y="connsiteY7"/>
+              </a:cxn>
+              <a:cxn ang="0">
+                <a:pos x="connsiteX8" y="connsiteY8"/>
+              </a:cxn>
+              <a:cxn ang="0">
+                <a:pos x="connsiteX9" y="connsiteY9"/>
+              </a:cxn>
+            </a:cxnLst>
+            <a:rect l="l" t="t" r="r" b="b"/>
+            <a:pathLst>
+              <a:path w="1597891" h="2068945">
+                <a:moveTo>
+                  <a:pt x="102904" y="0"/>
+                </a:moveTo>
+                <a:lnTo>
+                  <a:pt x="1494987" y="0"/>
+                </a:lnTo>
+                <a:cubicBezTo>
+                  <a:pt x="1551819" y="0"/>
+                  <a:pt x="1597891" y="46072"/>
+                  <a:pt x="1597891" y="102904"/>
+                </a:cubicBezTo>
+                <a:lnTo>
+                  <a:pt x="1597891" y="131620"/>
+                </a:lnTo>
+                <a:lnTo>
+                  <a:pt x="166253" y="131620"/>
+                </a:lnTo>
+                <a:lnTo>
+                  <a:pt x="166253" y="2068945"/>
+                </a:lnTo>
+                <a:lnTo>
+                  <a:pt x="102904" y="2068945"/>
+                </a:lnTo>
+                <a:cubicBezTo>
+                  <a:pt x="46072" y="2068945"/>
+                  <a:pt x="0" y="2022873"/>
+                  <a:pt x="0" y="1966041"/>
+                </a:cubicBezTo>
+                <a:lnTo>
+                  <a:pt x="0" y="102904"/>
+                </a:lnTo>
+                <a:cubicBezTo>
+                  <a:pt x="0" y="46072"/>
+                  <a:pt x="46072" y="0"/>
+                  <a:pt x="102904" y="0"/>
+                </a:cubicBezTo>
+                <a:close/>
+              </a:path>
+            </a:pathLst>
+          </a:custGeom>
+          <a:noFill/>
+          <a:ln w="76200">
+            <a:solidFill>
+              <a:schemeClr val="tx1"/>
+            </a:solidFill>
+          </a:ln>
+        </p:spPr>
+        <p:style>
+          <a:lnRef idx="2">
+            <a:schemeClr val="accent1">
+              <a:shade val="15000"/>
+            </a:schemeClr>
+          </a:lnRef>
+          <a:fillRef idx="1">
+            <a:schemeClr val="accent1"/>
+          </a:fillRef>
+          <a:effectRef idx="0">
+            <a:schemeClr val="accent1"/>
+          </a:effectRef>
+          <a:fontRef idx="minor">
+            <a:schemeClr val="lt1"/>
+          </a:fontRef>
+        </p:style>
+        <p:txBody>
+          <a:bodyPr wrap="square" rtlCol="0" anchor="ctr">
+            <a:noAutofit/>
+          </a:bodyPr>
+          <a:lstStyle/>
+          <a:p>
+            <a:pPr algn="ctr"/>
+            <a:endParaRPr kumimoji="1" lang="ja-JP" altLang="en-US"/>
+          </a:p>
+        </p:txBody>
+      </p:sp>
+      <p:grpSp>
+        <p:nvGrpSpPr>
+          <p:cNvPr id="2054" name="グループ化 2053">
+            <a:extLst>
+              <a:ext uri="{FF2B5EF4-FFF2-40B4-BE49-F238E27FC236}">
+                <a16:creationId xmlns:a16="http://schemas.microsoft.com/office/drawing/2014/main" id="{E97551A9-CF61-8FA5-A9CE-3685E5D1DA66}"/>
+              </a:ext>
+            </a:extLst>
+          </p:cNvPr>
+          <p:cNvGrpSpPr/>
+          <p:nvPr/>
+        </p:nvGrpSpPr>
+        <p:grpSpPr>
+          <a:xfrm>
+            <a:off x="2558474" y="3683001"/>
+            <a:ext cx="1750291" cy="2258291"/>
+            <a:chOff x="2558474" y="3683001"/>
+            <a:chExt cx="1750291" cy="2258291"/>
+          </a:xfrm>
+        </p:grpSpPr>
+        <p:sp>
+          <p:nvSpPr>
+            <p:cNvPr id="2052" name="フリーフォーム: 図形 2051">
+              <a:extLst>
+                <a:ext uri="{FF2B5EF4-FFF2-40B4-BE49-F238E27FC236}">
+                  <a16:creationId xmlns:a16="http://schemas.microsoft.com/office/drawing/2014/main" id="{10BACE62-AF9D-ABA7-B141-E4004EEF6CE6}"/>
+                </a:ext>
+              </a:extLst>
+            </p:cNvPr>
+            <p:cNvSpPr/>
+            <p:nvPr/>
+          </p:nvSpPr>
+          <p:spPr>
+            <a:xfrm>
+              <a:off x="2558474" y="3683001"/>
+              <a:ext cx="1597891" cy="2068945"/>
+            </a:xfrm>
+            <a:custGeom>
+              <a:avLst/>
+              <a:gdLst>
+                <a:gd name="connsiteX0" fmla="*/ 102904 w 1597891"/>
+                <a:gd name="connsiteY0" fmla="*/ 0 h 2068945"/>
+                <a:gd name="connsiteX1" fmla="*/ 1494987 w 1597891"/>
+                <a:gd name="connsiteY1" fmla="*/ 0 h 2068945"/>
+                <a:gd name="connsiteX2" fmla="*/ 1597891 w 1597891"/>
+                <a:gd name="connsiteY2" fmla="*/ 102904 h 2068945"/>
+                <a:gd name="connsiteX3" fmla="*/ 1597891 w 1597891"/>
+                <a:gd name="connsiteY3" fmla="*/ 170873 h 2068945"/>
+                <a:gd name="connsiteX4" fmla="*/ 255304 w 1597891"/>
+                <a:gd name="connsiteY4" fmla="*/ 170873 h 2068945"/>
+                <a:gd name="connsiteX5" fmla="*/ 152400 w 1597891"/>
+                <a:gd name="connsiteY5" fmla="*/ 273777 h 2068945"/>
+                <a:gd name="connsiteX6" fmla="*/ 152400 w 1597891"/>
+                <a:gd name="connsiteY6" fmla="*/ 2068945 h 2068945"/>
+                <a:gd name="connsiteX7" fmla="*/ 102904 w 1597891"/>
+                <a:gd name="connsiteY7" fmla="*/ 2068945 h 2068945"/>
+                <a:gd name="connsiteX8" fmla="*/ 0 w 1597891"/>
+                <a:gd name="connsiteY8" fmla="*/ 1966041 h 2068945"/>
+                <a:gd name="connsiteX9" fmla="*/ 0 w 1597891"/>
+                <a:gd name="connsiteY9" fmla="*/ 102904 h 2068945"/>
+                <a:gd name="connsiteX10" fmla="*/ 102904 w 1597891"/>
+                <a:gd name="connsiteY10" fmla="*/ 0 h 2068945"/>
+              </a:gdLst>
+              <a:ahLst/>
+              <a:cxnLst>
+                <a:cxn ang="0">
+                  <a:pos x="connsiteX0" y="connsiteY0"/>
+                </a:cxn>
+                <a:cxn ang="0">
+                  <a:pos x="connsiteX1" y="connsiteY1"/>
+                </a:cxn>
+                <a:cxn ang="0">
+                  <a:pos x="connsiteX2" y="connsiteY2"/>
+                </a:cxn>
+                <a:cxn ang="0">
+                  <a:pos x="connsiteX3" y="connsiteY3"/>
+                </a:cxn>
+                <a:cxn ang="0">
+                  <a:pos x="connsiteX4" y="connsiteY4"/>
+                </a:cxn>
+                <a:cxn ang="0">
+                  <a:pos x="connsiteX5" y="connsiteY5"/>
+                </a:cxn>
+                <a:cxn ang="0">
+                  <a:pos x="connsiteX6" y="connsiteY6"/>
+                </a:cxn>
+                <a:cxn ang="0">
+                  <a:pos x="connsiteX7" y="connsiteY7"/>
+                </a:cxn>
+                <a:cxn ang="0">
+                  <a:pos x="connsiteX8" y="connsiteY8"/>
+                </a:cxn>
+                <a:cxn ang="0">
+                  <a:pos x="connsiteX9" y="connsiteY9"/>
+                </a:cxn>
+                <a:cxn ang="0">
+                  <a:pos x="connsiteX10" y="connsiteY10"/>
+                </a:cxn>
+              </a:cxnLst>
+              <a:rect l="l" t="t" r="r" b="b"/>
+              <a:pathLst>
+                <a:path w="1597891" h="2068945">
+                  <a:moveTo>
+                    <a:pt x="102904" y="0"/>
+                  </a:moveTo>
+                  <a:lnTo>
+                    <a:pt x="1494987" y="0"/>
+                  </a:lnTo>
+                  <a:cubicBezTo>
+                    <a:pt x="1551819" y="0"/>
+                    <a:pt x="1597891" y="46072"/>
+                    <a:pt x="1597891" y="102904"/>
+                  </a:cubicBezTo>
+                  <a:lnTo>
+                    <a:pt x="1597891" y="170873"/>
+                  </a:lnTo>
+                  <a:lnTo>
+                    <a:pt x="255304" y="170873"/>
+                  </a:lnTo>
+                  <a:cubicBezTo>
+                    <a:pt x="198472" y="170873"/>
+                    <a:pt x="152400" y="216945"/>
+                    <a:pt x="152400" y="273777"/>
+                  </a:cubicBezTo>
+                  <a:lnTo>
+                    <a:pt x="152400" y="2068945"/>
+                  </a:lnTo>
+                  <a:lnTo>
+                    <a:pt x="102904" y="2068945"/>
+                  </a:lnTo>
+                  <a:cubicBezTo>
+                    <a:pt x="46072" y="2068945"/>
+                    <a:pt x="0" y="2022873"/>
+                    <a:pt x="0" y="1966041"/>
+                  </a:cubicBezTo>
+                  <a:lnTo>
+                    <a:pt x="0" y="102904"/>
+                  </a:lnTo>
+                  <a:cubicBezTo>
+                    <a:pt x="0" y="46072"/>
+                    <a:pt x="46072" y="0"/>
+                    <a:pt x="102904" y="0"/>
+                  </a:cubicBezTo>
+                  <a:close/>
+                </a:path>
+              </a:pathLst>
+            </a:custGeom>
+            <a:noFill/>
+            <a:ln w="76200">
+              <a:solidFill>
+                <a:schemeClr val="tx1"/>
+              </a:solidFill>
+            </a:ln>
+          </p:spPr>
+          <p:style>
+            <a:lnRef idx="2">
+              <a:schemeClr val="accent1">
+                <a:shade val="15000"/>
+              </a:schemeClr>
+            </a:lnRef>
+            <a:fillRef idx="1">
+              <a:schemeClr val="accent1"/>
+            </a:fillRef>
+            <a:effectRef idx="0">
+              <a:schemeClr val="accent1"/>
+            </a:effectRef>
+            <a:fontRef idx="minor">
+              <a:schemeClr val="lt1"/>
+            </a:fontRef>
+          </p:style>
+          <p:txBody>
+            <a:bodyPr wrap="square" rtlCol="0" anchor="ctr">
+              <a:noAutofit/>
+            </a:bodyPr>
+            <a:lstStyle/>
+            <a:p>
+              <a:pPr algn="ctr"/>
+              <a:endParaRPr kumimoji="1" lang="ja-JP" altLang="en-US"/>
+            </a:p>
+          </p:txBody>
+        </p:sp>
+        <p:sp>
+          <p:nvSpPr>
+            <p:cNvPr id="2053" name="四角形: 角を丸くする 2052">
+              <a:extLst>
+                <a:ext uri="{FF2B5EF4-FFF2-40B4-BE49-F238E27FC236}">
+                  <a16:creationId xmlns:a16="http://schemas.microsoft.com/office/drawing/2014/main" id="{ECBEFC87-99F2-FAA5-BF1A-AE2D78A64361}"/>
+                </a:ext>
+              </a:extLst>
+            </p:cNvPr>
+            <p:cNvSpPr/>
+            <p:nvPr/>
+          </p:nvSpPr>
+          <p:spPr>
+            <a:xfrm>
+              <a:off x="2710874" y="3872347"/>
+              <a:ext cx="1597891" cy="2068945"/>
+            </a:xfrm>
+            <a:prstGeom prst="roundRect">
+              <a:avLst>
+                <a:gd name="adj" fmla="val 6440"/>
+              </a:avLst>
+            </a:prstGeom>
+            <a:noFill/>
+            <a:ln w="76200">
+              <a:solidFill>
+                <a:schemeClr val="tx1"/>
+              </a:solidFill>
+            </a:ln>
+          </p:spPr>
+          <p:style>
+            <a:lnRef idx="2">
+              <a:schemeClr val="accent1">
+                <a:shade val="15000"/>
+              </a:schemeClr>
+            </a:lnRef>
+            <a:fillRef idx="1">
+              <a:schemeClr val="accent1"/>
+            </a:fillRef>
+            <a:effectRef idx="0">
+              <a:schemeClr val="accent1"/>
+            </a:effectRef>
+            <a:fontRef idx="minor">
+              <a:schemeClr val="lt1"/>
+            </a:fontRef>
+          </p:style>
+          <p:txBody>
+            <a:bodyPr rtlCol="0" anchor="ctr"/>
+            <a:lstStyle/>
+            <a:p>
+              <a:pPr algn="ctr"/>
+              <a:endParaRPr kumimoji="1" lang="ja-JP" altLang="en-US"/>
+            </a:p>
+          </p:txBody>
+        </p:sp>
+      </p:grpSp>
+      <p:cxnSp>
+        <p:nvCxnSpPr>
+          <p:cNvPr id="2058" name="直線矢印コネクタ 2057">
+            <a:extLst>
+              <a:ext uri="{FF2B5EF4-FFF2-40B4-BE49-F238E27FC236}">
+                <a16:creationId xmlns:a16="http://schemas.microsoft.com/office/drawing/2014/main" id="{4AD3C247-2B6B-22D2-79C4-E617FF0E7009}"/>
+              </a:ext>
+            </a:extLst>
+          </p:cNvPr>
+          <p:cNvCxnSpPr>
+            <a:cxnSpLocks/>
+          </p:cNvCxnSpPr>
+          <p:nvPr/>
+        </p:nvCxnSpPr>
+        <p:spPr>
+          <a:xfrm flipH="1">
+            <a:off x="7024257" y="4461163"/>
+            <a:ext cx="235526" cy="0"/>
+          </a:xfrm>
+          <a:prstGeom prst="straightConnector1">
+            <a:avLst/>
+          </a:prstGeom>
+          <a:ln w="22225">
+            <a:solidFill>
+              <a:schemeClr val="tx1">
+                <a:lumMod val="85000"/>
+                <a:lumOff val="15000"/>
+              </a:schemeClr>
+            </a:solidFill>
+            <a:tailEnd type="arrow" w="lg" len="lg"/>
+          </a:ln>
+        </p:spPr>
+        <p:style>
+          <a:lnRef idx="1">
+            <a:schemeClr val="accent1"/>
+          </a:lnRef>
+          <a:fillRef idx="0">
+            <a:schemeClr val="accent1"/>
+          </a:fillRef>
+          <a:effectRef idx="0">
+            <a:schemeClr val="accent1"/>
+          </a:effectRef>
+          <a:fontRef idx="minor">
+            <a:schemeClr val="tx1"/>
+          </a:fontRef>
+        </p:style>
+      </p:cxnSp>
+      <p:pic>
+        <p:nvPicPr>
+          <p:cNvPr id="2061" name="図 2060">
+            <a:extLst>
+              <a:ext uri="{FF2B5EF4-FFF2-40B4-BE49-F238E27FC236}">
+                <a16:creationId xmlns:a16="http://schemas.microsoft.com/office/drawing/2014/main" id="{72638A77-DE5F-E13B-240C-E65FD2D5585F}"/>
+              </a:ext>
+            </a:extLst>
+          </p:cNvPr>
+          <p:cNvPicPr>
+            <a:picLocks noChangeAspect="1"/>
+          </p:cNvPicPr>
+          <p:nvPr/>
+        </p:nvPicPr>
+        <p:blipFill>
+          <a:blip r:embed="rId4">
+            <a:extLst>
+              <a:ext uri="{28A0092B-C50C-407E-A947-70E740481C1C}">
+                <a14:useLocalDpi xmlns:a14="http://schemas.microsoft.com/office/drawing/2010/main" val="0"/>
+              </a:ext>
+            </a:extLst>
+          </a:blip>
+          <a:srcRect l="32324"/>
+          <a:stretch>
+            <a:fillRect/>
+          </a:stretch>
+        </p:blipFill>
+        <p:spPr>
+          <a:xfrm>
+            <a:off x="9947564" y="3297380"/>
+            <a:ext cx="247536" cy="260468"/>
+          </a:xfrm>
+          <a:prstGeom prst="rect">
+            <a:avLst/>
+          </a:prstGeom>
+        </p:spPr>
+      </p:pic>
+      <p:pic>
+        <p:nvPicPr>
+          <p:cNvPr id="1026" name="Picture 2" descr="ゴミ箱アイコンの無料イラスト / イラストセンター">
+            <a:extLst>
+              <a:ext uri="{FF2B5EF4-FFF2-40B4-BE49-F238E27FC236}">
+                <a16:creationId xmlns:a16="http://schemas.microsoft.com/office/drawing/2014/main" id="{29B7AEA9-0DD9-2BE6-6BE2-7E4465B926DC}"/>
+              </a:ext>
+            </a:extLst>
+          </p:cNvPr>
+          <p:cNvPicPr>
+            <a:picLocks noChangeAspect="1" noChangeArrowheads="1"/>
+          </p:cNvPicPr>
+          <p:nvPr/>
+        </p:nvPicPr>
+        <p:blipFill rotWithShape="1">
+          <a:blip r:embed="rId5">
+            <a:extLst>
+              <a:ext uri="{28A0092B-C50C-407E-A947-70E740481C1C}">
+                <a14:useLocalDpi xmlns:a14="http://schemas.microsoft.com/office/drawing/2010/main" val="0"/>
+              </a:ext>
+            </a:extLst>
+          </a:blip>
+          <a:srcRect l="27652" t="10943" r="28157" b="12290"/>
+          <a:stretch>
+            <a:fillRect/>
+          </a:stretch>
+        </p:blipFill>
+        <p:spPr bwMode="auto">
+          <a:xfrm>
+            <a:off x="8859518" y="684753"/>
+            <a:ext cx="1088046" cy="1417569"/>
+          </a:xfrm>
+          <a:prstGeom prst="rect">
+            <a:avLst/>
+          </a:prstGeom>
+          <a:noFill/>
+          <a:extLst>
+            <a:ext uri="{909E8E84-426E-40DD-AFC4-6F175D3DCCD1}">
+              <a14:hiddenFill xmlns:a14="http://schemas.microsoft.com/office/drawing/2010/main">
+                <a:solidFill>
+                  <a:srgbClr val="FFFFFF"/>
+                </a:solidFill>
+              </a14:hiddenFill>
+            </a:ext>
+          </a:extLst>
+        </p:spPr>
+      </p:pic>
+      <p:pic>
+        <p:nvPicPr>
+          <p:cNvPr id="1028" name="Picture 4" descr="ゴミ箱 | IFN 無料アイコン。SVG/EPS/PNGのフリー素材">
+            <a:extLst>
+              <a:ext uri="{FF2B5EF4-FFF2-40B4-BE49-F238E27FC236}">
+                <a16:creationId xmlns:a16="http://schemas.microsoft.com/office/drawing/2014/main" id="{774AAA77-60AC-2449-C1F0-1209513351B7}"/>
+              </a:ext>
+            </a:extLst>
+          </p:cNvPr>
+          <p:cNvPicPr>
+            <a:picLocks noChangeAspect="1" noChangeArrowheads="1"/>
+          </p:cNvPicPr>
+          <p:nvPr/>
+        </p:nvPicPr>
+        <p:blipFill rotWithShape="1">
+          <a:blip r:embed="rId6">
+            <a:extLst>
+              <a:ext uri="{28A0092B-C50C-407E-A947-70E740481C1C}">
+                <a14:useLocalDpi xmlns:a14="http://schemas.microsoft.com/office/drawing/2010/main" val="0"/>
+              </a:ext>
+            </a:extLst>
+          </a:blip>
+          <a:srcRect l="26485" t="19144" r="25515" b="15302"/>
+          <a:stretch>
+            <a:fillRect/>
+          </a:stretch>
+        </p:blipFill>
+        <p:spPr bwMode="auto">
+          <a:xfrm>
+            <a:off x="9033164" y="4752905"/>
+            <a:ext cx="914400" cy="999041"/>
+          </a:xfrm>
+          <a:prstGeom prst="rect">
+            <a:avLst/>
+          </a:prstGeom>
+          <a:noFill/>
+          <a:extLst>
+            <a:ext uri="{909E8E84-426E-40DD-AFC4-6F175D3DCCD1}">
+              <a14:hiddenFill xmlns:a14="http://schemas.microsoft.com/office/drawing/2010/main">
+                <a:solidFill>
+                  <a:srgbClr val="FFFFFF"/>
+                </a:solidFill>
+              </a14:hiddenFill>
+            </a:ext>
+          </a:extLst>
+        </p:spPr>
+      </p:pic>
     </p:spTree>
     <p:extLst>
       <p:ext uri="{BB962C8B-B14F-4D97-AF65-F5344CB8AC3E}">
@@ -8263,6 +11461,648 @@
     <p:extLst>
       <p:ext uri="{BB962C8B-B14F-4D97-AF65-F5344CB8AC3E}">
         <p14:creationId xmlns:p14="http://schemas.microsoft.com/office/powerpoint/2010/main" val="1800988071"/>
+      </p:ext>
+    </p:extLst>
+  </p:cSld>
+  <p:clrMapOvr>
+    <a:masterClrMapping/>
+  </p:clrMapOvr>
+</p:sld>
+</file>
+
+<file path=ppt/slides/slide20.xml><?xml version="1.0" encoding="utf-8"?>
+<p:sld xmlns:a="http://schemas.openxmlformats.org/drawingml/2006/main" xmlns:r="http://schemas.openxmlformats.org/officeDocument/2006/relationships" xmlns:p="http://schemas.openxmlformats.org/presentationml/2006/main">
+  <p:cSld>
+    <p:spTree>
+      <p:nvGrpSpPr>
+        <p:cNvPr id="1" name=""/>
+        <p:cNvGrpSpPr/>
+        <p:nvPr/>
+      </p:nvGrpSpPr>
+      <p:grpSpPr>
+        <a:xfrm>
+          <a:off x="0" y="0"/>
+          <a:ext cx="0" cy="0"/>
+          <a:chOff x="0" y="0"/>
+          <a:chExt cx="0" cy="0"/>
+        </a:xfrm>
+      </p:grpSpPr>
+      <p:grpSp>
+        <p:nvGrpSpPr>
+          <p:cNvPr id="4" name="グループ化 3">
+            <a:extLst>
+              <a:ext uri="{FF2B5EF4-FFF2-40B4-BE49-F238E27FC236}">
+                <a16:creationId xmlns:a16="http://schemas.microsoft.com/office/drawing/2014/main" id="{57676D19-DC70-850A-B9C0-88F6C71AB7C1}"/>
+              </a:ext>
+            </a:extLst>
+          </p:cNvPr>
+          <p:cNvGrpSpPr/>
+          <p:nvPr/>
+        </p:nvGrpSpPr>
+        <p:grpSpPr>
+          <a:xfrm>
+            <a:off x="2260056" y="400018"/>
+            <a:ext cx="3916218" cy="1816710"/>
+            <a:chOff x="2260056" y="400018"/>
+            <a:chExt cx="3916218" cy="1816710"/>
+          </a:xfrm>
+        </p:grpSpPr>
+        <p:sp>
+          <p:nvSpPr>
+            <p:cNvPr id="2055" name="四角形: 角を丸くする 2054">
+              <a:extLst>
+                <a:ext uri="{FF2B5EF4-FFF2-40B4-BE49-F238E27FC236}">
+                  <a16:creationId xmlns:a16="http://schemas.microsoft.com/office/drawing/2014/main" id="{66AEA50C-3482-5604-4993-DFE26A16C8DD}"/>
+                </a:ext>
+              </a:extLst>
+            </p:cNvPr>
+            <p:cNvSpPr/>
+            <p:nvPr/>
+          </p:nvSpPr>
+          <p:spPr>
+            <a:xfrm>
+              <a:off x="2260056" y="400018"/>
+              <a:ext cx="3916218" cy="1816710"/>
+            </a:xfrm>
+            <a:prstGeom prst="roundRect">
+              <a:avLst>
+                <a:gd name="adj" fmla="val 7292"/>
+              </a:avLst>
+            </a:prstGeom>
+            <a:solidFill>
+              <a:schemeClr val="bg1"/>
+            </a:solidFill>
+            <a:ln>
+              <a:noFill/>
+            </a:ln>
+          </p:spPr>
+          <p:style>
+            <a:lnRef idx="2">
+              <a:schemeClr val="accent1">
+                <a:shade val="15000"/>
+              </a:schemeClr>
+            </a:lnRef>
+            <a:fillRef idx="1">
+              <a:schemeClr val="accent1"/>
+            </a:fillRef>
+            <a:effectRef idx="0">
+              <a:schemeClr val="accent1"/>
+            </a:effectRef>
+            <a:fontRef idx="minor">
+              <a:schemeClr val="lt1"/>
+            </a:fontRef>
+          </p:style>
+          <p:txBody>
+            <a:bodyPr rtlCol="0" anchor="ctr"/>
+            <a:lstStyle/>
+            <a:p>
+              <a:pPr algn="ctr"/>
+              <a:endParaRPr kumimoji="1" lang="ja-JP" altLang="en-US" dirty="0"/>
+            </a:p>
+          </p:txBody>
+        </p:sp>
+        <p:sp>
+          <p:nvSpPr>
+            <p:cNvPr id="2" name="テキスト ボックス 1">
+              <a:extLst>
+                <a:ext uri="{FF2B5EF4-FFF2-40B4-BE49-F238E27FC236}">
+                  <a16:creationId xmlns:a16="http://schemas.microsoft.com/office/drawing/2014/main" id="{1B981ADD-E709-3254-C5CF-5852B6784D63}"/>
+                </a:ext>
+              </a:extLst>
+            </p:cNvPr>
+            <p:cNvSpPr txBox="1"/>
+            <p:nvPr/>
+          </p:nvSpPr>
+          <p:spPr>
+            <a:xfrm>
+              <a:off x="2330470" y="572654"/>
+              <a:ext cx="1800493" cy="369332"/>
+            </a:xfrm>
+            <a:prstGeom prst="rect">
+              <a:avLst/>
+            </a:prstGeom>
+            <a:noFill/>
+          </p:spPr>
+          <p:txBody>
+            <a:bodyPr wrap="none" rtlCol="0">
+              <a:spAutoFit/>
+            </a:bodyPr>
+            <a:lstStyle/>
+            <a:p>
+              <a:r>
+                <a:rPr kumimoji="1" lang="ja-JP" altLang="en-US" dirty="0"/>
+                <a:t>デッキをコピー</a:t>
+              </a:r>
+            </a:p>
+          </p:txBody>
+        </p:sp>
+        <p:sp>
+          <p:nvSpPr>
+            <p:cNvPr id="3" name="テキスト ボックス 2">
+              <a:extLst>
+                <a:ext uri="{FF2B5EF4-FFF2-40B4-BE49-F238E27FC236}">
+                  <a16:creationId xmlns:a16="http://schemas.microsoft.com/office/drawing/2014/main" id="{146C7DEB-78FA-3B97-8B9D-08029727FF57}"/>
+                </a:ext>
+              </a:extLst>
+            </p:cNvPr>
+            <p:cNvSpPr txBox="1"/>
+            <p:nvPr/>
+          </p:nvSpPr>
+          <p:spPr>
+            <a:xfrm>
+              <a:off x="2330469" y="1126713"/>
+              <a:ext cx="3775393" cy="307777"/>
+            </a:xfrm>
+            <a:prstGeom prst="rect">
+              <a:avLst/>
+            </a:prstGeom>
+            <a:noFill/>
+          </p:spPr>
+          <p:txBody>
+            <a:bodyPr wrap="none" rtlCol="0">
+              <a:spAutoFit/>
+            </a:bodyPr>
+            <a:lstStyle/>
+            <a:p>
+              <a:r>
+                <a:rPr kumimoji="1" lang="ja-JP" altLang="en-US" sz="1400" dirty="0"/>
+                <a:t>このデッキをコピーしてもよろしいですか？</a:t>
+              </a:r>
+            </a:p>
+          </p:txBody>
+        </p:sp>
+      </p:grpSp>
+      <p:sp>
+        <p:nvSpPr>
+          <p:cNvPr id="5" name="四角形: 角を丸くする 4">
+            <a:extLst>
+              <a:ext uri="{FF2B5EF4-FFF2-40B4-BE49-F238E27FC236}">
+                <a16:creationId xmlns:a16="http://schemas.microsoft.com/office/drawing/2014/main" id="{EE355C60-4DC2-3AF7-9A8B-DB24FC4B4B78}"/>
+              </a:ext>
+            </a:extLst>
+          </p:cNvPr>
+          <p:cNvSpPr/>
+          <p:nvPr/>
+        </p:nvSpPr>
+        <p:spPr>
+          <a:xfrm>
+            <a:off x="2089183" y="3314090"/>
+            <a:ext cx="3916218" cy="1816710"/>
+          </a:xfrm>
+          <a:prstGeom prst="roundRect">
+            <a:avLst>
+              <a:gd name="adj" fmla="val 6275"/>
+            </a:avLst>
+          </a:prstGeom>
+          <a:solidFill>
+            <a:schemeClr val="bg1"/>
+          </a:solidFill>
+          <a:ln>
+            <a:solidFill>
+              <a:schemeClr val="bg1"/>
+            </a:solidFill>
+          </a:ln>
+        </p:spPr>
+        <p:style>
+          <a:lnRef idx="2">
+            <a:schemeClr val="accent1">
+              <a:shade val="15000"/>
+            </a:schemeClr>
+          </a:lnRef>
+          <a:fillRef idx="1">
+            <a:schemeClr val="accent1"/>
+          </a:fillRef>
+          <a:effectRef idx="0">
+            <a:schemeClr val="accent1"/>
+          </a:effectRef>
+          <a:fontRef idx="minor">
+            <a:schemeClr val="lt1"/>
+          </a:fontRef>
+        </p:style>
+        <p:txBody>
+          <a:bodyPr rtlCol="0" anchor="ctr"/>
+          <a:lstStyle/>
+          <a:p>
+            <a:pPr algn="ctr"/>
+            <a:endParaRPr kumimoji="1" lang="ja-JP" altLang="en-US" dirty="0"/>
+          </a:p>
+        </p:txBody>
+      </p:sp>
+    </p:spTree>
+    <p:extLst>
+      <p:ext uri="{BB962C8B-B14F-4D97-AF65-F5344CB8AC3E}">
+        <p14:creationId xmlns:p14="http://schemas.microsoft.com/office/powerpoint/2010/main" val="3530964261"/>
+      </p:ext>
+    </p:extLst>
+  </p:cSld>
+  <p:clrMapOvr>
+    <a:masterClrMapping/>
+  </p:clrMapOvr>
+</p:sld>
+</file>
+
+<file path=ppt/slides/slide21.xml><?xml version="1.0" encoding="utf-8"?>
+<p:sld xmlns:a="http://schemas.openxmlformats.org/drawingml/2006/main" xmlns:r="http://schemas.openxmlformats.org/officeDocument/2006/relationships" xmlns:p="http://schemas.openxmlformats.org/presentationml/2006/main">
+  <p:cSld>
+    <p:spTree>
+      <p:nvGrpSpPr>
+        <p:cNvPr id="1" name=""/>
+        <p:cNvGrpSpPr/>
+        <p:nvPr/>
+      </p:nvGrpSpPr>
+      <p:grpSpPr>
+        <a:xfrm>
+          <a:off x="0" y="0"/>
+          <a:ext cx="0" cy="0"/>
+          <a:chOff x="0" y="0"/>
+          <a:chExt cx="0" cy="0"/>
+        </a:xfrm>
+      </p:grpSpPr>
+      <p:sp>
+        <p:nvSpPr>
+          <p:cNvPr id="6" name="フローチャート: 端子 5">
+            <a:extLst>
+              <a:ext uri="{FF2B5EF4-FFF2-40B4-BE49-F238E27FC236}">
+                <a16:creationId xmlns:a16="http://schemas.microsoft.com/office/drawing/2014/main" id="{003F4B81-F6E5-F1A3-FEA9-56E670426D2C}"/>
+              </a:ext>
+            </a:extLst>
+          </p:cNvPr>
+          <p:cNvSpPr/>
+          <p:nvPr/>
+        </p:nvSpPr>
+        <p:spPr>
+          <a:xfrm>
+            <a:off x="737418" y="350920"/>
+            <a:ext cx="1080000" cy="720000"/>
+          </a:xfrm>
+          <a:prstGeom prst="flowChartTerminator">
+            <a:avLst/>
+          </a:prstGeom>
+          <a:solidFill>
+            <a:srgbClr val="DBE0FF"/>
+          </a:solidFill>
+          <a:ln>
+            <a:noFill/>
+          </a:ln>
+        </p:spPr>
+        <p:style>
+          <a:lnRef idx="2">
+            <a:schemeClr val="accent1">
+              <a:shade val="15000"/>
+            </a:schemeClr>
+          </a:lnRef>
+          <a:fillRef idx="1">
+            <a:schemeClr val="accent1"/>
+          </a:fillRef>
+          <a:effectRef idx="0">
+            <a:schemeClr val="accent1"/>
+          </a:effectRef>
+          <a:fontRef idx="minor">
+            <a:schemeClr val="lt1"/>
+          </a:fontRef>
+        </p:style>
+        <p:txBody>
+          <a:bodyPr rtlCol="0" anchor="ctr"/>
+          <a:lstStyle/>
+          <a:p>
+            <a:pPr algn="ctr"/>
+            <a:r>
+              <a:rPr lang="ja-JP" altLang="en-US" b="1" dirty="0">
+                <a:solidFill>
+                  <a:srgbClr val="656D96"/>
+                </a:solidFill>
+              </a:rPr>
+              <a:t>保存</a:t>
+            </a:r>
+            <a:endParaRPr kumimoji="1" lang="en-US" altLang="ja-JP" b="1" dirty="0">
+              <a:solidFill>
+                <a:srgbClr val="656D96"/>
+              </a:solidFill>
+            </a:endParaRPr>
+          </a:p>
+        </p:txBody>
+      </p:sp>
+      <p:sp>
+        <p:nvSpPr>
+          <p:cNvPr id="7" name="フローチャート: 端子 6">
+            <a:extLst>
+              <a:ext uri="{FF2B5EF4-FFF2-40B4-BE49-F238E27FC236}">
+                <a16:creationId xmlns:a16="http://schemas.microsoft.com/office/drawing/2014/main" id="{10132E74-FF94-0FEB-C9B2-2B903BF89835}"/>
+              </a:ext>
+            </a:extLst>
+          </p:cNvPr>
+          <p:cNvSpPr/>
+          <p:nvPr/>
+        </p:nvSpPr>
+        <p:spPr>
+          <a:xfrm>
+            <a:off x="614828" y="1353067"/>
+            <a:ext cx="5776737" cy="720000"/>
+          </a:xfrm>
+          <a:custGeom>
+            <a:avLst/>
+            <a:gdLst>
+              <a:gd name="connsiteX0" fmla="*/ 3475 w 21600"/>
+              <a:gd name="connsiteY0" fmla="*/ 0 h 21600"/>
+              <a:gd name="connsiteX1" fmla="*/ 18125 w 21600"/>
+              <a:gd name="connsiteY1" fmla="*/ 0 h 21600"/>
+              <a:gd name="connsiteX2" fmla="*/ 21600 w 21600"/>
+              <a:gd name="connsiteY2" fmla="*/ 10800 h 21600"/>
+              <a:gd name="connsiteX3" fmla="*/ 18125 w 21600"/>
+              <a:gd name="connsiteY3" fmla="*/ 21600 h 21600"/>
+              <a:gd name="connsiteX4" fmla="*/ 3475 w 21600"/>
+              <a:gd name="connsiteY4" fmla="*/ 21600 h 21600"/>
+              <a:gd name="connsiteX5" fmla="*/ 0 w 21600"/>
+              <a:gd name="connsiteY5" fmla="*/ 10800 h 21600"/>
+              <a:gd name="connsiteX6" fmla="*/ 3475 w 21600"/>
+              <a:gd name="connsiteY6" fmla="*/ 0 h 21600"/>
+              <a:gd name="connsiteX0" fmla="*/ 1865 w 21718"/>
+              <a:gd name="connsiteY0" fmla="*/ 0 h 21600"/>
+              <a:gd name="connsiteX1" fmla="*/ 18243 w 21718"/>
+              <a:gd name="connsiteY1" fmla="*/ 0 h 21600"/>
+              <a:gd name="connsiteX2" fmla="*/ 21718 w 21718"/>
+              <a:gd name="connsiteY2" fmla="*/ 10800 h 21600"/>
+              <a:gd name="connsiteX3" fmla="*/ 18243 w 21718"/>
+              <a:gd name="connsiteY3" fmla="*/ 21600 h 21600"/>
+              <a:gd name="connsiteX4" fmla="*/ 3593 w 21718"/>
+              <a:gd name="connsiteY4" fmla="*/ 21600 h 21600"/>
+              <a:gd name="connsiteX5" fmla="*/ 118 w 21718"/>
+              <a:gd name="connsiteY5" fmla="*/ 10800 h 21600"/>
+              <a:gd name="connsiteX6" fmla="*/ 1865 w 21718"/>
+              <a:gd name="connsiteY6" fmla="*/ 0 h 21600"/>
+              <a:gd name="connsiteX0" fmla="*/ 1762 w 21615"/>
+              <a:gd name="connsiteY0" fmla="*/ 0 h 21600"/>
+              <a:gd name="connsiteX1" fmla="*/ 18140 w 21615"/>
+              <a:gd name="connsiteY1" fmla="*/ 0 h 21600"/>
+              <a:gd name="connsiteX2" fmla="*/ 21615 w 21615"/>
+              <a:gd name="connsiteY2" fmla="*/ 10800 h 21600"/>
+              <a:gd name="connsiteX3" fmla="*/ 18140 w 21615"/>
+              <a:gd name="connsiteY3" fmla="*/ 21600 h 21600"/>
+              <a:gd name="connsiteX4" fmla="*/ 1935 w 21615"/>
+              <a:gd name="connsiteY4" fmla="*/ 21600 h 21600"/>
+              <a:gd name="connsiteX5" fmla="*/ 15 w 21615"/>
+              <a:gd name="connsiteY5" fmla="*/ 10800 h 21600"/>
+              <a:gd name="connsiteX6" fmla="*/ 1762 w 21615"/>
+              <a:gd name="connsiteY6" fmla="*/ 0 h 21600"/>
+              <a:gd name="connsiteX0" fmla="*/ 1762 w 21693"/>
+              <a:gd name="connsiteY0" fmla="*/ 0 h 21600"/>
+              <a:gd name="connsiteX1" fmla="*/ 19661 w 21693"/>
+              <a:gd name="connsiteY1" fmla="*/ 277 h 21600"/>
+              <a:gd name="connsiteX2" fmla="*/ 21615 w 21693"/>
+              <a:gd name="connsiteY2" fmla="*/ 10800 h 21600"/>
+              <a:gd name="connsiteX3" fmla="*/ 18140 w 21693"/>
+              <a:gd name="connsiteY3" fmla="*/ 21600 h 21600"/>
+              <a:gd name="connsiteX4" fmla="*/ 1935 w 21693"/>
+              <a:gd name="connsiteY4" fmla="*/ 21600 h 21600"/>
+              <a:gd name="connsiteX5" fmla="*/ 15 w 21693"/>
+              <a:gd name="connsiteY5" fmla="*/ 10800 h 21600"/>
+              <a:gd name="connsiteX6" fmla="*/ 1762 w 21693"/>
+              <a:gd name="connsiteY6" fmla="*/ 0 h 21600"/>
+              <a:gd name="connsiteX0" fmla="*/ 1762 w 21615"/>
+              <a:gd name="connsiteY0" fmla="*/ 0 h 21600"/>
+              <a:gd name="connsiteX1" fmla="*/ 19661 w 21615"/>
+              <a:gd name="connsiteY1" fmla="*/ 277 h 21600"/>
+              <a:gd name="connsiteX2" fmla="*/ 21615 w 21615"/>
+              <a:gd name="connsiteY2" fmla="*/ 10800 h 21600"/>
+              <a:gd name="connsiteX3" fmla="*/ 19695 w 21615"/>
+              <a:gd name="connsiteY3" fmla="*/ 21600 h 21600"/>
+              <a:gd name="connsiteX4" fmla="*/ 1935 w 21615"/>
+              <a:gd name="connsiteY4" fmla="*/ 21600 h 21600"/>
+              <a:gd name="connsiteX5" fmla="*/ 15 w 21615"/>
+              <a:gd name="connsiteY5" fmla="*/ 10800 h 21600"/>
+              <a:gd name="connsiteX6" fmla="*/ 1762 w 21615"/>
+              <a:gd name="connsiteY6" fmla="*/ 0 h 21600"/>
+            </a:gdLst>
+            <a:ahLst/>
+            <a:cxnLst>
+              <a:cxn ang="0">
+                <a:pos x="connsiteX0" y="connsiteY0"/>
+              </a:cxn>
+              <a:cxn ang="0">
+                <a:pos x="connsiteX1" y="connsiteY1"/>
+              </a:cxn>
+              <a:cxn ang="0">
+                <a:pos x="connsiteX2" y="connsiteY2"/>
+              </a:cxn>
+              <a:cxn ang="0">
+                <a:pos x="connsiteX3" y="connsiteY3"/>
+              </a:cxn>
+              <a:cxn ang="0">
+                <a:pos x="connsiteX4" y="connsiteY4"/>
+              </a:cxn>
+              <a:cxn ang="0">
+                <a:pos x="connsiteX5" y="connsiteY5"/>
+              </a:cxn>
+              <a:cxn ang="0">
+                <a:pos x="connsiteX6" y="connsiteY6"/>
+              </a:cxn>
+            </a:cxnLst>
+            <a:rect l="l" t="t" r="r" b="b"/>
+            <a:pathLst>
+              <a:path w="21615" h="21600">
+                <a:moveTo>
+                  <a:pt x="1762" y="0"/>
+                </a:moveTo>
+                <a:lnTo>
+                  <a:pt x="19661" y="277"/>
+                </a:lnTo>
+                <a:cubicBezTo>
+                  <a:pt x="21580" y="277"/>
+                  <a:pt x="21609" y="7246"/>
+                  <a:pt x="21615" y="10800"/>
+                </a:cubicBezTo>
+                <a:cubicBezTo>
+                  <a:pt x="21621" y="14354"/>
+                  <a:pt x="21614" y="21600"/>
+                  <a:pt x="19695" y="21600"/>
+                </a:cubicBezTo>
+                <a:lnTo>
+                  <a:pt x="1935" y="21600"/>
+                </a:lnTo>
+                <a:cubicBezTo>
+                  <a:pt x="16" y="21600"/>
+                  <a:pt x="44" y="14400"/>
+                  <a:pt x="15" y="10800"/>
+                </a:cubicBezTo>
+                <a:cubicBezTo>
+                  <a:pt x="-14" y="7200"/>
+                  <a:pt x="-157" y="0"/>
+                  <a:pt x="1762" y="0"/>
+                </a:cubicBezTo>
+                <a:close/>
+              </a:path>
+            </a:pathLst>
+          </a:custGeom>
+          <a:solidFill>
+            <a:srgbClr val="DBE0FF"/>
+          </a:solidFill>
+          <a:ln>
+            <a:noFill/>
+          </a:ln>
+        </p:spPr>
+        <p:style>
+          <a:lnRef idx="2">
+            <a:schemeClr val="accent1">
+              <a:shade val="15000"/>
+            </a:schemeClr>
+          </a:lnRef>
+          <a:fillRef idx="1">
+            <a:schemeClr val="accent1"/>
+          </a:fillRef>
+          <a:effectRef idx="0">
+            <a:schemeClr val="accent1"/>
+          </a:effectRef>
+          <a:fontRef idx="minor">
+            <a:schemeClr val="lt1"/>
+          </a:fontRef>
+        </p:style>
+        <p:txBody>
+          <a:bodyPr rtlCol="0" anchor="ctr"/>
+          <a:lstStyle/>
+          <a:p>
+            <a:pPr algn="ctr"/>
+            <a:r>
+              <a:rPr lang="ja-JP" altLang="en-US" b="1" dirty="0">
+                <a:solidFill>
+                  <a:srgbClr val="656D96"/>
+                </a:solidFill>
+              </a:rPr>
+              <a:t>デッキカードを選択</a:t>
+            </a:r>
+            <a:endParaRPr kumimoji="1" lang="en-US" altLang="ja-JP" b="1" dirty="0">
+              <a:solidFill>
+                <a:srgbClr val="656D96"/>
+              </a:solidFill>
+            </a:endParaRPr>
+          </a:p>
+        </p:txBody>
+      </p:sp>
+      <p:sp>
+        <p:nvSpPr>
+          <p:cNvPr id="2" name="フローチャート: 端子 1">
+            <a:extLst>
+              <a:ext uri="{FF2B5EF4-FFF2-40B4-BE49-F238E27FC236}">
+                <a16:creationId xmlns:a16="http://schemas.microsoft.com/office/drawing/2014/main" id="{30939E28-86BE-9C2E-7311-C5475145D066}"/>
+              </a:ext>
+            </a:extLst>
+          </p:cNvPr>
+          <p:cNvSpPr/>
+          <p:nvPr/>
+        </p:nvSpPr>
+        <p:spPr>
+          <a:xfrm>
+            <a:off x="6862618" y="784594"/>
+            <a:ext cx="5209309" cy="1288473"/>
+          </a:xfrm>
+          <a:prstGeom prst="flowChartTerminator">
+            <a:avLst/>
+          </a:prstGeom>
+        </p:spPr>
+        <p:style>
+          <a:lnRef idx="2">
+            <a:schemeClr val="accent1">
+              <a:shade val="15000"/>
+            </a:schemeClr>
+          </a:lnRef>
+          <a:fillRef idx="1">
+            <a:schemeClr val="accent1"/>
+          </a:fillRef>
+          <a:effectRef idx="0">
+            <a:schemeClr val="accent1"/>
+          </a:effectRef>
+          <a:fontRef idx="minor">
+            <a:schemeClr val="lt1"/>
+          </a:fontRef>
+        </p:style>
+        <p:txBody>
+          <a:bodyPr rtlCol="0" anchor="ctr"/>
+          <a:lstStyle/>
+          <a:p>
+            <a:pPr algn="ctr"/>
+            <a:endParaRPr kumimoji="1" lang="ja-JP" altLang="en-US"/>
+          </a:p>
+        </p:txBody>
+      </p:sp>
+    </p:spTree>
+    <p:extLst>
+      <p:ext uri="{BB962C8B-B14F-4D97-AF65-F5344CB8AC3E}">
+        <p14:creationId xmlns:p14="http://schemas.microsoft.com/office/powerpoint/2010/main" val="4239983643"/>
+      </p:ext>
+    </p:extLst>
+  </p:cSld>
+  <p:clrMapOvr>
+    <a:masterClrMapping/>
+  </p:clrMapOvr>
+</p:sld>
+</file>
+
+<file path=ppt/slides/slide22.xml><?xml version="1.0" encoding="utf-8"?>
+<p:sld xmlns:a="http://schemas.openxmlformats.org/drawingml/2006/main" xmlns:r="http://schemas.openxmlformats.org/officeDocument/2006/relationships" xmlns:p="http://schemas.openxmlformats.org/presentationml/2006/main">
+  <p:cSld>
+    <p:spTree>
+      <p:nvGrpSpPr>
+        <p:cNvPr id="1" name=""/>
+        <p:cNvGrpSpPr/>
+        <p:nvPr/>
+      </p:nvGrpSpPr>
+      <p:grpSpPr>
+        <a:xfrm>
+          <a:off x="0" y="0"/>
+          <a:ext cx="0" cy="0"/>
+          <a:chOff x="0" y="0"/>
+          <a:chExt cx="0" cy="0"/>
+        </a:xfrm>
+      </p:grpSpPr>
+      <p:sp>
+        <p:nvSpPr>
+          <p:cNvPr id="2" name="フローチャート: 論理積ゲート 1">
+            <a:extLst>
+              <a:ext uri="{FF2B5EF4-FFF2-40B4-BE49-F238E27FC236}">
+                <a16:creationId xmlns:a16="http://schemas.microsoft.com/office/drawing/2014/main" id="{5E661313-18C8-E6E8-9023-8AAE56F042A9}"/>
+              </a:ext>
+            </a:extLst>
+          </p:cNvPr>
+          <p:cNvSpPr/>
+          <p:nvPr/>
+        </p:nvSpPr>
+        <p:spPr>
+          <a:xfrm rot="10800000">
+            <a:off x="3759200" y="2216725"/>
+            <a:ext cx="757382" cy="1034474"/>
+          </a:xfrm>
+          <a:prstGeom prst="flowChartDelay">
+            <a:avLst/>
+          </a:prstGeom>
+        </p:spPr>
+        <p:style>
+          <a:lnRef idx="2">
+            <a:schemeClr val="dk1">
+              <a:shade val="15000"/>
+            </a:schemeClr>
+          </a:lnRef>
+          <a:fillRef idx="1">
+            <a:schemeClr val="dk1"/>
+          </a:fillRef>
+          <a:effectRef idx="0">
+            <a:schemeClr val="dk1"/>
+          </a:effectRef>
+          <a:fontRef idx="minor">
+            <a:schemeClr val="lt1"/>
+          </a:fontRef>
+        </p:style>
+        <p:txBody>
+          <a:bodyPr rtlCol="0" anchor="ctr"/>
+          <a:lstStyle/>
+          <a:p>
+            <a:pPr algn="ctr"/>
+            <a:endParaRPr kumimoji="1" lang="ja-JP" altLang="en-US"/>
+          </a:p>
+        </p:txBody>
+      </p:sp>
+    </p:spTree>
+    <p:extLst>
+      <p:ext uri="{BB962C8B-B14F-4D97-AF65-F5344CB8AC3E}">
+        <p14:creationId xmlns:p14="http://schemas.microsoft.com/office/powerpoint/2010/main" val="3378596853"/>
       </p:ext>
     </p:extLst>
   </p:cSld>
@@ -10341,6 +14181,129 @@
             </a:prstGeom>
           </p:spPr>
         </p:pic>
+      </p:grpSp>
+      <p:grpSp>
+        <p:nvGrpSpPr>
+          <p:cNvPr id="12" name="グループ化 11">
+            <a:extLst>
+              <a:ext uri="{FF2B5EF4-FFF2-40B4-BE49-F238E27FC236}">
+                <a16:creationId xmlns:a16="http://schemas.microsoft.com/office/drawing/2014/main" id="{D15319D1-CD2C-2A28-55FF-83D4CB8D1A68}"/>
+              </a:ext>
+            </a:extLst>
+          </p:cNvPr>
+          <p:cNvGrpSpPr/>
+          <p:nvPr/>
+        </p:nvGrpSpPr>
+        <p:grpSpPr>
+          <a:xfrm>
+            <a:off x="7854633" y="1307269"/>
+            <a:ext cx="1620000" cy="1620000"/>
+            <a:chOff x="7854633" y="1307269"/>
+            <a:chExt cx="1620000" cy="1620000"/>
+          </a:xfrm>
+        </p:grpSpPr>
+        <p:sp>
+          <p:nvSpPr>
+            <p:cNvPr id="3" name="楕円 2">
+              <a:extLst>
+                <a:ext uri="{FF2B5EF4-FFF2-40B4-BE49-F238E27FC236}">
+                  <a16:creationId xmlns:a16="http://schemas.microsoft.com/office/drawing/2014/main" id="{2B532FEF-0DD1-EE46-5056-AF0A6A370B6B}"/>
+                </a:ext>
+              </a:extLst>
+            </p:cNvPr>
+            <p:cNvSpPr/>
+            <p:nvPr/>
+          </p:nvSpPr>
+          <p:spPr>
+            <a:xfrm>
+              <a:off x="7854633" y="1307269"/>
+              <a:ext cx="1620000" cy="1620000"/>
+            </a:xfrm>
+            <a:prstGeom prst="ellipse">
+              <a:avLst/>
+            </a:prstGeom>
+            <a:noFill/>
+            <a:ln w="38100">
+              <a:solidFill>
+                <a:schemeClr val="tx1">
+                  <a:lumMod val="50000"/>
+                  <a:lumOff val="50000"/>
+                </a:schemeClr>
+              </a:solidFill>
+            </a:ln>
+          </p:spPr>
+          <p:style>
+            <a:lnRef idx="2">
+              <a:schemeClr val="accent1">
+                <a:shade val="15000"/>
+              </a:schemeClr>
+            </a:lnRef>
+            <a:fillRef idx="1">
+              <a:schemeClr val="accent1"/>
+            </a:fillRef>
+            <a:effectRef idx="0">
+              <a:schemeClr val="accent1"/>
+            </a:effectRef>
+            <a:fontRef idx="minor">
+              <a:schemeClr val="lt1"/>
+            </a:fontRef>
+          </p:style>
+          <p:txBody>
+            <a:bodyPr rtlCol="0" anchor="ctr"/>
+            <a:lstStyle/>
+            <a:p>
+              <a:pPr algn="ctr"/>
+              <a:endParaRPr kumimoji="1" lang="ja-JP" altLang="en-US"/>
+            </a:p>
+          </p:txBody>
+        </p:sp>
+        <p:cxnSp>
+          <p:nvCxnSpPr>
+            <p:cNvPr id="11" name="直線コネクタ 10">
+              <a:extLst>
+                <a:ext uri="{FF2B5EF4-FFF2-40B4-BE49-F238E27FC236}">
+                  <a16:creationId xmlns:a16="http://schemas.microsoft.com/office/drawing/2014/main" id="{80650CF0-3609-AA30-F0B2-A9B8AD069EE3}"/>
+                </a:ext>
+              </a:extLst>
+            </p:cNvPr>
+            <p:cNvCxnSpPr>
+              <a:stCxn id="3" idx="1"/>
+              <a:endCxn id="3" idx="5"/>
+            </p:cNvCxnSpPr>
+            <p:nvPr/>
+          </p:nvCxnSpPr>
+          <p:spPr>
+            <a:xfrm>
+              <a:off x="8091877" y="1544513"/>
+              <a:ext cx="1145512" cy="1145512"/>
+            </a:xfrm>
+            <a:prstGeom prst="line">
+              <a:avLst/>
+            </a:prstGeom>
+            <a:ln w="38100">
+              <a:solidFill>
+                <a:schemeClr val="tx1">
+                  <a:lumMod val="50000"/>
+                  <a:lumOff val="50000"/>
+                </a:schemeClr>
+              </a:solidFill>
+            </a:ln>
+          </p:spPr>
+          <p:style>
+            <a:lnRef idx="1">
+              <a:schemeClr val="accent1"/>
+            </a:lnRef>
+            <a:fillRef idx="0">
+              <a:schemeClr val="accent1"/>
+            </a:fillRef>
+            <a:effectRef idx="0">
+              <a:schemeClr val="accent1"/>
+            </a:effectRef>
+            <a:fontRef idx="minor">
+              <a:schemeClr val="tx1"/>
+            </a:fontRef>
+          </p:style>
+        </p:cxnSp>
       </p:grpSp>
     </p:spTree>
     <p:extLst>
